--- a/images/intro.pptx
+++ b/images/intro.pptx
@@ -5,7 +5,8 @@
     <p:sldMasterId id="2147483648" r:id="rId1"/>
   </p:sldMasterIdLst>
   <p:sldIdLst>
-    <p:sldId id="257" r:id="rId3"/>
+    <p:sldId id="257" r:id="rId2"/>
+    <p:sldId id="258" r:id="rId3"/>
   </p:sldIdLst>
   <p:sldSz cx="12192000" cy="6858000"/>
   <p:notesSz cx="6858000" cy="9144000"/>
@@ -104,6 +105,25 @@
       </a:defRPr>
     </a:lvl9pPr>
   </p:defaultTextStyle>
+  <p:extLst>
+    <p:ext uri="{EFAFB233-063F-42B5-8137-9DF3F51BA10A}">
+      <p15:sldGuideLst xmlns:p15="http://schemas.microsoft.com/office/powerpoint/2012/main">
+        <p15:guide id="1" orient="horz" pos="2160">
+          <p15:clr>
+            <a:srgbClr val="A4A3A4"/>
+          </p15:clr>
+        </p15:guide>
+        <p15:guide id="2" pos="3840">
+          <p15:clr>
+            <a:srgbClr val="A4A3A4"/>
+          </p15:clr>
+        </p15:guide>
+      </p15:sldGuideLst>
+    </p:ext>
+    <p:ext uri="{2D200454-40CA-4A62-9FC3-DE9A4176ACB9}">
+      <p15:notesGuideLst xmlns:p15="http://schemas.microsoft.com/office/powerpoint/2012/main"/>
+    </p:ext>
+  </p:extLst>
 </p:presentation>
 </file>
 
@@ -133,7 +153,7 @@
           <p:nvPr>
             <p:ph type="ctrTitle" hasCustomPrompt="1"/>
             <p:custDataLst>
-              <p:tags r:id="rId2"/>
+              <p:tags r:id="rId1"/>
             </p:custDataLst>
           </p:nvPr>
         </p:nvSpPr>
@@ -157,7 +177,6 @@
               <a:rPr lang="zh-CN" altLang="en-US" dirty="0"/>
               <a:t>单击此处编辑标题</a:t>
             </a:r>
-            <a:endParaRPr lang="zh-CN" altLang="en-US" dirty="0"/>
           </a:p>
         </p:txBody>
       </p:sp>
@@ -170,7 +189,7 @@
           <p:nvPr>
             <p:ph type="subTitle" idx="1" hasCustomPrompt="1"/>
             <p:custDataLst>
-              <p:tags r:id="rId3"/>
+              <p:tags r:id="rId2"/>
             </p:custDataLst>
           </p:nvPr>
         </p:nvSpPr>
@@ -230,7 +249,6 @@
               <a:rPr lang="zh-CN" altLang="en-US" dirty="0"/>
               <a:t>单击此处编辑副标题</a:t>
             </a:r>
-            <a:endParaRPr lang="zh-CN" altLang="en-US" dirty="0"/>
           </a:p>
         </p:txBody>
       </p:sp>
@@ -243,7 +261,7 @@
           <p:nvPr>
             <p:ph type="dt" sz="half" idx="10"/>
             <p:custDataLst>
-              <p:tags r:id="rId4"/>
+              <p:tags r:id="rId3"/>
             </p:custDataLst>
           </p:nvPr>
         </p:nvSpPr>
@@ -254,6 +272,7 @@
           <a:p>
             <a:fld id="{760FBDFE-C587-4B4C-A407-44438C67B59E}" type="datetimeFigureOut">
               <a:rPr lang="zh-CN" altLang="en-US" smtClean="0"/>
+              <a:t>2022/3/6</a:t>
             </a:fld>
             <a:endParaRPr lang="zh-CN" altLang="en-US"/>
           </a:p>
@@ -268,7 +287,7 @@
           <p:nvPr>
             <p:ph type="ftr" sz="quarter" idx="11"/>
             <p:custDataLst>
-              <p:tags r:id="rId5"/>
+              <p:tags r:id="rId4"/>
             </p:custDataLst>
           </p:nvPr>
         </p:nvSpPr>
@@ -290,7 +309,7 @@
           <p:nvPr>
             <p:ph type="sldNum" sz="quarter" idx="12"/>
             <p:custDataLst>
-              <p:tags r:id="rId6"/>
+              <p:tags r:id="rId5"/>
             </p:custDataLst>
           </p:nvPr>
         </p:nvSpPr>
@@ -301,6 +320,7 @@
           <a:p>
             <a:fld id="{49AE70B2-8BF9-45C0-BB95-33D1B9D3A854}" type="slidenum">
               <a:rPr lang="zh-CN" altLang="en-US" smtClean="0"/>
+              <a:t>‹#›</a:t>
             </a:fld>
             <a:endParaRPr lang="zh-CN" altLang="en-US" dirty="0"/>
           </a:p>
@@ -340,7 +360,7 @@
           <p:nvPr>
             <p:ph type="dt" sz="half" idx="10"/>
             <p:custDataLst>
-              <p:tags r:id="rId2"/>
+              <p:tags r:id="rId1"/>
             </p:custDataLst>
           </p:nvPr>
         </p:nvSpPr>
@@ -351,6 +371,7 @@
           <a:p>
             <a:fld id="{760FBDFE-C587-4B4C-A407-44438C67B59E}" type="datetimeFigureOut">
               <a:rPr lang="zh-CN" altLang="en-US" smtClean="0"/>
+              <a:t>2022/3/6</a:t>
             </a:fld>
             <a:endParaRPr lang="zh-CN" altLang="en-US"/>
           </a:p>
@@ -365,7 +386,7 @@
           <p:nvPr>
             <p:ph type="ftr" sz="quarter" idx="11"/>
             <p:custDataLst>
-              <p:tags r:id="rId3"/>
+              <p:tags r:id="rId2"/>
             </p:custDataLst>
           </p:nvPr>
         </p:nvSpPr>
@@ -387,7 +408,7 @@
           <p:nvPr>
             <p:ph type="sldNum" sz="quarter" idx="12"/>
             <p:custDataLst>
-              <p:tags r:id="rId4"/>
+              <p:tags r:id="rId3"/>
             </p:custDataLst>
           </p:nvPr>
         </p:nvSpPr>
@@ -398,6 +419,7 @@
           <a:p>
             <a:fld id="{49AE70B2-8BF9-45C0-BB95-33D1B9D3A854}" type="slidenum">
               <a:rPr lang="zh-CN" altLang="en-US" smtClean="0"/>
+              <a:t>‹#›</a:t>
             </a:fld>
             <a:endParaRPr lang="zh-CN" altLang="en-US"/>
           </a:p>
@@ -412,7 +434,7 @@
           <p:nvPr>
             <p:ph sz="quarter" idx="13"/>
             <p:custDataLst>
-              <p:tags r:id="rId5"/>
+              <p:tags r:id="rId4"/>
             </p:custDataLst>
           </p:nvPr>
         </p:nvSpPr>
@@ -431,7 +453,6 @@
               <a:rPr lang="zh-CN" altLang="en-US" dirty="0"/>
               <a:t>单击此处编辑母版文本样式</a:t>
             </a:r>
-            <a:endParaRPr lang="zh-CN" altLang="en-US" dirty="0"/>
           </a:p>
           <a:p>
             <a:pPr lvl="1"/>
@@ -439,7 +460,6 @@
               <a:rPr lang="zh-CN" altLang="en-US" dirty="0"/>
               <a:t>第二级</a:t>
             </a:r>
-            <a:endParaRPr lang="zh-CN" altLang="en-US" dirty="0"/>
           </a:p>
           <a:p>
             <a:pPr lvl="2"/>
@@ -447,7 +467,6 @@
               <a:rPr lang="zh-CN" altLang="en-US" dirty="0"/>
               <a:t>第三级</a:t>
             </a:r>
-            <a:endParaRPr lang="zh-CN" altLang="en-US" dirty="0"/>
           </a:p>
           <a:p>
             <a:pPr lvl="3"/>
@@ -455,7 +474,6 @@
               <a:rPr lang="zh-CN" altLang="en-US" dirty="0"/>
               <a:t>第四级</a:t>
             </a:r>
-            <a:endParaRPr lang="zh-CN" altLang="en-US" dirty="0"/>
           </a:p>
           <a:p>
             <a:pPr lvl="4"/>
@@ -463,7 +481,6 @@
               <a:rPr lang="zh-CN" altLang="en-US" dirty="0"/>
               <a:t>第五级</a:t>
             </a:r>
-            <a:endParaRPr lang="zh-CN" altLang="en-US" dirty="0"/>
           </a:p>
         </p:txBody>
       </p:sp>
@@ -501,7 +518,7 @@
           <p:nvPr>
             <p:ph type="dt" sz="half" idx="10"/>
             <p:custDataLst>
-              <p:tags r:id="rId2"/>
+              <p:tags r:id="rId1"/>
             </p:custDataLst>
           </p:nvPr>
         </p:nvSpPr>
@@ -512,6 +529,7 @@
           <a:p>
             <a:fld id="{760FBDFE-C587-4B4C-A407-44438C67B59E}" type="datetimeFigureOut">
               <a:rPr lang="zh-CN" altLang="en-US" smtClean="0"/>
+              <a:t>2022/3/6</a:t>
             </a:fld>
             <a:endParaRPr lang="zh-CN" altLang="en-US"/>
           </a:p>
@@ -526,7 +544,7 @@
           <p:nvPr>
             <p:ph type="ftr" sz="quarter" idx="11"/>
             <p:custDataLst>
-              <p:tags r:id="rId3"/>
+              <p:tags r:id="rId2"/>
             </p:custDataLst>
           </p:nvPr>
         </p:nvSpPr>
@@ -548,7 +566,7 @@
           <p:nvPr>
             <p:ph type="sldNum" sz="quarter" idx="12"/>
             <p:custDataLst>
-              <p:tags r:id="rId4"/>
+              <p:tags r:id="rId3"/>
             </p:custDataLst>
           </p:nvPr>
         </p:nvSpPr>
@@ -559,6 +577,7 @@
           <a:p>
             <a:fld id="{49AE70B2-8BF9-45C0-BB95-33D1B9D3A854}" type="slidenum">
               <a:rPr lang="zh-CN" altLang="en-US" smtClean="0"/>
+              <a:t>‹#›</a:t>
             </a:fld>
             <a:endParaRPr lang="zh-CN" altLang="en-US"/>
           </a:p>
@@ -573,7 +592,7 @@
           <p:nvPr>
             <p:ph type="title" hasCustomPrompt="1"/>
             <p:custDataLst>
-              <p:tags r:id="rId5"/>
+              <p:tags r:id="rId4"/>
             </p:custDataLst>
           </p:nvPr>
         </p:nvSpPr>
@@ -595,10 +614,9 @@
           <a:p>
             <a:pPr lvl="0"/>
             <a:r>
-              <a:rPr lang="zh-CN" altLang="en-US" smtClean="0"/>
+              <a:rPr lang="zh-CN" altLang="en-US"/>
               <a:t>单击此处编辑标题</a:t>
             </a:r>
-            <a:endParaRPr lang="zh-CN" altLang="en-US"/>
           </a:p>
         </p:txBody>
       </p:sp>
@@ -611,7 +629,7 @@
           <p:nvPr>
             <p:ph type="body" sz="quarter" idx="13"/>
             <p:custDataLst>
-              <p:tags r:id="rId6"/>
+              <p:tags r:id="rId5"/>
             </p:custDataLst>
           </p:nvPr>
         </p:nvSpPr>
@@ -640,7 +658,6 @@
               <a:rPr lang="zh-CN" altLang="en-US" dirty="0"/>
               <a:t>单击此处编辑母版文本样式</a:t>
             </a:r>
-            <a:endParaRPr lang="zh-CN" altLang="en-US" dirty="0"/>
           </a:p>
         </p:txBody>
       </p:sp>
@@ -678,7 +695,7 @@
           <p:nvPr>
             <p:ph type="title"/>
             <p:custDataLst>
-              <p:tags r:id="rId2"/>
+              <p:tags r:id="rId1"/>
             </p:custDataLst>
           </p:nvPr>
         </p:nvSpPr>
@@ -696,10 +713,9 @@
           <a:p>
             <a:pPr lvl="0"/>
             <a:r>
-              <a:rPr lang="zh-CN" altLang="en-US" smtClean="0"/>
+              <a:rPr lang="zh-CN" altLang="en-US"/>
               <a:t>单击此处编辑母版标题样式</a:t>
             </a:r>
-            <a:endParaRPr lang="zh-CN" altLang="en-US"/>
           </a:p>
         </p:txBody>
       </p:sp>
@@ -712,7 +728,7 @@
           <p:nvPr>
             <p:ph idx="1"/>
             <p:custDataLst>
-              <p:tags r:id="rId3"/>
+              <p:tags r:id="rId2"/>
             </p:custDataLst>
           </p:nvPr>
         </p:nvSpPr>
@@ -730,42 +746,37 @@
           <a:p>
             <a:pPr lvl="0"/>
             <a:r>
-              <a:rPr lang="zh-CN" altLang="en-US" smtClean="0"/>
+              <a:rPr lang="zh-CN" altLang="en-US"/>
               <a:t>单击此处编辑母版文本样式</a:t>
             </a:r>
-            <a:endParaRPr lang="zh-CN" altLang="en-US" smtClean="0"/>
           </a:p>
           <a:p>
             <a:pPr lvl="1"/>
             <a:r>
-              <a:rPr lang="zh-CN" altLang="en-US" smtClean="0"/>
+              <a:rPr lang="zh-CN" altLang="en-US"/>
               <a:t>第二级</a:t>
             </a:r>
-            <a:endParaRPr lang="zh-CN" altLang="en-US" smtClean="0"/>
           </a:p>
           <a:p>
             <a:pPr lvl="2"/>
             <a:r>
-              <a:rPr lang="zh-CN" altLang="en-US" smtClean="0"/>
+              <a:rPr lang="zh-CN" altLang="en-US"/>
               <a:t>第三级</a:t>
             </a:r>
-            <a:endParaRPr lang="zh-CN" altLang="en-US" smtClean="0"/>
           </a:p>
           <a:p>
             <a:pPr lvl="3"/>
             <a:r>
-              <a:rPr lang="zh-CN" altLang="en-US" smtClean="0"/>
+              <a:rPr lang="zh-CN" altLang="en-US"/>
               <a:t>第四级</a:t>
             </a:r>
-            <a:endParaRPr lang="zh-CN" altLang="en-US" smtClean="0"/>
           </a:p>
           <a:p>
             <a:pPr lvl="4"/>
             <a:r>
-              <a:rPr lang="zh-CN" altLang="en-US" smtClean="0"/>
+              <a:rPr lang="zh-CN" altLang="en-US"/>
               <a:t>第五级</a:t>
             </a:r>
-            <a:endParaRPr lang="zh-CN" altLang="en-US"/>
           </a:p>
         </p:txBody>
       </p:sp>
@@ -778,7 +789,7 @@
           <p:nvPr>
             <p:ph type="dt" sz="half" idx="10"/>
             <p:custDataLst>
-              <p:tags r:id="rId4"/>
+              <p:tags r:id="rId3"/>
             </p:custDataLst>
           </p:nvPr>
         </p:nvSpPr>
@@ -789,6 +800,7 @@
           <a:p>
             <a:fld id="{760FBDFE-C587-4B4C-A407-44438C67B59E}" type="datetimeFigureOut">
               <a:rPr lang="zh-CN" altLang="en-US" smtClean="0"/>
+              <a:t>2022/3/6</a:t>
             </a:fld>
             <a:endParaRPr lang="zh-CN" altLang="en-US"/>
           </a:p>
@@ -803,7 +815,7 @@
           <p:nvPr>
             <p:ph type="ftr" sz="quarter" idx="11"/>
             <p:custDataLst>
-              <p:tags r:id="rId5"/>
+              <p:tags r:id="rId4"/>
             </p:custDataLst>
           </p:nvPr>
         </p:nvSpPr>
@@ -825,7 +837,7 @@
           <p:nvPr>
             <p:ph type="sldNum" sz="quarter" idx="12"/>
             <p:custDataLst>
-              <p:tags r:id="rId6"/>
+              <p:tags r:id="rId5"/>
             </p:custDataLst>
           </p:nvPr>
         </p:nvSpPr>
@@ -836,6 +848,7 @@
           <a:p>
             <a:fld id="{49AE70B2-8BF9-45C0-BB95-33D1B9D3A854}" type="slidenum">
               <a:rPr lang="zh-CN" altLang="en-US" smtClean="0"/>
+              <a:t>‹#›</a:t>
             </a:fld>
             <a:endParaRPr lang="zh-CN" altLang="en-US"/>
           </a:p>
@@ -875,7 +888,7 @@
           <p:nvPr>
             <p:ph type="title" hasCustomPrompt="1"/>
             <p:custDataLst>
-              <p:tags r:id="rId2"/>
+              <p:tags r:id="rId1"/>
             </p:custDataLst>
           </p:nvPr>
         </p:nvSpPr>
@@ -899,7 +912,6 @@
               <a:rPr lang="zh-CN" altLang="en-US" dirty="0"/>
               <a:t>单击此处编辑标题</a:t>
             </a:r>
-            <a:endParaRPr lang="zh-CN" altLang="en-US" dirty="0"/>
           </a:p>
         </p:txBody>
       </p:sp>
@@ -912,7 +924,7 @@
           <p:nvPr>
             <p:ph type="body" idx="1" hasCustomPrompt="1"/>
             <p:custDataLst>
-              <p:tags r:id="rId3"/>
+              <p:tags r:id="rId2"/>
             </p:custDataLst>
           </p:nvPr>
         </p:nvSpPr>
@@ -1025,7 +1037,6 @@
               <a:rPr lang="zh-CN" altLang="en-US" dirty="0"/>
               <a:t>单击此处编辑文本</a:t>
             </a:r>
-            <a:endParaRPr lang="zh-CN" altLang="en-US" dirty="0"/>
           </a:p>
         </p:txBody>
       </p:sp>
@@ -1038,7 +1049,7 @@
           <p:nvPr>
             <p:ph type="dt" sz="half" idx="10"/>
             <p:custDataLst>
-              <p:tags r:id="rId4"/>
+              <p:tags r:id="rId3"/>
             </p:custDataLst>
           </p:nvPr>
         </p:nvSpPr>
@@ -1049,6 +1060,7 @@
           <a:p>
             <a:fld id="{760FBDFE-C587-4B4C-A407-44438C67B59E}" type="datetimeFigureOut">
               <a:rPr lang="zh-CN" altLang="en-US" smtClean="0"/>
+              <a:t>2022/3/6</a:t>
             </a:fld>
             <a:endParaRPr lang="zh-CN" altLang="en-US"/>
           </a:p>
@@ -1063,7 +1075,7 @@
           <p:nvPr>
             <p:ph type="ftr" sz="quarter" idx="11"/>
             <p:custDataLst>
-              <p:tags r:id="rId5"/>
+              <p:tags r:id="rId4"/>
             </p:custDataLst>
           </p:nvPr>
         </p:nvSpPr>
@@ -1085,7 +1097,7 @@
           <p:nvPr>
             <p:ph type="sldNum" sz="quarter" idx="12"/>
             <p:custDataLst>
-              <p:tags r:id="rId6"/>
+              <p:tags r:id="rId5"/>
             </p:custDataLst>
           </p:nvPr>
         </p:nvSpPr>
@@ -1096,6 +1108,7 @@
           <a:p>
             <a:fld id="{49AE70B2-8BF9-45C0-BB95-33D1B9D3A854}" type="slidenum">
               <a:rPr lang="zh-CN" altLang="en-US" smtClean="0"/>
+              <a:t>‹#›</a:t>
             </a:fld>
             <a:endParaRPr lang="zh-CN" altLang="en-US"/>
           </a:p>
@@ -1135,7 +1148,7 @@
           <p:nvPr>
             <p:ph type="title"/>
             <p:custDataLst>
-              <p:tags r:id="rId2"/>
+              <p:tags r:id="rId1"/>
             </p:custDataLst>
           </p:nvPr>
         </p:nvSpPr>
@@ -1153,10 +1166,9 @@
           <a:p>
             <a:pPr lvl="0"/>
             <a:r>
-              <a:rPr lang="zh-CN" altLang="en-US" smtClean="0"/>
+              <a:rPr lang="zh-CN" altLang="en-US"/>
               <a:t>单击此处编辑母版标题样式</a:t>
             </a:r>
-            <a:endParaRPr lang="zh-CN" altLang="en-US"/>
           </a:p>
         </p:txBody>
       </p:sp>
@@ -1169,7 +1181,7 @@
           <p:nvPr>
             <p:ph sz="half" idx="1"/>
             <p:custDataLst>
-              <p:tags r:id="rId3"/>
+              <p:tags r:id="rId2"/>
             </p:custDataLst>
           </p:nvPr>
         </p:nvSpPr>
@@ -1187,42 +1199,37 @@
           <a:p>
             <a:pPr lvl="0"/>
             <a:r>
-              <a:rPr lang="zh-CN" altLang="en-US" smtClean="0"/>
+              <a:rPr lang="zh-CN" altLang="en-US"/>
               <a:t>单击此处编辑母版文本样式</a:t>
             </a:r>
-            <a:endParaRPr lang="zh-CN" altLang="en-US" smtClean="0"/>
           </a:p>
           <a:p>
             <a:pPr lvl="1"/>
             <a:r>
-              <a:rPr lang="zh-CN" altLang="en-US" smtClean="0"/>
+              <a:rPr lang="zh-CN" altLang="en-US"/>
               <a:t>第二级</a:t>
             </a:r>
-            <a:endParaRPr lang="zh-CN" altLang="en-US" smtClean="0"/>
           </a:p>
           <a:p>
             <a:pPr lvl="2"/>
             <a:r>
-              <a:rPr lang="zh-CN" altLang="en-US" smtClean="0"/>
+              <a:rPr lang="zh-CN" altLang="en-US"/>
               <a:t>第三级</a:t>
             </a:r>
-            <a:endParaRPr lang="zh-CN" altLang="en-US" smtClean="0"/>
           </a:p>
           <a:p>
             <a:pPr lvl="3"/>
             <a:r>
-              <a:rPr lang="zh-CN" altLang="en-US" smtClean="0"/>
+              <a:rPr lang="zh-CN" altLang="en-US"/>
               <a:t>第四级</a:t>
             </a:r>
-            <a:endParaRPr lang="zh-CN" altLang="en-US" smtClean="0"/>
           </a:p>
           <a:p>
             <a:pPr lvl="4"/>
             <a:r>
-              <a:rPr lang="zh-CN" altLang="en-US" smtClean="0"/>
+              <a:rPr lang="zh-CN" altLang="en-US"/>
               <a:t>第五级</a:t>
             </a:r>
-            <a:endParaRPr lang="zh-CN" altLang="en-US"/>
           </a:p>
         </p:txBody>
       </p:sp>
@@ -1235,7 +1242,7 @@
           <p:nvPr>
             <p:ph sz="half" idx="2"/>
             <p:custDataLst>
-              <p:tags r:id="rId4"/>
+              <p:tags r:id="rId3"/>
             </p:custDataLst>
           </p:nvPr>
         </p:nvSpPr>
@@ -1256,7 +1263,6 @@
               <a:rPr lang="zh-CN" altLang="en-US" dirty="0"/>
               <a:t>单击此处编辑母版文本样式</a:t>
             </a:r>
-            <a:endParaRPr lang="zh-CN" altLang="en-US" dirty="0"/>
           </a:p>
           <a:p>
             <a:pPr lvl="1"/>
@@ -1264,7 +1270,6 @@
               <a:rPr lang="zh-CN" altLang="en-US" dirty="0"/>
               <a:t>第二级</a:t>
             </a:r>
-            <a:endParaRPr lang="zh-CN" altLang="en-US" dirty="0"/>
           </a:p>
           <a:p>
             <a:pPr lvl="2"/>
@@ -1272,7 +1277,6 @@
               <a:rPr lang="zh-CN" altLang="en-US" dirty="0"/>
               <a:t>第三级</a:t>
             </a:r>
-            <a:endParaRPr lang="zh-CN" altLang="en-US" dirty="0"/>
           </a:p>
           <a:p>
             <a:pPr lvl="3"/>
@@ -1280,7 +1284,6 @@
               <a:rPr lang="zh-CN" altLang="en-US" dirty="0"/>
               <a:t>第四级</a:t>
             </a:r>
-            <a:endParaRPr lang="zh-CN" altLang="en-US" dirty="0"/>
           </a:p>
           <a:p>
             <a:pPr lvl="4"/>
@@ -1288,7 +1291,6 @@
               <a:rPr lang="zh-CN" altLang="en-US" dirty="0"/>
               <a:t>第五级</a:t>
             </a:r>
-            <a:endParaRPr lang="zh-CN" altLang="en-US" dirty="0"/>
           </a:p>
         </p:txBody>
       </p:sp>
@@ -1301,7 +1303,7 @@
           <p:nvPr>
             <p:ph type="dt" sz="half" idx="10"/>
             <p:custDataLst>
-              <p:tags r:id="rId5"/>
+              <p:tags r:id="rId4"/>
             </p:custDataLst>
           </p:nvPr>
         </p:nvSpPr>
@@ -1312,6 +1314,7 @@
           <a:p>
             <a:fld id="{760FBDFE-C587-4B4C-A407-44438C67B59E}" type="datetimeFigureOut">
               <a:rPr lang="zh-CN" altLang="en-US" smtClean="0"/>
+              <a:t>2022/3/6</a:t>
             </a:fld>
             <a:endParaRPr lang="zh-CN" altLang="en-US"/>
           </a:p>
@@ -1326,7 +1329,7 @@
           <p:nvPr>
             <p:ph type="ftr" sz="quarter" idx="11"/>
             <p:custDataLst>
-              <p:tags r:id="rId6"/>
+              <p:tags r:id="rId5"/>
             </p:custDataLst>
           </p:nvPr>
         </p:nvSpPr>
@@ -1348,7 +1351,7 @@
           <p:nvPr>
             <p:ph type="sldNum" sz="quarter" idx="12"/>
             <p:custDataLst>
-              <p:tags r:id="rId7"/>
+              <p:tags r:id="rId6"/>
             </p:custDataLst>
           </p:nvPr>
         </p:nvSpPr>
@@ -1359,6 +1362,7 @@
           <a:p>
             <a:fld id="{49AE70B2-8BF9-45C0-BB95-33D1B9D3A854}" type="slidenum">
               <a:rPr lang="zh-CN" altLang="en-US" smtClean="0"/>
+              <a:t>‹#›</a:t>
             </a:fld>
             <a:endParaRPr lang="zh-CN" altLang="en-US"/>
           </a:p>
@@ -1398,7 +1402,7 @@
           <p:nvPr>
             <p:ph type="title"/>
             <p:custDataLst>
-              <p:tags r:id="rId2"/>
+              <p:tags r:id="rId1"/>
             </p:custDataLst>
           </p:nvPr>
         </p:nvSpPr>
@@ -1416,10 +1420,9 @@
           <a:p>
             <a:pPr lvl="0"/>
             <a:r>
-              <a:rPr lang="zh-CN" altLang="en-US" smtClean="0"/>
+              <a:rPr lang="zh-CN" altLang="en-US"/>
               <a:t>单击此处编辑母版标题样式</a:t>
             </a:r>
-            <a:endParaRPr lang="zh-CN" altLang="en-US"/>
           </a:p>
         </p:txBody>
       </p:sp>
@@ -1432,7 +1435,7 @@
           <p:nvPr>
             <p:ph type="body" idx="1" hasCustomPrompt="1"/>
             <p:custDataLst>
-              <p:tags r:id="rId3"/>
+              <p:tags r:id="rId2"/>
             </p:custDataLst>
           </p:nvPr>
         </p:nvSpPr>
@@ -1500,7 +1503,6 @@
               <a:rPr lang="zh-CN" altLang="en-US" dirty="0"/>
               <a:t>单击此处编辑文本</a:t>
             </a:r>
-            <a:endParaRPr lang="zh-CN" altLang="en-US" dirty="0"/>
           </a:p>
         </p:txBody>
       </p:sp>
@@ -1513,7 +1515,7 @@
           <p:nvPr>
             <p:ph sz="half" idx="2"/>
             <p:custDataLst>
-              <p:tags r:id="rId4"/>
+              <p:tags r:id="rId3"/>
             </p:custDataLst>
           </p:nvPr>
         </p:nvSpPr>
@@ -1531,42 +1533,37 @@
           <a:p>
             <a:pPr lvl="0"/>
             <a:r>
-              <a:rPr lang="zh-CN" altLang="en-US" smtClean="0"/>
+              <a:rPr lang="zh-CN" altLang="en-US"/>
               <a:t>单击此处编辑母版文本样式</a:t>
             </a:r>
-            <a:endParaRPr lang="zh-CN" altLang="en-US" smtClean="0"/>
           </a:p>
           <a:p>
             <a:pPr lvl="1"/>
             <a:r>
-              <a:rPr lang="zh-CN" altLang="en-US" smtClean="0"/>
+              <a:rPr lang="zh-CN" altLang="en-US"/>
               <a:t>第二级</a:t>
             </a:r>
-            <a:endParaRPr lang="zh-CN" altLang="en-US" smtClean="0"/>
           </a:p>
           <a:p>
             <a:pPr lvl="2"/>
             <a:r>
-              <a:rPr lang="zh-CN" altLang="en-US" smtClean="0"/>
+              <a:rPr lang="zh-CN" altLang="en-US"/>
               <a:t>第三级</a:t>
             </a:r>
-            <a:endParaRPr lang="zh-CN" altLang="en-US" smtClean="0"/>
           </a:p>
           <a:p>
             <a:pPr lvl="3"/>
             <a:r>
-              <a:rPr lang="zh-CN" altLang="en-US" smtClean="0"/>
+              <a:rPr lang="zh-CN" altLang="en-US"/>
               <a:t>第四级</a:t>
             </a:r>
-            <a:endParaRPr lang="zh-CN" altLang="en-US" smtClean="0"/>
           </a:p>
           <a:p>
             <a:pPr lvl="4"/>
             <a:r>
-              <a:rPr lang="zh-CN" altLang="en-US" smtClean="0"/>
+              <a:rPr lang="zh-CN" altLang="en-US"/>
               <a:t>第五级</a:t>
             </a:r>
-            <a:endParaRPr lang="zh-CN" altLang="en-US"/>
           </a:p>
         </p:txBody>
       </p:sp>
@@ -1579,7 +1576,7 @@
           <p:nvPr>
             <p:ph type="body" sz="quarter" idx="3" hasCustomPrompt="1"/>
             <p:custDataLst>
-              <p:tags r:id="rId5"/>
+              <p:tags r:id="rId4"/>
             </p:custDataLst>
           </p:nvPr>
         </p:nvSpPr>
@@ -1644,10 +1641,9 @@
           <a:p>
             <a:pPr lvl="0"/>
             <a:r>
-              <a:rPr lang="zh-CN" altLang="en-US" smtClean="0"/>
+              <a:rPr lang="zh-CN" altLang="en-US"/>
               <a:t>单击此处编辑文本</a:t>
             </a:r>
-            <a:endParaRPr lang="zh-CN" altLang="en-US"/>
           </a:p>
         </p:txBody>
       </p:sp>
@@ -1660,7 +1656,7 @@
           <p:nvPr>
             <p:ph sz="quarter" idx="4"/>
             <p:custDataLst>
-              <p:tags r:id="rId6"/>
+              <p:tags r:id="rId5"/>
             </p:custDataLst>
           </p:nvPr>
         </p:nvSpPr>
@@ -1678,42 +1674,37 @@
           <a:p>
             <a:pPr lvl="0"/>
             <a:r>
-              <a:rPr lang="zh-CN" altLang="en-US" smtClean="0"/>
+              <a:rPr lang="zh-CN" altLang="en-US"/>
               <a:t>单击此处编辑母版文本样式</a:t>
             </a:r>
-            <a:endParaRPr lang="zh-CN" altLang="en-US" smtClean="0"/>
           </a:p>
           <a:p>
             <a:pPr lvl="1"/>
             <a:r>
-              <a:rPr lang="zh-CN" altLang="en-US" smtClean="0"/>
+              <a:rPr lang="zh-CN" altLang="en-US"/>
               <a:t>第二级</a:t>
             </a:r>
-            <a:endParaRPr lang="zh-CN" altLang="en-US" smtClean="0"/>
           </a:p>
           <a:p>
             <a:pPr lvl="2"/>
             <a:r>
-              <a:rPr lang="zh-CN" altLang="en-US" smtClean="0"/>
+              <a:rPr lang="zh-CN" altLang="en-US"/>
               <a:t>第三级</a:t>
             </a:r>
-            <a:endParaRPr lang="zh-CN" altLang="en-US" smtClean="0"/>
           </a:p>
           <a:p>
             <a:pPr lvl="3"/>
             <a:r>
-              <a:rPr lang="zh-CN" altLang="en-US" smtClean="0"/>
+              <a:rPr lang="zh-CN" altLang="en-US"/>
               <a:t>第四级</a:t>
             </a:r>
-            <a:endParaRPr lang="zh-CN" altLang="en-US" smtClean="0"/>
           </a:p>
           <a:p>
             <a:pPr lvl="4"/>
             <a:r>
-              <a:rPr lang="zh-CN" altLang="en-US" smtClean="0"/>
+              <a:rPr lang="zh-CN" altLang="en-US"/>
               <a:t>第五级</a:t>
             </a:r>
-            <a:endParaRPr lang="zh-CN" altLang="en-US"/>
           </a:p>
         </p:txBody>
       </p:sp>
@@ -1726,7 +1717,7 @@
           <p:nvPr>
             <p:ph type="dt" sz="half" idx="10"/>
             <p:custDataLst>
-              <p:tags r:id="rId7"/>
+              <p:tags r:id="rId6"/>
             </p:custDataLst>
           </p:nvPr>
         </p:nvSpPr>
@@ -1737,6 +1728,7 @@
           <a:p>
             <a:fld id="{760FBDFE-C587-4B4C-A407-44438C67B59E}" type="datetimeFigureOut">
               <a:rPr lang="zh-CN" altLang="en-US" smtClean="0"/>
+              <a:t>2022/3/6</a:t>
             </a:fld>
             <a:endParaRPr lang="zh-CN" altLang="en-US"/>
           </a:p>
@@ -1751,7 +1743,7 @@
           <p:nvPr>
             <p:ph type="ftr" sz="quarter" idx="11"/>
             <p:custDataLst>
-              <p:tags r:id="rId8"/>
+              <p:tags r:id="rId7"/>
             </p:custDataLst>
           </p:nvPr>
         </p:nvSpPr>
@@ -1773,7 +1765,7 @@
           <p:nvPr>
             <p:ph type="sldNum" sz="quarter" idx="12"/>
             <p:custDataLst>
-              <p:tags r:id="rId9"/>
+              <p:tags r:id="rId8"/>
             </p:custDataLst>
           </p:nvPr>
         </p:nvSpPr>
@@ -1784,6 +1776,7 @@
           <a:p>
             <a:fld id="{49AE70B2-8BF9-45C0-BB95-33D1B9D3A854}" type="slidenum">
               <a:rPr lang="zh-CN" altLang="en-US" smtClean="0"/>
+              <a:t>‹#›</a:t>
             </a:fld>
             <a:endParaRPr lang="zh-CN" altLang="en-US"/>
           </a:p>
@@ -1823,7 +1816,7 @@
           <p:nvPr>
             <p:ph type="title"/>
             <p:custDataLst>
-              <p:tags r:id="rId2"/>
+              <p:tags r:id="rId1"/>
             </p:custDataLst>
           </p:nvPr>
         </p:nvSpPr>
@@ -1841,10 +1834,9 @@
           <a:p>
             <a:pPr lvl="0"/>
             <a:r>
-              <a:rPr lang="zh-CN" altLang="en-US" smtClean="0"/>
+              <a:rPr lang="zh-CN" altLang="en-US"/>
               <a:t>单击此处编辑母版标题样式</a:t>
             </a:r>
-            <a:endParaRPr lang="zh-CN" altLang="en-US"/>
           </a:p>
         </p:txBody>
       </p:sp>
@@ -1857,7 +1849,7 @@
           <p:nvPr>
             <p:ph type="dt" sz="half" idx="10"/>
             <p:custDataLst>
-              <p:tags r:id="rId3"/>
+              <p:tags r:id="rId2"/>
             </p:custDataLst>
           </p:nvPr>
         </p:nvSpPr>
@@ -1868,6 +1860,7 @@
           <a:p>
             <a:fld id="{760FBDFE-C587-4B4C-A407-44438C67B59E}" type="datetimeFigureOut">
               <a:rPr lang="zh-CN" altLang="en-US" smtClean="0"/>
+              <a:t>2022/3/6</a:t>
             </a:fld>
             <a:endParaRPr lang="zh-CN" altLang="en-US"/>
           </a:p>
@@ -1882,7 +1875,7 @@
           <p:nvPr>
             <p:ph type="ftr" sz="quarter" idx="11"/>
             <p:custDataLst>
-              <p:tags r:id="rId4"/>
+              <p:tags r:id="rId3"/>
             </p:custDataLst>
           </p:nvPr>
         </p:nvSpPr>
@@ -1904,7 +1897,7 @@
           <p:nvPr>
             <p:ph type="sldNum" sz="quarter" idx="12"/>
             <p:custDataLst>
-              <p:tags r:id="rId5"/>
+              <p:tags r:id="rId4"/>
             </p:custDataLst>
           </p:nvPr>
         </p:nvSpPr>
@@ -1915,6 +1908,7 @@
           <a:p>
             <a:fld id="{49AE70B2-8BF9-45C0-BB95-33D1B9D3A854}" type="slidenum">
               <a:rPr lang="zh-CN" altLang="en-US" smtClean="0"/>
+              <a:t>‹#›</a:t>
             </a:fld>
             <a:endParaRPr lang="zh-CN" altLang="en-US"/>
           </a:p>
@@ -1954,7 +1948,7 @@
           <p:nvPr>
             <p:ph type="dt" sz="half" idx="10"/>
             <p:custDataLst>
-              <p:tags r:id="rId2"/>
+              <p:tags r:id="rId1"/>
             </p:custDataLst>
           </p:nvPr>
         </p:nvSpPr>
@@ -1965,6 +1959,7 @@
           <a:p>
             <a:fld id="{760FBDFE-C587-4B4C-A407-44438C67B59E}" type="datetimeFigureOut">
               <a:rPr lang="zh-CN" altLang="en-US" smtClean="0"/>
+              <a:t>2022/3/6</a:t>
             </a:fld>
             <a:endParaRPr lang="zh-CN" altLang="en-US"/>
           </a:p>
@@ -1979,7 +1974,7 @@
           <p:nvPr>
             <p:ph type="ftr" sz="quarter" idx="11"/>
             <p:custDataLst>
-              <p:tags r:id="rId3"/>
+              <p:tags r:id="rId2"/>
             </p:custDataLst>
           </p:nvPr>
         </p:nvSpPr>
@@ -2001,7 +1996,7 @@
           <p:nvPr>
             <p:ph type="sldNum" sz="quarter" idx="12"/>
             <p:custDataLst>
-              <p:tags r:id="rId4"/>
+              <p:tags r:id="rId3"/>
             </p:custDataLst>
           </p:nvPr>
         </p:nvSpPr>
@@ -2012,6 +2007,7 @@
           <a:p>
             <a:fld id="{49AE70B2-8BF9-45C0-BB95-33D1B9D3A854}" type="slidenum">
               <a:rPr lang="zh-CN" altLang="en-US" smtClean="0"/>
+              <a:t>‹#›</a:t>
             </a:fld>
             <a:endParaRPr lang="zh-CN" altLang="en-US"/>
           </a:p>
@@ -2051,7 +2047,7 @@
           <p:nvPr>
             <p:ph type="pic" idx="1"/>
             <p:custDataLst>
-              <p:tags r:id="rId2"/>
+              <p:tags r:id="rId1"/>
             </p:custDataLst>
           </p:nvPr>
         </p:nvSpPr>
@@ -2086,7 +2082,7 @@
           <p:nvPr>
             <p:ph type="body" sz="half" idx="2"/>
             <p:custDataLst>
-              <p:tags r:id="rId3"/>
+              <p:tags r:id="rId2"/>
             </p:custDataLst>
           </p:nvPr>
         </p:nvSpPr>
@@ -2109,10 +2105,9 @@
           <a:p>
             <a:pPr lvl="0"/>
             <a:r>
-              <a:rPr lang="zh-CN" altLang="en-US" smtClean="0"/>
+              <a:rPr lang="zh-CN" altLang="en-US"/>
               <a:t>单击此处编辑母版文本样式</a:t>
             </a:r>
-            <a:endParaRPr lang="zh-CN" altLang="en-US"/>
           </a:p>
         </p:txBody>
       </p:sp>
@@ -2125,7 +2120,7 @@
           <p:nvPr>
             <p:ph type="dt" sz="half" idx="10"/>
             <p:custDataLst>
-              <p:tags r:id="rId4"/>
+              <p:tags r:id="rId3"/>
             </p:custDataLst>
           </p:nvPr>
         </p:nvSpPr>
@@ -2136,6 +2131,7 @@
           <a:p>
             <a:fld id="{9EFD9D74-47D9-4702-A33C-335B63B48DBF}" type="datetimeFigureOut">
               <a:rPr lang="zh-CN" altLang="en-US" smtClean="0"/>
+              <a:t>2022/3/6</a:t>
             </a:fld>
             <a:endParaRPr lang="zh-CN" altLang="en-US" dirty="0"/>
           </a:p>
@@ -2150,7 +2146,7 @@
           <p:nvPr>
             <p:ph type="ftr" sz="quarter" idx="11"/>
             <p:custDataLst>
-              <p:tags r:id="rId5"/>
+              <p:tags r:id="rId4"/>
             </p:custDataLst>
           </p:nvPr>
         </p:nvSpPr>
@@ -2172,7 +2168,7 @@
           <p:nvPr>
             <p:ph type="sldNum" sz="quarter" idx="12"/>
             <p:custDataLst>
-              <p:tags r:id="rId6"/>
+              <p:tags r:id="rId5"/>
             </p:custDataLst>
           </p:nvPr>
         </p:nvSpPr>
@@ -2183,6 +2179,7 @@
           <a:p>
             <a:fld id="{FABC47A4-756D-490B-A52F-7D9E2C9FC05F}" type="slidenum">
               <a:rPr lang="zh-CN" altLang="en-US" smtClean="0"/>
+              <a:t>‹#›</a:t>
             </a:fld>
             <a:endParaRPr lang="zh-CN" altLang="en-US"/>
           </a:p>
@@ -2197,19 +2194,19 @@
           <p:nvPr>
             <p:ph type="title"/>
             <p:custDataLst>
-              <p:tags r:id="rId7"/>
+              <p:tags r:id="rId6"/>
             </p:custDataLst>
           </p:nvPr>
         </p:nvSpPr>
         <p:spPr/>
         <p:txBody>
           <a:bodyPr/>
+          <a:lstStyle/>
           <a:p>
             <a:r>
               <a:rPr lang="zh-CN" altLang="en-US"/>
               <a:t>单击此处编辑母版标题样式</a:t>
             </a:r>
-            <a:endParaRPr lang="zh-CN" altLang="en-US"/>
           </a:p>
         </p:txBody>
       </p:sp>
@@ -2247,7 +2244,7 @@
           <p:nvPr>
             <p:ph type="title" orient="vert" hasCustomPrompt="1"/>
             <p:custDataLst>
-              <p:tags r:id="rId2"/>
+              <p:tags r:id="rId1"/>
             </p:custDataLst>
           </p:nvPr>
         </p:nvSpPr>
@@ -2270,10 +2267,9 @@
           <a:p>
             <a:pPr lvl="0"/>
             <a:r>
-              <a:rPr lang="zh-CN" altLang="en-US" smtClean="0"/>
+              <a:rPr lang="zh-CN" altLang="en-US"/>
               <a:t>单击此处编辑标题</a:t>
             </a:r>
-            <a:endParaRPr lang="zh-CN" altLang="en-US"/>
           </a:p>
         </p:txBody>
       </p:sp>
@@ -2286,7 +2282,7 @@
           <p:nvPr>
             <p:ph type="body" orient="vert" idx="1"/>
             <p:custDataLst>
-              <p:tags r:id="rId3"/>
+              <p:tags r:id="rId2"/>
             </p:custDataLst>
           </p:nvPr>
         </p:nvSpPr>
@@ -2324,7 +2320,6 @@
               <a:rPr lang="zh-CN" altLang="en-US" dirty="0"/>
               <a:t>单击此处编辑母版文本样式</a:t>
             </a:r>
-            <a:endParaRPr lang="zh-CN" altLang="en-US" dirty="0"/>
           </a:p>
           <a:p>
             <a:pPr lvl="1"/>
@@ -2332,7 +2327,6 @@
               <a:rPr lang="zh-CN" altLang="en-US" dirty="0"/>
               <a:t>第二级</a:t>
             </a:r>
-            <a:endParaRPr lang="zh-CN" altLang="en-US" dirty="0"/>
           </a:p>
           <a:p>
             <a:pPr lvl="2"/>
@@ -2340,7 +2334,6 @@
               <a:rPr lang="zh-CN" altLang="en-US" dirty="0"/>
               <a:t>第三级</a:t>
             </a:r>
-            <a:endParaRPr lang="zh-CN" altLang="en-US" dirty="0"/>
           </a:p>
           <a:p>
             <a:pPr lvl="3"/>
@@ -2348,7 +2341,6 @@
               <a:rPr lang="zh-CN" altLang="en-US" dirty="0"/>
               <a:t>第四级</a:t>
             </a:r>
-            <a:endParaRPr lang="zh-CN" altLang="en-US" dirty="0"/>
           </a:p>
           <a:p>
             <a:pPr lvl="4"/>
@@ -2356,7 +2348,6 @@
               <a:rPr lang="zh-CN" altLang="en-US" dirty="0"/>
               <a:t>第五级</a:t>
             </a:r>
-            <a:endParaRPr lang="zh-CN" altLang="en-US" dirty="0"/>
           </a:p>
         </p:txBody>
       </p:sp>
@@ -2369,7 +2360,7 @@
           <p:nvPr>
             <p:ph type="dt" sz="half" idx="10"/>
             <p:custDataLst>
-              <p:tags r:id="rId4"/>
+              <p:tags r:id="rId3"/>
             </p:custDataLst>
           </p:nvPr>
         </p:nvSpPr>
@@ -2380,6 +2371,7 @@
           <a:p>
             <a:fld id="{760FBDFE-C587-4B4C-A407-44438C67B59E}" type="datetimeFigureOut">
               <a:rPr lang="zh-CN" altLang="en-US" smtClean="0"/>
+              <a:t>2022/3/6</a:t>
             </a:fld>
             <a:endParaRPr lang="zh-CN" altLang="en-US"/>
           </a:p>
@@ -2394,7 +2386,7 @@
           <p:nvPr>
             <p:ph type="ftr" sz="quarter" idx="11"/>
             <p:custDataLst>
-              <p:tags r:id="rId5"/>
+              <p:tags r:id="rId4"/>
             </p:custDataLst>
           </p:nvPr>
         </p:nvSpPr>
@@ -2416,7 +2408,7 @@
           <p:nvPr>
             <p:ph type="sldNum" sz="quarter" idx="12"/>
             <p:custDataLst>
-              <p:tags r:id="rId6"/>
+              <p:tags r:id="rId5"/>
             </p:custDataLst>
           </p:nvPr>
         </p:nvSpPr>
@@ -2427,6 +2419,7 @@
           <a:p>
             <a:fld id="{49AE70B2-8BF9-45C0-BB95-33D1B9D3A854}" type="slidenum">
               <a:rPr lang="zh-CN" altLang="en-US" smtClean="0"/>
+              <a:t>‹#›</a:t>
             </a:fld>
             <a:endParaRPr lang="zh-CN" altLang="en-US"/>
           </a:p>
@@ -2471,7 +2464,7 @@
           <p:nvPr>
             <p:ph type="title"/>
             <p:custDataLst>
-              <p:tags r:id="rId12"/>
+              <p:tags r:id="rId14"/>
             </p:custDataLst>
           </p:nvPr>
         </p:nvSpPr>
@@ -2494,7 +2487,6 @@
               <a:rPr lang="zh-CN" altLang="en-US" dirty="0"/>
               <a:t>单击此处编辑母版标题样式</a:t>
             </a:r>
-            <a:endParaRPr lang="zh-CN" altLang="en-US" dirty="0"/>
           </a:p>
         </p:txBody>
       </p:sp>
@@ -2507,7 +2499,7 @@
           <p:nvPr>
             <p:ph type="body" idx="1"/>
             <p:custDataLst>
-              <p:tags r:id="rId13"/>
+              <p:tags r:id="rId15"/>
             </p:custDataLst>
           </p:nvPr>
         </p:nvSpPr>
@@ -2531,7 +2523,6 @@
               <a:rPr lang="zh-CN" altLang="en-US" dirty="0"/>
               <a:t>单击此处编辑母版文本样式</a:t>
             </a:r>
-            <a:endParaRPr lang="zh-CN" altLang="en-US" dirty="0"/>
           </a:p>
           <a:p>
             <a:pPr lvl="1"/>
@@ -2539,7 +2530,6 @@
               <a:rPr lang="zh-CN" altLang="en-US" dirty="0"/>
               <a:t>第二级</a:t>
             </a:r>
-            <a:endParaRPr lang="zh-CN" altLang="en-US" dirty="0"/>
           </a:p>
           <a:p>
             <a:pPr lvl="2"/>
@@ -2547,7 +2537,6 @@
               <a:rPr lang="zh-CN" altLang="en-US" dirty="0"/>
               <a:t>第三级</a:t>
             </a:r>
-            <a:endParaRPr lang="zh-CN" altLang="en-US" dirty="0"/>
           </a:p>
           <a:p>
             <a:pPr lvl="3"/>
@@ -2555,7 +2544,6 @@
               <a:rPr lang="zh-CN" altLang="en-US" dirty="0"/>
               <a:t>第四级</a:t>
             </a:r>
-            <a:endParaRPr lang="zh-CN" altLang="en-US" dirty="0"/>
           </a:p>
           <a:p>
             <a:pPr lvl="4"/>
@@ -2563,7 +2551,6 @@
               <a:rPr lang="zh-CN" altLang="en-US" dirty="0"/>
               <a:t>第五级</a:t>
             </a:r>
-            <a:endParaRPr lang="zh-CN" altLang="en-US" dirty="0"/>
           </a:p>
         </p:txBody>
       </p:sp>
@@ -2576,7 +2563,7 @@
           <p:nvPr>
             <p:ph type="dt" sz="half" idx="2"/>
             <p:custDataLst>
-              <p:tags r:id="rId14"/>
+              <p:tags r:id="rId16"/>
             </p:custDataLst>
           </p:nvPr>
         </p:nvSpPr>
@@ -2607,6 +2594,7 @@
           <a:p>
             <a:fld id="{760FBDFE-C587-4B4C-A407-44438C67B59E}" type="datetimeFigureOut">
               <a:rPr lang="zh-CN" altLang="en-US" smtClean="0"/>
+              <a:t>2022/3/6</a:t>
             </a:fld>
             <a:endParaRPr lang="zh-CN" altLang="en-US"/>
           </a:p>
@@ -2621,7 +2609,7 @@
           <p:nvPr>
             <p:ph type="ftr" sz="quarter" idx="3"/>
             <p:custDataLst>
-              <p:tags r:id="rId15"/>
+              <p:tags r:id="rId17"/>
             </p:custDataLst>
           </p:nvPr>
         </p:nvSpPr>
@@ -2663,7 +2651,7 @@
           <p:nvPr>
             <p:ph type="sldNum" sz="quarter" idx="4"/>
             <p:custDataLst>
-              <p:tags r:id="rId16"/>
+              <p:tags r:id="rId18"/>
             </p:custDataLst>
           </p:nvPr>
         </p:nvSpPr>
@@ -2694,6 +2682,7 @@
           <a:p>
             <a:fld id="{49AE70B2-8BF9-45C0-BB95-33D1B9D3A854}" type="slidenum">
               <a:rPr lang="zh-CN" altLang="en-US" smtClean="0"/>
+              <a:t>‹#›</a:t>
             </a:fld>
             <a:endParaRPr lang="zh-CN" altLang="en-US" dirty="0"/>
           </a:p>
@@ -2701,7 +2690,7 @@
       </p:sp>
     </p:spTree>
     <p:custDataLst>
-      <p:tags r:id="rId17"/>
+      <p:tags r:id="rId13"/>
     </p:custDataLst>
   </p:cSld>
   <p:clrMap bg1="lt1" tx1="dk1" bg2="lt2" tx2="dk2" accent1="accent1" accent2="accent2" accent3="accent3" accent4="accent4" accent5="accent5" accent6="accent6" hlink="hlink" folHlink="folHlink"/>
@@ -8550,10 +8539,6 @@
               </a:rPr>
               <a:t>深度神经网络</a:t>
             </a:r>
-            <a:endParaRPr lang="zh-CN" altLang="en-US" sz="1400" dirty="0">
-              <a:latin typeface="宋体" panose="02010600030101010101" pitchFamily="2" charset="-122"/>
-              <a:ea typeface="宋体" panose="02010600030101010101" pitchFamily="2" charset="-122"/>
-            </a:endParaRPr>
           </a:p>
         </p:txBody>
       </p:sp>
@@ -8586,21 +8571,8 @@
                 <a:ea typeface="宋体" panose="02010600030101010101" pitchFamily="2" charset="-122"/>
                 <a:cs typeface="宋体" panose="02010600030101010101" pitchFamily="2" charset="-122"/>
               </a:rPr>
-              <a:t>模型</a:t>
+              <a:t>模型性能</a:t>
             </a:r>
-            <a:r>
-              <a:rPr lang="zh-CN" altLang="en-US" sz="1400" dirty="0">
-                <a:latin typeface="宋体" panose="02010600030101010101" pitchFamily="2" charset="-122"/>
-                <a:ea typeface="宋体" panose="02010600030101010101" pitchFamily="2" charset="-122"/>
-                <a:cs typeface="宋体" panose="02010600030101010101" pitchFamily="2" charset="-122"/>
-              </a:rPr>
-              <a:t>性能</a:t>
-            </a:r>
-            <a:endParaRPr lang="zh-CN" altLang="en-US" sz="1400" dirty="0">
-              <a:latin typeface="宋体" panose="02010600030101010101" pitchFamily="2" charset="-122"/>
-              <a:ea typeface="宋体" panose="02010600030101010101" pitchFamily="2" charset="-122"/>
-              <a:cs typeface="宋体" panose="02010600030101010101" pitchFamily="2" charset="-122"/>
-            </a:endParaRPr>
           </a:p>
         </p:txBody>
       </p:sp>
@@ -10877,10 +10849,6 @@
               </a:rPr>
               <a:t>测试充分性</a:t>
             </a:r>
-            <a:endParaRPr lang="zh-CN" altLang="en-US" sz="1400" dirty="0">
-              <a:latin typeface="宋体" panose="02010600030101010101" pitchFamily="2" charset="-122"/>
-              <a:ea typeface="宋体" panose="02010600030101010101" pitchFamily="2" charset="-122"/>
-            </a:endParaRPr>
           </a:p>
         </p:txBody>
       </p:sp>
@@ -10893,7 +10861,7 @@
           <p:nvPr/>
         </p:nvPicPr>
         <p:blipFill>
-          <a:blip r:embed="rId1"/>
+          <a:blip r:embed="rId2"/>
           <a:stretch>
             <a:fillRect/>
           </a:stretch>
@@ -10917,7 +10885,7 @@
           <p:nvPr/>
         </p:nvPicPr>
         <p:blipFill>
-          <a:blip r:embed="rId2"/>
+          <a:blip r:embed="rId3"/>
           <a:stretch>
             <a:fillRect/>
           </a:stretch>
@@ -10962,10 +10930,6 @@
               </a:rPr>
               <a:t>测试输入</a:t>
             </a:r>
-            <a:endParaRPr lang="zh-CN" altLang="en-US" sz="1400" dirty="0">
-              <a:latin typeface="宋体" panose="02010600030101010101" pitchFamily="2" charset="-122"/>
-              <a:ea typeface="宋体" panose="02010600030101010101" pitchFamily="2" charset="-122"/>
-            </a:endParaRPr>
           </a:p>
         </p:txBody>
       </p:sp>
@@ -10978,7 +10942,7 @@
           <p:nvPr/>
         </p:nvPicPr>
         <p:blipFill>
-          <a:blip r:embed="rId3"/>
+          <a:blip r:embed="rId4"/>
           <a:stretch>
             <a:fillRect/>
           </a:stretch>
@@ -11023,10 +10987,6 @@
               </a:rPr>
               <a:t>度量指标</a:t>
             </a:r>
-            <a:endParaRPr lang="zh-CN" altLang="en-US" sz="1400" dirty="0">
-              <a:latin typeface="宋体" panose="02010600030101010101" pitchFamily="2" charset="-122"/>
-              <a:ea typeface="宋体" panose="02010600030101010101" pitchFamily="2" charset="-122"/>
-            </a:endParaRPr>
           </a:p>
         </p:txBody>
       </p:sp>
@@ -11243,10 +11203,6 @@
               </a:rPr>
               <a:t>模型修复</a:t>
             </a:r>
-            <a:endParaRPr lang="zh-CN" altLang="en-US" sz="1400" dirty="0">
-              <a:latin typeface="楷体" panose="02010609060101010101" pitchFamily="49" charset="-122"/>
-              <a:ea typeface="楷体" panose="02010609060101010101" pitchFamily="49" charset="-122"/>
-            </a:endParaRPr>
           </a:p>
         </p:txBody>
       </p:sp>
@@ -11296,6 +11252,7 @@
         </p:style>
         <p:txBody>
           <a:bodyPr rtlCol="0" anchor="ctr"/>
+          <a:lstStyle/>
           <a:p>
             <a:pPr algn="ctr"/>
             <a:endParaRPr lang="zh-CN" altLang="en-US" sz="1400">
@@ -11317,7 +11274,7 @@
           <p:nvPr/>
         </p:nvPicPr>
         <p:blipFill>
-          <a:blip r:embed="rId4"/>
+          <a:blip r:embed="rId5"/>
           <a:stretch>
             <a:fillRect/>
           </a:stretch>
@@ -11352,6 +11309,7 @@
           <a:bodyPr wrap="square" rtlCol="0">
             <a:spAutoFit/>
           </a:bodyPr>
+          <a:lstStyle/>
           <a:p>
             <a:pPr algn="l"/>
             <a:r>
@@ -11361,10 +11319,6 @@
               </a:rPr>
               <a:t>测试反馈</a:t>
             </a:r>
-            <a:endParaRPr lang="zh-CN" altLang="en-US" sz="1400" dirty="0">
-              <a:latin typeface="宋体" panose="02010600030101010101" pitchFamily="2" charset="-122"/>
-              <a:ea typeface="宋体" panose="02010600030101010101" pitchFamily="2" charset="-122"/>
-            </a:endParaRPr>
           </a:p>
         </p:txBody>
       </p:sp>
@@ -11388,6 +11342,7 @@
           <a:bodyPr wrap="square" rtlCol="0">
             <a:spAutoFit/>
           </a:bodyPr>
+          <a:lstStyle/>
           <a:p>
             <a:pPr algn="ctr"/>
             <a:r>
@@ -11395,19 +11350,8 @@
                 <a:latin typeface="楷体" panose="02010609060101010101" pitchFamily="49" charset="-122"/>
                 <a:ea typeface="楷体" panose="02010609060101010101" pitchFamily="49" charset="-122"/>
               </a:rPr>
-              <a:t>数据</a:t>
+              <a:t>数据选取</a:t>
             </a:r>
-            <a:r>
-              <a:rPr lang="zh-CN" altLang="en-US" sz="1400" dirty="0">
-                <a:latin typeface="楷体" panose="02010609060101010101" pitchFamily="49" charset="-122"/>
-                <a:ea typeface="楷体" panose="02010609060101010101" pitchFamily="49" charset="-122"/>
-              </a:rPr>
-              <a:t>选取</a:t>
-            </a:r>
-            <a:endParaRPr lang="zh-CN" altLang="en-US" sz="1400" dirty="0">
-              <a:latin typeface="楷体" panose="02010609060101010101" pitchFamily="49" charset="-122"/>
-              <a:ea typeface="楷体" panose="02010609060101010101" pitchFamily="49" charset="-122"/>
-            </a:endParaRPr>
           </a:p>
         </p:txBody>
       </p:sp>
@@ -11419,8 +11363,794 @@
 </p:sld>
 </file>
 
+<file path=ppt/slides/slide2.xml><?xml version="1.0" encoding="utf-8"?>
+<p:sld xmlns:a="http://schemas.openxmlformats.org/drawingml/2006/main" xmlns:r="http://schemas.openxmlformats.org/officeDocument/2006/relationships" xmlns:p="http://schemas.openxmlformats.org/presentationml/2006/main">
+  <p:cSld>
+    <p:spTree>
+      <p:nvGrpSpPr>
+        <p:cNvPr id="1" name=""/>
+        <p:cNvGrpSpPr/>
+        <p:nvPr/>
+      </p:nvGrpSpPr>
+      <p:grpSpPr>
+        <a:xfrm>
+          <a:off x="0" y="0"/>
+          <a:ext cx="0" cy="0"/>
+          <a:chOff x="0" y="0"/>
+          <a:chExt cx="0" cy="0"/>
+        </a:xfrm>
+      </p:grpSpPr>
+      <p:sp>
+        <p:nvSpPr>
+          <p:cNvPr id="259" name="矩形 258">
+            <a:extLst>
+              <a:ext uri="{FF2B5EF4-FFF2-40B4-BE49-F238E27FC236}">
+                <a16:creationId xmlns:a16="http://schemas.microsoft.com/office/drawing/2014/main" id="{C8502457-9DA9-4427-9C8D-B92C229BFE0A}"/>
+              </a:ext>
+            </a:extLst>
+          </p:cNvPr>
+          <p:cNvSpPr/>
+          <p:nvPr/>
+        </p:nvSpPr>
+        <p:spPr>
+          <a:xfrm>
+            <a:off x="3882980" y="1771582"/>
+            <a:ext cx="6793606" cy="2387364"/>
+          </a:xfrm>
+          <a:prstGeom prst="rect">
+            <a:avLst/>
+          </a:prstGeom>
+          <a:noFill/>
+          <a:ln>
+            <a:solidFill>
+              <a:schemeClr val="bg1">
+                <a:lumMod val="85000"/>
+              </a:schemeClr>
+            </a:solidFill>
+            <a:prstDash val="dash"/>
+          </a:ln>
+        </p:spPr>
+        <p:style>
+          <a:lnRef idx="2">
+            <a:schemeClr val="accent1">
+              <a:shade val="50000"/>
+            </a:schemeClr>
+          </a:lnRef>
+          <a:fillRef idx="1">
+            <a:schemeClr val="accent1"/>
+          </a:fillRef>
+          <a:effectRef idx="0">
+            <a:schemeClr val="accent1"/>
+          </a:effectRef>
+          <a:fontRef idx="minor">
+            <a:schemeClr val="lt1"/>
+          </a:fontRef>
+        </p:style>
+        <p:txBody>
+          <a:bodyPr rtlCol="0" anchor="ctr"/>
+          <a:lstStyle/>
+          <a:p>
+            <a:pPr algn="ctr"/>
+            <a:endParaRPr lang="zh-CN" altLang="en-US"/>
+          </a:p>
+        </p:txBody>
+      </p:sp>
+      <p:sp>
+        <p:nvSpPr>
+          <p:cNvPr id="13" name="文本框 12"/>
+          <p:cNvSpPr txBox="1"/>
+          <p:nvPr/>
+        </p:nvSpPr>
+        <p:spPr>
+          <a:xfrm>
+            <a:off x="4779297" y="2353464"/>
+            <a:ext cx="1795145" cy="306705"/>
+          </a:xfrm>
+          <a:prstGeom prst="rect">
+            <a:avLst/>
+          </a:prstGeom>
+          <a:noFill/>
+        </p:spPr>
+        <p:txBody>
+          <a:bodyPr wrap="square" rtlCol="0">
+            <a:spAutoFit/>
+          </a:bodyPr>
+          <a:lstStyle/>
+          <a:p>
+            <a:pPr algn="ctr"/>
+            <a:r>
+              <a:rPr lang="zh-CN" altLang="en-US" sz="1400" dirty="0">
+                <a:latin typeface="宋体" panose="02010600030101010101" pitchFamily="2" charset="-122"/>
+                <a:ea typeface="宋体" panose="02010600030101010101" pitchFamily="2" charset="-122"/>
+              </a:rPr>
+              <a:t>深度学习模型</a:t>
+            </a:r>
+          </a:p>
+        </p:txBody>
+      </p:sp>
+      <p:pic>
+        <p:nvPicPr>
+          <p:cNvPr id="242" name="图片 241"/>
+          <p:cNvPicPr>
+            <a:picLocks noChangeAspect="1"/>
+          </p:cNvPicPr>
+          <p:nvPr/>
+        </p:nvPicPr>
+        <p:blipFill>
+          <a:blip r:embed="rId2"/>
+          <a:stretch>
+            <a:fillRect/>
+          </a:stretch>
+        </p:blipFill>
+        <p:spPr>
+          <a:xfrm>
+            <a:off x="6879125" y="2806463"/>
+            <a:ext cx="501015" cy="501650"/>
+          </a:xfrm>
+          <a:prstGeom prst="rect">
+            <a:avLst/>
+          </a:prstGeom>
+        </p:spPr>
+      </p:pic>
+      <p:sp>
+        <p:nvSpPr>
+          <p:cNvPr id="245" name="文本框 244"/>
+          <p:cNvSpPr txBox="1"/>
+          <p:nvPr/>
+        </p:nvSpPr>
+        <p:spPr>
+          <a:xfrm>
+            <a:off x="3788455" y="3851169"/>
+            <a:ext cx="1162008" cy="307777"/>
+          </a:xfrm>
+          <a:prstGeom prst="rect">
+            <a:avLst/>
+          </a:prstGeom>
+          <a:noFill/>
+        </p:spPr>
+        <p:txBody>
+          <a:bodyPr wrap="square" rtlCol="0">
+            <a:spAutoFit/>
+          </a:bodyPr>
+          <a:lstStyle/>
+          <a:p>
+            <a:pPr algn="ctr"/>
+            <a:r>
+              <a:rPr lang="zh-CN" altLang="en-US" sz="1400" dirty="0">
+                <a:latin typeface="宋体" panose="02010600030101010101" pitchFamily="2" charset="-122"/>
+                <a:ea typeface="宋体" panose="02010600030101010101" pitchFamily="2" charset="-122"/>
+              </a:rPr>
+              <a:t>测试集</a:t>
+            </a:r>
+          </a:p>
+        </p:txBody>
+      </p:sp>
+      <p:pic>
+        <p:nvPicPr>
+          <p:cNvPr id="247" name="图片 246"/>
+          <p:cNvPicPr>
+            <a:picLocks noChangeAspect="1"/>
+          </p:cNvPicPr>
+          <p:nvPr/>
+        </p:nvPicPr>
+        <p:blipFill>
+          <a:blip r:embed="rId3"/>
+          <a:stretch>
+            <a:fillRect/>
+          </a:stretch>
+        </p:blipFill>
+        <p:spPr>
+          <a:xfrm>
+            <a:off x="4014460" y="2102045"/>
+            <a:ext cx="710002" cy="633864"/>
+          </a:xfrm>
+          <a:prstGeom prst="rect">
+            <a:avLst/>
+          </a:prstGeom>
+        </p:spPr>
+      </p:pic>
+      <p:sp>
+        <p:nvSpPr>
+          <p:cNvPr id="248" name="文本框 247"/>
+          <p:cNvSpPr txBox="1"/>
+          <p:nvPr/>
+        </p:nvSpPr>
+        <p:spPr>
+          <a:xfrm>
+            <a:off x="3368859" y="1771582"/>
+            <a:ext cx="1795145" cy="306705"/>
+          </a:xfrm>
+          <a:prstGeom prst="rect">
+            <a:avLst/>
+          </a:prstGeom>
+          <a:noFill/>
+        </p:spPr>
+        <p:txBody>
+          <a:bodyPr wrap="square" rtlCol="0">
+            <a:spAutoFit/>
+          </a:bodyPr>
+          <a:lstStyle/>
+          <a:p>
+            <a:pPr algn="ctr"/>
+            <a:r>
+              <a:rPr lang="zh-CN" altLang="en-US" sz="1400" dirty="0">
+                <a:latin typeface="宋体" panose="02010600030101010101" pitchFamily="2" charset="-122"/>
+                <a:ea typeface="宋体" panose="02010600030101010101" pitchFamily="2" charset="-122"/>
+              </a:rPr>
+              <a:t>测试指标</a:t>
+            </a:r>
+          </a:p>
+        </p:txBody>
+      </p:sp>
+      <p:sp>
+        <p:nvSpPr>
+          <p:cNvPr id="212" name="文本框 211">
+            <a:extLst>
+              <a:ext uri="{FF2B5EF4-FFF2-40B4-BE49-F238E27FC236}">
+                <a16:creationId xmlns:a16="http://schemas.microsoft.com/office/drawing/2014/main" id="{FF8A5F74-A478-4606-9736-AC87D2B8F221}"/>
+              </a:ext>
+            </a:extLst>
+          </p:cNvPr>
+          <p:cNvSpPr txBox="1"/>
+          <p:nvPr/>
+        </p:nvSpPr>
+        <p:spPr>
+          <a:xfrm>
+            <a:off x="3796710" y="2886842"/>
+            <a:ext cx="729977" cy="306705"/>
+          </a:xfrm>
+          <a:prstGeom prst="rect">
+            <a:avLst/>
+          </a:prstGeom>
+          <a:noFill/>
+        </p:spPr>
+        <p:txBody>
+          <a:bodyPr wrap="square" rtlCol="0">
+            <a:spAutoFit/>
+          </a:bodyPr>
+          <a:lstStyle/>
+          <a:p>
+            <a:pPr algn="ctr"/>
+            <a:r>
+              <a:rPr lang="zh-CN" altLang="en-US" sz="1400" dirty="0">
+                <a:latin typeface="宋体" panose="02010600030101010101" pitchFamily="2" charset="-122"/>
+                <a:ea typeface="宋体" panose="02010600030101010101" pitchFamily="2" charset="-122"/>
+              </a:rPr>
+              <a:t>指引</a:t>
+            </a:r>
+          </a:p>
+        </p:txBody>
+      </p:sp>
+      <p:sp>
+        <p:nvSpPr>
+          <p:cNvPr id="213" name="文本框 212">
+            <a:extLst>
+              <a:ext uri="{FF2B5EF4-FFF2-40B4-BE49-F238E27FC236}">
+                <a16:creationId xmlns:a16="http://schemas.microsoft.com/office/drawing/2014/main" id="{AC3B9611-F1F6-4BD2-A048-7D346CA38786}"/>
+              </a:ext>
+            </a:extLst>
+          </p:cNvPr>
+          <p:cNvSpPr txBox="1"/>
+          <p:nvPr/>
+        </p:nvSpPr>
+        <p:spPr>
+          <a:xfrm>
+            <a:off x="6483406" y="2348963"/>
+            <a:ext cx="1304796" cy="307777"/>
+          </a:xfrm>
+          <a:prstGeom prst="rect">
+            <a:avLst/>
+          </a:prstGeom>
+          <a:noFill/>
+        </p:spPr>
+        <p:txBody>
+          <a:bodyPr wrap="square" rtlCol="0">
+            <a:spAutoFit/>
+          </a:bodyPr>
+          <a:lstStyle/>
+          <a:p>
+            <a:pPr algn="ctr"/>
+            <a:r>
+              <a:rPr lang="zh-CN" altLang="en-US" sz="1400" dirty="0">
+                <a:latin typeface="宋体" panose="02010600030101010101" pitchFamily="2" charset="-122"/>
+                <a:ea typeface="宋体" panose="02010600030101010101" pitchFamily="2" charset="-122"/>
+              </a:rPr>
+              <a:t>成功</a:t>
+            </a:r>
+            <a:r>
+              <a:rPr lang="en-US" altLang="zh-CN" sz="1400" dirty="0">
+                <a:latin typeface="宋体" panose="02010600030101010101" pitchFamily="2" charset="-122"/>
+                <a:ea typeface="宋体" panose="02010600030101010101" pitchFamily="2" charset="-122"/>
+              </a:rPr>
+              <a:t>/</a:t>
+            </a:r>
+            <a:r>
+              <a:rPr lang="zh-CN" altLang="en-US" sz="1400" dirty="0">
+                <a:latin typeface="宋体" panose="02010600030101010101" pitchFamily="2" charset="-122"/>
+                <a:ea typeface="宋体" panose="02010600030101010101" pitchFamily="2" charset="-122"/>
+              </a:rPr>
+              <a:t>失效</a:t>
+            </a:r>
+          </a:p>
+        </p:txBody>
+      </p:sp>
+      <p:pic>
+        <p:nvPicPr>
+          <p:cNvPr id="8" name="图片 7">
+            <a:extLst>
+              <a:ext uri="{FF2B5EF4-FFF2-40B4-BE49-F238E27FC236}">
+                <a16:creationId xmlns:a16="http://schemas.microsoft.com/office/drawing/2014/main" id="{AA76EA00-88A8-4170-A297-83CDFD446BB1}"/>
+              </a:ext>
+            </a:extLst>
+          </p:cNvPr>
+          <p:cNvPicPr>
+            <a:picLocks noChangeAspect="1"/>
+          </p:cNvPicPr>
+          <p:nvPr/>
+        </p:nvPicPr>
+        <p:blipFill>
+          <a:blip r:embed="rId4"/>
+          <a:stretch>
+            <a:fillRect/>
+          </a:stretch>
+        </p:blipFill>
+        <p:spPr>
+          <a:xfrm>
+            <a:off x="8130017" y="2794059"/>
+            <a:ext cx="531100" cy="535129"/>
+          </a:xfrm>
+          <a:prstGeom prst="rect">
+            <a:avLst/>
+          </a:prstGeom>
+        </p:spPr>
+      </p:pic>
+      <p:cxnSp>
+        <p:nvCxnSpPr>
+          <p:cNvPr id="10" name="直接箭头连接符 9">
+            <a:extLst>
+              <a:ext uri="{FF2B5EF4-FFF2-40B4-BE49-F238E27FC236}">
+                <a16:creationId xmlns:a16="http://schemas.microsoft.com/office/drawing/2014/main" id="{A408D374-36CF-44DD-8FB9-36E794B2B181}"/>
+              </a:ext>
+            </a:extLst>
+          </p:cNvPr>
+          <p:cNvCxnSpPr>
+            <a:cxnSpLocks/>
+          </p:cNvCxnSpPr>
+          <p:nvPr/>
+        </p:nvCxnSpPr>
+        <p:spPr>
+          <a:xfrm>
+            <a:off x="4675658" y="2620800"/>
+            <a:ext cx="482294" cy="284513"/>
+          </a:xfrm>
+          <a:prstGeom prst="straightConnector1">
+            <a:avLst/>
+          </a:prstGeom>
+          <a:ln>
+            <a:tailEnd type="triangle"/>
+          </a:ln>
+        </p:spPr>
+        <p:style>
+          <a:lnRef idx="1">
+            <a:schemeClr val="dk1"/>
+          </a:lnRef>
+          <a:fillRef idx="0">
+            <a:schemeClr val="dk1"/>
+          </a:fillRef>
+          <a:effectRef idx="0">
+            <a:schemeClr val="dk1"/>
+          </a:effectRef>
+          <a:fontRef idx="minor">
+            <a:schemeClr val="tx1"/>
+          </a:fontRef>
+        </p:style>
+      </p:cxnSp>
+      <p:cxnSp>
+        <p:nvCxnSpPr>
+          <p:cNvPr id="218" name="直接箭头连接符 217">
+            <a:extLst>
+              <a:ext uri="{FF2B5EF4-FFF2-40B4-BE49-F238E27FC236}">
+                <a16:creationId xmlns:a16="http://schemas.microsoft.com/office/drawing/2014/main" id="{57B6F9E8-1C28-4F30-90E8-938A0ED3F8FA}"/>
+              </a:ext>
+            </a:extLst>
+          </p:cNvPr>
+          <p:cNvCxnSpPr>
+            <a:cxnSpLocks/>
+          </p:cNvCxnSpPr>
+          <p:nvPr/>
+        </p:nvCxnSpPr>
+        <p:spPr>
+          <a:xfrm flipV="1">
+            <a:off x="4748695" y="3172649"/>
+            <a:ext cx="421125" cy="302135"/>
+          </a:xfrm>
+          <a:prstGeom prst="straightConnector1">
+            <a:avLst/>
+          </a:prstGeom>
+          <a:ln>
+            <a:tailEnd type="triangle"/>
+          </a:ln>
+        </p:spPr>
+        <p:style>
+          <a:lnRef idx="1">
+            <a:schemeClr val="dk1"/>
+          </a:lnRef>
+          <a:fillRef idx="0">
+            <a:schemeClr val="dk1"/>
+          </a:fillRef>
+          <a:effectRef idx="0">
+            <a:schemeClr val="dk1"/>
+          </a:effectRef>
+          <a:fontRef idx="minor">
+            <a:schemeClr val="tx1"/>
+          </a:fontRef>
+        </p:style>
+      </p:cxnSp>
+      <p:sp>
+        <p:nvSpPr>
+          <p:cNvPr id="221" name="文本框 220">
+            <a:extLst>
+              <a:ext uri="{FF2B5EF4-FFF2-40B4-BE49-F238E27FC236}">
+                <a16:creationId xmlns:a16="http://schemas.microsoft.com/office/drawing/2014/main" id="{D6216748-0991-47A4-A8BF-0C0126B60CF0}"/>
+              </a:ext>
+            </a:extLst>
+          </p:cNvPr>
+          <p:cNvSpPr txBox="1"/>
+          <p:nvPr/>
+        </p:nvSpPr>
+        <p:spPr>
+          <a:xfrm>
+            <a:off x="8638782" y="2483032"/>
+            <a:ext cx="2102021" cy="1107996"/>
+          </a:xfrm>
+          <a:prstGeom prst="rect">
+            <a:avLst/>
+          </a:prstGeom>
+          <a:noFill/>
+        </p:spPr>
+        <p:txBody>
+          <a:bodyPr wrap="square" rtlCol="0">
+            <a:spAutoFit/>
+          </a:bodyPr>
+          <a:lstStyle/>
+          <a:p>
+            <a:pPr algn="just">
+              <a:spcBef>
+                <a:spcPts val="600"/>
+              </a:spcBef>
+              <a:spcAft>
+                <a:spcPts val="600"/>
+              </a:spcAft>
+            </a:pPr>
+            <a:r>
+              <a:rPr lang="zh-CN" altLang="en-US" sz="1400" dirty="0">
+                <a:latin typeface="宋体" panose="02010600030101010101" pitchFamily="2" charset="-122"/>
+                <a:ea typeface="宋体" panose="02010600030101010101" pitchFamily="2" charset="-122"/>
+              </a:rPr>
+              <a:t>为什么这个输入数据导致模型预测错误？</a:t>
+            </a:r>
+            <a:endParaRPr lang="en-US" altLang="zh-CN" sz="1400" dirty="0">
+              <a:latin typeface="宋体" panose="02010600030101010101" pitchFamily="2" charset="-122"/>
+              <a:ea typeface="宋体" panose="02010600030101010101" pitchFamily="2" charset="-122"/>
+            </a:endParaRPr>
+          </a:p>
+          <a:p>
+            <a:pPr algn="just">
+              <a:spcBef>
+                <a:spcPts val="600"/>
+              </a:spcBef>
+              <a:spcAft>
+                <a:spcPts val="600"/>
+              </a:spcAft>
+            </a:pPr>
+            <a:r>
+              <a:rPr lang="zh-CN" altLang="en-US" sz="1400" dirty="0">
+                <a:latin typeface="宋体" panose="02010600030101010101" pitchFamily="2" charset="-122"/>
+                <a:ea typeface="宋体" panose="02010600030101010101" pitchFamily="2" charset="-122"/>
+              </a:rPr>
+              <a:t>为什么这个测试集能够准确度量模型的质量？</a:t>
+            </a:r>
+          </a:p>
+        </p:txBody>
+      </p:sp>
+      <p:pic>
+        <p:nvPicPr>
+          <p:cNvPr id="140" name="图片 139">
+            <a:extLst>
+              <a:ext uri="{FF2B5EF4-FFF2-40B4-BE49-F238E27FC236}">
+                <a16:creationId xmlns:a16="http://schemas.microsoft.com/office/drawing/2014/main" id="{AC187144-7843-461E-AAB7-F06D18052A33}"/>
+              </a:ext>
+            </a:extLst>
+          </p:cNvPr>
+          <p:cNvPicPr>
+            <a:picLocks noChangeAspect="1"/>
+          </p:cNvPicPr>
+          <p:nvPr/>
+        </p:nvPicPr>
+        <p:blipFill>
+          <a:blip r:embed="rId5"/>
+          <a:stretch>
+            <a:fillRect/>
+          </a:stretch>
+        </p:blipFill>
+        <p:spPr>
+          <a:xfrm>
+            <a:off x="5275180" y="2691676"/>
+            <a:ext cx="803380" cy="736232"/>
+          </a:xfrm>
+          <a:prstGeom prst="rect">
+            <a:avLst/>
+          </a:prstGeom>
+        </p:spPr>
+      </p:pic>
+      <p:pic>
+        <p:nvPicPr>
+          <p:cNvPr id="225" name="图形 224" descr="343435333332343b333635393039313bcafdbedd">
+            <a:extLst>
+              <a:ext uri="{FF2B5EF4-FFF2-40B4-BE49-F238E27FC236}">
+                <a16:creationId xmlns:a16="http://schemas.microsoft.com/office/drawing/2014/main" id="{CF65533F-609E-4112-953E-822310EA6895}"/>
+              </a:ext>
+            </a:extLst>
+          </p:cNvPr>
+          <p:cNvPicPr>
+            <a:picLocks noChangeAspect="1"/>
+          </p:cNvPicPr>
+          <p:nvPr/>
+        </p:nvPicPr>
+        <p:blipFill>
+          <a:blip r:embed="rId6">
+            <a:extLst>
+              <a:ext uri="{96DAC541-7B7A-43D3-8B79-37D633B846F1}">
+                <asvg:svgBlip xmlns:asvg="http://schemas.microsoft.com/office/drawing/2016/SVG/main" r:embed="rId7"/>
+              </a:ext>
+            </a:extLst>
+          </a:blip>
+          <a:stretch>
+            <a:fillRect/>
+          </a:stretch>
+        </p:blipFill>
+        <p:spPr>
+          <a:xfrm>
+            <a:off x="4062513" y="3298488"/>
+            <a:ext cx="613893" cy="613893"/>
+          </a:xfrm>
+          <a:prstGeom prst="rect">
+            <a:avLst/>
+          </a:prstGeom>
+        </p:spPr>
+      </p:pic>
+      <p:cxnSp>
+        <p:nvCxnSpPr>
+          <p:cNvPr id="152" name="直接箭头连接符 151">
+            <a:extLst>
+              <a:ext uri="{FF2B5EF4-FFF2-40B4-BE49-F238E27FC236}">
+                <a16:creationId xmlns:a16="http://schemas.microsoft.com/office/drawing/2014/main" id="{6F98B1E1-85D7-4C2A-8AF8-ACD47046EC33}"/>
+              </a:ext>
+            </a:extLst>
+          </p:cNvPr>
+          <p:cNvCxnSpPr>
+            <a:cxnSpLocks/>
+          </p:cNvCxnSpPr>
+          <p:nvPr/>
+        </p:nvCxnSpPr>
+        <p:spPr>
+          <a:xfrm flipH="1">
+            <a:off x="4377715" y="2829006"/>
+            <a:ext cx="1" cy="456564"/>
+          </a:xfrm>
+          <a:prstGeom prst="straightConnector1">
+            <a:avLst/>
+          </a:prstGeom>
+          <a:ln>
+            <a:tailEnd type="triangle"/>
+          </a:ln>
+        </p:spPr>
+        <p:style>
+          <a:lnRef idx="1">
+            <a:schemeClr val="dk1"/>
+          </a:lnRef>
+          <a:fillRef idx="0">
+            <a:schemeClr val="dk1"/>
+          </a:fillRef>
+          <a:effectRef idx="0">
+            <a:schemeClr val="dk1"/>
+          </a:effectRef>
+          <a:fontRef idx="minor">
+            <a:schemeClr val="tx1"/>
+          </a:fontRef>
+        </p:style>
+      </p:cxnSp>
+      <p:cxnSp>
+        <p:nvCxnSpPr>
+          <p:cNvPr id="253" name="直接箭头连接符 252">
+            <a:extLst>
+              <a:ext uri="{FF2B5EF4-FFF2-40B4-BE49-F238E27FC236}">
+                <a16:creationId xmlns:a16="http://schemas.microsoft.com/office/drawing/2014/main" id="{21C8C94F-0026-440F-A825-3651DA55DAC5}"/>
+              </a:ext>
+            </a:extLst>
+          </p:cNvPr>
+          <p:cNvCxnSpPr>
+            <a:cxnSpLocks/>
+            <a:stCxn id="242" idx="3"/>
+            <a:endCxn id="8" idx="1"/>
+          </p:cNvCxnSpPr>
+          <p:nvPr/>
+        </p:nvCxnSpPr>
+        <p:spPr>
+          <a:xfrm>
+            <a:off x="7380140" y="3057288"/>
+            <a:ext cx="749877" cy="4336"/>
+          </a:xfrm>
+          <a:prstGeom prst="straightConnector1">
+            <a:avLst/>
+          </a:prstGeom>
+          <a:ln>
+            <a:tailEnd type="triangle"/>
+          </a:ln>
+        </p:spPr>
+        <p:style>
+          <a:lnRef idx="1">
+            <a:schemeClr val="dk1"/>
+          </a:lnRef>
+          <a:fillRef idx="0">
+            <a:schemeClr val="dk1"/>
+          </a:fillRef>
+          <a:effectRef idx="0">
+            <a:schemeClr val="dk1"/>
+          </a:effectRef>
+          <a:fontRef idx="minor">
+            <a:schemeClr val="tx1"/>
+          </a:fontRef>
+        </p:style>
+      </p:cxnSp>
+      <p:sp>
+        <p:nvSpPr>
+          <p:cNvPr id="258" name="文本框 257">
+            <a:extLst>
+              <a:ext uri="{FF2B5EF4-FFF2-40B4-BE49-F238E27FC236}">
+                <a16:creationId xmlns:a16="http://schemas.microsoft.com/office/drawing/2014/main" id="{F1831148-77C2-4E5E-9235-B94F97C7341D}"/>
+              </a:ext>
+            </a:extLst>
+          </p:cNvPr>
+          <p:cNvSpPr txBox="1"/>
+          <p:nvPr/>
+        </p:nvSpPr>
+        <p:spPr>
+          <a:xfrm>
+            <a:off x="7105629" y="2729637"/>
+            <a:ext cx="1304796" cy="307777"/>
+          </a:xfrm>
+          <a:prstGeom prst="rect">
+            <a:avLst/>
+          </a:prstGeom>
+          <a:noFill/>
+        </p:spPr>
+        <p:txBody>
+          <a:bodyPr wrap="square" rtlCol="0">
+            <a:spAutoFit/>
+          </a:bodyPr>
+          <a:lstStyle/>
+          <a:p>
+            <a:pPr algn="ctr"/>
+            <a:r>
+              <a:rPr lang="zh-CN" altLang="en-US" sz="1400" dirty="0">
+                <a:latin typeface="宋体" panose="02010600030101010101" pitchFamily="2" charset="-122"/>
+                <a:ea typeface="宋体" panose="02010600030101010101" pitchFamily="2" charset="-122"/>
+              </a:rPr>
+              <a:t>结果使用</a:t>
+            </a:r>
+          </a:p>
+        </p:txBody>
+      </p:sp>
+      <p:cxnSp>
+        <p:nvCxnSpPr>
+          <p:cNvPr id="260" name="直接箭头连接符 259">
+            <a:extLst>
+              <a:ext uri="{FF2B5EF4-FFF2-40B4-BE49-F238E27FC236}">
+                <a16:creationId xmlns:a16="http://schemas.microsoft.com/office/drawing/2014/main" id="{28765904-A138-4006-92DC-9354C02A1B7F}"/>
+              </a:ext>
+            </a:extLst>
+          </p:cNvPr>
+          <p:cNvCxnSpPr>
+            <a:cxnSpLocks/>
+          </p:cNvCxnSpPr>
+          <p:nvPr/>
+        </p:nvCxnSpPr>
+        <p:spPr>
+          <a:xfrm>
+            <a:off x="6147227" y="3057287"/>
+            <a:ext cx="713833" cy="1600"/>
+          </a:xfrm>
+          <a:prstGeom prst="straightConnector1">
+            <a:avLst/>
+          </a:prstGeom>
+          <a:ln>
+            <a:tailEnd type="triangle"/>
+          </a:ln>
+        </p:spPr>
+        <p:style>
+          <a:lnRef idx="1">
+            <a:schemeClr val="dk1"/>
+          </a:lnRef>
+          <a:fillRef idx="0">
+            <a:schemeClr val="dk1"/>
+          </a:fillRef>
+          <a:effectRef idx="0">
+            <a:schemeClr val="dk1"/>
+          </a:effectRef>
+          <a:fontRef idx="minor">
+            <a:schemeClr val="tx1"/>
+          </a:fontRef>
+        </p:style>
+      </p:cxnSp>
+      <p:sp>
+        <p:nvSpPr>
+          <p:cNvPr id="261" name="文本框 260">
+            <a:extLst>
+              <a:ext uri="{FF2B5EF4-FFF2-40B4-BE49-F238E27FC236}">
+                <a16:creationId xmlns:a16="http://schemas.microsoft.com/office/drawing/2014/main" id="{E9AE6402-E09B-40A9-9D63-73D85F836493}"/>
+              </a:ext>
+            </a:extLst>
+          </p:cNvPr>
+          <p:cNvSpPr txBox="1"/>
+          <p:nvPr/>
+        </p:nvSpPr>
+        <p:spPr>
+          <a:xfrm>
+            <a:off x="5839425" y="2729253"/>
+            <a:ext cx="1304796" cy="307777"/>
+          </a:xfrm>
+          <a:prstGeom prst="rect">
+            <a:avLst/>
+          </a:prstGeom>
+          <a:noFill/>
+        </p:spPr>
+        <p:txBody>
+          <a:bodyPr wrap="square" rtlCol="0">
+            <a:spAutoFit/>
+          </a:bodyPr>
+          <a:lstStyle/>
+          <a:p>
+            <a:pPr algn="ctr"/>
+            <a:r>
+              <a:rPr lang="zh-CN" altLang="en-US" sz="1400" dirty="0">
+                <a:latin typeface="宋体" panose="02010600030101010101" pitchFamily="2" charset="-122"/>
+                <a:ea typeface="宋体" panose="02010600030101010101" pitchFamily="2" charset="-122"/>
+              </a:rPr>
+              <a:t>模型预测</a:t>
+            </a:r>
+          </a:p>
+        </p:txBody>
+      </p:sp>
+    </p:spTree>
+    <p:extLst>
+      <p:ext uri="{BB962C8B-B14F-4D97-AF65-F5344CB8AC3E}">
+        <p14:creationId xmlns:p14="http://schemas.microsoft.com/office/powerpoint/2010/main" val="549507403"/>
+      </p:ext>
+    </p:extLst>
+  </p:cSld>
+  <p:clrMapOvr>
+    <a:masterClrMapping/>
+  </p:clrMapOvr>
+</p:sld>
+</file>
+
 <file path=ppt/tags/tag1.xml><?xml version="1.0" encoding="utf-8"?>
-<p:tagLst xmlns:p="http://schemas.openxmlformats.org/presentationml/2006/main">
+<p:tagLst xmlns:a="http://schemas.openxmlformats.org/drawingml/2006/main" xmlns:r="http://schemas.openxmlformats.org/officeDocument/2006/relationships" xmlns:p="http://schemas.openxmlformats.org/presentationml/2006/main">
+  <p:tag name="KSO_WM_TEMPLATE_THUMBS_INDEX" val="1、4、7、12、13、14、15、16、17、18、20、24、25、28、33、36、40、43、44"/>
+  <p:tag name="KSO_WM_TEMPLATE_SUBCATEGORY" val="19"/>
+  <p:tag name="KSO_WM_TAG_VERSION" val="1.0"/>
+  <p:tag name="KSO_WM_BEAUTIFY_FLAG" val="#wm#"/>
+  <p:tag name="KSO_WM_TEMPLATE_CATEGORY" val="custom"/>
+  <p:tag name="KSO_WM_TEMPLATE_INDEX" val="20205081"/>
+  <p:tag name="KSO_WM_TEMPLATE_MASTER_TYPE" val="0"/>
+  <p:tag name="KSO_WM_TEMPLATE_COLOR_TYPE" val="1"/>
+  <p:tag name="KSO_WM_UNIT_SHOW_EDIT_AREA_INDICATION" val="1"/>
+</p:tagLst>
+</file>
+
+<file path=ppt/tags/tag10.xml><?xml version="1.0" encoding="utf-8"?>
+<p:tagLst xmlns:a="http://schemas.openxmlformats.org/drawingml/2006/main" xmlns:r="http://schemas.openxmlformats.org/officeDocument/2006/relationships" xmlns:p="http://schemas.openxmlformats.org/presentationml/2006/main">
   <p:tag name="KSO_WM_UNIT_HIGHLIGHT" val="0"/>
   <p:tag name="KSO_WM_UNIT_COMPATIBLE" val="0"/>
   <p:tag name="KSO_WM_UNIT_DIAGRAM_ISNUMVISUAL" val="0"/>
@@ -11432,8 +12162,21 @@
 </p:tagLst>
 </file>
 
-<file path=ppt/tags/tag10.xml><?xml version="1.0" encoding="utf-8"?>
-<p:tagLst xmlns:p="http://schemas.openxmlformats.org/presentationml/2006/main">
+<file path=ppt/tags/tag11.xml><?xml version="1.0" encoding="utf-8"?>
+<p:tagLst xmlns:a="http://schemas.openxmlformats.org/drawingml/2006/main" xmlns:r="http://schemas.openxmlformats.org/officeDocument/2006/relationships" xmlns:p="http://schemas.openxmlformats.org/presentationml/2006/main">
+  <p:tag name="KSO_WM_UNIT_HIGHLIGHT" val="0"/>
+  <p:tag name="KSO_WM_UNIT_COMPATIBLE" val="0"/>
+  <p:tag name="KSO_WM_UNIT_DIAGRAM_ISNUMVISUAL" val="0"/>
+  <p:tag name="KSO_WM_UNIT_DIAGRAM_ISREFERUNIT" val="0"/>
+  <p:tag name="KSO_WM_UNIT_ID" val="_1**"/>
+  <p:tag name="KSO_WM_UNIT_LAYERLEVEL" val="1"/>
+  <p:tag name="KSO_WM_TAG_VERSION" val="1.0"/>
+  <p:tag name="KSO_WM_BEAUTIFY_FLAG" val="#wm#"/>
+</p:tagLst>
+</file>
+
+<file path=ppt/tags/tag12.xml><?xml version="1.0" encoding="utf-8"?>
+<p:tagLst xmlns:a="http://schemas.openxmlformats.org/drawingml/2006/main" xmlns:r="http://schemas.openxmlformats.org/officeDocument/2006/relationships" xmlns:p="http://schemas.openxmlformats.org/presentationml/2006/main">
   <p:tag name="KSO_WM_UNIT_HIGHLIGHT" val="0"/>
   <p:tag name="KSO_WM_UNIT_COMPATIBLE" val="0"/>
   <p:tag name="KSO_WM_UNIT_DIAGRAM_ISNUMVISUAL" val="0"/>
@@ -11445,8 +12188,60 @@
 </p:tagLst>
 </file>
 
-<file path=ppt/tags/tag11.xml><?xml version="1.0" encoding="utf-8"?>
-<p:tagLst xmlns:p="http://schemas.openxmlformats.org/presentationml/2006/main">
+<file path=ppt/tags/tag13.xml><?xml version="1.0" encoding="utf-8"?>
+<p:tagLst xmlns:a="http://schemas.openxmlformats.org/drawingml/2006/main" xmlns:r="http://schemas.openxmlformats.org/officeDocument/2006/relationships" xmlns:p="http://schemas.openxmlformats.org/presentationml/2006/main">
+  <p:tag name="KSO_WM_UNIT_HIGHLIGHT" val="0"/>
+  <p:tag name="KSO_WM_UNIT_COMPATIBLE" val="0"/>
+  <p:tag name="KSO_WM_UNIT_DIAGRAM_ISNUMVISUAL" val="0"/>
+  <p:tag name="KSO_WM_UNIT_DIAGRAM_ISREFERUNIT" val="0"/>
+  <p:tag name="KSO_WM_UNIT_ID" val="_2**"/>
+  <p:tag name="KSO_WM_UNIT_LAYERLEVEL" val="1"/>
+  <p:tag name="KSO_WM_TAG_VERSION" val="1.0"/>
+  <p:tag name="KSO_WM_BEAUTIFY_FLAG" val="#wm#"/>
+</p:tagLst>
+</file>
+
+<file path=ppt/tags/tag14.xml><?xml version="1.0" encoding="utf-8"?>
+<p:tagLst xmlns:a="http://schemas.openxmlformats.org/drawingml/2006/main" xmlns:r="http://schemas.openxmlformats.org/officeDocument/2006/relationships" xmlns:p="http://schemas.openxmlformats.org/presentationml/2006/main">
+  <p:tag name="KSO_WM_UNIT_HIGHLIGHT" val="0"/>
+  <p:tag name="KSO_WM_UNIT_COMPATIBLE" val="0"/>
+  <p:tag name="KSO_WM_UNIT_DIAGRAM_ISNUMVISUAL" val="0"/>
+  <p:tag name="KSO_WM_UNIT_DIAGRAM_ISREFERUNIT" val="0"/>
+  <p:tag name="KSO_WM_UNIT_ID" val="_2**"/>
+  <p:tag name="KSO_WM_UNIT_LAYERLEVEL" val="1"/>
+  <p:tag name="KSO_WM_TAG_VERSION" val="1.0"/>
+  <p:tag name="KSO_WM_BEAUTIFY_FLAG" val="#wm#"/>
+</p:tagLst>
+</file>
+
+<file path=ppt/tags/tag15.xml><?xml version="1.0" encoding="utf-8"?>
+<p:tagLst xmlns:a="http://schemas.openxmlformats.org/drawingml/2006/main" xmlns:r="http://schemas.openxmlformats.org/officeDocument/2006/relationships" xmlns:p="http://schemas.openxmlformats.org/presentationml/2006/main">
+  <p:tag name="KSO_WM_UNIT_HIGHLIGHT" val="0"/>
+  <p:tag name="KSO_WM_UNIT_COMPATIBLE" val="0"/>
+  <p:tag name="KSO_WM_UNIT_DIAGRAM_ISNUMVISUAL" val="0"/>
+  <p:tag name="KSO_WM_UNIT_DIAGRAM_ISREFERUNIT" val="0"/>
+  <p:tag name="KSO_WM_UNIT_ID" val="_2**"/>
+  <p:tag name="KSO_WM_UNIT_LAYERLEVEL" val="1"/>
+  <p:tag name="KSO_WM_TAG_VERSION" val="1.0"/>
+  <p:tag name="KSO_WM_BEAUTIFY_FLAG" val="#wm#"/>
+</p:tagLst>
+</file>
+
+<file path=ppt/tags/tag16.xml><?xml version="1.0" encoding="utf-8"?>
+<p:tagLst xmlns:a="http://schemas.openxmlformats.org/drawingml/2006/main" xmlns:r="http://schemas.openxmlformats.org/officeDocument/2006/relationships" xmlns:p="http://schemas.openxmlformats.org/presentationml/2006/main">
+  <p:tag name="KSO_WM_UNIT_HIGHLIGHT" val="0"/>
+  <p:tag name="KSO_WM_UNIT_COMPATIBLE" val="0"/>
+  <p:tag name="KSO_WM_UNIT_DIAGRAM_ISNUMVISUAL" val="0"/>
+  <p:tag name="KSO_WM_UNIT_DIAGRAM_ISREFERUNIT" val="0"/>
+  <p:tag name="KSO_WM_UNIT_ID" val="_2**"/>
+  <p:tag name="KSO_WM_UNIT_LAYERLEVEL" val="1"/>
+  <p:tag name="KSO_WM_TAG_VERSION" val="1.0"/>
+  <p:tag name="KSO_WM_BEAUTIFY_FLAG" val="#wm#"/>
+</p:tagLst>
+</file>
+
+<file path=ppt/tags/tag17.xml><?xml version="1.0" encoding="utf-8"?>
+<p:tagLst xmlns:a="http://schemas.openxmlformats.org/drawingml/2006/main" xmlns:r="http://schemas.openxmlformats.org/officeDocument/2006/relationships" xmlns:p="http://schemas.openxmlformats.org/presentationml/2006/main">
   <p:tag name="KSO_WM_UNIT_HIGHLIGHT" val="0"/>
   <p:tag name="KSO_WM_UNIT_COMPATIBLE" val="0"/>
   <p:tag name="KSO_WM_UNIT_DIAGRAM_ISNUMVISUAL" val="0"/>
@@ -11458,8 +12253,8 @@
 </p:tagLst>
 </file>
 
-<file path=ppt/tags/tag12.xml><?xml version="1.0" encoding="utf-8"?>
-<p:tagLst xmlns:p="http://schemas.openxmlformats.org/presentationml/2006/main">
+<file path=ppt/tags/tag18.xml><?xml version="1.0" encoding="utf-8"?>
+<p:tagLst xmlns:a="http://schemas.openxmlformats.org/drawingml/2006/main" xmlns:r="http://schemas.openxmlformats.org/officeDocument/2006/relationships" xmlns:p="http://schemas.openxmlformats.org/presentationml/2006/main">
   <p:tag name="KSO_WM_UNIT_HIGHLIGHT" val="0"/>
   <p:tag name="KSO_WM_UNIT_COMPATIBLE" val="0"/>
   <p:tag name="KSO_WM_UNIT_DIAGRAM_ISNUMVISUAL" val="0"/>
@@ -11471,8 +12266,8 @@
 </p:tagLst>
 </file>
 
-<file path=ppt/tags/tag13.xml><?xml version="1.0" encoding="utf-8"?>
-<p:tagLst xmlns:p="http://schemas.openxmlformats.org/presentationml/2006/main">
+<file path=ppt/tags/tag19.xml><?xml version="1.0" encoding="utf-8"?>
+<p:tagLst xmlns:a="http://schemas.openxmlformats.org/drawingml/2006/main" xmlns:r="http://schemas.openxmlformats.org/officeDocument/2006/relationships" xmlns:p="http://schemas.openxmlformats.org/presentationml/2006/main">
   <p:tag name="KSO_WM_UNIT_HIGHLIGHT" val="0"/>
   <p:tag name="KSO_WM_UNIT_COMPATIBLE" val="0"/>
   <p:tag name="KSO_WM_UNIT_DIAGRAM_ISNUMVISUAL" val="0"/>
@@ -11484,619 +12279,8 @@
 </p:tagLst>
 </file>
 
-<file path=ppt/tags/tag14.xml><?xml version="1.0" encoding="utf-8"?>
-<p:tagLst xmlns:p="http://schemas.openxmlformats.org/presentationml/2006/main">
-  <p:tag name="KSO_WM_UNIT_HIGHLIGHT" val="0"/>
-  <p:tag name="KSO_WM_UNIT_COMPATIBLE" val="0"/>
-  <p:tag name="KSO_WM_UNIT_DIAGRAM_ISNUMVISUAL" val="0"/>
-  <p:tag name="KSO_WM_UNIT_DIAGRAM_ISREFERUNIT" val="0"/>
-  <p:tag name="KSO_WM_UNIT_ID" val="_3**"/>
-  <p:tag name="KSO_WM_UNIT_LAYERLEVEL" val="1"/>
-  <p:tag name="KSO_WM_TAG_VERSION" val="1.0"/>
-  <p:tag name="KSO_WM_BEAUTIFY_FLAG" val="#wm#"/>
-</p:tagLst>
-</file>
-
-<file path=ppt/tags/tag15.xml><?xml version="1.0" encoding="utf-8"?>
-<p:tagLst xmlns:p="http://schemas.openxmlformats.org/presentationml/2006/main">
-  <p:tag name="KSO_WM_UNIT_HIGHLIGHT" val="0"/>
-  <p:tag name="KSO_WM_UNIT_COMPATIBLE" val="0"/>
-  <p:tag name="KSO_WM_UNIT_DIAGRAM_ISNUMVISUAL" val="0"/>
-  <p:tag name="KSO_WM_UNIT_DIAGRAM_ISREFERUNIT" val="0"/>
-  <p:tag name="KSO_WM_UNIT_ID" val="_3**"/>
-  <p:tag name="KSO_WM_UNIT_LAYERLEVEL" val="1"/>
-  <p:tag name="KSO_WM_TAG_VERSION" val="1.0"/>
-  <p:tag name="KSO_WM_BEAUTIFY_FLAG" val="#wm#"/>
-</p:tagLst>
-</file>
-
-<file path=ppt/tags/tag16.xml><?xml version="1.0" encoding="utf-8"?>
-<p:tagLst xmlns:p="http://schemas.openxmlformats.org/presentationml/2006/main">
-  <p:tag name="KSO_WM_UNIT_HIGHLIGHT" val="0"/>
-  <p:tag name="KSO_WM_UNIT_COMPATIBLE" val="0"/>
-  <p:tag name="KSO_WM_UNIT_DIAGRAM_ISNUMVISUAL" val="0"/>
-  <p:tag name="KSO_WM_UNIT_DIAGRAM_ISREFERUNIT" val="0"/>
-  <p:tag name="KSO_WM_UNIT_ID" val="_4**"/>
-  <p:tag name="KSO_WM_UNIT_LAYERLEVEL" val="1"/>
-  <p:tag name="KSO_WM_TAG_VERSION" val="1.0"/>
-  <p:tag name="KSO_WM_BEAUTIFY_FLAG" val="#wm#"/>
-</p:tagLst>
-</file>
-
-<file path=ppt/tags/tag17.xml><?xml version="1.0" encoding="utf-8"?>
-<p:tagLst xmlns:p="http://schemas.openxmlformats.org/presentationml/2006/main">
-  <p:tag name="KSO_WM_UNIT_HIGHLIGHT" val="0"/>
-  <p:tag name="KSO_WM_UNIT_COMPATIBLE" val="0"/>
-  <p:tag name="KSO_WM_UNIT_DIAGRAM_ISNUMVISUAL" val="0"/>
-  <p:tag name="KSO_WM_UNIT_DIAGRAM_ISREFERUNIT" val="0"/>
-  <p:tag name="KSO_WM_UNIT_ID" val="_4**"/>
-  <p:tag name="KSO_WM_UNIT_LAYERLEVEL" val="1"/>
-  <p:tag name="KSO_WM_TAG_VERSION" val="1.0"/>
-  <p:tag name="KSO_WM_BEAUTIFY_FLAG" val="#wm#"/>
-</p:tagLst>
-</file>
-
-<file path=ppt/tags/tag18.xml><?xml version="1.0" encoding="utf-8"?>
-<p:tagLst xmlns:p="http://schemas.openxmlformats.org/presentationml/2006/main">
-  <p:tag name="KSO_WM_UNIT_HIGHLIGHT" val="0"/>
-  <p:tag name="KSO_WM_UNIT_COMPATIBLE" val="0"/>
-  <p:tag name="KSO_WM_UNIT_DIAGRAM_ISNUMVISUAL" val="0"/>
-  <p:tag name="KSO_WM_UNIT_DIAGRAM_ISREFERUNIT" val="0"/>
-  <p:tag name="KSO_WM_UNIT_ID" val="_4**"/>
-  <p:tag name="KSO_WM_UNIT_LAYERLEVEL" val="1"/>
-  <p:tag name="KSO_WM_TAG_VERSION" val="1.0"/>
-  <p:tag name="KSO_WM_BEAUTIFY_FLAG" val="#wm#"/>
-</p:tagLst>
-</file>
-
-<file path=ppt/tags/tag19.xml><?xml version="1.0" encoding="utf-8"?>
-<p:tagLst xmlns:p="http://schemas.openxmlformats.org/presentationml/2006/main">
-  <p:tag name="KSO_WM_UNIT_HIGHLIGHT" val="0"/>
-  <p:tag name="KSO_WM_UNIT_COMPATIBLE" val="0"/>
-  <p:tag name="KSO_WM_UNIT_DIAGRAM_ISNUMVISUAL" val="0"/>
-  <p:tag name="KSO_WM_UNIT_DIAGRAM_ISREFERUNIT" val="0"/>
-  <p:tag name="KSO_WM_UNIT_ID" val="_4**"/>
-  <p:tag name="KSO_WM_UNIT_LAYERLEVEL" val="1"/>
-  <p:tag name="KSO_WM_TAG_VERSION" val="1.0"/>
-  <p:tag name="KSO_WM_BEAUTIFY_FLAG" val="#wm#"/>
-</p:tagLst>
-</file>
-
 <file path=ppt/tags/tag2.xml><?xml version="1.0" encoding="utf-8"?>
-<p:tagLst xmlns:p="http://schemas.openxmlformats.org/presentationml/2006/main">
-  <p:tag name="KSO_WM_UNIT_HIGHLIGHT" val="0"/>
-  <p:tag name="KSO_WM_UNIT_COMPATIBLE" val="0"/>
-  <p:tag name="KSO_WM_UNIT_DIAGRAM_ISNUMVISUAL" val="0"/>
-  <p:tag name="KSO_WM_UNIT_DIAGRAM_ISREFERUNIT" val="0"/>
-  <p:tag name="KSO_WM_UNIT_ID" val="_1**"/>
-  <p:tag name="KSO_WM_UNIT_LAYERLEVEL" val="1"/>
-  <p:tag name="KSO_WM_TAG_VERSION" val="1.0"/>
-  <p:tag name="KSO_WM_BEAUTIFY_FLAG" val="#wm#"/>
-</p:tagLst>
-</file>
-
-<file path=ppt/tags/tag20.xml><?xml version="1.0" encoding="utf-8"?>
-<p:tagLst xmlns:p="http://schemas.openxmlformats.org/presentationml/2006/main">
-  <p:tag name="KSO_WM_UNIT_HIGHLIGHT" val="0"/>
-  <p:tag name="KSO_WM_UNIT_COMPATIBLE" val="0"/>
-  <p:tag name="KSO_WM_UNIT_DIAGRAM_ISNUMVISUAL" val="0"/>
-  <p:tag name="KSO_WM_UNIT_DIAGRAM_ISREFERUNIT" val="0"/>
-  <p:tag name="KSO_WM_UNIT_ID" val="_4**"/>
-  <p:tag name="KSO_WM_UNIT_LAYERLEVEL" val="1"/>
-  <p:tag name="KSO_WM_TAG_VERSION" val="1.0"/>
-  <p:tag name="KSO_WM_BEAUTIFY_FLAG" val="#wm#"/>
-</p:tagLst>
-</file>
-
-<file path=ppt/tags/tag21.xml><?xml version="1.0" encoding="utf-8"?>
-<p:tagLst xmlns:p="http://schemas.openxmlformats.org/presentationml/2006/main">
-  <p:tag name="KSO_WM_UNIT_HIGHLIGHT" val="0"/>
-  <p:tag name="KSO_WM_UNIT_COMPATIBLE" val="0"/>
-  <p:tag name="KSO_WM_UNIT_DIAGRAM_ISNUMVISUAL" val="0"/>
-  <p:tag name="KSO_WM_UNIT_DIAGRAM_ISREFERUNIT" val="0"/>
-  <p:tag name="KSO_WM_UNIT_ID" val="_4**"/>
-  <p:tag name="KSO_WM_UNIT_LAYERLEVEL" val="1"/>
-  <p:tag name="KSO_WM_TAG_VERSION" val="1.0"/>
-  <p:tag name="KSO_WM_BEAUTIFY_FLAG" val="#wm#"/>
-</p:tagLst>
-</file>
-
-<file path=ppt/tags/tag22.xml><?xml version="1.0" encoding="utf-8"?>
-<p:tagLst xmlns:p="http://schemas.openxmlformats.org/presentationml/2006/main">
-  <p:tag name="KSO_WM_UNIT_HIGHLIGHT" val="0"/>
-  <p:tag name="KSO_WM_UNIT_COMPATIBLE" val="0"/>
-  <p:tag name="KSO_WM_UNIT_DIAGRAM_ISNUMVISUAL" val="0"/>
-  <p:tag name="KSO_WM_UNIT_DIAGRAM_ISREFERUNIT" val="0"/>
-  <p:tag name="KSO_WM_UNIT_ID" val="_5**"/>
-  <p:tag name="KSO_WM_UNIT_LAYERLEVEL" val="1"/>
-  <p:tag name="KSO_WM_TAG_VERSION" val="1.0"/>
-  <p:tag name="KSO_WM_BEAUTIFY_FLAG" val="#wm#"/>
-</p:tagLst>
-</file>
-
-<file path=ppt/tags/tag23.xml><?xml version="1.0" encoding="utf-8"?>
-<p:tagLst xmlns:p="http://schemas.openxmlformats.org/presentationml/2006/main">
-  <p:tag name="KSO_WM_UNIT_HIGHLIGHT" val="0"/>
-  <p:tag name="KSO_WM_UNIT_COMPATIBLE" val="0"/>
-  <p:tag name="KSO_WM_UNIT_DIAGRAM_ISNUMVISUAL" val="0"/>
-  <p:tag name="KSO_WM_UNIT_DIAGRAM_ISREFERUNIT" val="0"/>
-  <p:tag name="KSO_WM_UNIT_ID" val="_5**"/>
-  <p:tag name="KSO_WM_UNIT_LAYERLEVEL" val="1"/>
-  <p:tag name="KSO_WM_TAG_VERSION" val="1.0"/>
-  <p:tag name="KSO_WM_BEAUTIFY_FLAG" val="#wm#"/>
-</p:tagLst>
-</file>
-
-<file path=ppt/tags/tag24.xml><?xml version="1.0" encoding="utf-8"?>
-<p:tagLst xmlns:p="http://schemas.openxmlformats.org/presentationml/2006/main">
-  <p:tag name="KSO_WM_UNIT_HIGHLIGHT" val="0"/>
-  <p:tag name="KSO_WM_UNIT_COMPATIBLE" val="0"/>
-  <p:tag name="KSO_WM_UNIT_DIAGRAM_ISNUMVISUAL" val="0"/>
-  <p:tag name="KSO_WM_UNIT_DIAGRAM_ISREFERUNIT" val="0"/>
-  <p:tag name="KSO_WM_UNIT_ID" val="_5**"/>
-  <p:tag name="KSO_WM_UNIT_LAYERLEVEL" val="1"/>
-  <p:tag name="KSO_WM_TAG_VERSION" val="1.0"/>
-  <p:tag name="KSO_WM_BEAUTIFY_FLAG" val="#wm#"/>
-</p:tagLst>
-</file>
-
-<file path=ppt/tags/tag25.xml><?xml version="1.0" encoding="utf-8"?>
-<p:tagLst xmlns:p="http://schemas.openxmlformats.org/presentationml/2006/main">
-  <p:tag name="KSO_WM_UNIT_HIGHLIGHT" val="0"/>
-  <p:tag name="KSO_WM_UNIT_COMPATIBLE" val="0"/>
-  <p:tag name="KSO_WM_UNIT_DIAGRAM_ISNUMVISUAL" val="0"/>
-  <p:tag name="KSO_WM_UNIT_DIAGRAM_ISREFERUNIT" val="0"/>
-  <p:tag name="KSO_WM_UNIT_ID" val="_5**"/>
-  <p:tag name="KSO_WM_UNIT_LAYERLEVEL" val="1"/>
-  <p:tag name="KSO_WM_TAG_VERSION" val="1.0"/>
-  <p:tag name="KSO_WM_BEAUTIFY_FLAG" val="#wm#"/>
-</p:tagLst>
-</file>
-
-<file path=ppt/tags/tag26.xml><?xml version="1.0" encoding="utf-8"?>
-<p:tagLst xmlns:p="http://schemas.openxmlformats.org/presentationml/2006/main">
-  <p:tag name="KSO_WM_UNIT_HIGHLIGHT" val="0"/>
-  <p:tag name="KSO_WM_UNIT_COMPATIBLE" val="0"/>
-  <p:tag name="KSO_WM_UNIT_DIAGRAM_ISNUMVISUAL" val="0"/>
-  <p:tag name="KSO_WM_UNIT_DIAGRAM_ISREFERUNIT" val="0"/>
-  <p:tag name="KSO_WM_UNIT_ID" val="_5**"/>
-  <p:tag name="KSO_WM_UNIT_LAYERLEVEL" val="1"/>
-  <p:tag name="KSO_WM_TAG_VERSION" val="1.0"/>
-  <p:tag name="KSO_WM_BEAUTIFY_FLAG" val="#wm#"/>
-</p:tagLst>
-</file>
-
-<file path=ppt/tags/tag27.xml><?xml version="1.0" encoding="utf-8"?>
-<p:tagLst xmlns:p="http://schemas.openxmlformats.org/presentationml/2006/main">
-  <p:tag name="KSO_WM_UNIT_HIGHLIGHT" val="0"/>
-  <p:tag name="KSO_WM_UNIT_COMPATIBLE" val="0"/>
-  <p:tag name="KSO_WM_UNIT_DIAGRAM_ISNUMVISUAL" val="0"/>
-  <p:tag name="KSO_WM_UNIT_DIAGRAM_ISREFERUNIT" val="0"/>
-  <p:tag name="KSO_WM_UNIT_ID" val="_5**"/>
-  <p:tag name="KSO_WM_UNIT_LAYERLEVEL" val="1"/>
-  <p:tag name="KSO_WM_TAG_VERSION" val="1.0"/>
-  <p:tag name="KSO_WM_BEAUTIFY_FLAG" val="#wm#"/>
-</p:tagLst>
-</file>
-
-<file path=ppt/tags/tag28.xml><?xml version="1.0" encoding="utf-8"?>
-<p:tagLst xmlns:p="http://schemas.openxmlformats.org/presentationml/2006/main">
-  <p:tag name="KSO_WM_UNIT_HIGHLIGHT" val="0"/>
-  <p:tag name="KSO_WM_UNIT_COMPATIBLE" val="0"/>
-  <p:tag name="KSO_WM_UNIT_DIAGRAM_ISNUMVISUAL" val="0"/>
-  <p:tag name="KSO_WM_UNIT_DIAGRAM_ISREFERUNIT" val="0"/>
-  <p:tag name="KSO_WM_UNIT_ID" val="_5**"/>
-  <p:tag name="KSO_WM_UNIT_LAYERLEVEL" val="1"/>
-  <p:tag name="KSO_WM_TAG_VERSION" val="1.0"/>
-  <p:tag name="KSO_WM_BEAUTIFY_FLAG" val="#wm#"/>
-</p:tagLst>
-</file>
-
-<file path=ppt/tags/tag29.xml><?xml version="1.0" encoding="utf-8"?>
-<p:tagLst xmlns:p="http://schemas.openxmlformats.org/presentationml/2006/main">
-  <p:tag name="KSO_WM_UNIT_HIGHLIGHT" val="0"/>
-  <p:tag name="KSO_WM_UNIT_COMPATIBLE" val="0"/>
-  <p:tag name="KSO_WM_UNIT_DIAGRAM_ISNUMVISUAL" val="0"/>
-  <p:tag name="KSO_WM_UNIT_DIAGRAM_ISREFERUNIT" val="0"/>
-  <p:tag name="KSO_WM_UNIT_ID" val="_5**"/>
-  <p:tag name="KSO_WM_UNIT_LAYERLEVEL" val="1"/>
-  <p:tag name="KSO_WM_TAG_VERSION" val="1.0"/>
-  <p:tag name="KSO_WM_BEAUTIFY_FLAG" val="#wm#"/>
-</p:tagLst>
-</file>
-
-<file path=ppt/tags/tag3.xml><?xml version="1.0" encoding="utf-8"?>
-<p:tagLst xmlns:p="http://schemas.openxmlformats.org/presentationml/2006/main">
-  <p:tag name="KSO_WM_UNIT_HIGHLIGHT" val="0"/>
-  <p:tag name="KSO_WM_UNIT_COMPATIBLE" val="0"/>
-  <p:tag name="KSO_WM_UNIT_DIAGRAM_ISNUMVISUAL" val="0"/>
-  <p:tag name="KSO_WM_UNIT_DIAGRAM_ISREFERUNIT" val="0"/>
-  <p:tag name="KSO_WM_UNIT_ID" val="_1**"/>
-  <p:tag name="KSO_WM_UNIT_LAYERLEVEL" val="1"/>
-  <p:tag name="KSO_WM_TAG_VERSION" val="1.0"/>
-  <p:tag name="KSO_WM_BEAUTIFY_FLAG" val="#wm#"/>
-</p:tagLst>
-</file>
-
-<file path=ppt/tags/tag30.xml><?xml version="1.0" encoding="utf-8"?>
-<p:tagLst xmlns:p="http://schemas.openxmlformats.org/presentationml/2006/main">
-  <p:tag name="KSO_WM_UNIT_HIGHLIGHT" val="0"/>
-  <p:tag name="KSO_WM_UNIT_COMPATIBLE" val="0"/>
-  <p:tag name="KSO_WM_UNIT_DIAGRAM_ISNUMVISUAL" val="0"/>
-  <p:tag name="KSO_WM_UNIT_DIAGRAM_ISREFERUNIT" val="0"/>
-  <p:tag name="KSO_WM_UNIT_ID" val="_6**"/>
-  <p:tag name="KSO_WM_UNIT_LAYERLEVEL" val="1"/>
-  <p:tag name="KSO_WM_TAG_VERSION" val="1.0"/>
-  <p:tag name="KSO_WM_BEAUTIFY_FLAG" val="#wm#"/>
-</p:tagLst>
-</file>
-
-<file path=ppt/tags/tag31.xml><?xml version="1.0" encoding="utf-8"?>
-<p:tagLst xmlns:p="http://schemas.openxmlformats.org/presentationml/2006/main">
-  <p:tag name="KSO_WM_UNIT_HIGHLIGHT" val="0"/>
-  <p:tag name="KSO_WM_UNIT_COMPATIBLE" val="0"/>
-  <p:tag name="KSO_WM_UNIT_DIAGRAM_ISNUMVISUAL" val="0"/>
-  <p:tag name="KSO_WM_UNIT_DIAGRAM_ISREFERUNIT" val="0"/>
-  <p:tag name="KSO_WM_UNIT_ID" val="_6**"/>
-  <p:tag name="KSO_WM_UNIT_LAYERLEVEL" val="1"/>
-  <p:tag name="KSO_WM_TAG_VERSION" val="1.0"/>
-  <p:tag name="KSO_WM_BEAUTIFY_FLAG" val="#wm#"/>
-</p:tagLst>
-</file>
-
-<file path=ppt/tags/tag32.xml><?xml version="1.0" encoding="utf-8"?>
-<p:tagLst xmlns:p="http://schemas.openxmlformats.org/presentationml/2006/main">
-  <p:tag name="KSO_WM_UNIT_HIGHLIGHT" val="0"/>
-  <p:tag name="KSO_WM_UNIT_COMPATIBLE" val="0"/>
-  <p:tag name="KSO_WM_UNIT_DIAGRAM_ISNUMVISUAL" val="0"/>
-  <p:tag name="KSO_WM_UNIT_DIAGRAM_ISREFERUNIT" val="0"/>
-  <p:tag name="KSO_WM_UNIT_ID" val="_6**"/>
-  <p:tag name="KSO_WM_UNIT_LAYERLEVEL" val="1"/>
-  <p:tag name="KSO_WM_TAG_VERSION" val="1.0"/>
-  <p:tag name="KSO_WM_BEAUTIFY_FLAG" val="#wm#"/>
-</p:tagLst>
-</file>
-
-<file path=ppt/tags/tag33.xml><?xml version="1.0" encoding="utf-8"?>
-<p:tagLst xmlns:p="http://schemas.openxmlformats.org/presentationml/2006/main">
-  <p:tag name="KSO_WM_UNIT_HIGHLIGHT" val="0"/>
-  <p:tag name="KSO_WM_UNIT_COMPATIBLE" val="0"/>
-  <p:tag name="KSO_WM_UNIT_DIAGRAM_ISNUMVISUAL" val="0"/>
-  <p:tag name="KSO_WM_UNIT_DIAGRAM_ISREFERUNIT" val="0"/>
-  <p:tag name="KSO_WM_UNIT_ID" val="_6**"/>
-  <p:tag name="KSO_WM_UNIT_LAYERLEVEL" val="1"/>
-  <p:tag name="KSO_WM_TAG_VERSION" val="1.0"/>
-  <p:tag name="KSO_WM_BEAUTIFY_FLAG" val="#wm#"/>
-</p:tagLst>
-</file>
-
-<file path=ppt/tags/tag34.xml><?xml version="1.0" encoding="utf-8"?>
-<p:tagLst xmlns:p="http://schemas.openxmlformats.org/presentationml/2006/main">
-  <p:tag name="KSO_WM_UNIT_HIGHLIGHT" val="0"/>
-  <p:tag name="KSO_WM_UNIT_COMPATIBLE" val="0"/>
-  <p:tag name="KSO_WM_UNIT_DIAGRAM_ISNUMVISUAL" val="0"/>
-  <p:tag name="KSO_WM_UNIT_DIAGRAM_ISREFERUNIT" val="0"/>
-  <p:tag name="KSO_WM_UNIT_ID" val="_7**"/>
-  <p:tag name="KSO_WM_UNIT_LAYERLEVEL" val="1"/>
-  <p:tag name="KSO_WM_TAG_VERSION" val="1.0"/>
-  <p:tag name="KSO_WM_BEAUTIFY_FLAG" val="#wm#"/>
-</p:tagLst>
-</file>
-
-<file path=ppt/tags/tag35.xml><?xml version="1.0" encoding="utf-8"?>
-<p:tagLst xmlns:p="http://schemas.openxmlformats.org/presentationml/2006/main">
-  <p:tag name="KSO_WM_UNIT_HIGHLIGHT" val="0"/>
-  <p:tag name="KSO_WM_UNIT_COMPATIBLE" val="0"/>
-  <p:tag name="KSO_WM_UNIT_DIAGRAM_ISNUMVISUAL" val="0"/>
-  <p:tag name="KSO_WM_UNIT_DIAGRAM_ISREFERUNIT" val="0"/>
-  <p:tag name="KSO_WM_UNIT_ID" val="_7**"/>
-  <p:tag name="KSO_WM_UNIT_LAYERLEVEL" val="1"/>
-  <p:tag name="KSO_WM_TAG_VERSION" val="1.0"/>
-  <p:tag name="KSO_WM_BEAUTIFY_FLAG" val="#wm#"/>
-</p:tagLst>
-</file>
-
-<file path=ppt/tags/tag36.xml><?xml version="1.0" encoding="utf-8"?>
-<p:tagLst xmlns:p="http://schemas.openxmlformats.org/presentationml/2006/main">
-  <p:tag name="KSO_WM_UNIT_HIGHLIGHT" val="0"/>
-  <p:tag name="KSO_WM_UNIT_COMPATIBLE" val="0"/>
-  <p:tag name="KSO_WM_UNIT_DIAGRAM_ISNUMVISUAL" val="0"/>
-  <p:tag name="KSO_WM_UNIT_DIAGRAM_ISREFERUNIT" val="0"/>
-  <p:tag name="KSO_WM_UNIT_ID" val="_7**"/>
-  <p:tag name="KSO_WM_UNIT_LAYERLEVEL" val="1"/>
-  <p:tag name="KSO_WM_TAG_VERSION" val="1.0"/>
-  <p:tag name="KSO_WM_BEAUTIFY_FLAG" val="#wm#"/>
-</p:tagLst>
-</file>
-
-<file path=ppt/tags/tag37.xml><?xml version="1.0" encoding="utf-8"?>
-<p:tagLst xmlns:p="http://schemas.openxmlformats.org/presentationml/2006/main">
-  <p:tag name="KSO_WM_UNIT_HIGHLIGHT" val="0"/>
-  <p:tag name="KSO_WM_UNIT_COMPATIBLE" val="0"/>
-  <p:tag name="KSO_WM_UNIT_DIAGRAM_ISNUMVISUAL" val="0"/>
-  <p:tag name="KSO_WM_UNIT_DIAGRAM_ISREFERUNIT" val="0"/>
-  <p:tag name="KSO_WM_UNIT_ID" val="_8**"/>
-  <p:tag name="KSO_WM_UNIT_LAYERLEVEL" val="1"/>
-  <p:tag name="KSO_WM_TAG_VERSION" val="1.0"/>
-  <p:tag name="KSO_WM_BEAUTIFY_FLAG" val="#wm#"/>
-</p:tagLst>
-</file>
-
-<file path=ppt/tags/tag38.xml><?xml version="1.0" encoding="utf-8"?>
-<p:tagLst xmlns:p="http://schemas.openxmlformats.org/presentationml/2006/main">
-  <p:tag name="KSO_WM_UNIT_HIGHLIGHT" val="0"/>
-  <p:tag name="KSO_WM_UNIT_COMPATIBLE" val="0"/>
-  <p:tag name="KSO_WM_UNIT_DIAGRAM_ISNUMVISUAL" val="0"/>
-  <p:tag name="KSO_WM_UNIT_DIAGRAM_ISREFERUNIT" val="0"/>
-  <p:tag name="KSO_WM_UNIT_ID" val="_8**"/>
-  <p:tag name="KSO_WM_UNIT_LAYERLEVEL" val="1"/>
-  <p:tag name="KSO_WM_TAG_VERSION" val="1.0"/>
-  <p:tag name="KSO_WM_BEAUTIFY_FLAG" val="#wm#"/>
-</p:tagLst>
-</file>
-
-<file path=ppt/tags/tag39.xml><?xml version="1.0" encoding="utf-8"?>
-<p:tagLst xmlns:p="http://schemas.openxmlformats.org/presentationml/2006/main">
-  <p:tag name="KSO_WM_UNIT_HIGHLIGHT" val="0"/>
-  <p:tag name="KSO_WM_UNIT_COMPATIBLE" val="0"/>
-  <p:tag name="KSO_WM_UNIT_DIAGRAM_ISNUMVISUAL" val="0"/>
-  <p:tag name="KSO_WM_UNIT_DIAGRAM_ISREFERUNIT" val="0"/>
-  <p:tag name="KSO_WM_UNIT_ID" val="_8**"/>
-  <p:tag name="KSO_WM_UNIT_LAYERLEVEL" val="1"/>
-  <p:tag name="KSO_WM_TAG_VERSION" val="1.0"/>
-  <p:tag name="KSO_WM_BEAUTIFY_FLAG" val="#wm#"/>
-</p:tagLst>
-</file>
-
-<file path=ppt/tags/tag4.xml><?xml version="1.0" encoding="utf-8"?>
-<p:tagLst xmlns:p="http://schemas.openxmlformats.org/presentationml/2006/main">
-  <p:tag name="KSO_WM_UNIT_HIGHLIGHT" val="0"/>
-  <p:tag name="KSO_WM_UNIT_COMPATIBLE" val="0"/>
-  <p:tag name="KSO_WM_UNIT_DIAGRAM_ISNUMVISUAL" val="0"/>
-  <p:tag name="KSO_WM_UNIT_DIAGRAM_ISREFERUNIT" val="0"/>
-  <p:tag name="KSO_WM_UNIT_ID" val="_1**"/>
-  <p:tag name="KSO_WM_UNIT_LAYERLEVEL" val="1"/>
-  <p:tag name="KSO_WM_TAG_VERSION" val="1.0"/>
-  <p:tag name="KSO_WM_BEAUTIFY_FLAG" val="#wm#"/>
-</p:tagLst>
-</file>
-
-<file path=ppt/tags/tag40.xml><?xml version="1.0" encoding="utf-8"?>
-<p:tagLst xmlns:p="http://schemas.openxmlformats.org/presentationml/2006/main">
-  <p:tag name="KSO_WM_UNIT_HIGHLIGHT" val="0"/>
-  <p:tag name="KSO_WM_UNIT_COMPATIBLE" val="0"/>
-  <p:tag name="KSO_WM_UNIT_DIAGRAM_ISNUMVISUAL" val="0"/>
-  <p:tag name="KSO_WM_UNIT_DIAGRAM_ISREFERUNIT" val="0"/>
-  <p:tag name="KSO_WM_UNIT_ID" val="_8**"/>
-  <p:tag name="KSO_WM_UNIT_LAYERLEVEL" val="1"/>
-  <p:tag name="KSO_WM_TAG_VERSION" val="1.0"/>
-  <p:tag name="KSO_WM_BEAUTIFY_FLAG" val="#wm#"/>
-</p:tagLst>
-</file>
-
-<file path=ppt/tags/tag41.xml><?xml version="1.0" encoding="utf-8"?>
-<p:tagLst xmlns:p="http://schemas.openxmlformats.org/presentationml/2006/main">
-  <p:tag name="KSO_WM_UNIT_HIGHLIGHT" val="0"/>
-  <p:tag name="KSO_WM_UNIT_COMPATIBLE" val="0"/>
-  <p:tag name="KSO_WM_UNIT_DIAGRAM_ISNUMVISUAL" val="0"/>
-  <p:tag name="KSO_WM_UNIT_DIAGRAM_ISREFERUNIT" val="0"/>
-  <p:tag name="KSO_WM_UNIT_ID" val="_8**"/>
-  <p:tag name="KSO_WM_UNIT_LAYERLEVEL" val="1"/>
-  <p:tag name="KSO_WM_TAG_VERSION" val="1.0"/>
-  <p:tag name="KSO_WM_BEAUTIFY_FLAG" val="#wm#"/>
-</p:tagLst>
-</file>
-
-<file path=ppt/tags/tag42.xml><?xml version="1.0" encoding="utf-8"?>
-<p:tagLst xmlns:p="http://schemas.openxmlformats.org/presentationml/2006/main">
-  <p:tag name="KSO_WM_UNIT_HIGHLIGHT" val="0"/>
-  <p:tag name="KSO_WM_UNIT_COMPATIBLE" val="0"/>
-  <p:tag name="KSO_WM_UNIT_DIAGRAM_ISNUMVISUAL" val="0"/>
-  <p:tag name="KSO_WM_UNIT_DIAGRAM_ISREFERUNIT" val="0"/>
-  <p:tag name="KSO_WM_UNIT_ID" val="_8**"/>
-  <p:tag name="KSO_WM_UNIT_LAYERLEVEL" val="1"/>
-  <p:tag name="KSO_WM_TAG_VERSION" val="1.0"/>
-  <p:tag name="KSO_WM_BEAUTIFY_FLAG" val="#wm#"/>
-</p:tagLst>
-</file>
-
-<file path=ppt/tags/tag43.xml><?xml version="1.0" encoding="utf-8"?>
-<p:tagLst xmlns:p="http://schemas.openxmlformats.org/presentationml/2006/main">
-  <p:tag name="KSO_WM_UNIT_HIGHLIGHT" val="0"/>
-  <p:tag name="KSO_WM_UNIT_COMPATIBLE" val="0"/>
-  <p:tag name="KSO_WM_UNIT_DIAGRAM_ISNUMVISUAL" val="0"/>
-  <p:tag name="KSO_WM_UNIT_DIAGRAM_ISREFERUNIT" val="0"/>
-  <p:tag name="KSO_WM_UNIT_ID" val="_9**"/>
-  <p:tag name="KSO_WM_UNIT_LAYERLEVEL" val="1"/>
-  <p:tag name="KSO_WM_TAG_VERSION" val="1.0"/>
-  <p:tag name="KSO_WM_BEAUTIFY_FLAG" val="#wm#"/>
-</p:tagLst>
-</file>
-
-<file path=ppt/tags/tag44.xml><?xml version="1.0" encoding="utf-8"?>
-<p:tagLst xmlns:p="http://schemas.openxmlformats.org/presentationml/2006/main">
-  <p:tag name="KSO_WM_UNIT_HIGHLIGHT" val="0"/>
-  <p:tag name="KSO_WM_UNIT_COMPATIBLE" val="0"/>
-  <p:tag name="KSO_WM_UNIT_DIAGRAM_ISNUMVISUAL" val="0"/>
-  <p:tag name="KSO_WM_UNIT_DIAGRAM_ISREFERUNIT" val="0"/>
-  <p:tag name="KSO_WM_UNIT_ID" val="_9**"/>
-  <p:tag name="KSO_WM_UNIT_LAYERLEVEL" val="1"/>
-  <p:tag name="KSO_WM_TAG_VERSION" val="1.0"/>
-  <p:tag name="KSO_WM_BEAUTIFY_FLAG" val="#wm#"/>
-</p:tagLst>
-</file>
-
-<file path=ppt/tags/tag45.xml><?xml version="1.0" encoding="utf-8"?>
-<p:tagLst xmlns:p="http://schemas.openxmlformats.org/presentationml/2006/main">
-  <p:tag name="KSO_WM_UNIT_HIGHLIGHT" val="0"/>
-  <p:tag name="KSO_WM_UNIT_COMPATIBLE" val="0"/>
-  <p:tag name="KSO_WM_UNIT_DIAGRAM_ISNUMVISUAL" val="0"/>
-  <p:tag name="KSO_WM_UNIT_DIAGRAM_ISREFERUNIT" val="0"/>
-  <p:tag name="KSO_WM_UNIT_ID" val="_9**"/>
-  <p:tag name="KSO_WM_UNIT_LAYERLEVEL" val="1"/>
-  <p:tag name="KSO_WM_TAG_VERSION" val="1.0"/>
-  <p:tag name="KSO_WM_BEAUTIFY_FLAG" val="#wm#"/>
-</p:tagLst>
-</file>
-
-<file path=ppt/tags/tag46.xml><?xml version="1.0" encoding="utf-8"?>
-<p:tagLst xmlns:p="http://schemas.openxmlformats.org/presentationml/2006/main">
-  <p:tag name="KSO_WM_UNIT_HIGHLIGHT" val="0"/>
-  <p:tag name="KSO_WM_UNIT_COMPATIBLE" val="0"/>
-  <p:tag name="KSO_WM_UNIT_DIAGRAM_ISNUMVISUAL" val="0"/>
-  <p:tag name="KSO_WM_UNIT_DIAGRAM_ISREFERUNIT" val="0"/>
-  <p:tag name="KSO_WM_UNIT_ID" val="_9**"/>
-  <p:tag name="KSO_WM_UNIT_LAYERLEVEL" val="1"/>
-  <p:tag name="KSO_WM_TAG_VERSION" val="1.0"/>
-  <p:tag name="KSO_WM_BEAUTIFY_FLAG" val="#wm#"/>
-</p:tagLst>
-</file>
-
-<file path=ppt/tags/tag47.xml><?xml version="1.0" encoding="utf-8"?>
-<p:tagLst xmlns:p="http://schemas.openxmlformats.org/presentationml/2006/main">
-  <p:tag name="KSO_WM_UNIT_HIGHLIGHT" val="0"/>
-  <p:tag name="KSO_WM_UNIT_COMPATIBLE" val="0"/>
-  <p:tag name="KSO_WM_UNIT_DIAGRAM_ISNUMVISUAL" val="0"/>
-  <p:tag name="KSO_WM_UNIT_DIAGRAM_ISREFERUNIT" val="0"/>
-  <p:tag name="KSO_WM_UNIT_ID" val="_9**"/>
-  <p:tag name="KSO_WM_UNIT_LAYERLEVEL" val="1"/>
-  <p:tag name="KSO_WM_TAG_VERSION" val="1.0"/>
-  <p:tag name="KSO_WM_BEAUTIFY_FLAG" val="#wm#"/>
-</p:tagLst>
-</file>
-
-<file path=ppt/tags/tag48.xml><?xml version="1.0" encoding="utf-8"?>
-<p:tagLst xmlns:p="http://schemas.openxmlformats.org/presentationml/2006/main">
-  <p:tag name="KSO_WM_UNIT_HIGHLIGHT" val="0"/>
-  <p:tag name="KSO_WM_UNIT_COMPATIBLE" val="0"/>
-  <p:tag name="KSO_WM_UNIT_DIAGRAM_ISNUMVISUAL" val="0"/>
-  <p:tag name="KSO_WM_UNIT_DIAGRAM_ISREFERUNIT" val="0"/>
-  <p:tag name="KSO_WM_UNIT_ID" val="_10**"/>
-  <p:tag name="KSO_WM_UNIT_LAYERLEVEL" val="1"/>
-  <p:tag name="KSO_WM_TAG_VERSION" val="1.0"/>
-  <p:tag name="KSO_WM_BEAUTIFY_FLAG" val="#wm#"/>
-</p:tagLst>
-</file>
-
-<file path=ppt/tags/tag49.xml><?xml version="1.0" encoding="utf-8"?>
-<p:tagLst xmlns:p="http://schemas.openxmlformats.org/presentationml/2006/main">
-  <p:tag name="KSO_WM_UNIT_HIGHLIGHT" val="0"/>
-  <p:tag name="KSO_WM_UNIT_COMPATIBLE" val="0"/>
-  <p:tag name="KSO_WM_UNIT_DIAGRAM_ISNUMVISUAL" val="0"/>
-  <p:tag name="KSO_WM_UNIT_DIAGRAM_ISREFERUNIT" val="0"/>
-  <p:tag name="KSO_WM_UNIT_ID" val="_10**"/>
-  <p:tag name="KSO_WM_UNIT_LAYERLEVEL" val="1"/>
-  <p:tag name="KSO_WM_TAG_VERSION" val="1.0"/>
-  <p:tag name="KSO_WM_BEAUTIFY_FLAG" val="#wm#"/>
-</p:tagLst>
-</file>
-
-<file path=ppt/tags/tag5.xml><?xml version="1.0" encoding="utf-8"?>
-<p:tagLst xmlns:p="http://schemas.openxmlformats.org/presentationml/2006/main">
-  <p:tag name="KSO_WM_UNIT_HIGHLIGHT" val="0"/>
-  <p:tag name="KSO_WM_UNIT_COMPATIBLE" val="0"/>
-  <p:tag name="KSO_WM_UNIT_DIAGRAM_ISNUMVISUAL" val="0"/>
-  <p:tag name="KSO_WM_UNIT_DIAGRAM_ISREFERUNIT" val="0"/>
-  <p:tag name="KSO_WM_UNIT_ID" val="_1**"/>
-  <p:tag name="KSO_WM_UNIT_LAYERLEVEL" val="1"/>
-  <p:tag name="KSO_WM_TAG_VERSION" val="1.0"/>
-  <p:tag name="KSO_WM_BEAUTIFY_FLAG" val="#wm#"/>
-</p:tagLst>
-</file>
-
-<file path=ppt/tags/tag50.xml><?xml version="1.0" encoding="utf-8"?>
-<p:tagLst xmlns:p="http://schemas.openxmlformats.org/presentationml/2006/main">
-  <p:tag name="KSO_WM_UNIT_HIGHLIGHT" val="0"/>
-  <p:tag name="KSO_WM_UNIT_COMPATIBLE" val="0"/>
-  <p:tag name="KSO_WM_UNIT_DIAGRAM_ISNUMVISUAL" val="0"/>
-  <p:tag name="KSO_WM_UNIT_DIAGRAM_ISREFERUNIT" val="0"/>
-  <p:tag name="KSO_WM_UNIT_ID" val="_10**"/>
-  <p:tag name="KSO_WM_UNIT_LAYERLEVEL" val="1"/>
-  <p:tag name="KSO_WM_TAG_VERSION" val="1.0"/>
-  <p:tag name="KSO_WM_BEAUTIFY_FLAG" val="#wm#"/>
-</p:tagLst>
-</file>
-
-<file path=ppt/tags/tag51.xml><?xml version="1.0" encoding="utf-8"?>
-<p:tagLst xmlns:p="http://schemas.openxmlformats.org/presentationml/2006/main">
-  <p:tag name="KSO_WM_UNIT_HIGHLIGHT" val="0"/>
-  <p:tag name="KSO_WM_UNIT_COMPATIBLE" val="0"/>
-  <p:tag name="KSO_WM_UNIT_DIAGRAM_ISNUMVISUAL" val="0"/>
-  <p:tag name="KSO_WM_UNIT_DIAGRAM_ISREFERUNIT" val="0"/>
-  <p:tag name="KSO_WM_UNIT_ID" val="_10**"/>
-  <p:tag name="KSO_WM_UNIT_LAYERLEVEL" val="1"/>
-  <p:tag name="KSO_WM_TAG_VERSION" val="1.0"/>
-  <p:tag name="KSO_WM_BEAUTIFY_FLAG" val="#wm#"/>
-</p:tagLst>
-</file>
-
-<file path=ppt/tags/tag52.xml><?xml version="1.0" encoding="utf-8"?>
-<p:tagLst xmlns:p="http://schemas.openxmlformats.org/presentationml/2006/main">
-  <p:tag name="KSO_WM_UNIT_HIGHLIGHT" val="0"/>
-  <p:tag name="KSO_WM_UNIT_COMPATIBLE" val="0"/>
-  <p:tag name="KSO_WM_UNIT_DIAGRAM_ISNUMVISUAL" val="0"/>
-  <p:tag name="KSO_WM_UNIT_DIAGRAM_ISREFERUNIT" val="0"/>
-  <p:tag name="KSO_WM_UNIT_ID" val="_11**"/>
-  <p:tag name="KSO_WM_UNIT_LAYERLEVEL" val="1"/>
-  <p:tag name="KSO_WM_TAG_VERSION" val="1.0"/>
-  <p:tag name="KSO_WM_BEAUTIFY_FLAG" val="#wm#"/>
-</p:tagLst>
-</file>
-
-<file path=ppt/tags/tag53.xml><?xml version="1.0" encoding="utf-8"?>
-<p:tagLst xmlns:p="http://schemas.openxmlformats.org/presentationml/2006/main">
-  <p:tag name="KSO_WM_UNIT_HIGHLIGHT" val="0"/>
-  <p:tag name="KSO_WM_UNIT_COMPATIBLE" val="0"/>
-  <p:tag name="KSO_WM_UNIT_DIAGRAM_ISNUMVISUAL" val="0"/>
-  <p:tag name="KSO_WM_UNIT_DIAGRAM_ISREFERUNIT" val="0"/>
-  <p:tag name="KSO_WM_UNIT_ID" val="_11**"/>
-  <p:tag name="KSO_WM_UNIT_LAYERLEVEL" val="1"/>
-  <p:tag name="KSO_WM_TAG_VERSION" val="1.0"/>
-  <p:tag name="KSO_WM_BEAUTIFY_FLAG" val="#wm#"/>
-</p:tagLst>
-</file>
-
-<file path=ppt/tags/tag54.xml><?xml version="1.0" encoding="utf-8"?>
-<p:tagLst xmlns:p="http://schemas.openxmlformats.org/presentationml/2006/main">
-  <p:tag name="KSO_WM_UNIT_HIGHLIGHT" val="0"/>
-  <p:tag name="KSO_WM_UNIT_COMPATIBLE" val="0"/>
-  <p:tag name="KSO_WM_UNIT_DIAGRAM_ISNUMVISUAL" val="0"/>
-  <p:tag name="KSO_WM_UNIT_DIAGRAM_ISREFERUNIT" val="0"/>
-  <p:tag name="KSO_WM_UNIT_ID" val="_11**"/>
-  <p:tag name="KSO_WM_UNIT_LAYERLEVEL" val="1"/>
-  <p:tag name="KSO_WM_TAG_VERSION" val="1.0"/>
-  <p:tag name="KSO_WM_BEAUTIFY_FLAG" val="#wm#"/>
-</p:tagLst>
-</file>
-
-<file path=ppt/tags/tag55.xml><?xml version="1.0" encoding="utf-8"?>
-<p:tagLst xmlns:p="http://schemas.openxmlformats.org/presentationml/2006/main">
-  <p:tag name="KSO_WM_UNIT_HIGHLIGHT" val="0"/>
-  <p:tag name="KSO_WM_UNIT_COMPATIBLE" val="0"/>
-  <p:tag name="KSO_WM_UNIT_DIAGRAM_ISNUMVISUAL" val="0"/>
-  <p:tag name="KSO_WM_UNIT_DIAGRAM_ISREFERUNIT" val="0"/>
-  <p:tag name="KSO_WM_UNIT_ID" val="_11**"/>
-  <p:tag name="KSO_WM_UNIT_LAYERLEVEL" val="1"/>
-  <p:tag name="KSO_WM_TAG_VERSION" val="1.0"/>
-  <p:tag name="KSO_WM_BEAUTIFY_FLAG" val="#wm#"/>
-</p:tagLst>
-</file>
-
-<file path=ppt/tags/tag56.xml><?xml version="1.0" encoding="utf-8"?>
-<p:tagLst xmlns:p="http://schemas.openxmlformats.org/presentationml/2006/main">
-  <p:tag name="KSO_WM_UNIT_HIGHLIGHT" val="0"/>
-  <p:tag name="KSO_WM_UNIT_COMPATIBLE" val="0"/>
-  <p:tag name="KSO_WM_UNIT_DIAGRAM_ISNUMVISUAL" val="0"/>
-  <p:tag name="KSO_WM_UNIT_DIAGRAM_ISREFERUNIT" val="0"/>
-  <p:tag name="KSO_WM_UNIT_ID" val="_11**"/>
-  <p:tag name="KSO_WM_UNIT_LAYERLEVEL" val="1"/>
-  <p:tag name="KSO_WM_TAG_VERSION" val="1.0"/>
-  <p:tag name="KSO_WM_BEAUTIFY_FLAG" val="#wm#"/>
-</p:tagLst>
-</file>
-
-<file path=ppt/tags/tag57.xml><?xml version="1.0" encoding="utf-8"?>
-<p:tagLst xmlns:p="http://schemas.openxmlformats.org/presentationml/2006/main">
+<p:tagLst xmlns:a="http://schemas.openxmlformats.org/drawingml/2006/main" xmlns:r="http://schemas.openxmlformats.org/officeDocument/2006/relationships" xmlns:p="http://schemas.openxmlformats.org/presentationml/2006/main">
   <p:tag name="KSO_WM_UNIT_HIGHLIGHT" val="0"/>
   <p:tag name="KSO_WM_UNIT_COMPATIBLE" val="0"/>
   <p:tag name="KSO_WM_UNIT_DIAGRAM_ISNUMVISUAL" val="0"/>
@@ -12110,8 +12294,138 @@
 </p:tagLst>
 </file>
 
-<file path=ppt/tags/tag58.xml><?xml version="1.0" encoding="utf-8"?>
-<p:tagLst xmlns:p="http://schemas.openxmlformats.org/presentationml/2006/main">
+<file path=ppt/tags/tag20.xml><?xml version="1.0" encoding="utf-8"?>
+<p:tagLst xmlns:a="http://schemas.openxmlformats.org/drawingml/2006/main" xmlns:r="http://schemas.openxmlformats.org/officeDocument/2006/relationships" xmlns:p="http://schemas.openxmlformats.org/presentationml/2006/main">
+  <p:tag name="KSO_WM_UNIT_HIGHLIGHT" val="0"/>
+  <p:tag name="KSO_WM_UNIT_COMPATIBLE" val="0"/>
+  <p:tag name="KSO_WM_UNIT_DIAGRAM_ISNUMVISUAL" val="0"/>
+  <p:tag name="KSO_WM_UNIT_DIAGRAM_ISREFERUNIT" val="0"/>
+  <p:tag name="KSO_WM_UNIT_ID" val="_3**"/>
+  <p:tag name="KSO_WM_UNIT_LAYERLEVEL" val="1"/>
+  <p:tag name="KSO_WM_TAG_VERSION" val="1.0"/>
+  <p:tag name="KSO_WM_BEAUTIFY_FLAG" val="#wm#"/>
+</p:tagLst>
+</file>
+
+<file path=ppt/tags/tag21.xml><?xml version="1.0" encoding="utf-8"?>
+<p:tagLst xmlns:a="http://schemas.openxmlformats.org/drawingml/2006/main" xmlns:r="http://schemas.openxmlformats.org/officeDocument/2006/relationships" xmlns:p="http://schemas.openxmlformats.org/presentationml/2006/main">
+  <p:tag name="KSO_WM_UNIT_HIGHLIGHT" val="0"/>
+  <p:tag name="KSO_WM_UNIT_COMPATIBLE" val="0"/>
+  <p:tag name="KSO_WM_UNIT_DIAGRAM_ISNUMVISUAL" val="0"/>
+  <p:tag name="KSO_WM_UNIT_DIAGRAM_ISREFERUNIT" val="0"/>
+  <p:tag name="KSO_WM_UNIT_ID" val="_3**"/>
+  <p:tag name="KSO_WM_UNIT_LAYERLEVEL" val="1"/>
+  <p:tag name="KSO_WM_TAG_VERSION" val="1.0"/>
+  <p:tag name="KSO_WM_BEAUTIFY_FLAG" val="#wm#"/>
+</p:tagLst>
+</file>
+
+<file path=ppt/tags/tag22.xml><?xml version="1.0" encoding="utf-8"?>
+<p:tagLst xmlns:a="http://schemas.openxmlformats.org/drawingml/2006/main" xmlns:r="http://schemas.openxmlformats.org/officeDocument/2006/relationships" xmlns:p="http://schemas.openxmlformats.org/presentationml/2006/main">
+  <p:tag name="KSO_WM_UNIT_HIGHLIGHT" val="0"/>
+  <p:tag name="KSO_WM_UNIT_COMPATIBLE" val="0"/>
+  <p:tag name="KSO_WM_UNIT_DIAGRAM_ISNUMVISUAL" val="0"/>
+  <p:tag name="KSO_WM_UNIT_DIAGRAM_ISREFERUNIT" val="0"/>
+  <p:tag name="KSO_WM_UNIT_ID" val="_4**"/>
+  <p:tag name="KSO_WM_UNIT_LAYERLEVEL" val="1"/>
+  <p:tag name="KSO_WM_TAG_VERSION" val="1.0"/>
+  <p:tag name="KSO_WM_BEAUTIFY_FLAG" val="#wm#"/>
+</p:tagLst>
+</file>
+
+<file path=ppt/tags/tag23.xml><?xml version="1.0" encoding="utf-8"?>
+<p:tagLst xmlns:a="http://schemas.openxmlformats.org/drawingml/2006/main" xmlns:r="http://schemas.openxmlformats.org/officeDocument/2006/relationships" xmlns:p="http://schemas.openxmlformats.org/presentationml/2006/main">
+  <p:tag name="KSO_WM_UNIT_HIGHLIGHT" val="0"/>
+  <p:tag name="KSO_WM_UNIT_COMPATIBLE" val="0"/>
+  <p:tag name="KSO_WM_UNIT_DIAGRAM_ISNUMVISUAL" val="0"/>
+  <p:tag name="KSO_WM_UNIT_DIAGRAM_ISREFERUNIT" val="0"/>
+  <p:tag name="KSO_WM_UNIT_ID" val="_4**"/>
+  <p:tag name="KSO_WM_UNIT_LAYERLEVEL" val="1"/>
+  <p:tag name="KSO_WM_TAG_VERSION" val="1.0"/>
+  <p:tag name="KSO_WM_BEAUTIFY_FLAG" val="#wm#"/>
+</p:tagLst>
+</file>
+
+<file path=ppt/tags/tag24.xml><?xml version="1.0" encoding="utf-8"?>
+<p:tagLst xmlns:a="http://schemas.openxmlformats.org/drawingml/2006/main" xmlns:r="http://schemas.openxmlformats.org/officeDocument/2006/relationships" xmlns:p="http://schemas.openxmlformats.org/presentationml/2006/main">
+  <p:tag name="KSO_WM_UNIT_HIGHLIGHT" val="0"/>
+  <p:tag name="KSO_WM_UNIT_COMPATIBLE" val="0"/>
+  <p:tag name="KSO_WM_UNIT_DIAGRAM_ISNUMVISUAL" val="0"/>
+  <p:tag name="KSO_WM_UNIT_DIAGRAM_ISREFERUNIT" val="0"/>
+  <p:tag name="KSO_WM_UNIT_ID" val="_4**"/>
+  <p:tag name="KSO_WM_UNIT_LAYERLEVEL" val="1"/>
+  <p:tag name="KSO_WM_TAG_VERSION" val="1.0"/>
+  <p:tag name="KSO_WM_BEAUTIFY_FLAG" val="#wm#"/>
+</p:tagLst>
+</file>
+
+<file path=ppt/tags/tag25.xml><?xml version="1.0" encoding="utf-8"?>
+<p:tagLst xmlns:a="http://schemas.openxmlformats.org/drawingml/2006/main" xmlns:r="http://schemas.openxmlformats.org/officeDocument/2006/relationships" xmlns:p="http://schemas.openxmlformats.org/presentationml/2006/main">
+  <p:tag name="KSO_WM_UNIT_HIGHLIGHT" val="0"/>
+  <p:tag name="KSO_WM_UNIT_COMPATIBLE" val="0"/>
+  <p:tag name="KSO_WM_UNIT_DIAGRAM_ISNUMVISUAL" val="0"/>
+  <p:tag name="KSO_WM_UNIT_DIAGRAM_ISREFERUNIT" val="0"/>
+  <p:tag name="KSO_WM_UNIT_ID" val="_4**"/>
+  <p:tag name="KSO_WM_UNIT_LAYERLEVEL" val="1"/>
+  <p:tag name="KSO_WM_TAG_VERSION" val="1.0"/>
+  <p:tag name="KSO_WM_BEAUTIFY_FLAG" val="#wm#"/>
+</p:tagLst>
+</file>
+
+<file path=ppt/tags/tag26.xml><?xml version="1.0" encoding="utf-8"?>
+<p:tagLst xmlns:a="http://schemas.openxmlformats.org/drawingml/2006/main" xmlns:r="http://schemas.openxmlformats.org/officeDocument/2006/relationships" xmlns:p="http://schemas.openxmlformats.org/presentationml/2006/main">
+  <p:tag name="KSO_WM_UNIT_HIGHLIGHT" val="0"/>
+  <p:tag name="KSO_WM_UNIT_COMPATIBLE" val="0"/>
+  <p:tag name="KSO_WM_UNIT_DIAGRAM_ISNUMVISUAL" val="0"/>
+  <p:tag name="KSO_WM_UNIT_DIAGRAM_ISREFERUNIT" val="0"/>
+  <p:tag name="KSO_WM_UNIT_ID" val="_4**"/>
+  <p:tag name="KSO_WM_UNIT_LAYERLEVEL" val="1"/>
+  <p:tag name="KSO_WM_TAG_VERSION" val="1.0"/>
+  <p:tag name="KSO_WM_BEAUTIFY_FLAG" val="#wm#"/>
+</p:tagLst>
+</file>
+
+<file path=ppt/tags/tag27.xml><?xml version="1.0" encoding="utf-8"?>
+<p:tagLst xmlns:a="http://schemas.openxmlformats.org/drawingml/2006/main" xmlns:r="http://schemas.openxmlformats.org/officeDocument/2006/relationships" xmlns:p="http://schemas.openxmlformats.org/presentationml/2006/main">
+  <p:tag name="KSO_WM_UNIT_HIGHLIGHT" val="0"/>
+  <p:tag name="KSO_WM_UNIT_COMPATIBLE" val="0"/>
+  <p:tag name="KSO_WM_UNIT_DIAGRAM_ISNUMVISUAL" val="0"/>
+  <p:tag name="KSO_WM_UNIT_DIAGRAM_ISREFERUNIT" val="0"/>
+  <p:tag name="KSO_WM_UNIT_ID" val="_4**"/>
+  <p:tag name="KSO_WM_UNIT_LAYERLEVEL" val="1"/>
+  <p:tag name="KSO_WM_TAG_VERSION" val="1.0"/>
+  <p:tag name="KSO_WM_BEAUTIFY_FLAG" val="#wm#"/>
+</p:tagLst>
+</file>
+
+<file path=ppt/tags/tag28.xml><?xml version="1.0" encoding="utf-8"?>
+<p:tagLst xmlns:a="http://schemas.openxmlformats.org/drawingml/2006/main" xmlns:r="http://schemas.openxmlformats.org/officeDocument/2006/relationships" xmlns:p="http://schemas.openxmlformats.org/presentationml/2006/main">
+  <p:tag name="KSO_WM_UNIT_HIGHLIGHT" val="0"/>
+  <p:tag name="KSO_WM_UNIT_COMPATIBLE" val="0"/>
+  <p:tag name="KSO_WM_UNIT_DIAGRAM_ISNUMVISUAL" val="0"/>
+  <p:tag name="KSO_WM_UNIT_DIAGRAM_ISREFERUNIT" val="0"/>
+  <p:tag name="KSO_WM_UNIT_ID" val="_5**"/>
+  <p:tag name="KSO_WM_UNIT_LAYERLEVEL" val="1"/>
+  <p:tag name="KSO_WM_TAG_VERSION" val="1.0"/>
+  <p:tag name="KSO_WM_BEAUTIFY_FLAG" val="#wm#"/>
+</p:tagLst>
+</file>
+
+<file path=ppt/tags/tag29.xml><?xml version="1.0" encoding="utf-8"?>
+<p:tagLst xmlns:a="http://schemas.openxmlformats.org/drawingml/2006/main" xmlns:r="http://schemas.openxmlformats.org/officeDocument/2006/relationships" xmlns:p="http://schemas.openxmlformats.org/presentationml/2006/main">
+  <p:tag name="KSO_WM_UNIT_HIGHLIGHT" val="0"/>
+  <p:tag name="KSO_WM_UNIT_COMPATIBLE" val="0"/>
+  <p:tag name="KSO_WM_UNIT_DIAGRAM_ISNUMVISUAL" val="0"/>
+  <p:tag name="KSO_WM_UNIT_DIAGRAM_ISREFERUNIT" val="0"/>
+  <p:tag name="KSO_WM_UNIT_ID" val="_5**"/>
+  <p:tag name="KSO_WM_UNIT_LAYERLEVEL" val="1"/>
+  <p:tag name="KSO_WM_TAG_VERSION" val="1.0"/>
+  <p:tag name="KSO_WM_BEAUTIFY_FLAG" val="#wm#"/>
+</p:tagLst>
+</file>
+
+<file path=ppt/tags/tag3.xml><?xml version="1.0" encoding="utf-8"?>
+<p:tagLst xmlns:a="http://schemas.openxmlformats.org/drawingml/2006/main" xmlns:r="http://schemas.openxmlformats.org/officeDocument/2006/relationships" xmlns:p="http://schemas.openxmlformats.org/presentationml/2006/main">
   <p:tag name="KSO_WM_UNIT_HIGHLIGHT" val="0"/>
   <p:tag name="KSO_WM_UNIT_COMPATIBLE" val="0"/>
   <p:tag name="KSO_WM_UNIT_DIAGRAM_ISNUMVISUAL" val="0"/>
@@ -12125,8 +12439,138 @@
 </p:tagLst>
 </file>
 
-<file path=ppt/tags/tag59.xml><?xml version="1.0" encoding="utf-8"?>
-<p:tagLst xmlns:p="http://schemas.openxmlformats.org/presentationml/2006/main">
+<file path=ppt/tags/tag30.xml><?xml version="1.0" encoding="utf-8"?>
+<p:tagLst xmlns:a="http://schemas.openxmlformats.org/drawingml/2006/main" xmlns:r="http://schemas.openxmlformats.org/officeDocument/2006/relationships" xmlns:p="http://schemas.openxmlformats.org/presentationml/2006/main">
+  <p:tag name="KSO_WM_UNIT_HIGHLIGHT" val="0"/>
+  <p:tag name="KSO_WM_UNIT_COMPATIBLE" val="0"/>
+  <p:tag name="KSO_WM_UNIT_DIAGRAM_ISNUMVISUAL" val="0"/>
+  <p:tag name="KSO_WM_UNIT_DIAGRAM_ISREFERUNIT" val="0"/>
+  <p:tag name="KSO_WM_UNIT_ID" val="_5**"/>
+  <p:tag name="KSO_WM_UNIT_LAYERLEVEL" val="1"/>
+  <p:tag name="KSO_WM_TAG_VERSION" val="1.0"/>
+  <p:tag name="KSO_WM_BEAUTIFY_FLAG" val="#wm#"/>
+</p:tagLst>
+</file>
+
+<file path=ppt/tags/tag31.xml><?xml version="1.0" encoding="utf-8"?>
+<p:tagLst xmlns:a="http://schemas.openxmlformats.org/drawingml/2006/main" xmlns:r="http://schemas.openxmlformats.org/officeDocument/2006/relationships" xmlns:p="http://schemas.openxmlformats.org/presentationml/2006/main">
+  <p:tag name="KSO_WM_UNIT_HIGHLIGHT" val="0"/>
+  <p:tag name="KSO_WM_UNIT_COMPATIBLE" val="0"/>
+  <p:tag name="KSO_WM_UNIT_DIAGRAM_ISNUMVISUAL" val="0"/>
+  <p:tag name="KSO_WM_UNIT_DIAGRAM_ISREFERUNIT" val="0"/>
+  <p:tag name="KSO_WM_UNIT_ID" val="_5**"/>
+  <p:tag name="KSO_WM_UNIT_LAYERLEVEL" val="1"/>
+  <p:tag name="KSO_WM_TAG_VERSION" val="1.0"/>
+  <p:tag name="KSO_WM_BEAUTIFY_FLAG" val="#wm#"/>
+</p:tagLst>
+</file>
+
+<file path=ppt/tags/tag32.xml><?xml version="1.0" encoding="utf-8"?>
+<p:tagLst xmlns:a="http://schemas.openxmlformats.org/drawingml/2006/main" xmlns:r="http://schemas.openxmlformats.org/officeDocument/2006/relationships" xmlns:p="http://schemas.openxmlformats.org/presentationml/2006/main">
+  <p:tag name="KSO_WM_UNIT_HIGHLIGHT" val="0"/>
+  <p:tag name="KSO_WM_UNIT_COMPATIBLE" val="0"/>
+  <p:tag name="KSO_WM_UNIT_DIAGRAM_ISNUMVISUAL" val="0"/>
+  <p:tag name="KSO_WM_UNIT_DIAGRAM_ISREFERUNIT" val="0"/>
+  <p:tag name="KSO_WM_UNIT_ID" val="_5**"/>
+  <p:tag name="KSO_WM_UNIT_LAYERLEVEL" val="1"/>
+  <p:tag name="KSO_WM_TAG_VERSION" val="1.0"/>
+  <p:tag name="KSO_WM_BEAUTIFY_FLAG" val="#wm#"/>
+</p:tagLst>
+</file>
+
+<file path=ppt/tags/tag33.xml><?xml version="1.0" encoding="utf-8"?>
+<p:tagLst xmlns:a="http://schemas.openxmlformats.org/drawingml/2006/main" xmlns:r="http://schemas.openxmlformats.org/officeDocument/2006/relationships" xmlns:p="http://schemas.openxmlformats.org/presentationml/2006/main">
+  <p:tag name="KSO_WM_UNIT_HIGHLIGHT" val="0"/>
+  <p:tag name="KSO_WM_UNIT_COMPATIBLE" val="0"/>
+  <p:tag name="KSO_WM_UNIT_DIAGRAM_ISNUMVISUAL" val="0"/>
+  <p:tag name="KSO_WM_UNIT_DIAGRAM_ISREFERUNIT" val="0"/>
+  <p:tag name="KSO_WM_UNIT_ID" val="_5**"/>
+  <p:tag name="KSO_WM_UNIT_LAYERLEVEL" val="1"/>
+  <p:tag name="KSO_WM_TAG_VERSION" val="1.0"/>
+  <p:tag name="KSO_WM_BEAUTIFY_FLAG" val="#wm#"/>
+</p:tagLst>
+</file>
+
+<file path=ppt/tags/tag34.xml><?xml version="1.0" encoding="utf-8"?>
+<p:tagLst xmlns:a="http://schemas.openxmlformats.org/drawingml/2006/main" xmlns:r="http://schemas.openxmlformats.org/officeDocument/2006/relationships" xmlns:p="http://schemas.openxmlformats.org/presentationml/2006/main">
+  <p:tag name="KSO_WM_UNIT_HIGHLIGHT" val="0"/>
+  <p:tag name="KSO_WM_UNIT_COMPATIBLE" val="0"/>
+  <p:tag name="KSO_WM_UNIT_DIAGRAM_ISNUMVISUAL" val="0"/>
+  <p:tag name="KSO_WM_UNIT_DIAGRAM_ISREFERUNIT" val="0"/>
+  <p:tag name="KSO_WM_UNIT_ID" val="_5**"/>
+  <p:tag name="KSO_WM_UNIT_LAYERLEVEL" val="1"/>
+  <p:tag name="KSO_WM_TAG_VERSION" val="1.0"/>
+  <p:tag name="KSO_WM_BEAUTIFY_FLAG" val="#wm#"/>
+</p:tagLst>
+</file>
+
+<file path=ppt/tags/tag35.xml><?xml version="1.0" encoding="utf-8"?>
+<p:tagLst xmlns:a="http://schemas.openxmlformats.org/drawingml/2006/main" xmlns:r="http://schemas.openxmlformats.org/officeDocument/2006/relationships" xmlns:p="http://schemas.openxmlformats.org/presentationml/2006/main">
+  <p:tag name="KSO_WM_UNIT_HIGHLIGHT" val="0"/>
+  <p:tag name="KSO_WM_UNIT_COMPATIBLE" val="0"/>
+  <p:tag name="KSO_WM_UNIT_DIAGRAM_ISNUMVISUAL" val="0"/>
+  <p:tag name="KSO_WM_UNIT_DIAGRAM_ISREFERUNIT" val="0"/>
+  <p:tag name="KSO_WM_UNIT_ID" val="_5**"/>
+  <p:tag name="KSO_WM_UNIT_LAYERLEVEL" val="1"/>
+  <p:tag name="KSO_WM_TAG_VERSION" val="1.0"/>
+  <p:tag name="KSO_WM_BEAUTIFY_FLAG" val="#wm#"/>
+</p:tagLst>
+</file>
+
+<file path=ppt/tags/tag36.xml><?xml version="1.0" encoding="utf-8"?>
+<p:tagLst xmlns:a="http://schemas.openxmlformats.org/drawingml/2006/main" xmlns:r="http://schemas.openxmlformats.org/officeDocument/2006/relationships" xmlns:p="http://schemas.openxmlformats.org/presentationml/2006/main">
+  <p:tag name="KSO_WM_UNIT_HIGHLIGHT" val="0"/>
+  <p:tag name="KSO_WM_UNIT_COMPATIBLE" val="0"/>
+  <p:tag name="KSO_WM_UNIT_DIAGRAM_ISNUMVISUAL" val="0"/>
+  <p:tag name="KSO_WM_UNIT_DIAGRAM_ISREFERUNIT" val="0"/>
+  <p:tag name="KSO_WM_UNIT_ID" val="_6**"/>
+  <p:tag name="KSO_WM_UNIT_LAYERLEVEL" val="1"/>
+  <p:tag name="KSO_WM_TAG_VERSION" val="1.0"/>
+  <p:tag name="KSO_WM_BEAUTIFY_FLAG" val="#wm#"/>
+</p:tagLst>
+</file>
+
+<file path=ppt/tags/tag37.xml><?xml version="1.0" encoding="utf-8"?>
+<p:tagLst xmlns:a="http://schemas.openxmlformats.org/drawingml/2006/main" xmlns:r="http://schemas.openxmlformats.org/officeDocument/2006/relationships" xmlns:p="http://schemas.openxmlformats.org/presentationml/2006/main">
+  <p:tag name="KSO_WM_UNIT_HIGHLIGHT" val="0"/>
+  <p:tag name="KSO_WM_UNIT_COMPATIBLE" val="0"/>
+  <p:tag name="KSO_WM_UNIT_DIAGRAM_ISNUMVISUAL" val="0"/>
+  <p:tag name="KSO_WM_UNIT_DIAGRAM_ISREFERUNIT" val="0"/>
+  <p:tag name="KSO_WM_UNIT_ID" val="_6**"/>
+  <p:tag name="KSO_WM_UNIT_LAYERLEVEL" val="1"/>
+  <p:tag name="KSO_WM_TAG_VERSION" val="1.0"/>
+  <p:tag name="KSO_WM_BEAUTIFY_FLAG" val="#wm#"/>
+</p:tagLst>
+</file>
+
+<file path=ppt/tags/tag38.xml><?xml version="1.0" encoding="utf-8"?>
+<p:tagLst xmlns:a="http://schemas.openxmlformats.org/drawingml/2006/main" xmlns:r="http://schemas.openxmlformats.org/officeDocument/2006/relationships" xmlns:p="http://schemas.openxmlformats.org/presentationml/2006/main">
+  <p:tag name="KSO_WM_UNIT_HIGHLIGHT" val="0"/>
+  <p:tag name="KSO_WM_UNIT_COMPATIBLE" val="0"/>
+  <p:tag name="KSO_WM_UNIT_DIAGRAM_ISNUMVISUAL" val="0"/>
+  <p:tag name="KSO_WM_UNIT_DIAGRAM_ISREFERUNIT" val="0"/>
+  <p:tag name="KSO_WM_UNIT_ID" val="_6**"/>
+  <p:tag name="KSO_WM_UNIT_LAYERLEVEL" val="1"/>
+  <p:tag name="KSO_WM_TAG_VERSION" val="1.0"/>
+  <p:tag name="KSO_WM_BEAUTIFY_FLAG" val="#wm#"/>
+</p:tagLst>
+</file>
+
+<file path=ppt/tags/tag39.xml><?xml version="1.0" encoding="utf-8"?>
+<p:tagLst xmlns:a="http://schemas.openxmlformats.org/drawingml/2006/main" xmlns:r="http://schemas.openxmlformats.org/officeDocument/2006/relationships" xmlns:p="http://schemas.openxmlformats.org/presentationml/2006/main">
+  <p:tag name="KSO_WM_UNIT_HIGHLIGHT" val="0"/>
+  <p:tag name="KSO_WM_UNIT_COMPATIBLE" val="0"/>
+  <p:tag name="KSO_WM_UNIT_DIAGRAM_ISNUMVISUAL" val="0"/>
+  <p:tag name="KSO_WM_UNIT_DIAGRAM_ISREFERUNIT" val="0"/>
+  <p:tag name="KSO_WM_UNIT_ID" val="_6**"/>
+  <p:tag name="KSO_WM_UNIT_LAYERLEVEL" val="1"/>
+  <p:tag name="KSO_WM_TAG_VERSION" val="1.0"/>
+  <p:tag name="KSO_WM_BEAUTIFY_FLAG" val="#wm#"/>
+</p:tagLst>
+</file>
+
+<file path=ppt/tags/tag4.xml><?xml version="1.0" encoding="utf-8"?>
+<p:tagLst xmlns:a="http://schemas.openxmlformats.org/drawingml/2006/main" xmlns:r="http://schemas.openxmlformats.org/officeDocument/2006/relationships" xmlns:p="http://schemas.openxmlformats.org/presentationml/2006/main">
   <p:tag name="KSO_WM_UNIT_HIGHLIGHT" val="0"/>
   <p:tag name="KSO_WM_UNIT_COMPATIBLE" val="0"/>
   <p:tag name="KSO_WM_UNIT_DIAGRAM_ISNUMVISUAL" val="0"/>
@@ -12138,21 +12582,138 @@
 </p:tagLst>
 </file>
 
-<file path=ppt/tags/tag6.xml><?xml version="1.0" encoding="utf-8"?>
-<p:tagLst xmlns:p="http://schemas.openxmlformats.org/presentationml/2006/main">
+<file path=ppt/tags/tag40.xml><?xml version="1.0" encoding="utf-8"?>
+<p:tagLst xmlns:a="http://schemas.openxmlformats.org/drawingml/2006/main" xmlns:r="http://schemas.openxmlformats.org/officeDocument/2006/relationships" xmlns:p="http://schemas.openxmlformats.org/presentationml/2006/main">
   <p:tag name="KSO_WM_UNIT_HIGHLIGHT" val="0"/>
   <p:tag name="KSO_WM_UNIT_COMPATIBLE" val="0"/>
   <p:tag name="KSO_WM_UNIT_DIAGRAM_ISNUMVISUAL" val="0"/>
   <p:tag name="KSO_WM_UNIT_DIAGRAM_ISREFERUNIT" val="0"/>
-  <p:tag name="KSO_WM_UNIT_ID" val="_2**"/>
+  <p:tag name="KSO_WM_UNIT_ID" val="_7**"/>
   <p:tag name="KSO_WM_UNIT_LAYERLEVEL" val="1"/>
   <p:tag name="KSO_WM_TAG_VERSION" val="1.0"/>
   <p:tag name="KSO_WM_BEAUTIFY_FLAG" val="#wm#"/>
 </p:tagLst>
 </file>
 
-<file path=ppt/tags/tag60.xml><?xml version="1.0" encoding="utf-8"?>
-<p:tagLst xmlns:p="http://schemas.openxmlformats.org/presentationml/2006/main">
+<file path=ppt/tags/tag41.xml><?xml version="1.0" encoding="utf-8"?>
+<p:tagLst xmlns:a="http://schemas.openxmlformats.org/drawingml/2006/main" xmlns:r="http://schemas.openxmlformats.org/officeDocument/2006/relationships" xmlns:p="http://schemas.openxmlformats.org/presentationml/2006/main">
+  <p:tag name="KSO_WM_UNIT_HIGHLIGHT" val="0"/>
+  <p:tag name="KSO_WM_UNIT_COMPATIBLE" val="0"/>
+  <p:tag name="KSO_WM_UNIT_DIAGRAM_ISNUMVISUAL" val="0"/>
+  <p:tag name="KSO_WM_UNIT_DIAGRAM_ISREFERUNIT" val="0"/>
+  <p:tag name="KSO_WM_UNIT_ID" val="_7**"/>
+  <p:tag name="KSO_WM_UNIT_LAYERLEVEL" val="1"/>
+  <p:tag name="KSO_WM_TAG_VERSION" val="1.0"/>
+  <p:tag name="KSO_WM_BEAUTIFY_FLAG" val="#wm#"/>
+</p:tagLst>
+</file>
+
+<file path=ppt/tags/tag42.xml><?xml version="1.0" encoding="utf-8"?>
+<p:tagLst xmlns:a="http://schemas.openxmlformats.org/drawingml/2006/main" xmlns:r="http://schemas.openxmlformats.org/officeDocument/2006/relationships" xmlns:p="http://schemas.openxmlformats.org/presentationml/2006/main">
+  <p:tag name="KSO_WM_UNIT_HIGHLIGHT" val="0"/>
+  <p:tag name="KSO_WM_UNIT_COMPATIBLE" val="0"/>
+  <p:tag name="KSO_WM_UNIT_DIAGRAM_ISNUMVISUAL" val="0"/>
+  <p:tag name="KSO_WM_UNIT_DIAGRAM_ISREFERUNIT" val="0"/>
+  <p:tag name="KSO_WM_UNIT_ID" val="_7**"/>
+  <p:tag name="KSO_WM_UNIT_LAYERLEVEL" val="1"/>
+  <p:tag name="KSO_WM_TAG_VERSION" val="1.0"/>
+  <p:tag name="KSO_WM_BEAUTIFY_FLAG" val="#wm#"/>
+</p:tagLst>
+</file>
+
+<file path=ppt/tags/tag43.xml><?xml version="1.0" encoding="utf-8"?>
+<p:tagLst xmlns:a="http://schemas.openxmlformats.org/drawingml/2006/main" xmlns:r="http://schemas.openxmlformats.org/officeDocument/2006/relationships" xmlns:p="http://schemas.openxmlformats.org/presentationml/2006/main">
+  <p:tag name="KSO_WM_UNIT_HIGHLIGHT" val="0"/>
+  <p:tag name="KSO_WM_UNIT_COMPATIBLE" val="0"/>
+  <p:tag name="KSO_WM_UNIT_DIAGRAM_ISNUMVISUAL" val="0"/>
+  <p:tag name="KSO_WM_UNIT_DIAGRAM_ISREFERUNIT" val="0"/>
+  <p:tag name="KSO_WM_UNIT_ID" val="_8**"/>
+  <p:tag name="KSO_WM_UNIT_LAYERLEVEL" val="1"/>
+  <p:tag name="KSO_WM_TAG_VERSION" val="1.0"/>
+  <p:tag name="KSO_WM_BEAUTIFY_FLAG" val="#wm#"/>
+</p:tagLst>
+</file>
+
+<file path=ppt/tags/tag44.xml><?xml version="1.0" encoding="utf-8"?>
+<p:tagLst xmlns:a="http://schemas.openxmlformats.org/drawingml/2006/main" xmlns:r="http://schemas.openxmlformats.org/officeDocument/2006/relationships" xmlns:p="http://schemas.openxmlformats.org/presentationml/2006/main">
+  <p:tag name="KSO_WM_UNIT_HIGHLIGHT" val="0"/>
+  <p:tag name="KSO_WM_UNIT_COMPATIBLE" val="0"/>
+  <p:tag name="KSO_WM_UNIT_DIAGRAM_ISNUMVISUAL" val="0"/>
+  <p:tag name="KSO_WM_UNIT_DIAGRAM_ISREFERUNIT" val="0"/>
+  <p:tag name="KSO_WM_UNIT_ID" val="_8**"/>
+  <p:tag name="KSO_WM_UNIT_LAYERLEVEL" val="1"/>
+  <p:tag name="KSO_WM_TAG_VERSION" val="1.0"/>
+  <p:tag name="KSO_WM_BEAUTIFY_FLAG" val="#wm#"/>
+</p:tagLst>
+</file>
+
+<file path=ppt/tags/tag45.xml><?xml version="1.0" encoding="utf-8"?>
+<p:tagLst xmlns:a="http://schemas.openxmlformats.org/drawingml/2006/main" xmlns:r="http://schemas.openxmlformats.org/officeDocument/2006/relationships" xmlns:p="http://schemas.openxmlformats.org/presentationml/2006/main">
+  <p:tag name="KSO_WM_UNIT_HIGHLIGHT" val="0"/>
+  <p:tag name="KSO_WM_UNIT_COMPATIBLE" val="0"/>
+  <p:tag name="KSO_WM_UNIT_DIAGRAM_ISNUMVISUAL" val="0"/>
+  <p:tag name="KSO_WM_UNIT_DIAGRAM_ISREFERUNIT" val="0"/>
+  <p:tag name="KSO_WM_UNIT_ID" val="_8**"/>
+  <p:tag name="KSO_WM_UNIT_LAYERLEVEL" val="1"/>
+  <p:tag name="KSO_WM_TAG_VERSION" val="1.0"/>
+  <p:tag name="KSO_WM_BEAUTIFY_FLAG" val="#wm#"/>
+</p:tagLst>
+</file>
+
+<file path=ppt/tags/tag46.xml><?xml version="1.0" encoding="utf-8"?>
+<p:tagLst xmlns:a="http://schemas.openxmlformats.org/drawingml/2006/main" xmlns:r="http://schemas.openxmlformats.org/officeDocument/2006/relationships" xmlns:p="http://schemas.openxmlformats.org/presentationml/2006/main">
+  <p:tag name="KSO_WM_UNIT_HIGHLIGHT" val="0"/>
+  <p:tag name="KSO_WM_UNIT_COMPATIBLE" val="0"/>
+  <p:tag name="KSO_WM_UNIT_DIAGRAM_ISNUMVISUAL" val="0"/>
+  <p:tag name="KSO_WM_UNIT_DIAGRAM_ISREFERUNIT" val="0"/>
+  <p:tag name="KSO_WM_UNIT_ID" val="_8**"/>
+  <p:tag name="KSO_WM_UNIT_LAYERLEVEL" val="1"/>
+  <p:tag name="KSO_WM_TAG_VERSION" val="1.0"/>
+  <p:tag name="KSO_WM_BEAUTIFY_FLAG" val="#wm#"/>
+</p:tagLst>
+</file>
+
+<file path=ppt/tags/tag47.xml><?xml version="1.0" encoding="utf-8"?>
+<p:tagLst xmlns:a="http://schemas.openxmlformats.org/drawingml/2006/main" xmlns:r="http://schemas.openxmlformats.org/officeDocument/2006/relationships" xmlns:p="http://schemas.openxmlformats.org/presentationml/2006/main">
+  <p:tag name="KSO_WM_UNIT_HIGHLIGHT" val="0"/>
+  <p:tag name="KSO_WM_UNIT_COMPATIBLE" val="0"/>
+  <p:tag name="KSO_WM_UNIT_DIAGRAM_ISNUMVISUAL" val="0"/>
+  <p:tag name="KSO_WM_UNIT_DIAGRAM_ISREFERUNIT" val="0"/>
+  <p:tag name="KSO_WM_UNIT_ID" val="_8**"/>
+  <p:tag name="KSO_WM_UNIT_LAYERLEVEL" val="1"/>
+  <p:tag name="KSO_WM_TAG_VERSION" val="1.0"/>
+  <p:tag name="KSO_WM_BEAUTIFY_FLAG" val="#wm#"/>
+</p:tagLst>
+</file>
+
+<file path=ppt/tags/tag48.xml><?xml version="1.0" encoding="utf-8"?>
+<p:tagLst xmlns:a="http://schemas.openxmlformats.org/drawingml/2006/main" xmlns:r="http://schemas.openxmlformats.org/officeDocument/2006/relationships" xmlns:p="http://schemas.openxmlformats.org/presentationml/2006/main">
+  <p:tag name="KSO_WM_UNIT_HIGHLIGHT" val="0"/>
+  <p:tag name="KSO_WM_UNIT_COMPATIBLE" val="0"/>
+  <p:tag name="KSO_WM_UNIT_DIAGRAM_ISNUMVISUAL" val="0"/>
+  <p:tag name="KSO_WM_UNIT_DIAGRAM_ISREFERUNIT" val="0"/>
+  <p:tag name="KSO_WM_UNIT_ID" val="_8**"/>
+  <p:tag name="KSO_WM_UNIT_LAYERLEVEL" val="1"/>
+  <p:tag name="KSO_WM_TAG_VERSION" val="1.0"/>
+  <p:tag name="KSO_WM_BEAUTIFY_FLAG" val="#wm#"/>
+</p:tagLst>
+</file>
+
+<file path=ppt/tags/tag49.xml><?xml version="1.0" encoding="utf-8"?>
+<p:tagLst xmlns:a="http://schemas.openxmlformats.org/drawingml/2006/main" xmlns:r="http://schemas.openxmlformats.org/officeDocument/2006/relationships" xmlns:p="http://schemas.openxmlformats.org/presentationml/2006/main">
+  <p:tag name="KSO_WM_UNIT_HIGHLIGHT" val="0"/>
+  <p:tag name="KSO_WM_UNIT_COMPATIBLE" val="0"/>
+  <p:tag name="KSO_WM_UNIT_DIAGRAM_ISNUMVISUAL" val="0"/>
+  <p:tag name="KSO_WM_UNIT_DIAGRAM_ISREFERUNIT" val="0"/>
+  <p:tag name="KSO_WM_UNIT_ID" val="_9**"/>
+  <p:tag name="KSO_WM_UNIT_LAYERLEVEL" val="1"/>
+  <p:tag name="KSO_WM_TAG_VERSION" val="1.0"/>
+  <p:tag name="KSO_WM_BEAUTIFY_FLAG" val="#wm#"/>
+</p:tagLst>
+</file>
+
+<file path=ppt/tags/tag5.xml><?xml version="1.0" encoding="utf-8"?>
+<p:tagLst xmlns:a="http://schemas.openxmlformats.org/drawingml/2006/main" xmlns:r="http://schemas.openxmlformats.org/officeDocument/2006/relationships" xmlns:p="http://schemas.openxmlformats.org/presentationml/2006/main">
   <p:tag name="KSO_WM_UNIT_HIGHLIGHT" val="0"/>
   <p:tag name="KSO_WM_UNIT_COMPATIBLE" val="0"/>
   <p:tag name="KSO_WM_UNIT_DIAGRAM_ISNUMVISUAL" val="0"/>
@@ -12164,8 +12725,138 @@
 </p:tagLst>
 </file>
 
-<file path=ppt/tags/tag61.xml><?xml version="1.0" encoding="utf-8"?>
-<p:tagLst xmlns:p="http://schemas.openxmlformats.org/presentationml/2006/main">
+<file path=ppt/tags/tag50.xml><?xml version="1.0" encoding="utf-8"?>
+<p:tagLst xmlns:a="http://schemas.openxmlformats.org/drawingml/2006/main" xmlns:r="http://schemas.openxmlformats.org/officeDocument/2006/relationships" xmlns:p="http://schemas.openxmlformats.org/presentationml/2006/main">
+  <p:tag name="KSO_WM_UNIT_HIGHLIGHT" val="0"/>
+  <p:tag name="KSO_WM_UNIT_COMPATIBLE" val="0"/>
+  <p:tag name="KSO_WM_UNIT_DIAGRAM_ISNUMVISUAL" val="0"/>
+  <p:tag name="KSO_WM_UNIT_DIAGRAM_ISREFERUNIT" val="0"/>
+  <p:tag name="KSO_WM_UNIT_ID" val="_9**"/>
+  <p:tag name="KSO_WM_UNIT_LAYERLEVEL" val="1"/>
+  <p:tag name="KSO_WM_TAG_VERSION" val="1.0"/>
+  <p:tag name="KSO_WM_BEAUTIFY_FLAG" val="#wm#"/>
+</p:tagLst>
+</file>
+
+<file path=ppt/tags/tag51.xml><?xml version="1.0" encoding="utf-8"?>
+<p:tagLst xmlns:a="http://schemas.openxmlformats.org/drawingml/2006/main" xmlns:r="http://schemas.openxmlformats.org/officeDocument/2006/relationships" xmlns:p="http://schemas.openxmlformats.org/presentationml/2006/main">
+  <p:tag name="KSO_WM_UNIT_HIGHLIGHT" val="0"/>
+  <p:tag name="KSO_WM_UNIT_COMPATIBLE" val="0"/>
+  <p:tag name="KSO_WM_UNIT_DIAGRAM_ISNUMVISUAL" val="0"/>
+  <p:tag name="KSO_WM_UNIT_DIAGRAM_ISREFERUNIT" val="0"/>
+  <p:tag name="KSO_WM_UNIT_ID" val="_9**"/>
+  <p:tag name="KSO_WM_UNIT_LAYERLEVEL" val="1"/>
+  <p:tag name="KSO_WM_TAG_VERSION" val="1.0"/>
+  <p:tag name="KSO_WM_BEAUTIFY_FLAG" val="#wm#"/>
+</p:tagLst>
+</file>
+
+<file path=ppt/tags/tag52.xml><?xml version="1.0" encoding="utf-8"?>
+<p:tagLst xmlns:a="http://schemas.openxmlformats.org/drawingml/2006/main" xmlns:r="http://schemas.openxmlformats.org/officeDocument/2006/relationships" xmlns:p="http://schemas.openxmlformats.org/presentationml/2006/main">
+  <p:tag name="KSO_WM_UNIT_HIGHLIGHT" val="0"/>
+  <p:tag name="KSO_WM_UNIT_COMPATIBLE" val="0"/>
+  <p:tag name="KSO_WM_UNIT_DIAGRAM_ISNUMVISUAL" val="0"/>
+  <p:tag name="KSO_WM_UNIT_DIAGRAM_ISREFERUNIT" val="0"/>
+  <p:tag name="KSO_WM_UNIT_ID" val="_9**"/>
+  <p:tag name="KSO_WM_UNIT_LAYERLEVEL" val="1"/>
+  <p:tag name="KSO_WM_TAG_VERSION" val="1.0"/>
+  <p:tag name="KSO_WM_BEAUTIFY_FLAG" val="#wm#"/>
+</p:tagLst>
+</file>
+
+<file path=ppt/tags/tag53.xml><?xml version="1.0" encoding="utf-8"?>
+<p:tagLst xmlns:a="http://schemas.openxmlformats.org/drawingml/2006/main" xmlns:r="http://schemas.openxmlformats.org/officeDocument/2006/relationships" xmlns:p="http://schemas.openxmlformats.org/presentationml/2006/main">
+  <p:tag name="KSO_WM_UNIT_HIGHLIGHT" val="0"/>
+  <p:tag name="KSO_WM_UNIT_COMPATIBLE" val="0"/>
+  <p:tag name="KSO_WM_UNIT_DIAGRAM_ISNUMVISUAL" val="0"/>
+  <p:tag name="KSO_WM_UNIT_DIAGRAM_ISREFERUNIT" val="0"/>
+  <p:tag name="KSO_WM_UNIT_ID" val="_9**"/>
+  <p:tag name="KSO_WM_UNIT_LAYERLEVEL" val="1"/>
+  <p:tag name="KSO_WM_TAG_VERSION" val="1.0"/>
+  <p:tag name="KSO_WM_BEAUTIFY_FLAG" val="#wm#"/>
+</p:tagLst>
+</file>
+
+<file path=ppt/tags/tag54.xml><?xml version="1.0" encoding="utf-8"?>
+<p:tagLst xmlns:a="http://schemas.openxmlformats.org/drawingml/2006/main" xmlns:r="http://schemas.openxmlformats.org/officeDocument/2006/relationships" xmlns:p="http://schemas.openxmlformats.org/presentationml/2006/main">
+  <p:tag name="KSO_WM_UNIT_HIGHLIGHT" val="0"/>
+  <p:tag name="KSO_WM_UNIT_COMPATIBLE" val="0"/>
+  <p:tag name="KSO_WM_UNIT_DIAGRAM_ISNUMVISUAL" val="0"/>
+  <p:tag name="KSO_WM_UNIT_DIAGRAM_ISREFERUNIT" val="0"/>
+  <p:tag name="KSO_WM_UNIT_ID" val="_10**"/>
+  <p:tag name="KSO_WM_UNIT_LAYERLEVEL" val="1"/>
+  <p:tag name="KSO_WM_TAG_VERSION" val="1.0"/>
+  <p:tag name="KSO_WM_BEAUTIFY_FLAG" val="#wm#"/>
+</p:tagLst>
+</file>
+
+<file path=ppt/tags/tag55.xml><?xml version="1.0" encoding="utf-8"?>
+<p:tagLst xmlns:a="http://schemas.openxmlformats.org/drawingml/2006/main" xmlns:r="http://schemas.openxmlformats.org/officeDocument/2006/relationships" xmlns:p="http://schemas.openxmlformats.org/presentationml/2006/main">
+  <p:tag name="KSO_WM_UNIT_HIGHLIGHT" val="0"/>
+  <p:tag name="KSO_WM_UNIT_COMPATIBLE" val="0"/>
+  <p:tag name="KSO_WM_UNIT_DIAGRAM_ISNUMVISUAL" val="0"/>
+  <p:tag name="KSO_WM_UNIT_DIAGRAM_ISREFERUNIT" val="0"/>
+  <p:tag name="KSO_WM_UNIT_ID" val="_10**"/>
+  <p:tag name="KSO_WM_UNIT_LAYERLEVEL" val="1"/>
+  <p:tag name="KSO_WM_TAG_VERSION" val="1.0"/>
+  <p:tag name="KSO_WM_BEAUTIFY_FLAG" val="#wm#"/>
+</p:tagLst>
+</file>
+
+<file path=ppt/tags/tag56.xml><?xml version="1.0" encoding="utf-8"?>
+<p:tagLst xmlns:a="http://schemas.openxmlformats.org/drawingml/2006/main" xmlns:r="http://schemas.openxmlformats.org/officeDocument/2006/relationships" xmlns:p="http://schemas.openxmlformats.org/presentationml/2006/main">
+  <p:tag name="KSO_WM_UNIT_HIGHLIGHT" val="0"/>
+  <p:tag name="KSO_WM_UNIT_COMPATIBLE" val="0"/>
+  <p:tag name="KSO_WM_UNIT_DIAGRAM_ISNUMVISUAL" val="0"/>
+  <p:tag name="KSO_WM_UNIT_DIAGRAM_ISREFERUNIT" val="0"/>
+  <p:tag name="KSO_WM_UNIT_ID" val="_10**"/>
+  <p:tag name="KSO_WM_UNIT_LAYERLEVEL" val="1"/>
+  <p:tag name="KSO_WM_TAG_VERSION" val="1.0"/>
+  <p:tag name="KSO_WM_BEAUTIFY_FLAG" val="#wm#"/>
+</p:tagLst>
+</file>
+
+<file path=ppt/tags/tag57.xml><?xml version="1.0" encoding="utf-8"?>
+<p:tagLst xmlns:a="http://schemas.openxmlformats.org/drawingml/2006/main" xmlns:r="http://schemas.openxmlformats.org/officeDocument/2006/relationships" xmlns:p="http://schemas.openxmlformats.org/presentationml/2006/main">
+  <p:tag name="KSO_WM_UNIT_HIGHLIGHT" val="0"/>
+  <p:tag name="KSO_WM_UNIT_COMPATIBLE" val="0"/>
+  <p:tag name="KSO_WM_UNIT_DIAGRAM_ISNUMVISUAL" val="0"/>
+  <p:tag name="KSO_WM_UNIT_DIAGRAM_ISREFERUNIT" val="0"/>
+  <p:tag name="KSO_WM_UNIT_ID" val="_10**"/>
+  <p:tag name="KSO_WM_UNIT_LAYERLEVEL" val="1"/>
+  <p:tag name="KSO_WM_TAG_VERSION" val="1.0"/>
+  <p:tag name="KSO_WM_BEAUTIFY_FLAG" val="#wm#"/>
+</p:tagLst>
+</file>
+
+<file path=ppt/tags/tag58.xml><?xml version="1.0" encoding="utf-8"?>
+<p:tagLst xmlns:a="http://schemas.openxmlformats.org/drawingml/2006/main" xmlns:r="http://schemas.openxmlformats.org/officeDocument/2006/relationships" xmlns:p="http://schemas.openxmlformats.org/presentationml/2006/main">
+  <p:tag name="KSO_WM_UNIT_HIGHLIGHT" val="0"/>
+  <p:tag name="KSO_WM_UNIT_COMPATIBLE" val="0"/>
+  <p:tag name="KSO_WM_UNIT_DIAGRAM_ISNUMVISUAL" val="0"/>
+  <p:tag name="KSO_WM_UNIT_DIAGRAM_ISREFERUNIT" val="0"/>
+  <p:tag name="KSO_WM_UNIT_ID" val="_11**"/>
+  <p:tag name="KSO_WM_UNIT_LAYERLEVEL" val="1"/>
+  <p:tag name="KSO_WM_TAG_VERSION" val="1.0"/>
+  <p:tag name="KSO_WM_BEAUTIFY_FLAG" val="#wm#"/>
+</p:tagLst>
+</file>
+
+<file path=ppt/tags/tag59.xml><?xml version="1.0" encoding="utf-8"?>
+<p:tagLst xmlns:a="http://schemas.openxmlformats.org/drawingml/2006/main" xmlns:r="http://schemas.openxmlformats.org/officeDocument/2006/relationships" xmlns:p="http://schemas.openxmlformats.org/presentationml/2006/main">
+  <p:tag name="KSO_WM_UNIT_HIGHLIGHT" val="0"/>
+  <p:tag name="KSO_WM_UNIT_COMPATIBLE" val="0"/>
+  <p:tag name="KSO_WM_UNIT_DIAGRAM_ISNUMVISUAL" val="0"/>
+  <p:tag name="KSO_WM_UNIT_DIAGRAM_ISREFERUNIT" val="0"/>
+  <p:tag name="KSO_WM_UNIT_ID" val="_11**"/>
+  <p:tag name="KSO_WM_UNIT_LAYERLEVEL" val="1"/>
+  <p:tag name="KSO_WM_TAG_VERSION" val="1.0"/>
+  <p:tag name="KSO_WM_BEAUTIFY_FLAG" val="#wm#"/>
+</p:tagLst>
+</file>
+
+<file path=ppt/tags/tag6.xml><?xml version="1.0" encoding="utf-8"?>
+<p:tagLst xmlns:a="http://schemas.openxmlformats.org/drawingml/2006/main" xmlns:r="http://schemas.openxmlformats.org/officeDocument/2006/relationships" xmlns:p="http://schemas.openxmlformats.org/presentationml/2006/main">
   <p:tag name="KSO_WM_UNIT_HIGHLIGHT" val="0"/>
   <p:tag name="KSO_WM_UNIT_COMPATIBLE" val="0"/>
   <p:tag name="KSO_WM_UNIT_DIAGRAM_ISNUMVISUAL" val="0"/>
@@ -12177,27 +12868,52 @@
 </p:tagLst>
 </file>
 
-<file path=ppt/tags/tag62.xml><?xml version="1.0" encoding="utf-8"?>
-<p:tagLst xmlns:p="http://schemas.openxmlformats.org/presentationml/2006/main">
-  <p:tag name="KSO_WM_TEMPLATE_THUMBS_INDEX" val="1、4、7、12、13、14、15、16、17、18、20、24、25、28、33、36、40、43、44"/>
-  <p:tag name="KSO_WM_TEMPLATE_SUBCATEGORY" val="19"/>
+<file path=ppt/tags/tag60.xml><?xml version="1.0" encoding="utf-8"?>
+<p:tagLst xmlns:a="http://schemas.openxmlformats.org/drawingml/2006/main" xmlns:r="http://schemas.openxmlformats.org/officeDocument/2006/relationships" xmlns:p="http://schemas.openxmlformats.org/presentationml/2006/main">
+  <p:tag name="KSO_WM_UNIT_HIGHLIGHT" val="0"/>
+  <p:tag name="KSO_WM_UNIT_COMPATIBLE" val="0"/>
+  <p:tag name="KSO_WM_UNIT_DIAGRAM_ISNUMVISUAL" val="0"/>
+  <p:tag name="KSO_WM_UNIT_DIAGRAM_ISREFERUNIT" val="0"/>
+  <p:tag name="KSO_WM_UNIT_ID" val="_11**"/>
+  <p:tag name="KSO_WM_UNIT_LAYERLEVEL" val="1"/>
   <p:tag name="KSO_WM_TAG_VERSION" val="1.0"/>
   <p:tag name="KSO_WM_BEAUTIFY_FLAG" val="#wm#"/>
-  <p:tag name="KSO_WM_TEMPLATE_CATEGORY" val="custom"/>
-  <p:tag name="KSO_WM_TEMPLATE_INDEX" val="20205081"/>
-  <p:tag name="KSO_WM_TEMPLATE_MASTER_TYPE" val="0"/>
-  <p:tag name="KSO_WM_TEMPLATE_COLOR_TYPE" val="1"/>
-  <p:tag name="KSO_WM_UNIT_SHOW_EDIT_AREA_INDICATION" val="1"/>
+</p:tagLst>
+</file>
+
+<file path=ppt/tags/tag61.xml><?xml version="1.0" encoding="utf-8"?>
+<p:tagLst xmlns:a="http://schemas.openxmlformats.org/drawingml/2006/main" xmlns:r="http://schemas.openxmlformats.org/officeDocument/2006/relationships" xmlns:p="http://schemas.openxmlformats.org/presentationml/2006/main">
+  <p:tag name="KSO_WM_UNIT_HIGHLIGHT" val="0"/>
+  <p:tag name="KSO_WM_UNIT_COMPATIBLE" val="0"/>
+  <p:tag name="KSO_WM_UNIT_DIAGRAM_ISNUMVISUAL" val="0"/>
+  <p:tag name="KSO_WM_UNIT_DIAGRAM_ISREFERUNIT" val="0"/>
+  <p:tag name="KSO_WM_UNIT_ID" val="_11**"/>
+  <p:tag name="KSO_WM_UNIT_LAYERLEVEL" val="1"/>
+  <p:tag name="KSO_WM_TAG_VERSION" val="1.0"/>
+  <p:tag name="KSO_WM_BEAUTIFY_FLAG" val="#wm#"/>
+</p:tagLst>
+</file>
+
+<file path=ppt/tags/tag62.xml><?xml version="1.0" encoding="utf-8"?>
+<p:tagLst xmlns:a="http://schemas.openxmlformats.org/drawingml/2006/main" xmlns:r="http://schemas.openxmlformats.org/officeDocument/2006/relationships" xmlns:p="http://schemas.openxmlformats.org/presentationml/2006/main">
+  <p:tag name="KSO_WM_UNIT_HIGHLIGHT" val="0"/>
+  <p:tag name="KSO_WM_UNIT_COMPATIBLE" val="0"/>
+  <p:tag name="KSO_WM_UNIT_DIAGRAM_ISNUMVISUAL" val="0"/>
+  <p:tag name="KSO_WM_UNIT_DIAGRAM_ISREFERUNIT" val="0"/>
+  <p:tag name="KSO_WM_UNIT_ID" val="_11**"/>
+  <p:tag name="KSO_WM_UNIT_LAYERLEVEL" val="1"/>
+  <p:tag name="KSO_WM_TAG_VERSION" val="1.0"/>
+  <p:tag name="KSO_WM_BEAUTIFY_FLAG" val="#wm#"/>
 </p:tagLst>
 </file>
 
 <file path=ppt/tags/tag7.xml><?xml version="1.0" encoding="utf-8"?>
-<p:tagLst xmlns:p="http://schemas.openxmlformats.org/presentationml/2006/main">
+<p:tagLst xmlns:a="http://schemas.openxmlformats.org/drawingml/2006/main" xmlns:r="http://schemas.openxmlformats.org/officeDocument/2006/relationships" xmlns:p="http://schemas.openxmlformats.org/presentationml/2006/main">
   <p:tag name="KSO_WM_UNIT_HIGHLIGHT" val="0"/>
   <p:tag name="KSO_WM_UNIT_COMPATIBLE" val="0"/>
   <p:tag name="KSO_WM_UNIT_DIAGRAM_ISNUMVISUAL" val="0"/>
   <p:tag name="KSO_WM_UNIT_DIAGRAM_ISREFERUNIT" val="0"/>
-  <p:tag name="KSO_WM_UNIT_ID" val="_2**"/>
+  <p:tag name="KSO_WM_UNIT_ID" val="_1**"/>
   <p:tag name="KSO_WM_UNIT_LAYERLEVEL" val="1"/>
   <p:tag name="KSO_WM_TAG_VERSION" val="1.0"/>
   <p:tag name="KSO_WM_BEAUTIFY_FLAG" val="#wm#"/>
@@ -12205,12 +12921,12 @@
 </file>
 
 <file path=ppt/tags/tag8.xml><?xml version="1.0" encoding="utf-8"?>
-<p:tagLst xmlns:p="http://schemas.openxmlformats.org/presentationml/2006/main">
+<p:tagLst xmlns:a="http://schemas.openxmlformats.org/drawingml/2006/main" xmlns:r="http://schemas.openxmlformats.org/officeDocument/2006/relationships" xmlns:p="http://schemas.openxmlformats.org/presentationml/2006/main">
   <p:tag name="KSO_WM_UNIT_HIGHLIGHT" val="0"/>
   <p:tag name="KSO_WM_UNIT_COMPATIBLE" val="0"/>
   <p:tag name="KSO_WM_UNIT_DIAGRAM_ISNUMVISUAL" val="0"/>
   <p:tag name="KSO_WM_UNIT_DIAGRAM_ISREFERUNIT" val="0"/>
-  <p:tag name="KSO_WM_UNIT_ID" val="_2**"/>
+  <p:tag name="KSO_WM_UNIT_ID" val="_1**"/>
   <p:tag name="KSO_WM_UNIT_LAYERLEVEL" val="1"/>
   <p:tag name="KSO_WM_TAG_VERSION" val="1.0"/>
   <p:tag name="KSO_WM_BEAUTIFY_FLAG" val="#wm#"/>
@@ -12218,12 +12934,12 @@
 </file>
 
 <file path=ppt/tags/tag9.xml><?xml version="1.0" encoding="utf-8"?>
-<p:tagLst xmlns:p="http://schemas.openxmlformats.org/presentationml/2006/main">
+<p:tagLst xmlns:a="http://schemas.openxmlformats.org/drawingml/2006/main" xmlns:r="http://schemas.openxmlformats.org/officeDocument/2006/relationships" xmlns:p="http://schemas.openxmlformats.org/presentationml/2006/main">
   <p:tag name="KSO_WM_UNIT_HIGHLIGHT" val="0"/>
   <p:tag name="KSO_WM_UNIT_COMPATIBLE" val="0"/>
   <p:tag name="KSO_WM_UNIT_DIAGRAM_ISNUMVISUAL" val="0"/>
   <p:tag name="KSO_WM_UNIT_DIAGRAM_ISREFERUNIT" val="0"/>
-  <p:tag name="KSO_WM_UNIT_ID" val="_2**"/>
+  <p:tag name="KSO_WM_UNIT_ID" val="_1**"/>
   <p:tag name="KSO_WM_UNIT_LAYERLEVEL" val="1"/>
   <p:tag name="KSO_WM_TAG_VERSION" val="1.0"/>
   <p:tag name="KSO_WM_BEAUTIFY_FLAG" val="#wm#"/>
@@ -12421,6 +13137,8 @@
       </a:bgFillStyleLst>
     </a:fmtScheme>
   </a:themeElements>
+  <a:objectDefaults/>
+  <a:extraClrSchemeLst/>
   <a:extLst>
     <a:ext uri="{05A4C25C-085E-4340-85A3-A5531E510DB2}">
       <thm15:themeFamily xmlns:thm15="http://schemas.microsoft.com/office/thememl/2012/main" name="Office Theme" id="{62F939B6-93AF-4DB8-9C6B-D6C7DFDC589F}" vid="{4A3C46E8-61CC-4603-A589-7422A47A8E4A}"/>

--- a/images/intro.pptx
+++ b/images/intro.pptx
@@ -5,8 +5,10 @@
     <p:sldMasterId id="2147483648" r:id="rId1"/>
   </p:sldMasterIdLst>
   <p:sldIdLst>
-    <p:sldId id="257" r:id="rId2"/>
-    <p:sldId id="258" r:id="rId3"/>
+    <p:sldId id="257" r:id="rId3"/>
+    <p:sldId id="258" r:id="rId4"/>
+    <p:sldId id="259" r:id="rId5"/>
+    <p:sldId id="260" r:id="rId6"/>
   </p:sldIdLst>
   <p:sldSz cx="12192000" cy="6858000"/>
   <p:notesSz cx="6858000" cy="9144000"/>
@@ -105,25 +107,6 @@
       </a:defRPr>
     </a:lvl9pPr>
   </p:defaultTextStyle>
-  <p:extLst>
-    <p:ext uri="{EFAFB233-063F-42B5-8137-9DF3F51BA10A}">
-      <p15:sldGuideLst xmlns:p15="http://schemas.microsoft.com/office/powerpoint/2012/main">
-        <p15:guide id="1" orient="horz" pos="2160">
-          <p15:clr>
-            <a:srgbClr val="A4A3A4"/>
-          </p15:clr>
-        </p15:guide>
-        <p15:guide id="2" pos="3840">
-          <p15:clr>
-            <a:srgbClr val="A4A3A4"/>
-          </p15:clr>
-        </p15:guide>
-      </p15:sldGuideLst>
-    </p:ext>
-    <p:ext uri="{2D200454-40CA-4A62-9FC3-DE9A4176ACB9}">
-      <p15:notesGuideLst xmlns:p15="http://schemas.microsoft.com/office/powerpoint/2012/main"/>
-    </p:ext>
-  </p:extLst>
 </p:presentation>
 </file>
 
@@ -153,7 +136,7 @@
           <p:nvPr>
             <p:ph type="ctrTitle" hasCustomPrompt="1"/>
             <p:custDataLst>
-              <p:tags r:id="rId1"/>
+              <p:tags r:id="rId2"/>
             </p:custDataLst>
           </p:nvPr>
         </p:nvSpPr>
@@ -177,6 +160,7 @@
               <a:rPr lang="zh-CN" altLang="en-US" dirty="0"/>
               <a:t>单击此处编辑标题</a:t>
             </a:r>
+            <a:endParaRPr lang="zh-CN" altLang="en-US" dirty="0"/>
           </a:p>
         </p:txBody>
       </p:sp>
@@ -189,7 +173,7 @@
           <p:nvPr>
             <p:ph type="subTitle" idx="1" hasCustomPrompt="1"/>
             <p:custDataLst>
-              <p:tags r:id="rId2"/>
+              <p:tags r:id="rId3"/>
             </p:custDataLst>
           </p:nvPr>
         </p:nvSpPr>
@@ -249,6 +233,7 @@
               <a:rPr lang="zh-CN" altLang="en-US" dirty="0"/>
               <a:t>单击此处编辑副标题</a:t>
             </a:r>
+            <a:endParaRPr lang="zh-CN" altLang="en-US" dirty="0"/>
           </a:p>
         </p:txBody>
       </p:sp>
@@ -261,7 +246,7 @@
           <p:nvPr>
             <p:ph type="dt" sz="half" idx="10"/>
             <p:custDataLst>
-              <p:tags r:id="rId3"/>
+              <p:tags r:id="rId4"/>
             </p:custDataLst>
           </p:nvPr>
         </p:nvSpPr>
@@ -272,7 +257,6 @@
           <a:p>
             <a:fld id="{760FBDFE-C587-4B4C-A407-44438C67B59E}" type="datetimeFigureOut">
               <a:rPr lang="zh-CN" altLang="en-US" smtClean="0"/>
-              <a:t>2022/3/6</a:t>
             </a:fld>
             <a:endParaRPr lang="zh-CN" altLang="en-US"/>
           </a:p>
@@ -287,7 +271,7 @@
           <p:nvPr>
             <p:ph type="ftr" sz="quarter" idx="11"/>
             <p:custDataLst>
-              <p:tags r:id="rId4"/>
+              <p:tags r:id="rId5"/>
             </p:custDataLst>
           </p:nvPr>
         </p:nvSpPr>
@@ -309,7 +293,7 @@
           <p:nvPr>
             <p:ph type="sldNum" sz="quarter" idx="12"/>
             <p:custDataLst>
-              <p:tags r:id="rId5"/>
+              <p:tags r:id="rId6"/>
             </p:custDataLst>
           </p:nvPr>
         </p:nvSpPr>
@@ -320,7 +304,6 @@
           <a:p>
             <a:fld id="{49AE70B2-8BF9-45C0-BB95-33D1B9D3A854}" type="slidenum">
               <a:rPr lang="zh-CN" altLang="en-US" smtClean="0"/>
-              <a:t>‹#›</a:t>
             </a:fld>
             <a:endParaRPr lang="zh-CN" altLang="en-US" dirty="0"/>
           </a:p>
@@ -360,7 +343,7 @@
           <p:nvPr>
             <p:ph type="dt" sz="half" idx="10"/>
             <p:custDataLst>
-              <p:tags r:id="rId1"/>
+              <p:tags r:id="rId2"/>
             </p:custDataLst>
           </p:nvPr>
         </p:nvSpPr>
@@ -371,7 +354,6 @@
           <a:p>
             <a:fld id="{760FBDFE-C587-4B4C-A407-44438C67B59E}" type="datetimeFigureOut">
               <a:rPr lang="zh-CN" altLang="en-US" smtClean="0"/>
-              <a:t>2022/3/6</a:t>
             </a:fld>
             <a:endParaRPr lang="zh-CN" altLang="en-US"/>
           </a:p>
@@ -386,7 +368,7 @@
           <p:nvPr>
             <p:ph type="ftr" sz="quarter" idx="11"/>
             <p:custDataLst>
-              <p:tags r:id="rId2"/>
+              <p:tags r:id="rId3"/>
             </p:custDataLst>
           </p:nvPr>
         </p:nvSpPr>
@@ -408,7 +390,7 @@
           <p:nvPr>
             <p:ph type="sldNum" sz="quarter" idx="12"/>
             <p:custDataLst>
-              <p:tags r:id="rId3"/>
+              <p:tags r:id="rId4"/>
             </p:custDataLst>
           </p:nvPr>
         </p:nvSpPr>
@@ -419,7 +401,6 @@
           <a:p>
             <a:fld id="{49AE70B2-8BF9-45C0-BB95-33D1B9D3A854}" type="slidenum">
               <a:rPr lang="zh-CN" altLang="en-US" smtClean="0"/>
-              <a:t>‹#›</a:t>
             </a:fld>
             <a:endParaRPr lang="zh-CN" altLang="en-US"/>
           </a:p>
@@ -434,7 +415,7 @@
           <p:nvPr>
             <p:ph sz="quarter" idx="13"/>
             <p:custDataLst>
-              <p:tags r:id="rId4"/>
+              <p:tags r:id="rId5"/>
             </p:custDataLst>
           </p:nvPr>
         </p:nvSpPr>
@@ -453,6 +434,7 @@
               <a:rPr lang="zh-CN" altLang="en-US" dirty="0"/>
               <a:t>单击此处编辑母版文本样式</a:t>
             </a:r>
+            <a:endParaRPr lang="zh-CN" altLang="en-US" dirty="0"/>
           </a:p>
           <a:p>
             <a:pPr lvl="1"/>
@@ -460,6 +442,7 @@
               <a:rPr lang="zh-CN" altLang="en-US" dirty="0"/>
               <a:t>第二级</a:t>
             </a:r>
+            <a:endParaRPr lang="zh-CN" altLang="en-US" dirty="0"/>
           </a:p>
           <a:p>
             <a:pPr lvl="2"/>
@@ -467,6 +450,7 @@
               <a:rPr lang="zh-CN" altLang="en-US" dirty="0"/>
               <a:t>第三级</a:t>
             </a:r>
+            <a:endParaRPr lang="zh-CN" altLang="en-US" dirty="0"/>
           </a:p>
           <a:p>
             <a:pPr lvl="3"/>
@@ -474,6 +458,7 @@
               <a:rPr lang="zh-CN" altLang="en-US" dirty="0"/>
               <a:t>第四级</a:t>
             </a:r>
+            <a:endParaRPr lang="zh-CN" altLang="en-US" dirty="0"/>
           </a:p>
           <a:p>
             <a:pPr lvl="4"/>
@@ -481,6 +466,7 @@
               <a:rPr lang="zh-CN" altLang="en-US" dirty="0"/>
               <a:t>第五级</a:t>
             </a:r>
+            <a:endParaRPr lang="zh-CN" altLang="en-US" dirty="0"/>
           </a:p>
         </p:txBody>
       </p:sp>
@@ -518,7 +504,7 @@
           <p:nvPr>
             <p:ph type="dt" sz="half" idx="10"/>
             <p:custDataLst>
-              <p:tags r:id="rId1"/>
+              <p:tags r:id="rId2"/>
             </p:custDataLst>
           </p:nvPr>
         </p:nvSpPr>
@@ -529,7 +515,6 @@
           <a:p>
             <a:fld id="{760FBDFE-C587-4B4C-A407-44438C67B59E}" type="datetimeFigureOut">
               <a:rPr lang="zh-CN" altLang="en-US" smtClean="0"/>
-              <a:t>2022/3/6</a:t>
             </a:fld>
             <a:endParaRPr lang="zh-CN" altLang="en-US"/>
           </a:p>
@@ -544,7 +529,7 @@
           <p:nvPr>
             <p:ph type="ftr" sz="quarter" idx="11"/>
             <p:custDataLst>
-              <p:tags r:id="rId2"/>
+              <p:tags r:id="rId3"/>
             </p:custDataLst>
           </p:nvPr>
         </p:nvSpPr>
@@ -566,7 +551,7 @@
           <p:nvPr>
             <p:ph type="sldNum" sz="quarter" idx="12"/>
             <p:custDataLst>
-              <p:tags r:id="rId3"/>
+              <p:tags r:id="rId4"/>
             </p:custDataLst>
           </p:nvPr>
         </p:nvSpPr>
@@ -577,7 +562,6 @@
           <a:p>
             <a:fld id="{49AE70B2-8BF9-45C0-BB95-33D1B9D3A854}" type="slidenum">
               <a:rPr lang="zh-CN" altLang="en-US" smtClean="0"/>
-              <a:t>‹#›</a:t>
             </a:fld>
             <a:endParaRPr lang="zh-CN" altLang="en-US"/>
           </a:p>
@@ -592,7 +576,7 @@
           <p:nvPr>
             <p:ph type="title" hasCustomPrompt="1"/>
             <p:custDataLst>
-              <p:tags r:id="rId4"/>
+              <p:tags r:id="rId5"/>
             </p:custDataLst>
           </p:nvPr>
         </p:nvSpPr>
@@ -617,6 +601,7 @@
               <a:rPr lang="zh-CN" altLang="en-US"/>
               <a:t>单击此处编辑标题</a:t>
             </a:r>
+            <a:endParaRPr lang="zh-CN" altLang="en-US"/>
           </a:p>
         </p:txBody>
       </p:sp>
@@ -629,7 +614,7 @@
           <p:nvPr>
             <p:ph type="body" sz="quarter" idx="13"/>
             <p:custDataLst>
-              <p:tags r:id="rId5"/>
+              <p:tags r:id="rId6"/>
             </p:custDataLst>
           </p:nvPr>
         </p:nvSpPr>
@@ -658,6 +643,7 @@
               <a:rPr lang="zh-CN" altLang="en-US" dirty="0"/>
               <a:t>单击此处编辑母版文本样式</a:t>
             </a:r>
+            <a:endParaRPr lang="zh-CN" altLang="en-US" dirty="0"/>
           </a:p>
         </p:txBody>
       </p:sp>
@@ -695,7 +681,7 @@
           <p:nvPr>
             <p:ph type="title"/>
             <p:custDataLst>
-              <p:tags r:id="rId1"/>
+              <p:tags r:id="rId2"/>
             </p:custDataLst>
           </p:nvPr>
         </p:nvSpPr>
@@ -716,6 +702,7 @@
               <a:rPr lang="zh-CN" altLang="en-US"/>
               <a:t>单击此处编辑母版标题样式</a:t>
             </a:r>
+            <a:endParaRPr lang="zh-CN" altLang="en-US"/>
           </a:p>
         </p:txBody>
       </p:sp>
@@ -728,7 +715,7 @@
           <p:nvPr>
             <p:ph idx="1"/>
             <p:custDataLst>
-              <p:tags r:id="rId2"/>
+              <p:tags r:id="rId3"/>
             </p:custDataLst>
           </p:nvPr>
         </p:nvSpPr>
@@ -749,6 +736,7 @@
               <a:rPr lang="zh-CN" altLang="en-US"/>
               <a:t>单击此处编辑母版文本样式</a:t>
             </a:r>
+            <a:endParaRPr lang="zh-CN" altLang="en-US"/>
           </a:p>
           <a:p>
             <a:pPr lvl="1"/>
@@ -756,6 +744,7 @@
               <a:rPr lang="zh-CN" altLang="en-US"/>
               <a:t>第二级</a:t>
             </a:r>
+            <a:endParaRPr lang="zh-CN" altLang="en-US"/>
           </a:p>
           <a:p>
             <a:pPr lvl="2"/>
@@ -763,6 +752,7 @@
               <a:rPr lang="zh-CN" altLang="en-US"/>
               <a:t>第三级</a:t>
             </a:r>
+            <a:endParaRPr lang="zh-CN" altLang="en-US"/>
           </a:p>
           <a:p>
             <a:pPr lvl="3"/>
@@ -770,6 +760,7 @@
               <a:rPr lang="zh-CN" altLang="en-US"/>
               <a:t>第四级</a:t>
             </a:r>
+            <a:endParaRPr lang="zh-CN" altLang="en-US"/>
           </a:p>
           <a:p>
             <a:pPr lvl="4"/>
@@ -777,6 +768,7 @@
               <a:rPr lang="zh-CN" altLang="en-US"/>
               <a:t>第五级</a:t>
             </a:r>
+            <a:endParaRPr lang="zh-CN" altLang="en-US"/>
           </a:p>
         </p:txBody>
       </p:sp>
@@ -789,7 +781,7 @@
           <p:nvPr>
             <p:ph type="dt" sz="half" idx="10"/>
             <p:custDataLst>
-              <p:tags r:id="rId3"/>
+              <p:tags r:id="rId4"/>
             </p:custDataLst>
           </p:nvPr>
         </p:nvSpPr>
@@ -800,7 +792,6 @@
           <a:p>
             <a:fld id="{760FBDFE-C587-4B4C-A407-44438C67B59E}" type="datetimeFigureOut">
               <a:rPr lang="zh-CN" altLang="en-US" smtClean="0"/>
-              <a:t>2022/3/6</a:t>
             </a:fld>
             <a:endParaRPr lang="zh-CN" altLang="en-US"/>
           </a:p>
@@ -815,7 +806,7 @@
           <p:nvPr>
             <p:ph type="ftr" sz="quarter" idx="11"/>
             <p:custDataLst>
-              <p:tags r:id="rId4"/>
+              <p:tags r:id="rId5"/>
             </p:custDataLst>
           </p:nvPr>
         </p:nvSpPr>
@@ -837,7 +828,7 @@
           <p:nvPr>
             <p:ph type="sldNum" sz="quarter" idx="12"/>
             <p:custDataLst>
-              <p:tags r:id="rId5"/>
+              <p:tags r:id="rId6"/>
             </p:custDataLst>
           </p:nvPr>
         </p:nvSpPr>
@@ -848,7 +839,6 @@
           <a:p>
             <a:fld id="{49AE70B2-8BF9-45C0-BB95-33D1B9D3A854}" type="slidenum">
               <a:rPr lang="zh-CN" altLang="en-US" smtClean="0"/>
-              <a:t>‹#›</a:t>
             </a:fld>
             <a:endParaRPr lang="zh-CN" altLang="en-US"/>
           </a:p>
@@ -888,7 +878,7 @@
           <p:nvPr>
             <p:ph type="title" hasCustomPrompt="1"/>
             <p:custDataLst>
-              <p:tags r:id="rId1"/>
+              <p:tags r:id="rId2"/>
             </p:custDataLst>
           </p:nvPr>
         </p:nvSpPr>
@@ -912,6 +902,7 @@
               <a:rPr lang="zh-CN" altLang="en-US" dirty="0"/>
               <a:t>单击此处编辑标题</a:t>
             </a:r>
+            <a:endParaRPr lang="zh-CN" altLang="en-US" dirty="0"/>
           </a:p>
         </p:txBody>
       </p:sp>
@@ -924,7 +915,7 @@
           <p:nvPr>
             <p:ph type="body" idx="1" hasCustomPrompt="1"/>
             <p:custDataLst>
-              <p:tags r:id="rId2"/>
+              <p:tags r:id="rId3"/>
             </p:custDataLst>
           </p:nvPr>
         </p:nvSpPr>
@@ -1037,6 +1028,7 @@
               <a:rPr lang="zh-CN" altLang="en-US" dirty="0"/>
               <a:t>单击此处编辑文本</a:t>
             </a:r>
+            <a:endParaRPr lang="zh-CN" altLang="en-US" dirty="0"/>
           </a:p>
         </p:txBody>
       </p:sp>
@@ -1049,7 +1041,7 @@
           <p:nvPr>
             <p:ph type="dt" sz="half" idx="10"/>
             <p:custDataLst>
-              <p:tags r:id="rId3"/>
+              <p:tags r:id="rId4"/>
             </p:custDataLst>
           </p:nvPr>
         </p:nvSpPr>
@@ -1060,7 +1052,6 @@
           <a:p>
             <a:fld id="{760FBDFE-C587-4B4C-A407-44438C67B59E}" type="datetimeFigureOut">
               <a:rPr lang="zh-CN" altLang="en-US" smtClean="0"/>
-              <a:t>2022/3/6</a:t>
             </a:fld>
             <a:endParaRPr lang="zh-CN" altLang="en-US"/>
           </a:p>
@@ -1075,7 +1066,7 @@
           <p:nvPr>
             <p:ph type="ftr" sz="quarter" idx="11"/>
             <p:custDataLst>
-              <p:tags r:id="rId4"/>
+              <p:tags r:id="rId5"/>
             </p:custDataLst>
           </p:nvPr>
         </p:nvSpPr>
@@ -1097,7 +1088,7 @@
           <p:nvPr>
             <p:ph type="sldNum" sz="quarter" idx="12"/>
             <p:custDataLst>
-              <p:tags r:id="rId5"/>
+              <p:tags r:id="rId6"/>
             </p:custDataLst>
           </p:nvPr>
         </p:nvSpPr>
@@ -1108,7 +1099,6 @@
           <a:p>
             <a:fld id="{49AE70B2-8BF9-45C0-BB95-33D1B9D3A854}" type="slidenum">
               <a:rPr lang="zh-CN" altLang="en-US" smtClean="0"/>
-              <a:t>‹#›</a:t>
             </a:fld>
             <a:endParaRPr lang="zh-CN" altLang="en-US"/>
           </a:p>
@@ -1148,7 +1138,7 @@
           <p:nvPr>
             <p:ph type="title"/>
             <p:custDataLst>
-              <p:tags r:id="rId1"/>
+              <p:tags r:id="rId2"/>
             </p:custDataLst>
           </p:nvPr>
         </p:nvSpPr>
@@ -1169,6 +1159,7 @@
               <a:rPr lang="zh-CN" altLang="en-US"/>
               <a:t>单击此处编辑母版标题样式</a:t>
             </a:r>
+            <a:endParaRPr lang="zh-CN" altLang="en-US"/>
           </a:p>
         </p:txBody>
       </p:sp>
@@ -1181,7 +1172,7 @@
           <p:nvPr>
             <p:ph sz="half" idx="1"/>
             <p:custDataLst>
-              <p:tags r:id="rId2"/>
+              <p:tags r:id="rId3"/>
             </p:custDataLst>
           </p:nvPr>
         </p:nvSpPr>
@@ -1202,6 +1193,7 @@
               <a:rPr lang="zh-CN" altLang="en-US"/>
               <a:t>单击此处编辑母版文本样式</a:t>
             </a:r>
+            <a:endParaRPr lang="zh-CN" altLang="en-US"/>
           </a:p>
           <a:p>
             <a:pPr lvl="1"/>
@@ -1209,6 +1201,7 @@
               <a:rPr lang="zh-CN" altLang="en-US"/>
               <a:t>第二级</a:t>
             </a:r>
+            <a:endParaRPr lang="zh-CN" altLang="en-US"/>
           </a:p>
           <a:p>
             <a:pPr lvl="2"/>
@@ -1216,6 +1209,7 @@
               <a:rPr lang="zh-CN" altLang="en-US"/>
               <a:t>第三级</a:t>
             </a:r>
+            <a:endParaRPr lang="zh-CN" altLang="en-US"/>
           </a:p>
           <a:p>
             <a:pPr lvl="3"/>
@@ -1223,6 +1217,7 @@
               <a:rPr lang="zh-CN" altLang="en-US"/>
               <a:t>第四级</a:t>
             </a:r>
+            <a:endParaRPr lang="zh-CN" altLang="en-US"/>
           </a:p>
           <a:p>
             <a:pPr lvl="4"/>
@@ -1230,6 +1225,7 @@
               <a:rPr lang="zh-CN" altLang="en-US"/>
               <a:t>第五级</a:t>
             </a:r>
+            <a:endParaRPr lang="zh-CN" altLang="en-US"/>
           </a:p>
         </p:txBody>
       </p:sp>
@@ -1242,7 +1238,7 @@
           <p:nvPr>
             <p:ph sz="half" idx="2"/>
             <p:custDataLst>
-              <p:tags r:id="rId3"/>
+              <p:tags r:id="rId4"/>
             </p:custDataLst>
           </p:nvPr>
         </p:nvSpPr>
@@ -1263,6 +1259,7 @@
               <a:rPr lang="zh-CN" altLang="en-US" dirty="0"/>
               <a:t>单击此处编辑母版文本样式</a:t>
             </a:r>
+            <a:endParaRPr lang="zh-CN" altLang="en-US" dirty="0"/>
           </a:p>
           <a:p>
             <a:pPr lvl="1"/>
@@ -1270,6 +1267,7 @@
               <a:rPr lang="zh-CN" altLang="en-US" dirty="0"/>
               <a:t>第二级</a:t>
             </a:r>
+            <a:endParaRPr lang="zh-CN" altLang="en-US" dirty="0"/>
           </a:p>
           <a:p>
             <a:pPr lvl="2"/>
@@ -1277,6 +1275,7 @@
               <a:rPr lang="zh-CN" altLang="en-US" dirty="0"/>
               <a:t>第三级</a:t>
             </a:r>
+            <a:endParaRPr lang="zh-CN" altLang="en-US" dirty="0"/>
           </a:p>
           <a:p>
             <a:pPr lvl="3"/>
@@ -1284,6 +1283,7 @@
               <a:rPr lang="zh-CN" altLang="en-US" dirty="0"/>
               <a:t>第四级</a:t>
             </a:r>
+            <a:endParaRPr lang="zh-CN" altLang="en-US" dirty="0"/>
           </a:p>
           <a:p>
             <a:pPr lvl="4"/>
@@ -1291,6 +1291,7 @@
               <a:rPr lang="zh-CN" altLang="en-US" dirty="0"/>
               <a:t>第五级</a:t>
             </a:r>
+            <a:endParaRPr lang="zh-CN" altLang="en-US" dirty="0"/>
           </a:p>
         </p:txBody>
       </p:sp>
@@ -1303,7 +1304,7 @@
           <p:nvPr>
             <p:ph type="dt" sz="half" idx="10"/>
             <p:custDataLst>
-              <p:tags r:id="rId4"/>
+              <p:tags r:id="rId5"/>
             </p:custDataLst>
           </p:nvPr>
         </p:nvSpPr>
@@ -1314,7 +1315,6 @@
           <a:p>
             <a:fld id="{760FBDFE-C587-4B4C-A407-44438C67B59E}" type="datetimeFigureOut">
               <a:rPr lang="zh-CN" altLang="en-US" smtClean="0"/>
-              <a:t>2022/3/6</a:t>
             </a:fld>
             <a:endParaRPr lang="zh-CN" altLang="en-US"/>
           </a:p>
@@ -1329,7 +1329,7 @@
           <p:nvPr>
             <p:ph type="ftr" sz="quarter" idx="11"/>
             <p:custDataLst>
-              <p:tags r:id="rId5"/>
+              <p:tags r:id="rId6"/>
             </p:custDataLst>
           </p:nvPr>
         </p:nvSpPr>
@@ -1351,7 +1351,7 @@
           <p:nvPr>
             <p:ph type="sldNum" sz="quarter" idx="12"/>
             <p:custDataLst>
-              <p:tags r:id="rId6"/>
+              <p:tags r:id="rId7"/>
             </p:custDataLst>
           </p:nvPr>
         </p:nvSpPr>
@@ -1362,7 +1362,6 @@
           <a:p>
             <a:fld id="{49AE70B2-8BF9-45C0-BB95-33D1B9D3A854}" type="slidenum">
               <a:rPr lang="zh-CN" altLang="en-US" smtClean="0"/>
-              <a:t>‹#›</a:t>
             </a:fld>
             <a:endParaRPr lang="zh-CN" altLang="en-US"/>
           </a:p>
@@ -1402,7 +1401,7 @@
           <p:nvPr>
             <p:ph type="title"/>
             <p:custDataLst>
-              <p:tags r:id="rId1"/>
+              <p:tags r:id="rId2"/>
             </p:custDataLst>
           </p:nvPr>
         </p:nvSpPr>
@@ -1423,6 +1422,7 @@
               <a:rPr lang="zh-CN" altLang="en-US"/>
               <a:t>单击此处编辑母版标题样式</a:t>
             </a:r>
+            <a:endParaRPr lang="zh-CN" altLang="en-US"/>
           </a:p>
         </p:txBody>
       </p:sp>
@@ -1435,7 +1435,7 @@
           <p:nvPr>
             <p:ph type="body" idx="1" hasCustomPrompt="1"/>
             <p:custDataLst>
-              <p:tags r:id="rId2"/>
+              <p:tags r:id="rId3"/>
             </p:custDataLst>
           </p:nvPr>
         </p:nvSpPr>
@@ -1503,6 +1503,7 @@
               <a:rPr lang="zh-CN" altLang="en-US" dirty="0"/>
               <a:t>单击此处编辑文本</a:t>
             </a:r>
+            <a:endParaRPr lang="zh-CN" altLang="en-US" dirty="0"/>
           </a:p>
         </p:txBody>
       </p:sp>
@@ -1515,7 +1516,7 @@
           <p:nvPr>
             <p:ph sz="half" idx="2"/>
             <p:custDataLst>
-              <p:tags r:id="rId3"/>
+              <p:tags r:id="rId4"/>
             </p:custDataLst>
           </p:nvPr>
         </p:nvSpPr>
@@ -1536,6 +1537,7 @@
               <a:rPr lang="zh-CN" altLang="en-US"/>
               <a:t>单击此处编辑母版文本样式</a:t>
             </a:r>
+            <a:endParaRPr lang="zh-CN" altLang="en-US"/>
           </a:p>
           <a:p>
             <a:pPr lvl="1"/>
@@ -1543,6 +1545,7 @@
               <a:rPr lang="zh-CN" altLang="en-US"/>
               <a:t>第二级</a:t>
             </a:r>
+            <a:endParaRPr lang="zh-CN" altLang="en-US"/>
           </a:p>
           <a:p>
             <a:pPr lvl="2"/>
@@ -1550,6 +1553,7 @@
               <a:rPr lang="zh-CN" altLang="en-US"/>
               <a:t>第三级</a:t>
             </a:r>
+            <a:endParaRPr lang="zh-CN" altLang="en-US"/>
           </a:p>
           <a:p>
             <a:pPr lvl="3"/>
@@ -1557,6 +1561,7 @@
               <a:rPr lang="zh-CN" altLang="en-US"/>
               <a:t>第四级</a:t>
             </a:r>
+            <a:endParaRPr lang="zh-CN" altLang="en-US"/>
           </a:p>
           <a:p>
             <a:pPr lvl="4"/>
@@ -1564,6 +1569,7 @@
               <a:rPr lang="zh-CN" altLang="en-US"/>
               <a:t>第五级</a:t>
             </a:r>
+            <a:endParaRPr lang="zh-CN" altLang="en-US"/>
           </a:p>
         </p:txBody>
       </p:sp>
@@ -1576,7 +1582,7 @@
           <p:nvPr>
             <p:ph type="body" sz="quarter" idx="3" hasCustomPrompt="1"/>
             <p:custDataLst>
-              <p:tags r:id="rId4"/>
+              <p:tags r:id="rId5"/>
             </p:custDataLst>
           </p:nvPr>
         </p:nvSpPr>
@@ -1644,6 +1650,7 @@
               <a:rPr lang="zh-CN" altLang="en-US"/>
               <a:t>单击此处编辑文本</a:t>
             </a:r>
+            <a:endParaRPr lang="zh-CN" altLang="en-US"/>
           </a:p>
         </p:txBody>
       </p:sp>
@@ -1656,7 +1663,7 @@
           <p:nvPr>
             <p:ph sz="quarter" idx="4"/>
             <p:custDataLst>
-              <p:tags r:id="rId5"/>
+              <p:tags r:id="rId6"/>
             </p:custDataLst>
           </p:nvPr>
         </p:nvSpPr>
@@ -1677,6 +1684,7 @@
               <a:rPr lang="zh-CN" altLang="en-US"/>
               <a:t>单击此处编辑母版文本样式</a:t>
             </a:r>
+            <a:endParaRPr lang="zh-CN" altLang="en-US"/>
           </a:p>
           <a:p>
             <a:pPr lvl="1"/>
@@ -1684,6 +1692,7 @@
               <a:rPr lang="zh-CN" altLang="en-US"/>
               <a:t>第二级</a:t>
             </a:r>
+            <a:endParaRPr lang="zh-CN" altLang="en-US"/>
           </a:p>
           <a:p>
             <a:pPr lvl="2"/>
@@ -1691,6 +1700,7 @@
               <a:rPr lang="zh-CN" altLang="en-US"/>
               <a:t>第三级</a:t>
             </a:r>
+            <a:endParaRPr lang="zh-CN" altLang="en-US"/>
           </a:p>
           <a:p>
             <a:pPr lvl="3"/>
@@ -1698,6 +1708,7 @@
               <a:rPr lang="zh-CN" altLang="en-US"/>
               <a:t>第四级</a:t>
             </a:r>
+            <a:endParaRPr lang="zh-CN" altLang="en-US"/>
           </a:p>
           <a:p>
             <a:pPr lvl="4"/>
@@ -1705,6 +1716,7 @@
               <a:rPr lang="zh-CN" altLang="en-US"/>
               <a:t>第五级</a:t>
             </a:r>
+            <a:endParaRPr lang="zh-CN" altLang="en-US"/>
           </a:p>
         </p:txBody>
       </p:sp>
@@ -1717,7 +1729,7 @@
           <p:nvPr>
             <p:ph type="dt" sz="half" idx="10"/>
             <p:custDataLst>
-              <p:tags r:id="rId6"/>
+              <p:tags r:id="rId7"/>
             </p:custDataLst>
           </p:nvPr>
         </p:nvSpPr>
@@ -1728,7 +1740,6 @@
           <a:p>
             <a:fld id="{760FBDFE-C587-4B4C-A407-44438C67B59E}" type="datetimeFigureOut">
               <a:rPr lang="zh-CN" altLang="en-US" smtClean="0"/>
-              <a:t>2022/3/6</a:t>
             </a:fld>
             <a:endParaRPr lang="zh-CN" altLang="en-US"/>
           </a:p>
@@ -1743,7 +1754,7 @@
           <p:nvPr>
             <p:ph type="ftr" sz="quarter" idx="11"/>
             <p:custDataLst>
-              <p:tags r:id="rId7"/>
+              <p:tags r:id="rId8"/>
             </p:custDataLst>
           </p:nvPr>
         </p:nvSpPr>
@@ -1765,7 +1776,7 @@
           <p:nvPr>
             <p:ph type="sldNum" sz="quarter" idx="12"/>
             <p:custDataLst>
-              <p:tags r:id="rId8"/>
+              <p:tags r:id="rId9"/>
             </p:custDataLst>
           </p:nvPr>
         </p:nvSpPr>
@@ -1776,7 +1787,6 @@
           <a:p>
             <a:fld id="{49AE70B2-8BF9-45C0-BB95-33D1B9D3A854}" type="slidenum">
               <a:rPr lang="zh-CN" altLang="en-US" smtClean="0"/>
-              <a:t>‹#›</a:t>
             </a:fld>
             <a:endParaRPr lang="zh-CN" altLang="en-US"/>
           </a:p>
@@ -1816,7 +1826,7 @@
           <p:nvPr>
             <p:ph type="title"/>
             <p:custDataLst>
-              <p:tags r:id="rId1"/>
+              <p:tags r:id="rId2"/>
             </p:custDataLst>
           </p:nvPr>
         </p:nvSpPr>
@@ -1837,6 +1847,7 @@
               <a:rPr lang="zh-CN" altLang="en-US"/>
               <a:t>单击此处编辑母版标题样式</a:t>
             </a:r>
+            <a:endParaRPr lang="zh-CN" altLang="en-US"/>
           </a:p>
         </p:txBody>
       </p:sp>
@@ -1849,7 +1860,7 @@
           <p:nvPr>
             <p:ph type="dt" sz="half" idx="10"/>
             <p:custDataLst>
-              <p:tags r:id="rId2"/>
+              <p:tags r:id="rId3"/>
             </p:custDataLst>
           </p:nvPr>
         </p:nvSpPr>
@@ -1860,7 +1871,6 @@
           <a:p>
             <a:fld id="{760FBDFE-C587-4B4C-A407-44438C67B59E}" type="datetimeFigureOut">
               <a:rPr lang="zh-CN" altLang="en-US" smtClean="0"/>
-              <a:t>2022/3/6</a:t>
             </a:fld>
             <a:endParaRPr lang="zh-CN" altLang="en-US"/>
           </a:p>
@@ -1875,7 +1885,7 @@
           <p:nvPr>
             <p:ph type="ftr" sz="quarter" idx="11"/>
             <p:custDataLst>
-              <p:tags r:id="rId3"/>
+              <p:tags r:id="rId4"/>
             </p:custDataLst>
           </p:nvPr>
         </p:nvSpPr>
@@ -1897,7 +1907,7 @@
           <p:nvPr>
             <p:ph type="sldNum" sz="quarter" idx="12"/>
             <p:custDataLst>
-              <p:tags r:id="rId4"/>
+              <p:tags r:id="rId5"/>
             </p:custDataLst>
           </p:nvPr>
         </p:nvSpPr>
@@ -1908,7 +1918,6 @@
           <a:p>
             <a:fld id="{49AE70B2-8BF9-45C0-BB95-33D1B9D3A854}" type="slidenum">
               <a:rPr lang="zh-CN" altLang="en-US" smtClean="0"/>
-              <a:t>‹#›</a:t>
             </a:fld>
             <a:endParaRPr lang="zh-CN" altLang="en-US"/>
           </a:p>
@@ -1948,7 +1957,7 @@
           <p:nvPr>
             <p:ph type="dt" sz="half" idx="10"/>
             <p:custDataLst>
-              <p:tags r:id="rId1"/>
+              <p:tags r:id="rId2"/>
             </p:custDataLst>
           </p:nvPr>
         </p:nvSpPr>
@@ -1959,7 +1968,6 @@
           <a:p>
             <a:fld id="{760FBDFE-C587-4B4C-A407-44438C67B59E}" type="datetimeFigureOut">
               <a:rPr lang="zh-CN" altLang="en-US" smtClean="0"/>
-              <a:t>2022/3/6</a:t>
             </a:fld>
             <a:endParaRPr lang="zh-CN" altLang="en-US"/>
           </a:p>
@@ -1974,7 +1982,7 @@
           <p:nvPr>
             <p:ph type="ftr" sz="quarter" idx="11"/>
             <p:custDataLst>
-              <p:tags r:id="rId2"/>
+              <p:tags r:id="rId3"/>
             </p:custDataLst>
           </p:nvPr>
         </p:nvSpPr>
@@ -1996,7 +2004,7 @@
           <p:nvPr>
             <p:ph type="sldNum" sz="quarter" idx="12"/>
             <p:custDataLst>
-              <p:tags r:id="rId3"/>
+              <p:tags r:id="rId4"/>
             </p:custDataLst>
           </p:nvPr>
         </p:nvSpPr>
@@ -2007,7 +2015,6 @@
           <a:p>
             <a:fld id="{49AE70B2-8BF9-45C0-BB95-33D1B9D3A854}" type="slidenum">
               <a:rPr lang="zh-CN" altLang="en-US" smtClean="0"/>
-              <a:t>‹#›</a:t>
             </a:fld>
             <a:endParaRPr lang="zh-CN" altLang="en-US"/>
           </a:p>
@@ -2047,7 +2054,7 @@
           <p:nvPr>
             <p:ph type="pic" idx="1"/>
             <p:custDataLst>
-              <p:tags r:id="rId1"/>
+              <p:tags r:id="rId2"/>
             </p:custDataLst>
           </p:nvPr>
         </p:nvSpPr>
@@ -2082,7 +2089,7 @@
           <p:nvPr>
             <p:ph type="body" sz="half" idx="2"/>
             <p:custDataLst>
-              <p:tags r:id="rId2"/>
+              <p:tags r:id="rId3"/>
             </p:custDataLst>
           </p:nvPr>
         </p:nvSpPr>
@@ -2108,6 +2115,7 @@
               <a:rPr lang="zh-CN" altLang="en-US"/>
               <a:t>单击此处编辑母版文本样式</a:t>
             </a:r>
+            <a:endParaRPr lang="zh-CN" altLang="en-US"/>
           </a:p>
         </p:txBody>
       </p:sp>
@@ -2120,7 +2128,7 @@
           <p:nvPr>
             <p:ph type="dt" sz="half" idx="10"/>
             <p:custDataLst>
-              <p:tags r:id="rId3"/>
+              <p:tags r:id="rId4"/>
             </p:custDataLst>
           </p:nvPr>
         </p:nvSpPr>
@@ -2131,7 +2139,6 @@
           <a:p>
             <a:fld id="{9EFD9D74-47D9-4702-A33C-335B63B48DBF}" type="datetimeFigureOut">
               <a:rPr lang="zh-CN" altLang="en-US" smtClean="0"/>
-              <a:t>2022/3/6</a:t>
             </a:fld>
             <a:endParaRPr lang="zh-CN" altLang="en-US" dirty="0"/>
           </a:p>
@@ -2146,7 +2153,7 @@
           <p:nvPr>
             <p:ph type="ftr" sz="quarter" idx="11"/>
             <p:custDataLst>
-              <p:tags r:id="rId4"/>
+              <p:tags r:id="rId5"/>
             </p:custDataLst>
           </p:nvPr>
         </p:nvSpPr>
@@ -2168,7 +2175,7 @@
           <p:nvPr>
             <p:ph type="sldNum" sz="quarter" idx="12"/>
             <p:custDataLst>
-              <p:tags r:id="rId5"/>
+              <p:tags r:id="rId6"/>
             </p:custDataLst>
           </p:nvPr>
         </p:nvSpPr>
@@ -2179,7 +2186,6 @@
           <a:p>
             <a:fld id="{FABC47A4-756D-490B-A52F-7D9E2C9FC05F}" type="slidenum">
               <a:rPr lang="zh-CN" altLang="en-US" smtClean="0"/>
-              <a:t>‹#›</a:t>
             </a:fld>
             <a:endParaRPr lang="zh-CN" altLang="en-US"/>
           </a:p>
@@ -2194,7 +2200,7 @@
           <p:nvPr>
             <p:ph type="title"/>
             <p:custDataLst>
-              <p:tags r:id="rId6"/>
+              <p:tags r:id="rId7"/>
             </p:custDataLst>
           </p:nvPr>
         </p:nvSpPr>
@@ -2207,6 +2213,7 @@
               <a:rPr lang="zh-CN" altLang="en-US"/>
               <a:t>单击此处编辑母版标题样式</a:t>
             </a:r>
+            <a:endParaRPr lang="zh-CN" altLang="en-US"/>
           </a:p>
         </p:txBody>
       </p:sp>
@@ -2244,7 +2251,7 @@
           <p:nvPr>
             <p:ph type="title" orient="vert" hasCustomPrompt="1"/>
             <p:custDataLst>
-              <p:tags r:id="rId1"/>
+              <p:tags r:id="rId2"/>
             </p:custDataLst>
           </p:nvPr>
         </p:nvSpPr>
@@ -2270,6 +2277,7 @@
               <a:rPr lang="zh-CN" altLang="en-US"/>
               <a:t>单击此处编辑标题</a:t>
             </a:r>
+            <a:endParaRPr lang="zh-CN" altLang="en-US"/>
           </a:p>
         </p:txBody>
       </p:sp>
@@ -2282,7 +2290,7 @@
           <p:nvPr>
             <p:ph type="body" orient="vert" idx="1"/>
             <p:custDataLst>
-              <p:tags r:id="rId2"/>
+              <p:tags r:id="rId3"/>
             </p:custDataLst>
           </p:nvPr>
         </p:nvSpPr>
@@ -2320,6 +2328,7 @@
               <a:rPr lang="zh-CN" altLang="en-US" dirty="0"/>
               <a:t>单击此处编辑母版文本样式</a:t>
             </a:r>
+            <a:endParaRPr lang="zh-CN" altLang="en-US" dirty="0"/>
           </a:p>
           <a:p>
             <a:pPr lvl="1"/>
@@ -2327,6 +2336,7 @@
               <a:rPr lang="zh-CN" altLang="en-US" dirty="0"/>
               <a:t>第二级</a:t>
             </a:r>
+            <a:endParaRPr lang="zh-CN" altLang="en-US" dirty="0"/>
           </a:p>
           <a:p>
             <a:pPr lvl="2"/>
@@ -2334,6 +2344,7 @@
               <a:rPr lang="zh-CN" altLang="en-US" dirty="0"/>
               <a:t>第三级</a:t>
             </a:r>
+            <a:endParaRPr lang="zh-CN" altLang="en-US" dirty="0"/>
           </a:p>
           <a:p>
             <a:pPr lvl="3"/>
@@ -2341,6 +2352,7 @@
               <a:rPr lang="zh-CN" altLang="en-US" dirty="0"/>
               <a:t>第四级</a:t>
             </a:r>
+            <a:endParaRPr lang="zh-CN" altLang="en-US" dirty="0"/>
           </a:p>
           <a:p>
             <a:pPr lvl="4"/>
@@ -2348,6 +2360,7 @@
               <a:rPr lang="zh-CN" altLang="en-US" dirty="0"/>
               <a:t>第五级</a:t>
             </a:r>
+            <a:endParaRPr lang="zh-CN" altLang="en-US" dirty="0"/>
           </a:p>
         </p:txBody>
       </p:sp>
@@ -2360,7 +2373,7 @@
           <p:nvPr>
             <p:ph type="dt" sz="half" idx="10"/>
             <p:custDataLst>
-              <p:tags r:id="rId3"/>
+              <p:tags r:id="rId4"/>
             </p:custDataLst>
           </p:nvPr>
         </p:nvSpPr>
@@ -2371,7 +2384,6 @@
           <a:p>
             <a:fld id="{760FBDFE-C587-4B4C-A407-44438C67B59E}" type="datetimeFigureOut">
               <a:rPr lang="zh-CN" altLang="en-US" smtClean="0"/>
-              <a:t>2022/3/6</a:t>
             </a:fld>
             <a:endParaRPr lang="zh-CN" altLang="en-US"/>
           </a:p>
@@ -2386,7 +2398,7 @@
           <p:nvPr>
             <p:ph type="ftr" sz="quarter" idx="11"/>
             <p:custDataLst>
-              <p:tags r:id="rId4"/>
+              <p:tags r:id="rId5"/>
             </p:custDataLst>
           </p:nvPr>
         </p:nvSpPr>
@@ -2408,7 +2420,7 @@
           <p:nvPr>
             <p:ph type="sldNum" sz="quarter" idx="12"/>
             <p:custDataLst>
-              <p:tags r:id="rId5"/>
+              <p:tags r:id="rId6"/>
             </p:custDataLst>
           </p:nvPr>
         </p:nvSpPr>
@@ -2419,7 +2431,6 @@
           <a:p>
             <a:fld id="{49AE70B2-8BF9-45C0-BB95-33D1B9D3A854}" type="slidenum">
               <a:rPr lang="zh-CN" altLang="en-US" smtClean="0"/>
-              <a:t>‹#›</a:t>
             </a:fld>
             <a:endParaRPr lang="zh-CN" altLang="en-US"/>
           </a:p>
@@ -2464,7 +2475,7 @@
           <p:nvPr>
             <p:ph type="title"/>
             <p:custDataLst>
-              <p:tags r:id="rId14"/>
+              <p:tags r:id="rId12"/>
             </p:custDataLst>
           </p:nvPr>
         </p:nvSpPr>
@@ -2487,6 +2498,7 @@
               <a:rPr lang="zh-CN" altLang="en-US" dirty="0"/>
               <a:t>单击此处编辑母版标题样式</a:t>
             </a:r>
+            <a:endParaRPr lang="zh-CN" altLang="en-US" dirty="0"/>
           </a:p>
         </p:txBody>
       </p:sp>
@@ -2499,7 +2511,7 @@
           <p:nvPr>
             <p:ph type="body" idx="1"/>
             <p:custDataLst>
-              <p:tags r:id="rId15"/>
+              <p:tags r:id="rId13"/>
             </p:custDataLst>
           </p:nvPr>
         </p:nvSpPr>
@@ -2523,6 +2535,7 @@
               <a:rPr lang="zh-CN" altLang="en-US" dirty="0"/>
               <a:t>单击此处编辑母版文本样式</a:t>
             </a:r>
+            <a:endParaRPr lang="zh-CN" altLang="en-US" dirty="0"/>
           </a:p>
           <a:p>
             <a:pPr lvl="1"/>
@@ -2530,6 +2543,7 @@
               <a:rPr lang="zh-CN" altLang="en-US" dirty="0"/>
               <a:t>第二级</a:t>
             </a:r>
+            <a:endParaRPr lang="zh-CN" altLang="en-US" dirty="0"/>
           </a:p>
           <a:p>
             <a:pPr lvl="2"/>
@@ -2537,6 +2551,7 @@
               <a:rPr lang="zh-CN" altLang="en-US" dirty="0"/>
               <a:t>第三级</a:t>
             </a:r>
+            <a:endParaRPr lang="zh-CN" altLang="en-US" dirty="0"/>
           </a:p>
           <a:p>
             <a:pPr lvl="3"/>
@@ -2544,6 +2559,7 @@
               <a:rPr lang="zh-CN" altLang="en-US" dirty="0"/>
               <a:t>第四级</a:t>
             </a:r>
+            <a:endParaRPr lang="zh-CN" altLang="en-US" dirty="0"/>
           </a:p>
           <a:p>
             <a:pPr lvl="4"/>
@@ -2551,6 +2567,7 @@
               <a:rPr lang="zh-CN" altLang="en-US" dirty="0"/>
               <a:t>第五级</a:t>
             </a:r>
+            <a:endParaRPr lang="zh-CN" altLang="en-US" dirty="0"/>
           </a:p>
         </p:txBody>
       </p:sp>
@@ -2563,7 +2580,7 @@
           <p:nvPr>
             <p:ph type="dt" sz="half" idx="2"/>
             <p:custDataLst>
-              <p:tags r:id="rId16"/>
+              <p:tags r:id="rId14"/>
             </p:custDataLst>
           </p:nvPr>
         </p:nvSpPr>
@@ -2594,7 +2611,6 @@
           <a:p>
             <a:fld id="{760FBDFE-C587-4B4C-A407-44438C67B59E}" type="datetimeFigureOut">
               <a:rPr lang="zh-CN" altLang="en-US" smtClean="0"/>
-              <a:t>2022/3/6</a:t>
             </a:fld>
             <a:endParaRPr lang="zh-CN" altLang="en-US"/>
           </a:p>
@@ -2609,7 +2625,7 @@
           <p:nvPr>
             <p:ph type="ftr" sz="quarter" idx="3"/>
             <p:custDataLst>
-              <p:tags r:id="rId17"/>
+              <p:tags r:id="rId15"/>
             </p:custDataLst>
           </p:nvPr>
         </p:nvSpPr>
@@ -2651,7 +2667,7 @@
           <p:nvPr>
             <p:ph type="sldNum" sz="quarter" idx="4"/>
             <p:custDataLst>
-              <p:tags r:id="rId18"/>
+              <p:tags r:id="rId16"/>
             </p:custDataLst>
           </p:nvPr>
         </p:nvSpPr>
@@ -2682,7 +2698,6 @@
           <a:p>
             <a:fld id="{49AE70B2-8BF9-45C0-BB95-33D1B9D3A854}" type="slidenum">
               <a:rPr lang="zh-CN" altLang="en-US" smtClean="0"/>
-              <a:t>‹#›</a:t>
             </a:fld>
             <a:endParaRPr lang="zh-CN" altLang="en-US" dirty="0"/>
           </a:p>
@@ -2690,7 +2705,7 @@
       </p:sp>
     </p:spTree>
     <p:custDataLst>
-      <p:tags r:id="rId13"/>
+      <p:tags r:id="rId17"/>
     </p:custDataLst>
   </p:cSld>
   <p:clrMap bg1="lt1" tx1="dk1" bg2="lt2" tx2="dk2" accent1="accent1" accent2="accent2" accent3="accent3" accent4="accent4" accent5="accent5" accent6="accent6" hlink="hlink" folHlink="folHlink"/>
@@ -8539,6 +8554,10 @@
               </a:rPr>
               <a:t>深度神经网络</a:t>
             </a:r>
+            <a:endParaRPr lang="zh-CN" altLang="en-US" sz="1400" dirty="0">
+              <a:latin typeface="宋体" panose="02010600030101010101" pitchFamily="2" charset="-122"/>
+              <a:ea typeface="宋体" panose="02010600030101010101" pitchFamily="2" charset="-122"/>
+            </a:endParaRPr>
           </a:p>
         </p:txBody>
       </p:sp>
@@ -8573,6 +8592,11 @@
               </a:rPr>
               <a:t>模型性能</a:t>
             </a:r>
+            <a:endParaRPr lang="zh-CN" altLang="en-US" sz="1400" dirty="0">
+              <a:latin typeface="宋体" panose="02010600030101010101" pitchFamily="2" charset="-122"/>
+              <a:ea typeface="宋体" panose="02010600030101010101" pitchFamily="2" charset="-122"/>
+              <a:cs typeface="宋体" panose="02010600030101010101" pitchFamily="2" charset="-122"/>
+            </a:endParaRPr>
           </a:p>
         </p:txBody>
       </p:sp>
@@ -10849,6 +10873,10 @@
               </a:rPr>
               <a:t>测试充分性</a:t>
             </a:r>
+            <a:endParaRPr lang="zh-CN" altLang="en-US" sz="1400" dirty="0">
+              <a:latin typeface="宋体" panose="02010600030101010101" pitchFamily="2" charset="-122"/>
+              <a:ea typeface="宋体" panose="02010600030101010101" pitchFamily="2" charset="-122"/>
+            </a:endParaRPr>
           </a:p>
         </p:txBody>
       </p:sp>
@@ -10861,7 +10889,7 @@
           <p:nvPr/>
         </p:nvPicPr>
         <p:blipFill>
-          <a:blip r:embed="rId2"/>
+          <a:blip r:embed="rId1"/>
           <a:stretch>
             <a:fillRect/>
           </a:stretch>
@@ -10885,7 +10913,7 @@
           <p:nvPr/>
         </p:nvPicPr>
         <p:blipFill>
-          <a:blip r:embed="rId3"/>
+          <a:blip r:embed="rId2"/>
           <a:stretch>
             <a:fillRect/>
           </a:stretch>
@@ -10930,6 +10958,10 @@
               </a:rPr>
               <a:t>测试输入</a:t>
             </a:r>
+            <a:endParaRPr lang="zh-CN" altLang="en-US" sz="1400" dirty="0">
+              <a:latin typeface="宋体" panose="02010600030101010101" pitchFamily="2" charset="-122"/>
+              <a:ea typeface="宋体" panose="02010600030101010101" pitchFamily="2" charset="-122"/>
+            </a:endParaRPr>
           </a:p>
         </p:txBody>
       </p:sp>
@@ -10942,7 +10974,7 @@
           <p:nvPr/>
         </p:nvPicPr>
         <p:blipFill>
-          <a:blip r:embed="rId4"/>
+          <a:blip r:embed="rId3"/>
           <a:stretch>
             <a:fillRect/>
           </a:stretch>
@@ -10987,6 +11019,10 @@
               </a:rPr>
               <a:t>度量指标</a:t>
             </a:r>
+            <a:endParaRPr lang="zh-CN" altLang="en-US" sz="1400" dirty="0">
+              <a:latin typeface="宋体" panose="02010600030101010101" pitchFamily="2" charset="-122"/>
+              <a:ea typeface="宋体" panose="02010600030101010101" pitchFamily="2" charset="-122"/>
+            </a:endParaRPr>
           </a:p>
         </p:txBody>
       </p:sp>
@@ -11203,6 +11239,10 @@
               </a:rPr>
               <a:t>模型修复</a:t>
             </a:r>
+            <a:endParaRPr lang="zh-CN" altLang="en-US" sz="1400" dirty="0">
+              <a:latin typeface="楷体" panose="02010609060101010101" pitchFamily="49" charset="-122"/>
+              <a:ea typeface="楷体" panose="02010609060101010101" pitchFamily="49" charset="-122"/>
+            </a:endParaRPr>
           </a:p>
         </p:txBody>
       </p:sp>
@@ -11274,7 +11314,7 @@
           <p:nvPr/>
         </p:nvPicPr>
         <p:blipFill>
-          <a:blip r:embed="rId5"/>
+          <a:blip r:embed="rId4"/>
           <a:stretch>
             <a:fillRect/>
           </a:stretch>
@@ -11319,6 +11359,10 @@
               </a:rPr>
               <a:t>测试反馈</a:t>
             </a:r>
+            <a:endParaRPr lang="zh-CN" altLang="en-US" sz="1400" dirty="0">
+              <a:latin typeface="宋体" panose="02010600030101010101" pitchFamily="2" charset="-122"/>
+              <a:ea typeface="宋体" panose="02010600030101010101" pitchFamily="2" charset="-122"/>
+            </a:endParaRPr>
           </a:p>
         </p:txBody>
       </p:sp>
@@ -11352,6 +11396,10 @@
               </a:rPr>
               <a:t>数据选取</a:t>
             </a:r>
+            <a:endParaRPr lang="zh-CN" altLang="en-US" sz="1400" dirty="0">
+              <a:latin typeface="楷体" panose="02010609060101010101" pitchFamily="49" charset="-122"/>
+              <a:ea typeface="楷体" panose="02010609060101010101" pitchFamily="49" charset="-122"/>
+            </a:endParaRPr>
           </a:p>
         </p:txBody>
       </p:sp>
@@ -11382,13 +11430,7 @@
       </p:grpSpPr>
       <p:sp>
         <p:nvSpPr>
-          <p:cNvPr id="259" name="矩形 258">
-            <a:extLst>
-              <a:ext uri="{FF2B5EF4-FFF2-40B4-BE49-F238E27FC236}">
-                <a16:creationId xmlns:a16="http://schemas.microsoft.com/office/drawing/2014/main" id="{C8502457-9DA9-4427-9C8D-B92C229BFE0A}"/>
-              </a:ext>
-            </a:extLst>
-          </p:cNvPr>
+          <p:cNvPr id="259" name="矩形 258"/>
           <p:cNvSpPr/>
           <p:nvPr/>
         </p:nvSpPr>
@@ -11465,6 +11507,10 @@
               </a:rPr>
               <a:t>深度学习模型</a:t>
             </a:r>
+            <a:endParaRPr lang="zh-CN" altLang="en-US" sz="1400" dirty="0">
+              <a:latin typeface="宋体" panose="02010600030101010101" pitchFamily="2" charset="-122"/>
+              <a:ea typeface="宋体" panose="02010600030101010101" pitchFamily="2" charset="-122"/>
+            </a:endParaRPr>
           </a:p>
         </p:txBody>
       </p:sp>
@@ -11477,7 +11523,7 @@
           <p:nvPr/>
         </p:nvPicPr>
         <p:blipFill>
-          <a:blip r:embed="rId2"/>
+          <a:blip r:embed="rId1"/>
           <a:stretch>
             <a:fillRect/>
           </a:stretch>
@@ -11522,6 +11568,10 @@
               </a:rPr>
               <a:t>测试集</a:t>
             </a:r>
+            <a:endParaRPr lang="zh-CN" altLang="en-US" sz="1400" dirty="0">
+              <a:latin typeface="宋体" panose="02010600030101010101" pitchFamily="2" charset="-122"/>
+              <a:ea typeface="宋体" panose="02010600030101010101" pitchFamily="2" charset="-122"/>
+            </a:endParaRPr>
           </a:p>
         </p:txBody>
       </p:sp>
@@ -11534,7 +11584,7 @@
           <p:nvPr/>
         </p:nvPicPr>
         <p:blipFill>
-          <a:blip r:embed="rId3"/>
+          <a:blip r:embed="rId2"/>
           <a:stretch>
             <a:fillRect/>
           </a:stretch>
@@ -11579,18 +11629,16 @@
               </a:rPr>
               <a:t>测试指标</a:t>
             </a:r>
+            <a:endParaRPr lang="zh-CN" altLang="en-US" sz="1400" dirty="0">
+              <a:latin typeface="宋体" panose="02010600030101010101" pitchFamily="2" charset="-122"/>
+              <a:ea typeface="宋体" panose="02010600030101010101" pitchFamily="2" charset="-122"/>
+            </a:endParaRPr>
           </a:p>
         </p:txBody>
       </p:sp>
       <p:sp>
         <p:nvSpPr>
-          <p:cNvPr id="212" name="文本框 211">
-            <a:extLst>
-              <a:ext uri="{FF2B5EF4-FFF2-40B4-BE49-F238E27FC236}">
-                <a16:creationId xmlns:a16="http://schemas.microsoft.com/office/drawing/2014/main" id="{FF8A5F74-A478-4606-9736-AC87D2B8F221}"/>
-              </a:ext>
-            </a:extLst>
-          </p:cNvPr>
+          <p:cNvPr id="212" name="文本框 211"/>
           <p:cNvSpPr txBox="1"/>
           <p:nvPr/>
         </p:nvSpPr>
@@ -11618,18 +11666,16 @@
               </a:rPr>
               <a:t>指引</a:t>
             </a:r>
+            <a:endParaRPr lang="zh-CN" altLang="en-US" sz="1400" dirty="0">
+              <a:latin typeface="宋体" panose="02010600030101010101" pitchFamily="2" charset="-122"/>
+              <a:ea typeface="宋体" panose="02010600030101010101" pitchFamily="2" charset="-122"/>
+            </a:endParaRPr>
           </a:p>
         </p:txBody>
       </p:sp>
       <p:sp>
         <p:nvSpPr>
-          <p:cNvPr id="213" name="文本框 212">
-            <a:extLst>
-              <a:ext uri="{FF2B5EF4-FFF2-40B4-BE49-F238E27FC236}">
-                <a16:creationId xmlns:a16="http://schemas.microsoft.com/office/drawing/2014/main" id="{AC3B9611-F1F6-4BD2-A048-7D346CA38786}"/>
-              </a:ext>
-            </a:extLst>
-          </p:cNvPr>
+          <p:cNvPr id="213" name="文本框 212"/>
           <p:cNvSpPr txBox="1"/>
           <p:nvPr/>
         </p:nvSpPr>
@@ -11671,25 +11717,23 @@
               </a:rPr>
               <a:t>失效</a:t>
             </a:r>
+            <a:endParaRPr lang="zh-CN" altLang="en-US" sz="1400" dirty="0">
+              <a:latin typeface="宋体" panose="02010600030101010101" pitchFamily="2" charset="-122"/>
+              <a:ea typeface="宋体" panose="02010600030101010101" pitchFamily="2" charset="-122"/>
+            </a:endParaRPr>
           </a:p>
         </p:txBody>
       </p:sp>
       <p:pic>
         <p:nvPicPr>
-          <p:cNvPr id="8" name="图片 7">
-            <a:extLst>
-              <a:ext uri="{FF2B5EF4-FFF2-40B4-BE49-F238E27FC236}">
-                <a16:creationId xmlns:a16="http://schemas.microsoft.com/office/drawing/2014/main" id="{AA76EA00-88A8-4170-A297-83CDFD446BB1}"/>
-              </a:ext>
-            </a:extLst>
-          </p:cNvPr>
+          <p:cNvPr id="8" name="图片 7"/>
           <p:cNvPicPr>
             <a:picLocks noChangeAspect="1"/>
           </p:cNvPicPr>
           <p:nvPr/>
         </p:nvPicPr>
         <p:blipFill>
-          <a:blip r:embed="rId4"/>
+          <a:blip r:embed="rId3"/>
           <a:stretch>
             <a:fillRect/>
           </a:stretch>
@@ -11706,16 +11750,8 @@
       </p:pic>
       <p:cxnSp>
         <p:nvCxnSpPr>
-          <p:cNvPr id="10" name="直接箭头连接符 9">
-            <a:extLst>
-              <a:ext uri="{FF2B5EF4-FFF2-40B4-BE49-F238E27FC236}">
-                <a16:creationId xmlns:a16="http://schemas.microsoft.com/office/drawing/2014/main" id="{A408D374-36CF-44DD-8FB9-36E794B2B181}"/>
-              </a:ext>
-            </a:extLst>
-          </p:cNvPr>
-          <p:cNvCxnSpPr>
-            <a:cxnSpLocks/>
-          </p:cNvCxnSpPr>
+          <p:cNvPr id="10" name="直接箭头连接符 9"/>
+          <p:cNvCxnSpPr/>
           <p:nvPr/>
         </p:nvCxnSpPr>
         <p:spPr>
@@ -11747,16 +11783,8 @@
       </p:cxnSp>
       <p:cxnSp>
         <p:nvCxnSpPr>
-          <p:cNvPr id="218" name="直接箭头连接符 217">
-            <a:extLst>
-              <a:ext uri="{FF2B5EF4-FFF2-40B4-BE49-F238E27FC236}">
-                <a16:creationId xmlns:a16="http://schemas.microsoft.com/office/drawing/2014/main" id="{57B6F9E8-1C28-4F30-90E8-938A0ED3F8FA}"/>
-              </a:ext>
-            </a:extLst>
-          </p:cNvPr>
-          <p:cNvCxnSpPr>
-            <a:cxnSpLocks/>
-          </p:cNvCxnSpPr>
+          <p:cNvPr id="218" name="直接箭头连接符 217"/>
+          <p:cNvCxnSpPr/>
           <p:nvPr/>
         </p:nvCxnSpPr>
         <p:spPr>
@@ -11788,13 +11816,7 @@
       </p:cxnSp>
       <p:sp>
         <p:nvSpPr>
-          <p:cNvPr id="221" name="文本框 220">
-            <a:extLst>
-              <a:ext uri="{FF2B5EF4-FFF2-40B4-BE49-F238E27FC236}">
-                <a16:creationId xmlns:a16="http://schemas.microsoft.com/office/drawing/2014/main" id="{D6216748-0991-47A4-A8BF-0C0126B60CF0}"/>
-              </a:ext>
-            </a:extLst>
-          </p:cNvPr>
+          <p:cNvPr id="221" name="文本框 220"/>
           <p:cNvSpPr txBox="1"/>
           <p:nvPr/>
         </p:nvSpPr>
@@ -11850,25 +11872,23 @@
               </a:rPr>
               <a:t>为什么这个测试集能够准确度量模型的质量？</a:t>
             </a:r>
+            <a:endParaRPr lang="zh-CN" altLang="en-US" sz="1400" dirty="0">
+              <a:latin typeface="宋体" panose="02010600030101010101" pitchFamily="2" charset="-122"/>
+              <a:ea typeface="宋体" panose="02010600030101010101" pitchFamily="2" charset="-122"/>
+            </a:endParaRPr>
           </a:p>
         </p:txBody>
       </p:sp>
       <p:pic>
         <p:nvPicPr>
-          <p:cNvPr id="140" name="图片 139">
-            <a:extLst>
-              <a:ext uri="{FF2B5EF4-FFF2-40B4-BE49-F238E27FC236}">
-                <a16:creationId xmlns:a16="http://schemas.microsoft.com/office/drawing/2014/main" id="{AC187144-7843-461E-AAB7-F06D18052A33}"/>
-              </a:ext>
-            </a:extLst>
-          </p:cNvPr>
+          <p:cNvPr id="140" name="图片 139"/>
           <p:cNvPicPr>
             <a:picLocks noChangeAspect="1"/>
           </p:cNvPicPr>
           <p:nvPr/>
         </p:nvPicPr>
         <p:blipFill>
-          <a:blip r:embed="rId5"/>
+          <a:blip r:embed="rId4"/>
           <a:stretch>
             <a:fillRect/>
           </a:stretch>
@@ -11885,23 +11905,17 @@
       </p:pic>
       <p:pic>
         <p:nvPicPr>
-          <p:cNvPr id="225" name="图形 224" descr="343435333332343b333635393039313bcafdbedd">
-            <a:extLst>
-              <a:ext uri="{FF2B5EF4-FFF2-40B4-BE49-F238E27FC236}">
-                <a16:creationId xmlns:a16="http://schemas.microsoft.com/office/drawing/2014/main" id="{CF65533F-609E-4112-953E-822310EA6895}"/>
-              </a:ext>
-            </a:extLst>
-          </p:cNvPr>
+          <p:cNvPr id="225" name="图形 224" descr="343435333332343b333635393039313bcafdbedd"/>
           <p:cNvPicPr>
             <a:picLocks noChangeAspect="1"/>
           </p:cNvPicPr>
           <p:nvPr/>
         </p:nvPicPr>
         <p:blipFill>
-          <a:blip r:embed="rId6">
+          <a:blip r:embed="rId5">
             <a:extLst>
               <a:ext uri="{96DAC541-7B7A-43D3-8B79-37D633B846F1}">
-                <asvg:svgBlip xmlns:asvg="http://schemas.microsoft.com/office/drawing/2016/SVG/main" r:embed="rId7"/>
+                <asvg:svgBlip xmlns:asvg="http://schemas.microsoft.com/office/drawing/2016/SVG/main" r:embed="rId6"/>
               </a:ext>
             </a:extLst>
           </a:blip>
@@ -11921,16 +11935,8 @@
       </p:pic>
       <p:cxnSp>
         <p:nvCxnSpPr>
-          <p:cNvPr id="152" name="直接箭头连接符 151">
-            <a:extLst>
-              <a:ext uri="{FF2B5EF4-FFF2-40B4-BE49-F238E27FC236}">
-                <a16:creationId xmlns:a16="http://schemas.microsoft.com/office/drawing/2014/main" id="{6F98B1E1-85D7-4C2A-8AF8-ACD47046EC33}"/>
-              </a:ext>
-            </a:extLst>
-          </p:cNvPr>
-          <p:cNvCxnSpPr>
-            <a:cxnSpLocks/>
-          </p:cNvCxnSpPr>
+          <p:cNvPr id="152" name="直接箭头连接符 151"/>
+          <p:cNvCxnSpPr/>
           <p:nvPr/>
         </p:nvCxnSpPr>
         <p:spPr>
@@ -11962,15 +11968,8 @@
       </p:cxnSp>
       <p:cxnSp>
         <p:nvCxnSpPr>
-          <p:cNvPr id="253" name="直接箭头连接符 252">
-            <a:extLst>
-              <a:ext uri="{FF2B5EF4-FFF2-40B4-BE49-F238E27FC236}">
-                <a16:creationId xmlns:a16="http://schemas.microsoft.com/office/drawing/2014/main" id="{21C8C94F-0026-440F-A825-3651DA55DAC5}"/>
-              </a:ext>
-            </a:extLst>
-          </p:cNvPr>
+          <p:cNvPr id="253" name="直接箭头连接符 252"/>
           <p:cNvCxnSpPr>
-            <a:cxnSpLocks/>
             <a:stCxn id="242" idx="3"/>
             <a:endCxn id="8" idx="1"/>
           </p:cNvCxnSpPr>
@@ -12005,13 +12004,7 @@
       </p:cxnSp>
       <p:sp>
         <p:nvSpPr>
-          <p:cNvPr id="258" name="文本框 257">
-            <a:extLst>
-              <a:ext uri="{FF2B5EF4-FFF2-40B4-BE49-F238E27FC236}">
-                <a16:creationId xmlns:a16="http://schemas.microsoft.com/office/drawing/2014/main" id="{F1831148-77C2-4E5E-9235-B94F97C7341D}"/>
-              </a:ext>
-            </a:extLst>
-          </p:cNvPr>
+          <p:cNvPr id="258" name="文本框 257"/>
           <p:cNvSpPr txBox="1"/>
           <p:nvPr/>
         </p:nvSpPr>
@@ -12039,21 +12032,17 @@
               </a:rPr>
               <a:t>结果使用</a:t>
             </a:r>
+            <a:endParaRPr lang="zh-CN" altLang="en-US" sz="1400" dirty="0">
+              <a:latin typeface="宋体" panose="02010600030101010101" pitchFamily="2" charset="-122"/>
+              <a:ea typeface="宋体" panose="02010600030101010101" pitchFamily="2" charset="-122"/>
+            </a:endParaRPr>
           </a:p>
         </p:txBody>
       </p:sp>
       <p:cxnSp>
         <p:nvCxnSpPr>
-          <p:cNvPr id="260" name="直接箭头连接符 259">
-            <a:extLst>
-              <a:ext uri="{FF2B5EF4-FFF2-40B4-BE49-F238E27FC236}">
-                <a16:creationId xmlns:a16="http://schemas.microsoft.com/office/drawing/2014/main" id="{28765904-A138-4006-92DC-9354C02A1B7F}"/>
-              </a:ext>
-            </a:extLst>
-          </p:cNvPr>
-          <p:cNvCxnSpPr>
-            <a:cxnSpLocks/>
-          </p:cNvCxnSpPr>
+          <p:cNvPr id="260" name="直接箭头连接符 259"/>
+          <p:cNvCxnSpPr/>
           <p:nvPr/>
         </p:nvCxnSpPr>
         <p:spPr>
@@ -12085,13 +12074,7 @@
       </p:cxnSp>
       <p:sp>
         <p:nvSpPr>
-          <p:cNvPr id="261" name="文本框 260">
-            <a:extLst>
-              <a:ext uri="{FF2B5EF4-FFF2-40B4-BE49-F238E27FC236}">
-                <a16:creationId xmlns:a16="http://schemas.microsoft.com/office/drawing/2014/main" id="{E9AE6402-E09B-40A9-9D63-73D85F836493}"/>
-              </a:ext>
-            </a:extLst>
-          </p:cNvPr>
+          <p:cNvPr id="261" name="文本框 260"/>
           <p:cNvSpPr txBox="1"/>
           <p:nvPr/>
         </p:nvSpPr>
@@ -12119,15 +12102,1423 @@
               </a:rPr>
               <a:t>模型预测</a:t>
             </a:r>
+            <a:endParaRPr lang="zh-CN" altLang="en-US" sz="1400" dirty="0">
+              <a:latin typeface="宋体" panose="02010600030101010101" pitchFamily="2" charset="-122"/>
+              <a:ea typeface="宋体" panose="02010600030101010101" pitchFamily="2" charset="-122"/>
+            </a:endParaRPr>
           </a:p>
         </p:txBody>
       </p:sp>
     </p:spTree>
-    <p:extLst>
-      <p:ext uri="{BB962C8B-B14F-4D97-AF65-F5344CB8AC3E}">
-        <p14:creationId xmlns:p14="http://schemas.microsoft.com/office/powerpoint/2010/main" val="549507403"/>
-      </p:ext>
-    </p:extLst>
+  </p:cSld>
+  <p:clrMapOvr>
+    <a:masterClrMapping/>
+  </p:clrMapOvr>
+</p:sld>
+</file>
+
+<file path=ppt/slides/slide3.xml><?xml version="1.0" encoding="utf-8"?>
+<p:sld xmlns:a="http://schemas.openxmlformats.org/drawingml/2006/main" xmlns:r="http://schemas.openxmlformats.org/officeDocument/2006/relationships" xmlns:p="http://schemas.openxmlformats.org/presentationml/2006/main">
+  <p:cSld>
+    <p:spTree>
+      <p:nvGrpSpPr>
+        <p:cNvPr id="1" name=""/>
+        <p:cNvGrpSpPr/>
+        <p:nvPr/>
+      </p:nvGrpSpPr>
+      <p:grpSpPr>
+        <a:xfrm>
+          <a:off x="0" y="0"/>
+          <a:ext cx="0" cy="0"/>
+          <a:chOff x="0" y="0"/>
+          <a:chExt cx="0" cy="0"/>
+        </a:xfrm>
+      </p:grpSpPr>
+      <p:sp>
+        <p:nvSpPr>
+          <p:cNvPr id="13" name="文本框 12"/>
+          <p:cNvSpPr txBox="1"/>
+          <p:nvPr/>
+        </p:nvSpPr>
+        <p:spPr>
+          <a:xfrm>
+            <a:off x="4779297" y="2353464"/>
+            <a:ext cx="1795145" cy="306705"/>
+          </a:xfrm>
+          <a:prstGeom prst="rect">
+            <a:avLst/>
+          </a:prstGeom>
+          <a:noFill/>
+        </p:spPr>
+        <p:txBody>
+          <a:bodyPr wrap="square" rtlCol="0">
+            <a:spAutoFit/>
+          </a:bodyPr>
+          <a:lstStyle/>
+          <a:p>
+            <a:pPr algn="ctr"/>
+            <a:r>
+              <a:rPr lang="zh-CN" altLang="en-US" sz="1400" dirty="0">
+                <a:latin typeface="宋体" panose="02010600030101010101" pitchFamily="2" charset="-122"/>
+                <a:ea typeface="宋体" panose="02010600030101010101" pitchFamily="2" charset="-122"/>
+              </a:rPr>
+              <a:t>深度学习模型</a:t>
+            </a:r>
+            <a:endParaRPr lang="zh-CN" altLang="en-US" sz="1400" dirty="0">
+              <a:latin typeface="宋体" panose="02010600030101010101" pitchFamily="2" charset="-122"/>
+              <a:ea typeface="宋体" panose="02010600030101010101" pitchFamily="2" charset="-122"/>
+            </a:endParaRPr>
+          </a:p>
+        </p:txBody>
+      </p:sp>
+      <p:pic>
+        <p:nvPicPr>
+          <p:cNvPr id="242" name="图片 241"/>
+          <p:cNvPicPr>
+            <a:picLocks noChangeAspect="1"/>
+          </p:cNvPicPr>
+          <p:nvPr/>
+        </p:nvPicPr>
+        <p:blipFill>
+          <a:blip r:embed="rId1"/>
+          <a:stretch>
+            <a:fillRect/>
+          </a:stretch>
+        </p:blipFill>
+        <p:spPr>
+          <a:xfrm>
+            <a:off x="6879125" y="2806463"/>
+            <a:ext cx="501015" cy="501650"/>
+          </a:xfrm>
+          <a:prstGeom prst="rect">
+            <a:avLst/>
+          </a:prstGeom>
+        </p:spPr>
+      </p:pic>
+      <p:sp>
+        <p:nvSpPr>
+          <p:cNvPr id="245" name="文本框 244"/>
+          <p:cNvSpPr txBox="1"/>
+          <p:nvPr/>
+        </p:nvSpPr>
+        <p:spPr>
+          <a:xfrm>
+            <a:off x="3656375" y="2383684"/>
+            <a:ext cx="1162008" cy="307777"/>
+          </a:xfrm>
+          <a:prstGeom prst="rect">
+            <a:avLst/>
+          </a:prstGeom>
+          <a:noFill/>
+        </p:spPr>
+        <p:txBody>
+          <a:bodyPr wrap="square" rtlCol="0">
+            <a:spAutoFit/>
+          </a:bodyPr>
+          <a:lstStyle/>
+          <a:p>
+            <a:pPr algn="ctr"/>
+            <a:r>
+              <a:rPr lang="zh-CN" altLang="en-US" sz="1400" dirty="0">
+                <a:latin typeface="宋体" panose="02010600030101010101" pitchFamily="2" charset="-122"/>
+                <a:ea typeface="宋体" panose="02010600030101010101" pitchFamily="2" charset="-122"/>
+              </a:rPr>
+              <a:t>测试集</a:t>
+            </a:r>
+            <a:endParaRPr lang="zh-CN" altLang="en-US" sz="1400" dirty="0">
+              <a:latin typeface="宋体" panose="02010600030101010101" pitchFamily="2" charset="-122"/>
+              <a:ea typeface="宋体" panose="02010600030101010101" pitchFamily="2" charset="-122"/>
+            </a:endParaRPr>
+          </a:p>
+        </p:txBody>
+      </p:sp>
+      <p:pic>
+        <p:nvPicPr>
+          <p:cNvPr id="247" name="图片 246"/>
+          <p:cNvPicPr>
+            <a:picLocks noChangeAspect="1"/>
+          </p:cNvPicPr>
+          <p:nvPr/>
+        </p:nvPicPr>
+        <p:blipFill>
+          <a:blip r:embed="rId2"/>
+          <a:stretch>
+            <a:fillRect/>
+          </a:stretch>
+        </p:blipFill>
+        <p:spPr>
+          <a:xfrm>
+            <a:off x="2489825" y="2735140"/>
+            <a:ext cx="710002" cy="633864"/>
+          </a:xfrm>
+          <a:prstGeom prst="rect">
+            <a:avLst/>
+          </a:prstGeom>
+        </p:spPr>
+      </p:pic>
+      <p:sp>
+        <p:nvSpPr>
+          <p:cNvPr id="248" name="文本框 247"/>
+          <p:cNvSpPr txBox="1"/>
+          <p:nvPr/>
+        </p:nvSpPr>
+        <p:spPr>
+          <a:xfrm>
+            <a:off x="1947094" y="2383722"/>
+            <a:ext cx="1795145" cy="306705"/>
+          </a:xfrm>
+          <a:prstGeom prst="rect">
+            <a:avLst/>
+          </a:prstGeom>
+          <a:noFill/>
+        </p:spPr>
+        <p:txBody>
+          <a:bodyPr wrap="square" rtlCol="0">
+            <a:spAutoFit/>
+          </a:bodyPr>
+          <a:lstStyle/>
+          <a:p>
+            <a:pPr algn="ctr"/>
+            <a:r>
+              <a:rPr lang="zh-CN" altLang="en-US" sz="1400" dirty="0">
+                <a:latin typeface="宋体" panose="02010600030101010101" pitchFamily="2" charset="-122"/>
+                <a:ea typeface="宋体" panose="02010600030101010101" pitchFamily="2" charset="-122"/>
+              </a:rPr>
+              <a:t>测试指标</a:t>
+            </a:r>
+            <a:endParaRPr lang="zh-CN" altLang="en-US" sz="1400" dirty="0">
+              <a:latin typeface="宋体" panose="02010600030101010101" pitchFamily="2" charset="-122"/>
+              <a:ea typeface="宋体" panose="02010600030101010101" pitchFamily="2" charset="-122"/>
+            </a:endParaRPr>
+          </a:p>
+        </p:txBody>
+      </p:sp>
+      <p:sp>
+        <p:nvSpPr>
+          <p:cNvPr id="213" name="文本框 212"/>
+          <p:cNvSpPr txBox="1"/>
+          <p:nvPr/>
+        </p:nvSpPr>
+        <p:spPr>
+          <a:xfrm>
+            <a:off x="6483406" y="2348963"/>
+            <a:ext cx="1304796" cy="307777"/>
+          </a:xfrm>
+          <a:prstGeom prst="rect">
+            <a:avLst/>
+          </a:prstGeom>
+          <a:noFill/>
+        </p:spPr>
+        <p:txBody>
+          <a:bodyPr wrap="square" rtlCol="0">
+            <a:spAutoFit/>
+          </a:bodyPr>
+          <a:lstStyle/>
+          <a:p>
+            <a:pPr algn="ctr"/>
+            <a:r>
+              <a:rPr lang="zh-CN" altLang="en-US" sz="1400" dirty="0">
+                <a:latin typeface="宋体" panose="02010600030101010101" pitchFamily="2" charset="-122"/>
+                <a:ea typeface="宋体" panose="02010600030101010101" pitchFamily="2" charset="-122"/>
+              </a:rPr>
+              <a:t>成功</a:t>
+            </a:r>
+            <a:r>
+              <a:rPr lang="en-US" altLang="zh-CN" sz="1400" dirty="0">
+                <a:latin typeface="宋体" panose="02010600030101010101" pitchFamily="2" charset="-122"/>
+                <a:ea typeface="宋体" panose="02010600030101010101" pitchFamily="2" charset="-122"/>
+              </a:rPr>
+              <a:t>/</a:t>
+            </a:r>
+            <a:r>
+              <a:rPr lang="zh-CN" altLang="en-US" sz="1400" dirty="0">
+                <a:latin typeface="宋体" panose="02010600030101010101" pitchFamily="2" charset="-122"/>
+                <a:ea typeface="宋体" panose="02010600030101010101" pitchFamily="2" charset="-122"/>
+              </a:rPr>
+              <a:t>失效</a:t>
+            </a:r>
+            <a:endParaRPr lang="zh-CN" altLang="en-US" sz="1400" dirty="0">
+              <a:latin typeface="宋体" panose="02010600030101010101" pitchFamily="2" charset="-122"/>
+              <a:ea typeface="宋体" panose="02010600030101010101" pitchFamily="2" charset="-122"/>
+            </a:endParaRPr>
+          </a:p>
+        </p:txBody>
+      </p:sp>
+      <p:pic>
+        <p:nvPicPr>
+          <p:cNvPr id="8" name="图片 7"/>
+          <p:cNvPicPr>
+            <a:picLocks noChangeAspect="1"/>
+          </p:cNvPicPr>
+          <p:nvPr/>
+        </p:nvPicPr>
+        <p:blipFill>
+          <a:blip r:embed="rId3"/>
+          <a:stretch>
+            <a:fillRect/>
+          </a:stretch>
+        </p:blipFill>
+        <p:spPr>
+          <a:xfrm>
+            <a:off x="8130017" y="2794059"/>
+            <a:ext cx="531100" cy="535129"/>
+          </a:xfrm>
+          <a:prstGeom prst="rect">
+            <a:avLst/>
+          </a:prstGeom>
+        </p:spPr>
+      </p:pic>
+      <p:sp>
+        <p:nvSpPr>
+          <p:cNvPr id="221" name="文本框 220"/>
+          <p:cNvSpPr txBox="1"/>
+          <p:nvPr/>
+        </p:nvSpPr>
+        <p:spPr>
+          <a:xfrm>
+            <a:off x="8661642" y="2493192"/>
+            <a:ext cx="2102021" cy="1107996"/>
+          </a:xfrm>
+          <a:prstGeom prst="rect">
+            <a:avLst/>
+          </a:prstGeom>
+          <a:noFill/>
+        </p:spPr>
+        <p:txBody>
+          <a:bodyPr wrap="square" rtlCol="0">
+            <a:spAutoFit/>
+          </a:bodyPr>
+          <a:lstStyle/>
+          <a:p>
+            <a:pPr algn="just">
+              <a:spcBef>
+                <a:spcPts val="600"/>
+              </a:spcBef>
+              <a:spcAft>
+                <a:spcPts val="600"/>
+              </a:spcAft>
+            </a:pPr>
+            <a:r>
+              <a:rPr lang="zh-CN" altLang="en-US" sz="1400" dirty="0">
+                <a:latin typeface="宋体" panose="02010600030101010101" pitchFamily="2" charset="-122"/>
+                <a:ea typeface="宋体" panose="02010600030101010101" pitchFamily="2" charset="-122"/>
+              </a:rPr>
+              <a:t>为什么这个输入数据导致模型预测错误？</a:t>
+            </a:r>
+            <a:endParaRPr lang="en-US" altLang="zh-CN" sz="1400" dirty="0">
+              <a:latin typeface="宋体" panose="02010600030101010101" pitchFamily="2" charset="-122"/>
+              <a:ea typeface="宋体" panose="02010600030101010101" pitchFamily="2" charset="-122"/>
+            </a:endParaRPr>
+          </a:p>
+          <a:p>
+            <a:pPr algn="just">
+              <a:spcBef>
+                <a:spcPts val="600"/>
+              </a:spcBef>
+              <a:spcAft>
+                <a:spcPts val="600"/>
+              </a:spcAft>
+            </a:pPr>
+            <a:r>
+              <a:rPr lang="zh-CN" altLang="en-US" sz="1400" dirty="0">
+                <a:latin typeface="宋体" panose="02010600030101010101" pitchFamily="2" charset="-122"/>
+                <a:ea typeface="宋体" panose="02010600030101010101" pitchFamily="2" charset="-122"/>
+              </a:rPr>
+              <a:t>为什么这个测试集能够准确度量模型的质量？</a:t>
+            </a:r>
+            <a:endParaRPr lang="zh-CN" altLang="en-US" sz="1400" dirty="0">
+              <a:latin typeface="宋体" panose="02010600030101010101" pitchFamily="2" charset="-122"/>
+              <a:ea typeface="宋体" panose="02010600030101010101" pitchFamily="2" charset="-122"/>
+            </a:endParaRPr>
+          </a:p>
+        </p:txBody>
+      </p:sp>
+      <p:pic>
+        <p:nvPicPr>
+          <p:cNvPr id="140" name="图片 139"/>
+          <p:cNvPicPr>
+            <a:picLocks noChangeAspect="1"/>
+          </p:cNvPicPr>
+          <p:nvPr/>
+        </p:nvPicPr>
+        <p:blipFill>
+          <a:blip r:embed="rId4"/>
+          <a:stretch>
+            <a:fillRect/>
+          </a:stretch>
+        </p:blipFill>
+        <p:spPr>
+          <a:xfrm>
+            <a:off x="5275180" y="2691676"/>
+            <a:ext cx="803380" cy="736232"/>
+          </a:xfrm>
+          <a:prstGeom prst="rect">
+            <a:avLst/>
+          </a:prstGeom>
+        </p:spPr>
+      </p:pic>
+      <p:pic>
+        <p:nvPicPr>
+          <p:cNvPr id="225" name="图形 224" descr="343435333332343b333635393039313bcafdbedd"/>
+          <p:cNvPicPr>
+            <a:picLocks noChangeAspect="1"/>
+          </p:cNvPicPr>
+          <p:nvPr/>
+        </p:nvPicPr>
+        <p:blipFill>
+          <a:blip r:embed="rId5">
+            <a:extLst>
+              <a:ext uri="{96DAC541-7B7A-43D3-8B79-37D633B846F1}">
+                <asvg:svgBlip xmlns:asvg="http://schemas.microsoft.com/office/drawing/2016/SVG/main" r:embed="rId6"/>
+              </a:ext>
+            </a:extLst>
+          </a:blip>
+          <a:stretch>
+            <a:fillRect/>
+          </a:stretch>
+        </p:blipFill>
+        <p:spPr>
+          <a:xfrm>
+            <a:off x="3930433" y="2754928"/>
+            <a:ext cx="613893" cy="613893"/>
+          </a:xfrm>
+          <a:prstGeom prst="rect">
+            <a:avLst/>
+          </a:prstGeom>
+        </p:spPr>
+      </p:pic>
+      <p:cxnSp>
+        <p:nvCxnSpPr>
+          <p:cNvPr id="253" name="直接箭头连接符 252"/>
+          <p:cNvCxnSpPr>
+            <a:stCxn id="242" idx="3"/>
+            <a:endCxn id="8" idx="1"/>
+          </p:cNvCxnSpPr>
+          <p:nvPr/>
+        </p:nvCxnSpPr>
+        <p:spPr>
+          <a:xfrm>
+            <a:off x="7380140" y="3045026"/>
+            <a:ext cx="749877" cy="4336"/>
+          </a:xfrm>
+          <a:prstGeom prst="straightConnector1">
+            <a:avLst/>
+          </a:prstGeom>
+          <a:ln>
+            <a:tailEnd type="triangle"/>
+          </a:ln>
+        </p:spPr>
+        <p:style>
+          <a:lnRef idx="1">
+            <a:schemeClr val="dk1"/>
+          </a:lnRef>
+          <a:fillRef idx="0">
+            <a:schemeClr val="dk1"/>
+          </a:fillRef>
+          <a:effectRef idx="0">
+            <a:schemeClr val="dk1"/>
+          </a:effectRef>
+          <a:fontRef idx="minor">
+            <a:schemeClr val="tx1"/>
+          </a:fontRef>
+        </p:style>
+      </p:cxnSp>
+      <p:sp>
+        <p:nvSpPr>
+          <p:cNvPr id="258" name="文本框 257"/>
+          <p:cNvSpPr txBox="1"/>
+          <p:nvPr/>
+        </p:nvSpPr>
+        <p:spPr>
+          <a:xfrm>
+            <a:off x="7105629" y="2729637"/>
+            <a:ext cx="1304796" cy="307777"/>
+          </a:xfrm>
+          <a:prstGeom prst="rect">
+            <a:avLst/>
+          </a:prstGeom>
+          <a:noFill/>
+        </p:spPr>
+        <p:txBody>
+          <a:bodyPr wrap="square" rtlCol="0">
+            <a:spAutoFit/>
+          </a:bodyPr>
+          <a:lstStyle/>
+          <a:p>
+            <a:pPr algn="ctr"/>
+            <a:r>
+              <a:rPr lang="zh-CN" altLang="en-US" sz="1400" dirty="0">
+                <a:latin typeface="宋体" panose="02010600030101010101" pitchFamily="2" charset="-122"/>
+                <a:ea typeface="宋体" panose="02010600030101010101" pitchFamily="2" charset="-122"/>
+              </a:rPr>
+              <a:t>结果使用</a:t>
+            </a:r>
+            <a:endParaRPr lang="zh-CN" altLang="en-US" sz="1400" dirty="0">
+              <a:latin typeface="宋体" panose="02010600030101010101" pitchFamily="2" charset="-122"/>
+              <a:ea typeface="宋体" panose="02010600030101010101" pitchFamily="2" charset="-122"/>
+            </a:endParaRPr>
+          </a:p>
+        </p:txBody>
+      </p:sp>
+      <p:cxnSp>
+        <p:nvCxnSpPr>
+          <p:cNvPr id="260" name="直接箭头连接符 259"/>
+          <p:cNvCxnSpPr/>
+          <p:nvPr/>
+        </p:nvCxnSpPr>
+        <p:spPr>
+          <a:xfrm>
+            <a:off x="6147227" y="3047762"/>
+            <a:ext cx="713833" cy="1600"/>
+          </a:xfrm>
+          <a:prstGeom prst="straightConnector1">
+            <a:avLst/>
+          </a:prstGeom>
+          <a:ln>
+            <a:tailEnd type="triangle"/>
+          </a:ln>
+        </p:spPr>
+        <p:style>
+          <a:lnRef idx="1">
+            <a:schemeClr val="dk1"/>
+          </a:lnRef>
+          <a:fillRef idx="0">
+            <a:schemeClr val="dk1"/>
+          </a:fillRef>
+          <a:effectRef idx="0">
+            <a:schemeClr val="dk1"/>
+          </a:effectRef>
+          <a:fontRef idx="minor">
+            <a:schemeClr val="tx1"/>
+          </a:fontRef>
+        </p:style>
+      </p:cxnSp>
+      <p:sp>
+        <p:nvSpPr>
+          <p:cNvPr id="261" name="文本框 260"/>
+          <p:cNvSpPr txBox="1"/>
+          <p:nvPr/>
+        </p:nvSpPr>
+        <p:spPr>
+          <a:xfrm>
+            <a:off x="5839425" y="2729253"/>
+            <a:ext cx="1304796" cy="306705"/>
+          </a:xfrm>
+          <a:prstGeom prst="rect">
+            <a:avLst/>
+          </a:prstGeom>
+          <a:noFill/>
+        </p:spPr>
+        <p:txBody>
+          <a:bodyPr wrap="square" rtlCol="0">
+            <a:spAutoFit/>
+          </a:bodyPr>
+          <a:lstStyle/>
+          <a:p>
+            <a:pPr algn="ctr"/>
+            <a:r>
+              <a:rPr lang="zh-CN" altLang="en-US" sz="1400" dirty="0">
+                <a:latin typeface="宋体" panose="02010600030101010101" pitchFamily="2" charset="-122"/>
+                <a:ea typeface="宋体" panose="02010600030101010101" pitchFamily="2" charset="-122"/>
+              </a:rPr>
+              <a:t>预测</a:t>
+            </a:r>
+            <a:endParaRPr lang="zh-CN" altLang="en-US" sz="1400" dirty="0">
+              <a:latin typeface="宋体" panose="02010600030101010101" pitchFamily="2" charset="-122"/>
+              <a:ea typeface="宋体" panose="02010600030101010101" pitchFamily="2" charset="-122"/>
+            </a:endParaRPr>
+          </a:p>
+        </p:txBody>
+      </p:sp>
+      <p:cxnSp>
+        <p:nvCxnSpPr>
+          <p:cNvPr id="2" name="直接箭头连接符 1"/>
+          <p:cNvCxnSpPr/>
+          <p:nvPr/>
+        </p:nvCxnSpPr>
+        <p:spPr>
+          <a:xfrm>
+            <a:off x="4560997" y="3047762"/>
+            <a:ext cx="713833" cy="1600"/>
+          </a:xfrm>
+          <a:prstGeom prst="straightConnector1">
+            <a:avLst/>
+          </a:prstGeom>
+          <a:ln>
+            <a:tailEnd type="triangle"/>
+          </a:ln>
+        </p:spPr>
+        <p:style>
+          <a:lnRef idx="1">
+            <a:schemeClr val="dk1"/>
+          </a:lnRef>
+          <a:fillRef idx="0">
+            <a:schemeClr val="dk1"/>
+          </a:fillRef>
+          <a:effectRef idx="0">
+            <a:schemeClr val="dk1"/>
+          </a:effectRef>
+          <a:fontRef idx="minor">
+            <a:schemeClr val="tx1"/>
+          </a:fontRef>
+        </p:style>
+      </p:cxnSp>
+      <p:sp>
+        <p:nvSpPr>
+          <p:cNvPr id="3" name="文本框 2"/>
+          <p:cNvSpPr txBox="1"/>
+          <p:nvPr/>
+        </p:nvSpPr>
+        <p:spPr>
+          <a:xfrm>
+            <a:off x="4236050" y="2727348"/>
+            <a:ext cx="1304796" cy="306705"/>
+          </a:xfrm>
+          <a:prstGeom prst="rect">
+            <a:avLst/>
+          </a:prstGeom>
+          <a:noFill/>
+        </p:spPr>
+        <p:txBody>
+          <a:bodyPr wrap="square" rtlCol="0">
+            <a:spAutoFit/>
+          </a:bodyPr>
+          <a:p>
+            <a:pPr algn="ctr"/>
+            <a:r>
+              <a:rPr lang="zh-CN" altLang="en-US" sz="1400" dirty="0">
+                <a:latin typeface="宋体" panose="02010600030101010101" pitchFamily="2" charset="-122"/>
+                <a:ea typeface="宋体" panose="02010600030101010101" pitchFamily="2" charset="-122"/>
+              </a:rPr>
+              <a:t>输入</a:t>
+            </a:r>
+            <a:endParaRPr lang="zh-CN" altLang="en-US" sz="1400" dirty="0">
+              <a:latin typeface="宋体" panose="02010600030101010101" pitchFamily="2" charset="-122"/>
+              <a:ea typeface="宋体" panose="02010600030101010101" pitchFamily="2" charset="-122"/>
+            </a:endParaRPr>
+          </a:p>
+        </p:txBody>
+      </p:sp>
+      <p:cxnSp>
+        <p:nvCxnSpPr>
+          <p:cNvPr id="6" name="直接箭头连接符 5"/>
+          <p:cNvCxnSpPr/>
+          <p:nvPr/>
+        </p:nvCxnSpPr>
+        <p:spPr>
+          <a:xfrm>
+            <a:off x="3205272" y="3047762"/>
+            <a:ext cx="713833" cy="1600"/>
+          </a:xfrm>
+          <a:prstGeom prst="straightConnector1">
+            <a:avLst/>
+          </a:prstGeom>
+          <a:ln>
+            <a:tailEnd type="triangle"/>
+          </a:ln>
+        </p:spPr>
+        <p:style>
+          <a:lnRef idx="1">
+            <a:schemeClr val="dk1"/>
+          </a:lnRef>
+          <a:fillRef idx="0">
+            <a:schemeClr val="dk1"/>
+          </a:fillRef>
+          <a:effectRef idx="0">
+            <a:schemeClr val="dk1"/>
+          </a:effectRef>
+          <a:fontRef idx="minor">
+            <a:schemeClr val="tx1"/>
+          </a:fontRef>
+        </p:style>
+      </p:cxnSp>
+      <p:sp>
+        <p:nvSpPr>
+          <p:cNvPr id="7" name="文本框 6"/>
+          <p:cNvSpPr txBox="1"/>
+          <p:nvPr/>
+        </p:nvSpPr>
+        <p:spPr>
+          <a:xfrm>
+            <a:off x="2918425" y="2730523"/>
+            <a:ext cx="1304796" cy="306705"/>
+          </a:xfrm>
+          <a:prstGeom prst="rect">
+            <a:avLst/>
+          </a:prstGeom>
+          <a:noFill/>
+        </p:spPr>
+        <p:txBody>
+          <a:bodyPr wrap="square" rtlCol="0">
+            <a:spAutoFit/>
+          </a:bodyPr>
+          <a:p>
+            <a:pPr algn="ctr"/>
+            <a:r>
+              <a:rPr lang="zh-CN" altLang="en-US" sz="1400" dirty="0">
+                <a:latin typeface="宋体" panose="02010600030101010101" pitchFamily="2" charset="-122"/>
+                <a:ea typeface="宋体" panose="02010600030101010101" pitchFamily="2" charset="-122"/>
+              </a:rPr>
+              <a:t>生成</a:t>
+            </a:r>
+            <a:endParaRPr lang="zh-CN" altLang="en-US" sz="1400" dirty="0">
+              <a:latin typeface="宋体" panose="02010600030101010101" pitchFamily="2" charset="-122"/>
+              <a:ea typeface="宋体" panose="02010600030101010101" pitchFamily="2" charset="-122"/>
+            </a:endParaRPr>
+          </a:p>
+        </p:txBody>
+      </p:sp>
+    </p:spTree>
+  </p:cSld>
+  <p:clrMapOvr>
+    <a:masterClrMapping/>
+  </p:clrMapOvr>
+</p:sld>
+</file>
+
+<file path=ppt/slides/slide4.xml><?xml version="1.0" encoding="utf-8"?>
+<p:sld xmlns:a="http://schemas.openxmlformats.org/drawingml/2006/main" xmlns:r="http://schemas.openxmlformats.org/officeDocument/2006/relationships" xmlns:p="http://schemas.openxmlformats.org/presentationml/2006/main">
+  <p:cSld>
+    <p:spTree>
+      <p:nvGrpSpPr>
+        <p:cNvPr id="1" name=""/>
+        <p:cNvGrpSpPr/>
+        <p:nvPr/>
+      </p:nvGrpSpPr>
+      <p:grpSpPr>
+        <a:xfrm>
+          <a:off x="0" y="0"/>
+          <a:ext cx="0" cy="0"/>
+          <a:chOff x="0" y="0"/>
+          <a:chExt cx="0" cy="0"/>
+        </a:xfrm>
+      </p:grpSpPr>
+      <p:sp>
+        <p:nvSpPr>
+          <p:cNvPr id="4" name="矩形 3"/>
+          <p:cNvSpPr/>
+          <p:nvPr/>
+        </p:nvSpPr>
+        <p:spPr>
+          <a:xfrm>
+            <a:off x="2435860" y="2348865"/>
+            <a:ext cx="5321300" cy="1117600"/>
+          </a:xfrm>
+          <a:prstGeom prst="rect">
+            <a:avLst/>
+          </a:prstGeom>
+          <a:noFill/>
+          <a:ln>
+            <a:solidFill>
+              <a:schemeClr val="bg1">
+                <a:lumMod val="85000"/>
+              </a:schemeClr>
+            </a:solidFill>
+            <a:prstDash val="dash"/>
+          </a:ln>
+          <a:extLst>
+            <a:ext uri="{909E8E84-426E-40DD-AFC4-6F175D3DCCD1}">
+              <a14:hiddenFill xmlns:a14="http://schemas.microsoft.com/office/drawing/2010/main">
+                <a:solidFill>
+                  <a:schemeClr val="accent1"/>
+                </a:solidFill>
+              </a14:hiddenFill>
+            </a:ext>
+          </a:extLst>
+        </p:spPr>
+        <p:style>
+          <a:lnRef idx="2">
+            <a:schemeClr val="accent1">
+              <a:shade val="50000"/>
+            </a:schemeClr>
+          </a:lnRef>
+          <a:fillRef idx="1">
+            <a:schemeClr val="accent1"/>
+          </a:fillRef>
+          <a:effectRef idx="0">
+            <a:schemeClr val="accent1"/>
+          </a:effectRef>
+          <a:fontRef idx="minor">
+            <a:schemeClr val="lt1"/>
+          </a:fontRef>
+        </p:style>
+        <p:txBody>
+          <a:bodyPr rtlCol="0" anchor="ctr"/>
+          <a:p>
+            <a:pPr algn="ctr"/>
+            <a:endParaRPr lang="zh-CN" altLang="en-US"/>
+          </a:p>
+        </p:txBody>
+      </p:sp>
+      <p:sp>
+        <p:nvSpPr>
+          <p:cNvPr id="13" name="文本框 12"/>
+          <p:cNvSpPr txBox="1"/>
+          <p:nvPr/>
+        </p:nvSpPr>
+        <p:spPr>
+          <a:xfrm>
+            <a:off x="4779297" y="2353464"/>
+            <a:ext cx="1795145" cy="306705"/>
+          </a:xfrm>
+          <a:prstGeom prst="rect">
+            <a:avLst/>
+          </a:prstGeom>
+          <a:noFill/>
+        </p:spPr>
+        <p:txBody>
+          <a:bodyPr wrap="square" rtlCol="0">
+            <a:spAutoFit/>
+          </a:bodyPr>
+          <a:lstStyle/>
+          <a:p>
+            <a:pPr algn="ctr"/>
+            <a:r>
+              <a:rPr lang="zh-CN" altLang="en-US" sz="1400" dirty="0">
+                <a:latin typeface="宋体" panose="02010600030101010101" pitchFamily="2" charset="-122"/>
+                <a:ea typeface="宋体" panose="02010600030101010101" pitchFamily="2" charset="-122"/>
+              </a:rPr>
+              <a:t>深度学习模型</a:t>
+            </a:r>
+            <a:endParaRPr lang="zh-CN" altLang="en-US" sz="1400" dirty="0">
+              <a:latin typeface="宋体" panose="02010600030101010101" pitchFamily="2" charset="-122"/>
+              <a:ea typeface="宋体" panose="02010600030101010101" pitchFamily="2" charset="-122"/>
+            </a:endParaRPr>
+          </a:p>
+        </p:txBody>
+      </p:sp>
+      <p:pic>
+        <p:nvPicPr>
+          <p:cNvPr id="242" name="图片 241"/>
+          <p:cNvPicPr>
+            <a:picLocks noChangeAspect="1"/>
+          </p:cNvPicPr>
+          <p:nvPr/>
+        </p:nvPicPr>
+        <p:blipFill>
+          <a:blip r:embed="rId1"/>
+          <a:stretch>
+            <a:fillRect/>
+          </a:stretch>
+        </p:blipFill>
+        <p:spPr>
+          <a:xfrm>
+            <a:off x="6879125" y="2806463"/>
+            <a:ext cx="501015" cy="501650"/>
+          </a:xfrm>
+          <a:prstGeom prst="rect">
+            <a:avLst/>
+          </a:prstGeom>
+        </p:spPr>
+      </p:pic>
+      <p:sp>
+        <p:nvSpPr>
+          <p:cNvPr id="245" name="文本框 244"/>
+          <p:cNvSpPr txBox="1"/>
+          <p:nvPr/>
+        </p:nvSpPr>
+        <p:spPr>
+          <a:xfrm>
+            <a:off x="3656375" y="2383684"/>
+            <a:ext cx="1162008" cy="307777"/>
+          </a:xfrm>
+          <a:prstGeom prst="rect">
+            <a:avLst/>
+          </a:prstGeom>
+          <a:noFill/>
+        </p:spPr>
+        <p:txBody>
+          <a:bodyPr wrap="square" rtlCol="0">
+            <a:spAutoFit/>
+          </a:bodyPr>
+          <a:lstStyle/>
+          <a:p>
+            <a:pPr algn="ctr"/>
+            <a:r>
+              <a:rPr lang="zh-CN" altLang="en-US" sz="1400" dirty="0">
+                <a:latin typeface="宋体" panose="02010600030101010101" pitchFamily="2" charset="-122"/>
+                <a:ea typeface="宋体" panose="02010600030101010101" pitchFamily="2" charset="-122"/>
+              </a:rPr>
+              <a:t>测试集</a:t>
+            </a:r>
+            <a:endParaRPr lang="zh-CN" altLang="en-US" sz="1400" dirty="0">
+              <a:latin typeface="宋体" panose="02010600030101010101" pitchFamily="2" charset="-122"/>
+              <a:ea typeface="宋体" panose="02010600030101010101" pitchFamily="2" charset="-122"/>
+            </a:endParaRPr>
+          </a:p>
+        </p:txBody>
+      </p:sp>
+      <p:pic>
+        <p:nvPicPr>
+          <p:cNvPr id="247" name="图片 246"/>
+          <p:cNvPicPr>
+            <a:picLocks noChangeAspect="1"/>
+          </p:cNvPicPr>
+          <p:nvPr/>
+        </p:nvPicPr>
+        <p:blipFill>
+          <a:blip r:embed="rId2"/>
+          <a:stretch>
+            <a:fillRect/>
+          </a:stretch>
+        </p:blipFill>
+        <p:spPr>
+          <a:xfrm>
+            <a:off x="2489825" y="2735140"/>
+            <a:ext cx="710002" cy="633864"/>
+          </a:xfrm>
+          <a:prstGeom prst="rect">
+            <a:avLst/>
+          </a:prstGeom>
+        </p:spPr>
+      </p:pic>
+      <p:sp>
+        <p:nvSpPr>
+          <p:cNvPr id="248" name="文本框 247"/>
+          <p:cNvSpPr txBox="1"/>
+          <p:nvPr/>
+        </p:nvSpPr>
+        <p:spPr>
+          <a:xfrm>
+            <a:off x="1947094" y="2383722"/>
+            <a:ext cx="1795145" cy="306705"/>
+          </a:xfrm>
+          <a:prstGeom prst="rect">
+            <a:avLst/>
+          </a:prstGeom>
+          <a:noFill/>
+        </p:spPr>
+        <p:txBody>
+          <a:bodyPr wrap="square" rtlCol="0">
+            <a:spAutoFit/>
+          </a:bodyPr>
+          <a:lstStyle/>
+          <a:p>
+            <a:pPr algn="ctr"/>
+            <a:r>
+              <a:rPr lang="zh-CN" altLang="en-US" sz="1400" dirty="0">
+                <a:latin typeface="宋体" panose="02010600030101010101" pitchFamily="2" charset="-122"/>
+                <a:ea typeface="宋体" panose="02010600030101010101" pitchFamily="2" charset="-122"/>
+              </a:rPr>
+              <a:t>测试指标</a:t>
+            </a:r>
+            <a:endParaRPr lang="zh-CN" altLang="en-US" sz="1400" dirty="0">
+              <a:latin typeface="宋体" panose="02010600030101010101" pitchFamily="2" charset="-122"/>
+              <a:ea typeface="宋体" panose="02010600030101010101" pitchFamily="2" charset="-122"/>
+            </a:endParaRPr>
+          </a:p>
+        </p:txBody>
+      </p:sp>
+      <p:sp>
+        <p:nvSpPr>
+          <p:cNvPr id="213" name="文本框 212"/>
+          <p:cNvSpPr txBox="1"/>
+          <p:nvPr/>
+        </p:nvSpPr>
+        <p:spPr>
+          <a:xfrm>
+            <a:off x="6483406" y="2348963"/>
+            <a:ext cx="1304796" cy="307777"/>
+          </a:xfrm>
+          <a:prstGeom prst="rect">
+            <a:avLst/>
+          </a:prstGeom>
+          <a:noFill/>
+        </p:spPr>
+        <p:txBody>
+          <a:bodyPr wrap="square" rtlCol="0">
+            <a:spAutoFit/>
+          </a:bodyPr>
+          <a:lstStyle/>
+          <a:p>
+            <a:pPr algn="ctr"/>
+            <a:r>
+              <a:rPr lang="zh-CN" altLang="en-US" sz="1400" dirty="0">
+                <a:latin typeface="宋体" panose="02010600030101010101" pitchFamily="2" charset="-122"/>
+                <a:ea typeface="宋体" panose="02010600030101010101" pitchFamily="2" charset="-122"/>
+              </a:rPr>
+              <a:t>成功</a:t>
+            </a:r>
+            <a:r>
+              <a:rPr lang="en-US" altLang="zh-CN" sz="1400" dirty="0">
+                <a:latin typeface="宋体" panose="02010600030101010101" pitchFamily="2" charset="-122"/>
+                <a:ea typeface="宋体" panose="02010600030101010101" pitchFamily="2" charset="-122"/>
+              </a:rPr>
+              <a:t>/</a:t>
+            </a:r>
+            <a:r>
+              <a:rPr lang="zh-CN" altLang="en-US" sz="1400" dirty="0">
+                <a:latin typeface="宋体" panose="02010600030101010101" pitchFamily="2" charset="-122"/>
+                <a:ea typeface="宋体" panose="02010600030101010101" pitchFamily="2" charset="-122"/>
+              </a:rPr>
+              <a:t>失效</a:t>
+            </a:r>
+            <a:endParaRPr lang="zh-CN" altLang="en-US" sz="1400" dirty="0">
+              <a:latin typeface="宋体" panose="02010600030101010101" pitchFamily="2" charset="-122"/>
+              <a:ea typeface="宋体" panose="02010600030101010101" pitchFamily="2" charset="-122"/>
+            </a:endParaRPr>
+          </a:p>
+        </p:txBody>
+      </p:sp>
+      <p:pic>
+        <p:nvPicPr>
+          <p:cNvPr id="8" name="图片 7"/>
+          <p:cNvPicPr>
+            <a:picLocks noChangeAspect="1"/>
+          </p:cNvPicPr>
+          <p:nvPr/>
+        </p:nvPicPr>
+        <p:blipFill>
+          <a:blip r:embed="rId3"/>
+          <a:stretch>
+            <a:fillRect/>
+          </a:stretch>
+        </p:blipFill>
+        <p:spPr>
+          <a:xfrm>
+            <a:off x="8130017" y="2794059"/>
+            <a:ext cx="531100" cy="535129"/>
+          </a:xfrm>
+          <a:prstGeom prst="rect">
+            <a:avLst/>
+          </a:prstGeom>
+        </p:spPr>
+      </p:pic>
+      <p:pic>
+        <p:nvPicPr>
+          <p:cNvPr id="140" name="图片 139"/>
+          <p:cNvPicPr>
+            <a:picLocks noChangeAspect="1"/>
+          </p:cNvPicPr>
+          <p:nvPr/>
+        </p:nvPicPr>
+        <p:blipFill>
+          <a:blip r:embed="rId4"/>
+          <a:stretch>
+            <a:fillRect/>
+          </a:stretch>
+        </p:blipFill>
+        <p:spPr>
+          <a:xfrm>
+            <a:off x="5275180" y="2691676"/>
+            <a:ext cx="803380" cy="736232"/>
+          </a:xfrm>
+          <a:prstGeom prst="rect">
+            <a:avLst/>
+          </a:prstGeom>
+        </p:spPr>
+      </p:pic>
+      <p:pic>
+        <p:nvPicPr>
+          <p:cNvPr id="225" name="图形 224" descr="343435333332343b333635393039313bcafdbedd"/>
+          <p:cNvPicPr>
+            <a:picLocks noChangeAspect="1"/>
+          </p:cNvPicPr>
+          <p:nvPr/>
+        </p:nvPicPr>
+        <p:blipFill>
+          <a:blip r:embed="rId5">
+            <a:extLst>
+              <a:ext uri="{96DAC541-7B7A-43D3-8B79-37D633B846F1}">
+                <asvg:svgBlip xmlns:asvg="http://schemas.microsoft.com/office/drawing/2016/SVG/main" r:embed="rId6"/>
+              </a:ext>
+            </a:extLst>
+          </a:blip>
+          <a:stretch>
+            <a:fillRect/>
+          </a:stretch>
+        </p:blipFill>
+        <p:spPr>
+          <a:xfrm>
+            <a:off x="3930433" y="2754928"/>
+            <a:ext cx="613893" cy="613893"/>
+          </a:xfrm>
+          <a:prstGeom prst="rect">
+            <a:avLst/>
+          </a:prstGeom>
+        </p:spPr>
+      </p:pic>
+      <p:cxnSp>
+        <p:nvCxnSpPr>
+          <p:cNvPr id="253" name="直接箭头连接符 252"/>
+          <p:cNvCxnSpPr>
+            <a:stCxn id="242" idx="3"/>
+            <a:endCxn id="8" idx="1"/>
+          </p:cNvCxnSpPr>
+          <p:nvPr/>
+        </p:nvCxnSpPr>
+        <p:spPr>
+          <a:xfrm>
+            <a:off x="7380140" y="3045026"/>
+            <a:ext cx="749877" cy="4336"/>
+          </a:xfrm>
+          <a:prstGeom prst="straightConnector1">
+            <a:avLst/>
+          </a:prstGeom>
+          <a:ln>
+            <a:tailEnd type="triangle"/>
+          </a:ln>
+        </p:spPr>
+        <p:style>
+          <a:lnRef idx="1">
+            <a:schemeClr val="dk1"/>
+          </a:lnRef>
+          <a:fillRef idx="0">
+            <a:schemeClr val="dk1"/>
+          </a:fillRef>
+          <a:effectRef idx="0">
+            <a:schemeClr val="dk1"/>
+          </a:effectRef>
+          <a:fontRef idx="minor">
+            <a:schemeClr val="tx1"/>
+          </a:fontRef>
+        </p:style>
+      </p:cxnSp>
+      <p:sp>
+        <p:nvSpPr>
+          <p:cNvPr id="258" name="文本框 257"/>
+          <p:cNvSpPr txBox="1"/>
+          <p:nvPr/>
+        </p:nvSpPr>
+        <p:spPr>
+          <a:xfrm>
+            <a:off x="7105629" y="2729637"/>
+            <a:ext cx="1304796" cy="307777"/>
+          </a:xfrm>
+          <a:prstGeom prst="rect">
+            <a:avLst/>
+          </a:prstGeom>
+          <a:noFill/>
+        </p:spPr>
+        <p:txBody>
+          <a:bodyPr wrap="square" rtlCol="0">
+            <a:spAutoFit/>
+          </a:bodyPr>
+          <a:lstStyle/>
+          <a:p>
+            <a:pPr algn="ctr"/>
+            <a:r>
+              <a:rPr lang="zh-CN" altLang="en-US" sz="1400" dirty="0">
+                <a:latin typeface="宋体" panose="02010600030101010101" pitchFamily="2" charset="-122"/>
+                <a:ea typeface="宋体" panose="02010600030101010101" pitchFamily="2" charset="-122"/>
+              </a:rPr>
+              <a:t>结果使用</a:t>
+            </a:r>
+            <a:endParaRPr lang="zh-CN" altLang="en-US" sz="1400" dirty="0">
+              <a:latin typeface="宋体" panose="02010600030101010101" pitchFamily="2" charset="-122"/>
+              <a:ea typeface="宋体" panose="02010600030101010101" pitchFamily="2" charset="-122"/>
+            </a:endParaRPr>
+          </a:p>
+        </p:txBody>
+      </p:sp>
+      <p:cxnSp>
+        <p:nvCxnSpPr>
+          <p:cNvPr id="260" name="直接箭头连接符 259"/>
+          <p:cNvCxnSpPr/>
+          <p:nvPr/>
+        </p:nvCxnSpPr>
+        <p:spPr>
+          <a:xfrm>
+            <a:off x="6147227" y="3047762"/>
+            <a:ext cx="713833" cy="1600"/>
+          </a:xfrm>
+          <a:prstGeom prst="straightConnector1">
+            <a:avLst/>
+          </a:prstGeom>
+          <a:ln>
+            <a:tailEnd type="triangle"/>
+          </a:ln>
+        </p:spPr>
+        <p:style>
+          <a:lnRef idx="1">
+            <a:schemeClr val="dk1"/>
+          </a:lnRef>
+          <a:fillRef idx="0">
+            <a:schemeClr val="dk1"/>
+          </a:fillRef>
+          <a:effectRef idx="0">
+            <a:schemeClr val="dk1"/>
+          </a:effectRef>
+          <a:fontRef idx="minor">
+            <a:schemeClr val="tx1"/>
+          </a:fontRef>
+        </p:style>
+      </p:cxnSp>
+      <p:sp>
+        <p:nvSpPr>
+          <p:cNvPr id="261" name="文本框 260"/>
+          <p:cNvSpPr txBox="1"/>
+          <p:nvPr/>
+        </p:nvSpPr>
+        <p:spPr>
+          <a:xfrm>
+            <a:off x="5839425" y="2729253"/>
+            <a:ext cx="1304796" cy="306705"/>
+          </a:xfrm>
+          <a:prstGeom prst="rect">
+            <a:avLst/>
+          </a:prstGeom>
+          <a:noFill/>
+        </p:spPr>
+        <p:txBody>
+          <a:bodyPr wrap="square" rtlCol="0">
+            <a:spAutoFit/>
+          </a:bodyPr>
+          <a:lstStyle/>
+          <a:p>
+            <a:pPr algn="ctr"/>
+            <a:r>
+              <a:rPr lang="zh-CN" altLang="en-US" sz="1400" dirty="0">
+                <a:latin typeface="宋体" panose="02010600030101010101" pitchFamily="2" charset="-122"/>
+                <a:ea typeface="宋体" panose="02010600030101010101" pitchFamily="2" charset="-122"/>
+              </a:rPr>
+              <a:t>预测</a:t>
+            </a:r>
+            <a:endParaRPr lang="zh-CN" altLang="en-US" sz="1400" dirty="0">
+              <a:latin typeface="宋体" panose="02010600030101010101" pitchFamily="2" charset="-122"/>
+              <a:ea typeface="宋体" panose="02010600030101010101" pitchFamily="2" charset="-122"/>
+            </a:endParaRPr>
+          </a:p>
+        </p:txBody>
+      </p:sp>
+      <p:cxnSp>
+        <p:nvCxnSpPr>
+          <p:cNvPr id="2" name="直接箭头连接符 1"/>
+          <p:cNvCxnSpPr/>
+          <p:nvPr/>
+        </p:nvCxnSpPr>
+        <p:spPr>
+          <a:xfrm>
+            <a:off x="4560997" y="3047762"/>
+            <a:ext cx="713833" cy="1600"/>
+          </a:xfrm>
+          <a:prstGeom prst="straightConnector1">
+            <a:avLst/>
+          </a:prstGeom>
+          <a:ln>
+            <a:tailEnd type="triangle"/>
+          </a:ln>
+        </p:spPr>
+        <p:style>
+          <a:lnRef idx="1">
+            <a:schemeClr val="dk1"/>
+          </a:lnRef>
+          <a:fillRef idx="0">
+            <a:schemeClr val="dk1"/>
+          </a:fillRef>
+          <a:effectRef idx="0">
+            <a:schemeClr val="dk1"/>
+          </a:effectRef>
+          <a:fontRef idx="minor">
+            <a:schemeClr val="tx1"/>
+          </a:fontRef>
+        </p:style>
+      </p:cxnSp>
+      <p:sp>
+        <p:nvSpPr>
+          <p:cNvPr id="3" name="文本框 2"/>
+          <p:cNvSpPr txBox="1"/>
+          <p:nvPr/>
+        </p:nvSpPr>
+        <p:spPr>
+          <a:xfrm>
+            <a:off x="4236050" y="2727348"/>
+            <a:ext cx="1304796" cy="306705"/>
+          </a:xfrm>
+          <a:prstGeom prst="rect">
+            <a:avLst/>
+          </a:prstGeom>
+          <a:noFill/>
+        </p:spPr>
+        <p:txBody>
+          <a:bodyPr wrap="square" rtlCol="0">
+            <a:spAutoFit/>
+          </a:bodyPr>
+          <a:p>
+            <a:pPr algn="ctr"/>
+            <a:r>
+              <a:rPr lang="zh-CN" altLang="en-US" sz="1400" dirty="0">
+                <a:latin typeface="宋体" panose="02010600030101010101" pitchFamily="2" charset="-122"/>
+                <a:ea typeface="宋体" panose="02010600030101010101" pitchFamily="2" charset="-122"/>
+              </a:rPr>
+              <a:t>输入</a:t>
+            </a:r>
+            <a:endParaRPr lang="zh-CN" altLang="en-US" sz="1400" dirty="0">
+              <a:latin typeface="宋体" panose="02010600030101010101" pitchFamily="2" charset="-122"/>
+              <a:ea typeface="宋体" panose="02010600030101010101" pitchFamily="2" charset="-122"/>
+            </a:endParaRPr>
+          </a:p>
+        </p:txBody>
+      </p:sp>
+      <p:cxnSp>
+        <p:nvCxnSpPr>
+          <p:cNvPr id="6" name="直接箭头连接符 5"/>
+          <p:cNvCxnSpPr/>
+          <p:nvPr/>
+        </p:nvCxnSpPr>
+        <p:spPr>
+          <a:xfrm>
+            <a:off x="3205272" y="3047762"/>
+            <a:ext cx="713833" cy="1600"/>
+          </a:xfrm>
+          <a:prstGeom prst="straightConnector1">
+            <a:avLst/>
+          </a:prstGeom>
+          <a:ln>
+            <a:tailEnd type="triangle"/>
+          </a:ln>
+        </p:spPr>
+        <p:style>
+          <a:lnRef idx="1">
+            <a:schemeClr val="dk1"/>
+          </a:lnRef>
+          <a:fillRef idx="0">
+            <a:schemeClr val="dk1"/>
+          </a:fillRef>
+          <a:effectRef idx="0">
+            <a:schemeClr val="dk1"/>
+          </a:effectRef>
+          <a:fontRef idx="minor">
+            <a:schemeClr val="tx1"/>
+          </a:fontRef>
+        </p:style>
+      </p:cxnSp>
+      <p:sp>
+        <p:nvSpPr>
+          <p:cNvPr id="7" name="文本框 6"/>
+          <p:cNvSpPr txBox="1"/>
+          <p:nvPr/>
+        </p:nvSpPr>
+        <p:spPr>
+          <a:xfrm>
+            <a:off x="2918425" y="2730523"/>
+            <a:ext cx="1304796" cy="306705"/>
+          </a:xfrm>
+          <a:prstGeom prst="rect">
+            <a:avLst/>
+          </a:prstGeom>
+          <a:noFill/>
+        </p:spPr>
+        <p:txBody>
+          <a:bodyPr wrap="square" rtlCol="0">
+            <a:spAutoFit/>
+          </a:bodyPr>
+          <a:p>
+            <a:pPr algn="ctr"/>
+            <a:r>
+              <a:rPr lang="zh-CN" altLang="en-US" sz="1400" dirty="0">
+                <a:latin typeface="宋体" panose="02010600030101010101" pitchFamily="2" charset="-122"/>
+                <a:ea typeface="宋体" panose="02010600030101010101" pitchFamily="2" charset="-122"/>
+              </a:rPr>
+              <a:t>生成</a:t>
+            </a:r>
+            <a:endParaRPr lang="zh-CN" altLang="en-US" sz="1400" dirty="0">
+              <a:latin typeface="宋体" panose="02010600030101010101" pitchFamily="2" charset="-122"/>
+              <a:ea typeface="宋体" panose="02010600030101010101" pitchFamily="2" charset="-122"/>
+            </a:endParaRPr>
+          </a:p>
+        </p:txBody>
+      </p:sp>
+      <p:sp>
+        <p:nvSpPr>
+          <p:cNvPr id="5" name="矩形 4"/>
+          <p:cNvSpPr/>
+          <p:nvPr/>
+        </p:nvSpPr>
+        <p:spPr>
+          <a:xfrm>
+            <a:off x="8717915" y="2353310"/>
+            <a:ext cx="2309495" cy="1117600"/>
+          </a:xfrm>
+          <a:prstGeom prst="rect">
+            <a:avLst/>
+          </a:prstGeom>
+          <a:solidFill>
+            <a:schemeClr val="bg1">
+              <a:lumMod val="95000"/>
+            </a:schemeClr>
+          </a:solidFill>
+          <a:ln>
+            <a:noFill/>
+          </a:ln>
+        </p:spPr>
+        <p:style>
+          <a:lnRef idx="2">
+            <a:schemeClr val="accent1">
+              <a:shade val="50000"/>
+            </a:schemeClr>
+          </a:lnRef>
+          <a:fillRef idx="1">
+            <a:schemeClr val="accent1"/>
+          </a:fillRef>
+          <a:effectRef idx="0">
+            <a:schemeClr val="accent1"/>
+          </a:effectRef>
+          <a:fontRef idx="minor">
+            <a:schemeClr val="lt1"/>
+          </a:fontRef>
+        </p:style>
+        <p:txBody>
+          <a:bodyPr rtlCol="0" anchor="ctr"/>
+          <a:p>
+            <a:pPr algn="just" fontAlgn="auto">
+              <a:spcBef>
+                <a:spcPts val="600"/>
+              </a:spcBef>
+              <a:spcAft>
+                <a:spcPts val="0"/>
+              </a:spcAft>
+            </a:pPr>
+            <a:r>
+              <a:rPr lang="zh-CN" altLang="en-US" sz="1400" dirty="0">
+                <a:solidFill>
+                  <a:schemeClr val="tx1"/>
+                </a:solidFill>
+                <a:latin typeface="宋体" panose="02010600030101010101" pitchFamily="2" charset="-122"/>
+                <a:ea typeface="宋体" panose="02010600030101010101" pitchFamily="2" charset="-122"/>
+                <a:sym typeface="+mn-ea"/>
+              </a:rPr>
+              <a:t>为什么这个输入数据导致模型预测错误？</a:t>
+            </a:r>
+            <a:endParaRPr lang="en-US" altLang="zh-CN" sz="1400" dirty="0">
+              <a:solidFill>
+                <a:schemeClr val="tx1"/>
+              </a:solidFill>
+              <a:latin typeface="宋体" panose="02010600030101010101" pitchFamily="2" charset="-122"/>
+              <a:ea typeface="宋体" panose="02010600030101010101" pitchFamily="2" charset="-122"/>
+            </a:endParaRPr>
+          </a:p>
+          <a:p>
+            <a:pPr algn="just" fontAlgn="auto">
+              <a:spcBef>
+                <a:spcPts val="600"/>
+              </a:spcBef>
+              <a:spcAft>
+                <a:spcPts val="0"/>
+              </a:spcAft>
+            </a:pPr>
+            <a:r>
+              <a:rPr lang="zh-CN" altLang="en-US" sz="1400" dirty="0">
+                <a:solidFill>
+                  <a:schemeClr val="tx1"/>
+                </a:solidFill>
+                <a:latin typeface="宋体" panose="02010600030101010101" pitchFamily="2" charset="-122"/>
+                <a:ea typeface="宋体" panose="02010600030101010101" pitchFamily="2" charset="-122"/>
+                <a:sym typeface="+mn-ea"/>
+              </a:rPr>
+              <a:t>为什么这个测试集能够准确度量模型的质量？</a:t>
+            </a:r>
+            <a:endParaRPr lang="zh-CN" altLang="en-US" sz="1400" dirty="0">
+              <a:solidFill>
+                <a:schemeClr val="tx1"/>
+              </a:solidFill>
+              <a:latin typeface="宋体" panose="02010600030101010101" pitchFamily="2" charset="-122"/>
+              <a:ea typeface="宋体" panose="02010600030101010101" pitchFamily="2" charset="-122"/>
+            </a:endParaRPr>
+          </a:p>
+        </p:txBody>
+      </p:sp>
+    </p:spTree>
   </p:cSld>
   <p:clrMapOvr>
     <a:masterClrMapping/>
@@ -12136,21 +13527,7 @@
 </file>
 
 <file path=ppt/tags/tag1.xml><?xml version="1.0" encoding="utf-8"?>
-<p:tagLst xmlns:a="http://schemas.openxmlformats.org/drawingml/2006/main" xmlns:r="http://schemas.openxmlformats.org/officeDocument/2006/relationships" xmlns:p="http://schemas.openxmlformats.org/presentationml/2006/main">
-  <p:tag name="KSO_WM_TEMPLATE_THUMBS_INDEX" val="1、4、7、12、13、14、15、16、17、18、20、24、25、28、33、36、40、43、44"/>
-  <p:tag name="KSO_WM_TEMPLATE_SUBCATEGORY" val="19"/>
-  <p:tag name="KSO_WM_TAG_VERSION" val="1.0"/>
-  <p:tag name="KSO_WM_BEAUTIFY_FLAG" val="#wm#"/>
-  <p:tag name="KSO_WM_TEMPLATE_CATEGORY" val="custom"/>
-  <p:tag name="KSO_WM_TEMPLATE_INDEX" val="20205081"/>
-  <p:tag name="KSO_WM_TEMPLATE_MASTER_TYPE" val="0"/>
-  <p:tag name="KSO_WM_TEMPLATE_COLOR_TYPE" val="1"/>
-  <p:tag name="KSO_WM_UNIT_SHOW_EDIT_AREA_INDICATION" val="1"/>
-</p:tagLst>
-</file>
-
-<file path=ppt/tags/tag10.xml><?xml version="1.0" encoding="utf-8"?>
-<p:tagLst xmlns:a="http://schemas.openxmlformats.org/drawingml/2006/main" xmlns:r="http://schemas.openxmlformats.org/officeDocument/2006/relationships" xmlns:p="http://schemas.openxmlformats.org/presentationml/2006/main">
+<p:tagLst xmlns:p="http://schemas.openxmlformats.org/presentationml/2006/main">
   <p:tag name="KSO_WM_UNIT_HIGHLIGHT" val="0"/>
   <p:tag name="KSO_WM_UNIT_COMPATIBLE" val="0"/>
   <p:tag name="KSO_WM_UNIT_DIAGRAM_ISNUMVISUAL" val="0"/>
@@ -12162,8 +13539,138 @@
 </p:tagLst>
 </file>
 
+<file path=ppt/tags/tag10.xml><?xml version="1.0" encoding="utf-8"?>
+<p:tagLst xmlns:p="http://schemas.openxmlformats.org/presentationml/2006/main">
+  <p:tag name="KSO_WM_UNIT_HIGHLIGHT" val="0"/>
+  <p:tag name="KSO_WM_UNIT_COMPATIBLE" val="0"/>
+  <p:tag name="KSO_WM_UNIT_DIAGRAM_ISNUMVISUAL" val="0"/>
+  <p:tag name="KSO_WM_UNIT_DIAGRAM_ISREFERUNIT" val="0"/>
+  <p:tag name="KSO_WM_UNIT_ID" val="_2**"/>
+  <p:tag name="KSO_WM_UNIT_LAYERLEVEL" val="1"/>
+  <p:tag name="KSO_WM_TAG_VERSION" val="1.0"/>
+  <p:tag name="KSO_WM_BEAUTIFY_FLAG" val="#wm#"/>
+</p:tagLst>
+</file>
+
 <file path=ppt/tags/tag11.xml><?xml version="1.0" encoding="utf-8"?>
-<p:tagLst xmlns:a="http://schemas.openxmlformats.org/drawingml/2006/main" xmlns:r="http://schemas.openxmlformats.org/officeDocument/2006/relationships" xmlns:p="http://schemas.openxmlformats.org/presentationml/2006/main">
+<p:tagLst xmlns:p="http://schemas.openxmlformats.org/presentationml/2006/main">
+  <p:tag name="KSO_WM_UNIT_HIGHLIGHT" val="0"/>
+  <p:tag name="KSO_WM_UNIT_COMPATIBLE" val="0"/>
+  <p:tag name="KSO_WM_UNIT_DIAGRAM_ISNUMVISUAL" val="0"/>
+  <p:tag name="KSO_WM_UNIT_DIAGRAM_ISREFERUNIT" val="0"/>
+  <p:tag name="KSO_WM_UNIT_ID" val="_3**"/>
+  <p:tag name="KSO_WM_UNIT_LAYERLEVEL" val="1"/>
+  <p:tag name="KSO_WM_TAG_VERSION" val="1.0"/>
+  <p:tag name="KSO_WM_BEAUTIFY_FLAG" val="#wm#"/>
+</p:tagLst>
+</file>
+
+<file path=ppt/tags/tag12.xml><?xml version="1.0" encoding="utf-8"?>
+<p:tagLst xmlns:p="http://schemas.openxmlformats.org/presentationml/2006/main">
+  <p:tag name="KSO_WM_UNIT_HIGHLIGHT" val="0"/>
+  <p:tag name="KSO_WM_UNIT_COMPATIBLE" val="0"/>
+  <p:tag name="KSO_WM_UNIT_DIAGRAM_ISNUMVISUAL" val="0"/>
+  <p:tag name="KSO_WM_UNIT_DIAGRAM_ISREFERUNIT" val="0"/>
+  <p:tag name="KSO_WM_UNIT_ID" val="_3**"/>
+  <p:tag name="KSO_WM_UNIT_LAYERLEVEL" val="1"/>
+  <p:tag name="KSO_WM_TAG_VERSION" val="1.0"/>
+  <p:tag name="KSO_WM_BEAUTIFY_FLAG" val="#wm#"/>
+</p:tagLst>
+</file>
+
+<file path=ppt/tags/tag13.xml><?xml version="1.0" encoding="utf-8"?>
+<p:tagLst xmlns:p="http://schemas.openxmlformats.org/presentationml/2006/main">
+  <p:tag name="KSO_WM_UNIT_HIGHLIGHT" val="0"/>
+  <p:tag name="KSO_WM_UNIT_COMPATIBLE" val="0"/>
+  <p:tag name="KSO_WM_UNIT_DIAGRAM_ISNUMVISUAL" val="0"/>
+  <p:tag name="KSO_WM_UNIT_DIAGRAM_ISREFERUNIT" val="0"/>
+  <p:tag name="KSO_WM_UNIT_ID" val="_3**"/>
+  <p:tag name="KSO_WM_UNIT_LAYERLEVEL" val="1"/>
+  <p:tag name="KSO_WM_TAG_VERSION" val="1.0"/>
+  <p:tag name="KSO_WM_BEAUTIFY_FLAG" val="#wm#"/>
+</p:tagLst>
+</file>
+
+<file path=ppt/tags/tag14.xml><?xml version="1.0" encoding="utf-8"?>
+<p:tagLst xmlns:p="http://schemas.openxmlformats.org/presentationml/2006/main">
+  <p:tag name="KSO_WM_UNIT_HIGHLIGHT" val="0"/>
+  <p:tag name="KSO_WM_UNIT_COMPATIBLE" val="0"/>
+  <p:tag name="KSO_WM_UNIT_DIAGRAM_ISNUMVISUAL" val="0"/>
+  <p:tag name="KSO_WM_UNIT_DIAGRAM_ISREFERUNIT" val="0"/>
+  <p:tag name="KSO_WM_UNIT_ID" val="_3**"/>
+  <p:tag name="KSO_WM_UNIT_LAYERLEVEL" val="1"/>
+  <p:tag name="KSO_WM_TAG_VERSION" val="1.0"/>
+  <p:tag name="KSO_WM_BEAUTIFY_FLAG" val="#wm#"/>
+</p:tagLst>
+</file>
+
+<file path=ppt/tags/tag15.xml><?xml version="1.0" encoding="utf-8"?>
+<p:tagLst xmlns:p="http://schemas.openxmlformats.org/presentationml/2006/main">
+  <p:tag name="KSO_WM_UNIT_HIGHLIGHT" val="0"/>
+  <p:tag name="KSO_WM_UNIT_COMPATIBLE" val="0"/>
+  <p:tag name="KSO_WM_UNIT_DIAGRAM_ISNUMVISUAL" val="0"/>
+  <p:tag name="KSO_WM_UNIT_DIAGRAM_ISREFERUNIT" val="0"/>
+  <p:tag name="KSO_WM_UNIT_ID" val="_3**"/>
+  <p:tag name="KSO_WM_UNIT_LAYERLEVEL" val="1"/>
+  <p:tag name="KSO_WM_TAG_VERSION" val="1.0"/>
+  <p:tag name="KSO_WM_BEAUTIFY_FLAG" val="#wm#"/>
+</p:tagLst>
+</file>
+
+<file path=ppt/tags/tag16.xml><?xml version="1.0" encoding="utf-8"?>
+<p:tagLst xmlns:p="http://schemas.openxmlformats.org/presentationml/2006/main">
+  <p:tag name="KSO_WM_UNIT_HIGHLIGHT" val="0"/>
+  <p:tag name="KSO_WM_UNIT_COMPATIBLE" val="0"/>
+  <p:tag name="KSO_WM_UNIT_DIAGRAM_ISNUMVISUAL" val="0"/>
+  <p:tag name="KSO_WM_UNIT_DIAGRAM_ISREFERUNIT" val="0"/>
+  <p:tag name="KSO_WM_UNIT_ID" val="_4**"/>
+  <p:tag name="KSO_WM_UNIT_LAYERLEVEL" val="1"/>
+  <p:tag name="KSO_WM_TAG_VERSION" val="1.0"/>
+  <p:tag name="KSO_WM_BEAUTIFY_FLAG" val="#wm#"/>
+</p:tagLst>
+</file>
+
+<file path=ppt/tags/tag17.xml><?xml version="1.0" encoding="utf-8"?>
+<p:tagLst xmlns:p="http://schemas.openxmlformats.org/presentationml/2006/main">
+  <p:tag name="KSO_WM_UNIT_HIGHLIGHT" val="0"/>
+  <p:tag name="KSO_WM_UNIT_COMPATIBLE" val="0"/>
+  <p:tag name="KSO_WM_UNIT_DIAGRAM_ISNUMVISUAL" val="0"/>
+  <p:tag name="KSO_WM_UNIT_DIAGRAM_ISREFERUNIT" val="0"/>
+  <p:tag name="KSO_WM_UNIT_ID" val="_4**"/>
+  <p:tag name="KSO_WM_UNIT_LAYERLEVEL" val="1"/>
+  <p:tag name="KSO_WM_TAG_VERSION" val="1.0"/>
+  <p:tag name="KSO_WM_BEAUTIFY_FLAG" val="#wm#"/>
+</p:tagLst>
+</file>
+
+<file path=ppt/tags/tag18.xml><?xml version="1.0" encoding="utf-8"?>
+<p:tagLst xmlns:p="http://schemas.openxmlformats.org/presentationml/2006/main">
+  <p:tag name="KSO_WM_UNIT_HIGHLIGHT" val="0"/>
+  <p:tag name="KSO_WM_UNIT_COMPATIBLE" val="0"/>
+  <p:tag name="KSO_WM_UNIT_DIAGRAM_ISNUMVISUAL" val="0"/>
+  <p:tag name="KSO_WM_UNIT_DIAGRAM_ISREFERUNIT" val="0"/>
+  <p:tag name="KSO_WM_UNIT_ID" val="_4**"/>
+  <p:tag name="KSO_WM_UNIT_LAYERLEVEL" val="1"/>
+  <p:tag name="KSO_WM_TAG_VERSION" val="1.0"/>
+  <p:tag name="KSO_WM_BEAUTIFY_FLAG" val="#wm#"/>
+</p:tagLst>
+</file>
+
+<file path=ppt/tags/tag19.xml><?xml version="1.0" encoding="utf-8"?>
+<p:tagLst xmlns:p="http://schemas.openxmlformats.org/presentationml/2006/main">
+  <p:tag name="KSO_WM_UNIT_HIGHLIGHT" val="0"/>
+  <p:tag name="KSO_WM_UNIT_COMPATIBLE" val="0"/>
+  <p:tag name="KSO_WM_UNIT_DIAGRAM_ISNUMVISUAL" val="0"/>
+  <p:tag name="KSO_WM_UNIT_DIAGRAM_ISREFERUNIT" val="0"/>
+  <p:tag name="KSO_WM_UNIT_ID" val="_4**"/>
+  <p:tag name="KSO_WM_UNIT_LAYERLEVEL" val="1"/>
+  <p:tag name="KSO_WM_TAG_VERSION" val="1.0"/>
+  <p:tag name="KSO_WM_BEAUTIFY_FLAG" val="#wm#"/>
+</p:tagLst>
+</file>
+
+<file path=ppt/tags/tag2.xml><?xml version="1.0" encoding="utf-8"?>
+<p:tagLst xmlns:p="http://schemas.openxmlformats.org/presentationml/2006/main">
   <p:tag name="KSO_WM_UNIT_HIGHLIGHT" val="0"/>
   <p:tag name="KSO_WM_UNIT_COMPATIBLE" val="0"/>
   <p:tag name="KSO_WM_UNIT_DIAGRAM_ISNUMVISUAL" val="0"/>
@@ -12175,112 +13682,528 @@
 </p:tagLst>
 </file>
 
-<file path=ppt/tags/tag12.xml><?xml version="1.0" encoding="utf-8"?>
-<p:tagLst xmlns:a="http://schemas.openxmlformats.org/drawingml/2006/main" xmlns:r="http://schemas.openxmlformats.org/officeDocument/2006/relationships" xmlns:p="http://schemas.openxmlformats.org/presentationml/2006/main">
+<file path=ppt/tags/tag20.xml><?xml version="1.0" encoding="utf-8"?>
+<p:tagLst xmlns:p="http://schemas.openxmlformats.org/presentationml/2006/main">
   <p:tag name="KSO_WM_UNIT_HIGHLIGHT" val="0"/>
   <p:tag name="KSO_WM_UNIT_COMPATIBLE" val="0"/>
   <p:tag name="KSO_WM_UNIT_DIAGRAM_ISNUMVISUAL" val="0"/>
   <p:tag name="KSO_WM_UNIT_DIAGRAM_ISREFERUNIT" val="0"/>
-  <p:tag name="KSO_WM_UNIT_ID" val="_2**"/>
+  <p:tag name="KSO_WM_UNIT_ID" val="_4**"/>
   <p:tag name="KSO_WM_UNIT_LAYERLEVEL" val="1"/>
   <p:tag name="KSO_WM_TAG_VERSION" val="1.0"/>
   <p:tag name="KSO_WM_BEAUTIFY_FLAG" val="#wm#"/>
 </p:tagLst>
 </file>
 
-<file path=ppt/tags/tag13.xml><?xml version="1.0" encoding="utf-8"?>
-<p:tagLst xmlns:a="http://schemas.openxmlformats.org/drawingml/2006/main" xmlns:r="http://schemas.openxmlformats.org/officeDocument/2006/relationships" xmlns:p="http://schemas.openxmlformats.org/presentationml/2006/main">
+<file path=ppt/tags/tag21.xml><?xml version="1.0" encoding="utf-8"?>
+<p:tagLst xmlns:p="http://schemas.openxmlformats.org/presentationml/2006/main">
   <p:tag name="KSO_WM_UNIT_HIGHLIGHT" val="0"/>
   <p:tag name="KSO_WM_UNIT_COMPATIBLE" val="0"/>
   <p:tag name="KSO_WM_UNIT_DIAGRAM_ISNUMVISUAL" val="0"/>
   <p:tag name="KSO_WM_UNIT_DIAGRAM_ISREFERUNIT" val="0"/>
-  <p:tag name="KSO_WM_UNIT_ID" val="_2**"/>
+  <p:tag name="KSO_WM_UNIT_ID" val="_4**"/>
   <p:tag name="KSO_WM_UNIT_LAYERLEVEL" val="1"/>
   <p:tag name="KSO_WM_TAG_VERSION" val="1.0"/>
   <p:tag name="KSO_WM_BEAUTIFY_FLAG" val="#wm#"/>
 </p:tagLst>
 </file>
 
-<file path=ppt/tags/tag14.xml><?xml version="1.0" encoding="utf-8"?>
-<p:tagLst xmlns:a="http://schemas.openxmlformats.org/drawingml/2006/main" xmlns:r="http://schemas.openxmlformats.org/officeDocument/2006/relationships" xmlns:p="http://schemas.openxmlformats.org/presentationml/2006/main">
+<file path=ppt/tags/tag22.xml><?xml version="1.0" encoding="utf-8"?>
+<p:tagLst xmlns:p="http://schemas.openxmlformats.org/presentationml/2006/main">
   <p:tag name="KSO_WM_UNIT_HIGHLIGHT" val="0"/>
   <p:tag name="KSO_WM_UNIT_COMPATIBLE" val="0"/>
   <p:tag name="KSO_WM_UNIT_DIAGRAM_ISNUMVISUAL" val="0"/>
   <p:tag name="KSO_WM_UNIT_DIAGRAM_ISREFERUNIT" val="0"/>
-  <p:tag name="KSO_WM_UNIT_ID" val="_2**"/>
+  <p:tag name="KSO_WM_UNIT_ID" val="_5**"/>
   <p:tag name="KSO_WM_UNIT_LAYERLEVEL" val="1"/>
   <p:tag name="KSO_WM_TAG_VERSION" val="1.0"/>
   <p:tag name="KSO_WM_BEAUTIFY_FLAG" val="#wm#"/>
 </p:tagLst>
 </file>
 
-<file path=ppt/tags/tag15.xml><?xml version="1.0" encoding="utf-8"?>
-<p:tagLst xmlns:a="http://schemas.openxmlformats.org/drawingml/2006/main" xmlns:r="http://schemas.openxmlformats.org/officeDocument/2006/relationships" xmlns:p="http://schemas.openxmlformats.org/presentationml/2006/main">
+<file path=ppt/tags/tag23.xml><?xml version="1.0" encoding="utf-8"?>
+<p:tagLst xmlns:p="http://schemas.openxmlformats.org/presentationml/2006/main">
   <p:tag name="KSO_WM_UNIT_HIGHLIGHT" val="0"/>
   <p:tag name="KSO_WM_UNIT_COMPATIBLE" val="0"/>
   <p:tag name="KSO_WM_UNIT_DIAGRAM_ISNUMVISUAL" val="0"/>
   <p:tag name="KSO_WM_UNIT_DIAGRAM_ISREFERUNIT" val="0"/>
-  <p:tag name="KSO_WM_UNIT_ID" val="_2**"/>
+  <p:tag name="KSO_WM_UNIT_ID" val="_5**"/>
   <p:tag name="KSO_WM_UNIT_LAYERLEVEL" val="1"/>
   <p:tag name="KSO_WM_TAG_VERSION" val="1.0"/>
   <p:tag name="KSO_WM_BEAUTIFY_FLAG" val="#wm#"/>
 </p:tagLst>
 </file>
 
-<file path=ppt/tags/tag16.xml><?xml version="1.0" encoding="utf-8"?>
-<p:tagLst xmlns:a="http://schemas.openxmlformats.org/drawingml/2006/main" xmlns:r="http://schemas.openxmlformats.org/officeDocument/2006/relationships" xmlns:p="http://schemas.openxmlformats.org/presentationml/2006/main">
+<file path=ppt/tags/tag24.xml><?xml version="1.0" encoding="utf-8"?>
+<p:tagLst xmlns:p="http://schemas.openxmlformats.org/presentationml/2006/main">
   <p:tag name="KSO_WM_UNIT_HIGHLIGHT" val="0"/>
   <p:tag name="KSO_WM_UNIT_COMPATIBLE" val="0"/>
   <p:tag name="KSO_WM_UNIT_DIAGRAM_ISNUMVISUAL" val="0"/>
   <p:tag name="KSO_WM_UNIT_DIAGRAM_ISREFERUNIT" val="0"/>
-  <p:tag name="KSO_WM_UNIT_ID" val="_2**"/>
+  <p:tag name="KSO_WM_UNIT_ID" val="_5**"/>
   <p:tag name="KSO_WM_UNIT_LAYERLEVEL" val="1"/>
   <p:tag name="KSO_WM_TAG_VERSION" val="1.0"/>
   <p:tag name="KSO_WM_BEAUTIFY_FLAG" val="#wm#"/>
 </p:tagLst>
 </file>
 
-<file path=ppt/tags/tag17.xml><?xml version="1.0" encoding="utf-8"?>
-<p:tagLst xmlns:a="http://schemas.openxmlformats.org/drawingml/2006/main" xmlns:r="http://schemas.openxmlformats.org/officeDocument/2006/relationships" xmlns:p="http://schemas.openxmlformats.org/presentationml/2006/main">
+<file path=ppt/tags/tag25.xml><?xml version="1.0" encoding="utf-8"?>
+<p:tagLst xmlns:p="http://schemas.openxmlformats.org/presentationml/2006/main">
   <p:tag name="KSO_WM_UNIT_HIGHLIGHT" val="0"/>
   <p:tag name="KSO_WM_UNIT_COMPATIBLE" val="0"/>
   <p:tag name="KSO_WM_UNIT_DIAGRAM_ISNUMVISUAL" val="0"/>
   <p:tag name="KSO_WM_UNIT_DIAGRAM_ISREFERUNIT" val="0"/>
-  <p:tag name="KSO_WM_UNIT_ID" val="_3**"/>
+  <p:tag name="KSO_WM_UNIT_ID" val="_5**"/>
   <p:tag name="KSO_WM_UNIT_LAYERLEVEL" val="1"/>
   <p:tag name="KSO_WM_TAG_VERSION" val="1.0"/>
   <p:tag name="KSO_WM_BEAUTIFY_FLAG" val="#wm#"/>
 </p:tagLst>
 </file>
 
-<file path=ppt/tags/tag18.xml><?xml version="1.0" encoding="utf-8"?>
-<p:tagLst xmlns:a="http://schemas.openxmlformats.org/drawingml/2006/main" xmlns:r="http://schemas.openxmlformats.org/officeDocument/2006/relationships" xmlns:p="http://schemas.openxmlformats.org/presentationml/2006/main">
+<file path=ppt/tags/tag26.xml><?xml version="1.0" encoding="utf-8"?>
+<p:tagLst xmlns:p="http://schemas.openxmlformats.org/presentationml/2006/main">
   <p:tag name="KSO_WM_UNIT_HIGHLIGHT" val="0"/>
   <p:tag name="KSO_WM_UNIT_COMPATIBLE" val="0"/>
   <p:tag name="KSO_WM_UNIT_DIAGRAM_ISNUMVISUAL" val="0"/>
   <p:tag name="KSO_WM_UNIT_DIAGRAM_ISREFERUNIT" val="0"/>
-  <p:tag name="KSO_WM_UNIT_ID" val="_3**"/>
+  <p:tag name="KSO_WM_UNIT_ID" val="_5**"/>
   <p:tag name="KSO_WM_UNIT_LAYERLEVEL" val="1"/>
   <p:tag name="KSO_WM_TAG_VERSION" val="1.0"/>
   <p:tag name="KSO_WM_BEAUTIFY_FLAG" val="#wm#"/>
 </p:tagLst>
 </file>
 
-<file path=ppt/tags/tag19.xml><?xml version="1.0" encoding="utf-8"?>
-<p:tagLst xmlns:a="http://schemas.openxmlformats.org/drawingml/2006/main" xmlns:r="http://schemas.openxmlformats.org/officeDocument/2006/relationships" xmlns:p="http://schemas.openxmlformats.org/presentationml/2006/main">
+<file path=ppt/tags/tag27.xml><?xml version="1.0" encoding="utf-8"?>
+<p:tagLst xmlns:p="http://schemas.openxmlformats.org/presentationml/2006/main">
   <p:tag name="KSO_WM_UNIT_HIGHLIGHT" val="0"/>
   <p:tag name="KSO_WM_UNIT_COMPATIBLE" val="0"/>
   <p:tag name="KSO_WM_UNIT_DIAGRAM_ISNUMVISUAL" val="0"/>
   <p:tag name="KSO_WM_UNIT_DIAGRAM_ISREFERUNIT" val="0"/>
-  <p:tag name="KSO_WM_UNIT_ID" val="_3**"/>
+  <p:tag name="KSO_WM_UNIT_ID" val="_5**"/>
   <p:tag name="KSO_WM_UNIT_LAYERLEVEL" val="1"/>
   <p:tag name="KSO_WM_TAG_VERSION" val="1.0"/>
   <p:tag name="KSO_WM_BEAUTIFY_FLAG" val="#wm#"/>
 </p:tagLst>
 </file>
 
-<file path=ppt/tags/tag2.xml><?xml version="1.0" encoding="utf-8"?>
-<p:tagLst xmlns:a="http://schemas.openxmlformats.org/drawingml/2006/main" xmlns:r="http://schemas.openxmlformats.org/officeDocument/2006/relationships" xmlns:p="http://schemas.openxmlformats.org/presentationml/2006/main">
+<file path=ppt/tags/tag28.xml><?xml version="1.0" encoding="utf-8"?>
+<p:tagLst xmlns:p="http://schemas.openxmlformats.org/presentationml/2006/main">
+  <p:tag name="KSO_WM_UNIT_HIGHLIGHT" val="0"/>
+  <p:tag name="KSO_WM_UNIT_COMPATIBLE" val="0"/>
+  <p:tag name="KSO_WM_UNIT_DIAGRAM_ISNUMVISUAL" val="0"/>
+  <p:tag name="KSO_WM_UNIT_DIAGRAM_ISREFERUNIT" val="0"/>
+  <p:tag name="KSO_WM_UNIT_ID" val="_5**"/>
+  <p:tag name="KSO_WM_UNIT_LAYERLEVEL" val="1"/>
+  <p:tag name="KSO_WM_TAG_VERSION" val="1.0"/>
+  <p:tag name="KSO_WM_BEAUTIFY_FLAG" val="#wm#"/>
+</p:tagLst>
+</file>
+
+<file path=ppt/tags/tag29.xml><?xml version="1.0" encoding="utf-8"?>
+<p:tagLst xmlns:p="http://schemas.openxmlformats.org/presentationml/2006/main">
+  <p:tag name="KSO_WM_UNIT_HIGHLIGHT" val="0"/>
+  <p:tag name="KSO_WM_UNIT_COMPATIBLE" val="0"/>
+  <p:tag name="KSO_WM_UNIT_DIAGRAM_ISNUMVISUAL" val="0"/>
+  <p:tag name="KSO_WM_UNIT_DIAGRAM_ISREFERUNIT" val="0"/>
+  <p:tag name="KSO_WM_UNIT_ID" val="_5**"/>
+  <p:tag name="KSO_WM_UNIT_LAYERLEVEL" val="1"/>
+  <p:tag name="KSO_WM_TAG_VERSION" val="1.0"/>
+  <p:tag name="KSO_WM_BEAUTIFY_FLAG" val="#wm#"/>
+</p:tagLst>
+</file>
+
+<file path=ppt/tags/tag3.xml><?xml version="1.0" encoding="utf-8"?>
+<p:tagLst xmlns:p="http://schemas.openxmlformats.org/presentationml/2006/main">
+  <p:tag name="KSO_WM_UNIT_HIGHLIGHT" val="0"/>
+  <p:tag name="KSO_WM_UNIT_COMPATIBLE" val="0"/>
+  <p:tag name="KSO_WM_UNIT_DIAGRAM_ISNUMVISUAL" val="0"/>
+  <p:tag name="KSO_WM_UNIT_DIAGRAM_ISREFERUNIT" val="0"/>
+  <p:tag name="KSO_WM_UNIT_ID" val="_1**"/>
+  <p:tag name="KSO_WM_UNIT_LAYERLEVEL" val="1"/>
+  <p:tag name="KSO_WM_TAG_VERSION" val="1.0"/>
+  <p:tag name="KSO_WM_BEAUTIFY_FLAG" val="#wm#"/>
+</p:tagLst>
+</file>
+
+<file path=ppt/tags/tag30.xml><?xml version="1.0" encoding="utf-8"?>
+<p:tagLst xmlns:p="http://schemas.openxmlformats.org/presentationml/2006/main">
+  <p:tag name="KSO_WM_UNIT_HIGHLIGHT" val="0"/>
+  <p:tag name="KSO_WM_UNIT_COMPATIBLE" val="0"/>
+  <p:tag name="KSO_WM_UNIT_DIAGRAM_ISNUMVISUAL" val="0"/>
+  <p:tag name="KSO_WM_UNIT_DIAGRAM_ISREFERUNIT" val="0"/>
+  <p:tag name="KSO_WM_UNIT_ID" val="_6**"/>
+  <p:tag name="KSO_WM_UNIT_LAYERLEVEL" val="1"/>
+  <p:tag name="KSO_WM_TAG_VERSION" val="1.0"/>
+  <p:tag name="KSO_WM_BEAUTIFY_FLAG" val="#wm#"/>
+</p:tagLst>
+</file>
+
+<file path=ppt/tags/tag31.xml><?xml version="1.0" encoding="utf-8"?>
+<p:tagLst xmlns:p="http://schemas.openxmlformats.org/presentationml/2006/main">
+  <p:tag name="KSO_WM_UNIT_HIGHLIGHT" val="0"/>
+  <p:tag name="KSO_WM_UNIT_COMPATIBLE" val="0"/>
+  <p:tag name="KSO_WM_UNIT_DIAGRAM_ISNUMVISUAL" val="0"/>
+  <p:tag name="KSO_WM_UNIT_DIAGRAM_ISREFERUNIT" val="0"/>
+  <p:tag name="KSO_WM_UNIT_ID" val="_6**"/>
+  <p:tag name="KSO_WM_UNIT_LAYERLEVEL" val="1"/>
+  <p:tag name="KSO_WM_TAG_VERSION" val="1.0"/>
+  <p:tag name="KSO_WM_BEAUTIFY_FLAG" val="#wm#"/>
+</p:tagLst>
+</file>
+
+<file path=ppt/tags/tag32.xml><?xml version="1.0" encoding="utf-8"?>
+<p:tagLst xmlns:p="http://schemas.openxmlformats.org/presentationml/2006/main">
+  <p:tag name="KSO_WM_UNIT_HIGHLIGHT" val="0"/>
+  <p:tag name="KSO_WM_UNIT_COMPATIBLE" val="0"/>
+  <p:tag name="KSO_WM_UNIT_DIAGRAM_ISNUMVISUAL" val="0"/>
+  <p:tag name="KSO_WM_UNIT_DIAGRAM_ISREFERUNIT" val="0"/>
+  <p:tag name="KSO_WM_UNIT_ID" val="_6**"/>
+  <p:tag name="KSO_WM_UNIT_LAYERLEVEL" val="1"/>
+  <p:tag name="KSO_WM_TAG_VERSION" val="1.0"/>
+  <p:tag name="KSO_WM_BEAUTIFY_FLAG" val="#wm#"/>
+</p:tagLst>
+</file>
+
+<file path=ppt/tags/tag33.xml><?xml version="1.0" encoding="utf-8"?>
+<p:tagLst xmlns:p="http://schemas.openxmlformats.org/presentationml/2006/main">
+  <p:tag name="KSO_WM_UNIT_HIGHLIGHT" val="0"/>
+  <p:tag name="KSO_WM_UNIT_COMPATIBLE" val="0"/>
+  <p:tag name="KSO_WM_UNIT_DIAGRAM_ISNUMVISUAL" val="0"/>
+  <p:tag name="KSO_WM_UNIT_DIAGRAM_ISREFERUNIT" val="0"/>
+  <p:tag name="KSO_WM_UNIT_ID" val="_6**"/>
+  <p:tag name="KSO_WM_UNIT_LAYERLEVEL" val="1"/>
+  <p:tag name="KSO_WM_TAG_VERSION" val="1.0"/>
+  <p:tag name="KSO_WM_BEAUTIFY_FLAG" val="#wm#"/>
+</p:tagLst>
+</file>
+
+<file path=ppt/tags/tag34.xml><?xml version="1.0" encoding="utf-8"?>
+<p:tagLst xmlns:p="http://schemas.openxmlformats.org/presentationml/2006/main">
+  <p:tag name="KSO_WM_UNIT_HIGHLIGHT" val="0"/>
+  <p:tag name="KSO_WM_UNIT_COMPATIBLE" val="0"/>
+  <p:tag name="KSO_WM_UNIT_DIAGRAM_ISNUMVISUAL" val="0"/>
+  <p:tag name="KSO_WM_UNIT_DIAGRAM_ISREFERUNIT" val="0"/>
+  <p:tag name="KSO_WM_UNIT_ID" val="_7**"/>
+  <p:tag name="KSO_WM_UNIT_LAYERLEVEL" val="1"/>
+  <p:tag name="KSO_WM_TAG_VERSION" val="1.0"/>
+  <p:tag name="KSO_WM_BEAUTIFY_FLAG" val="#wm#"/>
+</p:tagLst>
+</file>
+
+<file path=ppt/tags/tag35.xml><?xml version="1.0" encoding="utf-8"?>
+<p:tagLst xmlns:p="http://schemas.openxmlformats.org/presentationml/2006/main">
+  <p:tag name="KSO_WM_UNIT_HIGHLIGHT" val="0"/>
+  <p:tag name="KSO_WM_UNIT_COMPATIBLE" val="0"/>
+  <p:tag name="KSO_WM_UNIT_DIAGRAM_ISNUMVISUAL" val="0"/>
+  <p:tag name="KSO_WM_UNIT_DIAGRAM_ISREFERUNIT" val="0"/>
+  <p:tag name="KSO_WM_UNIT_ID" val="_7**"/>
+  <p:tag name="KSO_WM_UNIT_LAYERLEVEL" val="1"/>
+  <p:tag name="KSO_WM_TAG_VERSION" val="1.0"/>
+  <p:tag name="KSO_WM_BEAUTIFY_FLAG" val="#wm#"/>
+</p:tagLst>
+</file>
+
+<file path=ppt/tags/tag36.xml><?xml version="1.0" encoding="utf-8"?>
+<p:tagLst xmlns:p="http://schemas.openxmlformats.org/presentationml/2006/main">
+  <p:tag name="KSO_WM_UNIT_HIGHLIGHT" val="0"/>
+  <p:tag name="KSO_WM_UNIT_COMPATIBLE" val="0"/>
+  <p:tag name="KSO_WM_UNIT_DIAGRAM_ISNUMVISUAL" val="0"/>
+  <p:tag name="KSO_WM_UNIT_DIAGRAM_ISREFERUNIT" val="0"/>
+  <p:tag name="KSO_WM_UNIT_ID" val="_7**"/>
+  <p:tag name="KSO_WM_UNIT_LAYERLEVEL" val="1"/>
+  <p:tag name="KSO_WM_TAG_VERSION" val="1.0"/>
+  <p:tag name="KSO_WM_BEAUTIFY_FLAG" val="#wm#"/>
+</p:tagLst>
+</file>
+
+<file path=ppt/tags/tag37.xml><?xml version="1.0" encoding="utf-8"?>
+<p:tagLst xmlns:p="http://schemas.openxmlformats.org/presentationml/2006/main">
+  <p:tag name="KSO_WM_UNIT_HIGHLIGHT" val="0"/>
+  <p:tag name="KSO_WM_UNIT_COMPATIBLE" val="0"/>
+  <p:tag name="KSO_WM_UNIT_DIAGRAM_ISNUMVISUAL" val="0"/>
+  <p:tag name="KSO_WM_UNIT_DIAGRAM_ISREFERUNIT" val="0"/>
+  <p:tag name="KSO_WM_UNIT_ID" val="_8**"/>
+  <p:tag name="KSO_WM_UNIT_LAYERLEVEL" val="1"/>
+  <p:tag name="KSO_WM_TAG_VERSION" val="1.0"/>
+  <p:tag name="KSO_WM_BEAUTIFY_FLAG" val="#wm#"/>
+</p:tagLst>
+</file>
+
+<file path=ppt/tags/tag38.xml><?xml version="1.0" encoding="utf-8"?>
+<p:tagLst xmlns:p="http://schemas.openxmlformats.org/presentationml/2006/main">
+  <p:tag name="KSO_WM_UNIT_HIGHLIGHT" val="0"/>
+  <p:tag name="KSO_WM_UNIT_COMPATIBLE" val="0"/>
+  <p:tag name="KSO_WM_UNIT_DIAGRAM_ISNUMVISUAL" val="0"/>
+  <p:tag name="KSO_WM_UNIT_DIAGRAM_ISREFERUNIT" val="0"/>
+  <p:tag name="KSO_WM_UNIT_ID" val="_8**"/>
+  <p:tag name="KSO_WM_UNIT_LAYERLEVEL" val="1"/>
+  <p:tag name="KSO_WM_TAG_VERSION" val="1.0"/>
+  <p:tag name="KSO_WM_BEAUTIFY_FLAG" val="#wm#"/>
+</p:tagLst>
+</file>
+
+<file path=ppt/tags/tag39.xml><?xml version="1.0" encoding="utf-8"?>
+<p:tagLst xmlns:p="http://schemas.openxmlformats.org/presentationml/2006/main">
+  <p:tag name="KSO_WM_UNIT_HIGHLIGHT" val="0"/>
+  <p:tag name="KSO_WM_UNIT_COMPATIBLE" val="0"/>
+  <p:tag name="KSO_WM_UNIT_DIAGRAM_ISNUMVISUAL" val="0"/>
+  <p:tag name="KSO_WM_UNIT_DIAGRAM_ISREFERUNIT" val="0"/>
+  <p:tag name="KSO_WM_UNIT_ID" val="_8**"/>
+  <p:tag name="KSO_WM_UNIT_LAYERLEVEL" val="1"/>
+  <p:tag name="KSO_WM_TAG_VERSION" val="1.0"/>
+  <p:tag name="KSO_WM_BEAUTIFY_FLAG" val="#wm#"/>
+</p:tagLst>
+</file>
+
+<file path=ppt/tags/tag4.xml><?xml version="1.0" encoding="utf-8"?>
+<p:tagLst xmlns:p="http://schemas.openxmlformats.org/presentationml/2006/main">
+  <p:tag name="KSO_WM_UNIT_HIGHLIGHT" val="0"/>
+  <p:tag name="KSO_WM_UNIT_COMPATIBLE" val="0"/>
+  <p:tag name="KSO_WM_UNIT_DIAGRAM_ISNUMVISUAL" val="0"/>
+  <p:tag name="KSO_WM_UNIT_DIAGRAM_ISREFERUNIT" val="0"/>
+  <p:tag name="KSO_WM_UNIT_ID" val="_1**"/>
+  <p:tag name="KSO_WM_UNIT_LAYERLEVEL" val="1"/>
+  <p:tag name="KSO_WM_TAG_VERSION" val="1.0"/>
+  <p:tag name="KSO_WM_BEAUTIFY_FLAG" val="#wm#"/>
+</p:tagLst>
+</file>
+
+<file path=ppt/tags/tag40.xml><?xml version="1.0" encoding="utf-8"?>
+<p:tagLst xmlns:p="http://schemas.openxmlformats.org/presentationml/2006/main">
+  <p:tag name="KSO_WM_UNIT_HIGHLIGHT" val="0"/>
+  <p:tag name="KSO_WM_UNIT_COMPATIBLE" val="0"/>
+  <p:tag name="KSO_WM_UNIT_DIAGRAM_ISNUMVISUAL" val="0"/>
+  <p:tag name="KSO_WM_UNIT_DIAGRAM_ISREFERUNIT" val="0"/>
+  <p:tag name="KSO_WM_UNIT_ID" val="_8**"/>
+  <p:tag name="KSO_WM_UNIT_LAYERLEVEL" val="1"/>
+  <p:tag name="KSO_WM_TAG_VERSION" val="1.0"/>
+  <p:tag name="KSO_WM_BEAUTIFY_FLAG" val="#wm#"/>
+</p:tagLst>
+</file>
+
+<file path=ppt/tags/tag41.xml><?xml version="1.0" encoding="utf-8"?>
+<p:tagLst xmlns:p="http://schemas.openxmlformats.org/presentationml/2006/main">
+  <p:tag name="KSO_WM_UNIT_HIGHLIGHT" val="0"/>
+  <p:tag name="KSO_WM_UNIT_COMPATIBLE" val="0"/>
+  <p:tag name="KSO_WM_UNIT_DIAGRAM_ISNUMVISUAL" val="0"/>
+  <p:tag name="KSO_WM_UNIT_DIAGRAM_ISREFERUNIT" val="0"/>
+  <p:tag name="KSO_WM_UNIT_ID" val="_8**"/>
+  <p:tag name="KSO_WM_UNIT_LAYERLEVEL" val="1"/>
+  <p:tag name="KSO_WM_TAG_VERSION" val="1.0"/>
+  <p:tag name="KSO_WM_BEAUTIFY_FLAG" val="#wm#"/>
+</p:tagLst>
+</file>
+
+<file path=ppt/tags/tag42.xml><?xml version="1.0" encoding="utf-8"?>
+<p:tagLst xmlns:p="http://schemas.openxmlformats.org/presentationml/2006/main">
+  <p:tag name="KSO_WM_UNIT_HIGHLIGHT" val="0"/>
+  <p:tag name="KSO_WM_UNIT_COMPATIBLE" val="0"/>
+  <p:tag name="KSO_WM_UNIT_DIAGRAM_ISNUMVISUAL" val="0"/>
+  <p:tag name="KSO_WM_UNIT_DIAGRAM_ISREFERUNIT" val="0"/>
+  <p:tag name="KSO_WM_UNIT_ID" val="_8**"/>
+  <p:tag name="KSO_WM_UNIT_LAYERLEVEL" val="1"/>
+  <p:tag name="KSO_WM_TAG_VERSION" val="1.0"/>
+  <p:tag name="KSO_WM_BEAUTIFY_FLAG" val="#wm#"/>
+</p:tagLst>
+</file>
+
+<file path=ppt/tags/tag43.xml><?xml version="1.0" encoding="utf-8"?>
+<p:tagLst xmlns:p="http://schemas.openxmlformats.org/presentationml/2006/main">
+  <p:tag name="KSO_WM_UNIT_HIGHLIGHT" val="0"/>
+  <p:tag name="KSO_WM_UNIT_COMPATIBLE" val="0"/>
+  <p:tag name="KSO_WM_UNIT_DIAGRAM_ISNUMVISUAL" val="0"/>
+  <p:tag name="KSO_WM_UNIT_DIAGRAM_ISREFERUNIT" val="0"/>
+  <p:tag name="KSO_WM_UNIT_ID" val="_9**"/>
+  <p:tag name="KSO_WM_UNIT_LAYERLEVEL" val="1"/>
+  <p:tag name="KSO_WM_TAG_VERSION" val="1.0"/>
+  <p:tag name="KSO_WM_BEAUTIFY_FLAG" val="#wm#"/>
+</p:tagLst>
+</file>
+
+<file path=ppt/tags/tag44.xml><?xml version="1.0" encoding="utf-8"?>
+<p:tagLst xmlns:p="http://schemas.openxmlformats.org/presentationml/2006/main">
+  <p:tag name="KSO_WM_UNIT_HIGHLIGHT" val="0"/>
+  <p:tag name="KSO_WM_UNIT_COMPATIBLE" val="0"/>
+  <p:tag name="KSO_WM_UNIT_DIAGRAM_ISNUMVISUAL" val="0"/>
+  <p:tag name="KSO_WM_UNIT_DIAGRAM_ISREFERUNIT" val="0"/>
+  <p:tag name="KSO_WM_UNIT_ID" val="_9**"/>
+  <p:tag name="KSO_WM_UNIT_LAYERLEVEL" val="1"/>
+  <p:tag name="KSO_WM_TAG_VERSION" val="1.0"/>
+  <p:tag name="KSO_WM_BEAUTIFY_FLAG" val="#wm#"/>
+</p:tagLst>
+</file>
+
+<file path=ppt/tags/tag45.xml><?xml version="1.0" encoding="utf-8"?>
+<p:tagLst xmlns:p="http://schemas.openxmlformats.org/presentationml/2006/main">
+  <p:tag name="KSO_WM_UNIT_HIGHLIGHT" val="0"/>
+  <p:tag name="KSO_WM_UNIT_COMPATIBLE" val="0"/>
+  <p:tag name="KSO_WM_UNIT_DIAGRAM_ISNUMVISUAL" val="0"/>
+  <p:tag name="KSO_WM_UNIT_DIAGRAM_ISREFERUNIT" val="0"/>
+  <p:tag name="KSO_WM_UNIT_ID" val="_9**"/>
+  <p:tag name="KSO_WM_UNIT_LAYERLEVEL" val="1"/>
+  <p:tag name="KSO_WM_TAG_VERSION" val="1.0"/>
+  <p:tag name="KSO_WM_BEAUTIFY_FLAG" val="#wm#"/>
+</p:tagLst>
+</file>
+
+<file path=ppt/tags/tag46.xml><?xml version="1.0" encoding="utf-8"?>
+<p:tagLst xmlns:p="http://schemas.openxmlformats.org/presentationml/2006/main">
+  <p:tag name="KSO_WM_UNIT_HIGHLIGHT" val="0"/>
+  <p:tag name="KSO_WM_UNIT_COMPATIBLE" val="0"/>
+  <p:tag name="KSO_WM_UNIT_DIAGRAM_ISNUMVISUAL" val="0"/>
+  <p:tag name="KSO_WM_UNIT_DIAGRAM_ISREFERUNIT" val="0"/>
+  <p:tag name="KSO_WM_UNIT_ID" val="_9**"/>
+  <p:tag name="KSO_WM_UNIT_LAYERLEVEL" val="1"/>
+  <p:tag name="KSO_WM_TAG_VERSION" val="1.0"/>
+  <p:tag name="KSO_WM_BEAUTIFY_FLAG" val="#wm#"/>
+</p:tagLst>
+</file>
+
+<file path=ppt/tags/tag47.xml><?xml version="1.0" encoding="utf-8"?>
+<p:tagLst xmlns:p="http://schemas.openxmlformats.org/presentationml/2006/main">
+  <p:tag name="KSO_WM_UNIT_HIGHLIGHT" val="0"/>
+  <p:tag name="KSO_WM_UNIT_COMPATIBLE" val="0"/>
+  <p:tag name="KSO_WM_UNIT_DIAGRAM_ISNUMVISUAL" val="0"/>
+  <p:tag name="KSO_WM_UNIT_DIAGRAM_ISREFERUNIT" val="0"/>
+  <p:tag name="KSO_WM_UNIT_ID" val="_9**"/>
+  <p:tag name="KSO_WM_UNIT_LAYERLEVEL" val="1"/>
+  <p:tag name="KSO_WM_TAG_VERSION" val="1.0"/>
+  <p:tag name="KSO_WM_BEAUTIFY_FLAG" val="#wm#"/>
+</p:tagLst>
+</file>
+
+<file path=ppt/tags/tag48.xml><?xml version="1.0" encoding="utf-8"?>
+<p:tagLst xmlns:p="http://schemas.openxmlformats.org/presentationml/2006/main">
+  <p:tag name="KSO_WM_UNIT_HIGHLIGHT" val="0"/>
+  <p:tag name="KSO_WM_UNIT_COMPATIBLE" val="0"/>
+  <p:tag name="KSO_WM_UNIT_DIAGRAM_ISNUMVISUAL" val="0"/>
+  <p:tag name="KSO_WM_UNIT_DIAGRAM_ISREFERUNIT" val="0"/>
+  <p:tag name="KSO_WM_UNIT_ID" val="_10**"/>
+  <p:tag name="KSO_WM_UNIT_LAYERLEVEL" val="1"/>
+  <p:tag name="KSO_WM_TAG_VERSION" val="1.0"/>
+  <p:tag name="KSO_WM_BEAUTIFY_FLAG" val="#wm#"/>
+</p:tagLst>
+</file>
+
+<file path=ppt/tags/tag49.xml><?xml version="1.0" encoding="utf-8"?>
+<p:tagLst xmlns:p="http://schemas.openxmlformats.org/presentationml/2006/main">
+  <p:tag name="KSO_WM_UNIT_HIGHLIGHT" val="0"/>
+  <p:tag name="KSO_WM_UNIT_COMPATIBLE" val="0"/>
+  <p:tag name="KSO_WM_UNIT_DIAGRAM_ISNUMVISUAL" val="0"/>
+  <p:tag name="KSO_WM_UNIT_DIAGRAM_ISREFERUNIT" val="0"/>
+  <p:tag name="KSO_WM_UNIT_ID" val="_10**"/>
+  <p:tag name="KSO_WM_UNIT_LAYERLEVEL" val="1"/>
+  <p:tag name="KSO_WM_TAG_VERSION" val="1.0"/>
+  <p:tag name="KSO_WM_BEAUTIFY_FLAG" val="#wm#"/>
+</p:tagLst>
+</file>
+
+<file path=ppt/tags/tag5.xml><?xml version="1.0" encoding="utf-8"?>
+<p:tagLst xmlns:p="http://schemas.openxmlformats.org/presentationml/2006/main">
+  <p:tag name="KSO_WM_UNIT_HIGHLIGHT" val="0"/>
+  <p:tag name="KSO_WM_UNIT_COMPATIBLE" val="0"/>
+  <p:tag name="KSO_WM_UNIT_DIAGRAM_ISNUMVISUAL" val="0"/>
+  <p:tag name="KSO_WM_UNIT_DIAGRAM_ISREFERUNIT" val="0"/>
+  <p:tag name="KSO_WM_UNIT_ID" val="_1**"/>
+  <p:tag name="KSO_WM_UNIT_LAYERLEVEL" val="1"/>
+  <p:tag name="KSO_WM_TAG_VERSION" val="1.0"/>
+  <p:tag name="KSO_WM_BEAUTIFY_FLAG" val="#wm#"/>
+</p:tagLst>
+</file>
+
+<file path=ppt/tags/tag50.xml><?xml version="1.0" encoding="utf-8"?>
+<p:tagLst xmlns:p="http://schemas.openxmlformats.org/presentationml/2006/main">
+  <p:tag name="KSO_WM_UNIT_HIGHLIGHT" val="0"/>
+  <p:tag name="KSO_WM_UNIT_COMPATIBLE" val="0"/>
+  <p:tag name="KSO_WM_UNIT_DIAGRAM_ISNUMVISUAL" val="0"/>
+  <p:tag name="KSO_WM_UNIT_DIAGRAM_ISREFERUNIT" val="0"/>
+  <p:tag name="KSO_WM_UNIT_ID" val="_10**"/>
+  <p:tag name="KSO_WM_UNIT_LAYERLEVEL" val="1"/>
+  <p:tag name="KSO_WM_TAG_VERSION" val="1.0"/>
+  <p:tag name="KSO_WM_BEAUTIFY_FLAG" val="#wm#"/>
+</p:tagLst>
+</file>
+
+<file path=ppt/tags/tag51.xml><?xml version="1.0" encoding="utf-8"?>
+<p:tagLst xmlns:p="http://schemas.openxmlformats.org/presentationml/2006/main">
+  <p:tag name="KSO_WM_UNIT_HIGHLIGHT" val="0"/>
+  <p:tag name="KSO_WM_UNIT_COMPATIBLE" val="0"/>
+  <p:tag name="KSO_WM_UNIT_DIAGRAM_ISNUMVISUAL" val="0"/>
+  <p:tag name="KSO_WM_UNIT_DIAGRAM_ISREFERUNIT" val="0"/>
+  <p:tag name="KSO_WM_UNIT_ID" val="_10**"/>
+  <p:tag name="KSO_WM_UNIT_LAYERLEVEL" val="1"/>
+  <p:tag name="KSO_WM_TAG_VERSION" val="1.0"/>
+  <p:tag name="KSO_WM_BEAUTIFY_FLAG" val="#wm#"/>
+</p:tagLst>
+</file>
+
+<file path=ppt/tags/tag52.xml><?xml version="1.0" encoding="utf-8"?>
+<p:tagLst xmlns:p="http://schemas.openxmlformats.org/presentationml/2006/main">
+  <p:tag name="KSO_WM_UNIT_HIGHLIGHT" val="0"/>
+  <p:tag name="KSO_WM_UNIT_COMPATIBLE" val="0"/>
+  <p:tag name="KSO_WM_UNIT_DIAGRAM_ISNUMVISUAL" val="0"/>
+  <p:tag name="KSO_WM_UNIT_DIAGRAM_ISREFERUNIT" val="0"/>
+  <p:tag name="KSO_WM_UNIT_ID" val="_11**"/>
+  <p:tag name="KSO_WM_UNIT_LAYERLEVEL" val="1"/>
+  <p:tag name="KSO_WM_TAG_VERSION" val="1.0"/>
+  <p:tag name="KSO_WM_BEAUTIFY_FLAG" val="#wm#"/>
+</p:tagLst>
+</file>
+
+<file path=ppt/tags/tag53.xml><?xml version="1.0" encoding="utf-8"?>
+<p:tagLst xmlns:p="http://schemas.openxmlformats.org/presentationml/2006/main">
+  <p:tag name="KSO_WM_UNIT_HIGHLIGHT" val="0"/>
+  <p:tag name="KSO_WM_UNIT_COMPATIBLE" val="0"/>
+  <p:tag name="KSO_WM_UNIT_DIAGRAM_ISNUMVISUAL" val="0"/>
+  <p:tag name="KSO_WM_UNIT_DIAGRAM_ISREFERUNIT" val="0"/>
+  <p:tag name="KSO_WM_UNIT_ID" val="_11**"/>
+  <p:tag name="KSO_WM_UNIT_LAYERLEVEL" val="1"/>
+  <p:tag name="KSO_WM_TAG_VERSION" val="1.0"/>
+  <p:tag name="KSO_WM_BEAUTIFY_FLAG" val="#wm#"/>
+</p:tagLst>
+</file>
+
+<file path=ppt/tags/tag54.xml><?xml version="1.0" encoding="utf-8"?>
+<p:tagLst xmlns:p="http://schemas.openxmlformats.org/presentationml/2006/main">
+  <p:tag name="KSO_WM_UNIT_HIGHLIGHT" val="0"/>
+  <p:tag name="KSO_WM_UNIT_COMPATIBLE" val="0"/>
+  <p:tag name="KSO_WM_UNIT_DIAGRAM_ISNUMVISUAL" val="0"/>
+  <p:tag name="KSO_WM_UNIT_DIAGRAM_ISREFERUNIT" val="0"/>
+  <p:tag name="KSO_WM_UNIT_ID" val="_11**"/>
+  <p:tag name="KSO_WM_UNIT_LAYERLEVEL" val="1"/>
+  <p:tag name="KSO_WM_TAG_VERSION" val="1.0"/>
+  <p:tag name="KSO_WM_BEAUTIFY_FLAG" val="#wm#"/>
+</p:tagLst>
+</file>
+
+<file path=ppt/tags/tag55.xml><?xml version="1.0" encoding="utf-8"?>
+<p:tagLst xmlns:p="http://schemas.openxmlformats.org/presentationml/2006/main">
+  <p:tag name="KSO_WM_UNIT_HIGHLIGHT" val="0"/>
+  <p:tag name="KSO_WM_UNIT_COMPATIBLE" val="0"/>
+  <p:tag name="KSO_WM_UNIT_DIAGRAM_ISNUMVISUAL" val="0"/>
+  <p:tag name="KSO_WM_UNIT_DIAGRAM_ISREFERUNIT" val="0"/>
+  <p:tag name="KSO_WM_UNIT_ID" val="_11**"/>
+  <p:tag name="KSO_WM_UNIT_LAYERLEVEL" val="1"/>
+  <p:tag name="KSO_WM_TAG_VERSION" val="1.0"/>
+  <p:tag name="KSO_WM_BEAUTIFY_FLAG" val="#wm#"/>
+</p:tagLst>
+</file>
+
+<file path=ppt/tags/tag56.xml><?xml version="1.0" encoding="utf-8"?>
+<p:tagLst xmlns:p="http://schemas.openxmlformats.org/presentationml/2006/main">
+  <p:tag name="KSO_WM_UNIT_HIGHLIGHT" val="0"/>
+  <p:tag name="KSO_WM_UNIT_COMPATIBLE" val="0"/>
+  <p:tag name="KSO_WM_UNIT_DIAGRAM_ISNUMVISUAL" val="0"/>
+  <p:tag name="KSO_WM_UNIT_DIAGRAM_ISREFERUNIT" val="0"/>
+  <p:tag name="KSO_WM_UNIT_ID" val="_11**"/>
+  <p:tag name="KSO_WM_UNIT_LAYERLEVEL" val="1"/>
+  <p:tag name="KSO_WM_TAG_VERSION" val="1.0"/>
+  <p:tag name="KSO_WM_BEAUTIFY_FLAG" val="#wm#"/>
+</p:tagLst>
+</file>
+
+<file path=ppt/tags/tag57.xml><?xml version="1.0" encoding="utf-8"?>
+<p:tagLst xmlns:p="http://schemas.openxmlformats.org/presentationml/2006/main">
   <p:tag name="KSO_WM_UNIT_HIGHLIGHT" val="0"/>
   <p:tag name="KSO_WM_UNIT_COMPATIBLE" val="0"/>
   <p:tag name="KSO_WM_UNIT_DIAGRAM_ISNUMVISUAL" val="0"/>
@@ -12294,138 +14217,8 @@
 </p:tagLst>
 </file>
 
-<file path=ppt/tags/tag20.xml><?xml version="1.0" encoding="utf-8"?>
-<p:tagLst xmlns:a="http://schemas.openxmlformats.org/drawingml/2006/main" xmlns:r="http://schemas.openxmlformats.org/officeDocument/2006/relationships" xmlns:p="http://schemas.openxmlformats.org/presentationml/2006/main">
-  <p:tag name="KSO_WM_UNIT_HIGHLIGHT" val="0"/>
-  <p:tag name="KSO_WM_UNIT_COMPATIBLE" val="0"/>
-  <p:tag name="KSO_WM_UNIT_DIAGRAM_ISNUMVISUAL" val="0"/>
-  <p:tag name="KSO_WM_UNIT_DIAGRAM_ISREFERUNIT" val="0"/>
-  <p:tag name="KSO_WM_UNIT_ID" val="_3**"/>
-  <p:tag name="KSO_WM_UNIT_LAYERLEVEL" val="1"/>
-  <p:tag name="KSO_WM_TAG_VERSION" val="1.0"/>
-  <p:tag name="KSO_WM_BEAUTIFY_FLAG" val="#wm#"/>
-</p:tagLst>
-</file>
-
-<file path=ppt/tags/tag21.xml><?xml version="1.0" encoding="utf-8"?>
-<p:tagLst xmlns:a="http://schemas.openxmlformats.org/drawingml/2006/main" xmlns:r="http://schemas.openxmlformats.org/officeDocument/2006/relationships" xmlns:p="http://schemas.openxmlformats.org/presentationml/2006/main">
-  <p:tag name="KSO_WM_UNIT_HIGHLIGHT" val="0"/>
-  <p:tag name="KSO_WM_UNIT_COMPATIBLE" val="0"/>
-  <p:tag name="KSO_WM_UNIT_DIAGRAM_ISNUMVISUAL" val="0"/>
-  <p:tag name="KSO_WM_UNIT_DIAGRAM_ISREFERUNIT" val="0"/>
-  <p:tag name="KSO_WM_UNIT_ID" val="_3**"/>
-  <p:tag name="KSO_WM_UNIT_LAYERLEVEL" val="1"/>
-  <p:tag name="KSO_WM_TAG_VERSION" val="1.0"/>
-  <p:tag name="KSO_WM_BEAUTIFY_FLAG" val="#wm#"/>
-</p:tagLst>
-</file>
-
-<file path=ppt/tags/tag22.xml><?xml version="1.0" encoding="utf-8"?>
-<p:tagLst xmlns:a="http://schemas.openxmlformats.org/drawingml/2006/main" xmlns:r="http://schemas.openxmlformats.org/officeDocument/2006/relationships" xmlns:p="http://schemas.openxmlformats.org/presentationml/2006/main">
-  <p:tag name="KSO_WM_UNIT_HIGHLIGHT" val="0"/>
-  <p:tag name="KSO_WM_UNIT_COMPATIBLE" val="0"/>
-  <p:tag name="KSO_WM_UNIT_DIAGRAM_ISNUMVISUAL" val="0"/>
-  <p:tag name="KSO_WM_UNIT_DIAGRAM_ISREFERUNIT" val="0"/>
-  <p:tag name="KSO_WM_UNIT_ID" val="_4**"/>
-  <p:tag name="KSO_WM_UNIT_LAYERLEVEL" val="1"/>
-  <p:tag name="KSO_WM_TAG_VERSION" val="1.0"/>
-  <p:tag name="KSO_WM_BEAUTIFY_FLAG" val="#wm#"/>
-</p:tagLst>
-</file>
-
-<file path=ppt/tags/tag23.xml><?xml version="1.0" encoding="utf-8"?>
-<p:tagLst xmlns:a="http://schemas.openxmlformats.org/drawingml/2006/main" xmlns:r="http://schemas.openxmlformats.org/officeDocument/2006/relationships" xmlns:p="http://schemas.openxmlformats.org/presentationml/2006/main">
-  <p:tag name="KSO_WM_UNIT_HIGHLIGHT" val="0"/>
-  <p:tag name="KSO_WM_UNIT_COMPATIBLE" val="0"/>
-  <p:tag name="KSO_WM_UNIT_DIAGRAM_ISNUMVISUAL" val="0"/>
-  <p:tag name="KSO_WM_UNIT_DIAGRAM_ISREFERUNIT" val="0"/>
-  <p:tag name="KSO_WM_UNIT_ID" val="_4**"/>
-  <p:tag name="KSO_WM_UNIT_LAYERLEVEL" val="1"/>
-  <p:tag name="KSO_WM_TAG_VERSION" val="1.0"/>
-  <p:tag name="KSO_WM_BEAUTIFY_FLAG" val="#wm#"/>
-</p:tagLst>
-</file>
-
-<file path=ppt/tags/tag24.xml><?xml version="1.0" encoding="utf-8"?>
-<p:tagLst xmlns:a="http://schemas.openxmlformats.org/drawingml/2006/main" xmlns:r="http://schemas.openxmlformats.org/officeDocument/2006/relationships" xmlns:p="http://schemas.openxmlformats.org/presentationml/2006/main">
-  <p:tag name="KSO_WM_UNIT_HIGHLIGHT" val="0"/>
-  <p:tag name="KSO_WM_UNIT_COMPATIBLE" val="0"/>
-  <p:tag name="KSO_WM_UNIT_DIAGRAM_ISNUMVISUAL" val="0"/>
-  <p:tag name="KSO_WM_UNIT_DIAGRAM_ISREFERUNIT" val="0"/>
-  <p:tag name="KSO_WM_UNIT_ID" val="_4**"/>
-  <p:tag name="KSO_WM_UNIT_LAYERLEVEL" val="1"/>
-  <p:tag name="KSO_WM_TAG_VERSION" val="1.0"/>
-  <p:tag name="KSO_WM_BEAUTIFY_FLAG" val="#wm#"/>
-</p:tagLst>
-</file>
-
-<file path=ppt/tags/tag25.xml><?xml version="1.0" encoding="utf-8"?>
-<p:tagLst xmlns:a="http://schemas.openxmlformats.org/drawingml/2006/main" xmlns:r="http://schemas.openxmlformats.org/officeDocument/2006/relationships" xmlns:p="http://schemas.openxmlformats.org/presentationml/2006/main">
-  <p:tag name="KSO_WM_UNIT_HIGHLIGHT" val="0"/>
-  <p:tag name="KSO_WM_UNIT_COMPATIBLE" val="0"/>
-  <p:tag name="KSO_WM_UNIT_DIAGRAM_ISNUMVISUAL" val="0"/>
-  <p:tag name="KSO_WM_UNIT_DIAGRAM_ISREFERUNIT" val="0"/>
-  <p:tag name="KSO_WM_UNIT_ID" val="_4**"/>
-  <p:tag name="KSO_WM_UNIT_LAYERLEVEL" val="1"/>
-  <p:tag name="KSO_WM_TAG_VERSION" val="1.0"/>
-  <p:tag name="KSO_WM_BEAUTIFY_FLAG" val="#wm#"/>
-</p:tagLst>
-</file>
-
-<file path=ppt/tags/tag26.xml><?xml version="1.0" encoding="utf-8"?>
-<p:tagLst xmlns:a="http://schemas.openxmlformats.org/drawingml/2006/main" xmlns:r="http://schemas.openxmlformats.org/officeDocument/2006/relationships" xmlns:p="http://schemas.openxmlformats.org/presentationml/2006/main">
-  <p:tag name="KSO_WM_UNIT_HIGHLIGHT" val="0"/>
-  <p:tag name="KSO_WM_UNIT_COMPATIBLE" val="0"/>
-  <p:tag name="KSO_WM_UNIT_DIAGRAM_ISNUMVISUAL" val="0"/>
-  <p:tag name="KSO_WM_UNIT_DIAGRAM_ISREFERUNIT" val="0"/>
-  <p:tag name="KSO_WM_UNIT_ID" val="_4**"/>
-  <p:tag name="KSO_WM_UNIT_LAYERLEVEL" val="1"/>
-  <p:tag name="KSO_WM_TAG_VERSION" val="1.0"/>
-  <p:tag name="KSO_WM_BEAUTIFY_FLAG" val="#wm#"/>
-</p:tagLst>
-</file>
-
-<file path=ppt/tags/tag27.xml><?xml version="1.0" encoding="utf-8"?>
-<p:tagLst xmlns:a="http://schemas.openxmlformats.org/drawingml/2006/main" xmlns:r="http://schemas.openxmlformats.org/officeDocument/2006/relationships" xmlns:p="http://schemas.openxmlformats.org/presentationml/2006/main">
-  <p:tag name="KSO_WM_UNIT_HIGHLIGHT" val="0"/>
-  <p:tag name="KSO_WM_UNIT_COMPATIBLE" val="0"/>
-  <p:tag name="KSO_WM_UNIT_DIAGRAM_ISNUMVISUAL" val="0"/>
-  <p:tag name="KSO_WM_UNIT_DIAGRAM_ISREFERUNIT" val="0"/>
-  <p:tag name="KSO_WM_UNIT_ID" val="_4**"/>
-  <p:tag name="KSO_WM_UNIT_LAYERLEVEL" val="1"/>
-  <p:tag name="KSO_WM_TAG_VERSION" val="1.0"/>
-  <p:tag name="KSO_WM_BEAUTIFY_FLAG" val="#wm#"/>
-</p:tagLst>
-</file>
-
-<file path=ppt/tags/tag28.xml><?xml version="1.0" encoding="utf-8"?>
-<p:tagLst xmlns:a="http://schemas.openxmlformats.org/drawingml/2006/main" xmlns:r="http://schemas.openxmlformats.org/officeDocument/2006/relationships" xmlns:p="http://schemas.openxmlformats.org/presentationml/2006/main">
-  <p:tag name="KSO_WM_UNIT_HIGHLIGHT" val="0"/>
-  <p:tag name="KSO_WM_UNIT_COMPATIBLE" val="0"/>
-  <p:tag name="KSO_WM_UNIT_DIAGRAM_ISNUMVISUAL" val="0"/>
-  <p:tag name="KSO_WM_UNIT_DIAGRAM_ISREFERUNIT" val="0"/>
-  <p:tag name="KSO_WM_UNIT_ID" val="_5**"/>
-  <p:tag name="KSO_WM_UNIT_LAYERLEVEL" val="1"/>
-  <p:tag name="KSO_WM_TAG_VERSION" val="1.0"/>
-  <p:tag name="KSO_WM_BEAUTIFY_FLAG" val="#wm#"/>
-</p:tagLst>
-</file>
-
-<file path=ppt/tags/tag29.xml><?xml version="1.0" encoding="utf-8"?>
-<p:tagLst xmlns:a="http://schemas.openxmlformats.org/drawingml/2006/main" xmlns:r="http://schemas.openxmlformats.org/officeDocument/2006/relationships" xmlns:p="http://schemas.openxmlformats.org/presentationml/2006/main">
-  <p:tag name="KSO_WM_UNIT_HIGHLIGHT" val="0"/>
-  <p:tag name="KSO_WM_UNIT_COMPATIBLE" val="0"/>
-  <p:tag name="KSO_WM_UNIT_DIAGRAM_ISNUMVISUAL" val="0"/>
-  <p:tag name="KSO_WM_UNIT_DIAGRAM_ISREFERUNIT" val="0"/>
-  <p:tag name="KSO_WM_UNIT_ID" val="_5**"/>
-  <p:tag name="KSO_WM_UNIT_LAYERLEVEL" val="1"/>
-  <p:tag name="KSO_WM_TAG_VERSION" val="1.0"/>
-  <p:tag name="KSO_WM_BEAUTIFY_FLAG" val="#wm#"/>
-</p:tagLst>
-</file>
-
-<file path=ppt/tags/tag3.xml><?xml version="1.0" encoding="utf-8"?>
-<p:tagLst xmlns:a="http://schemas.openxmlformats.org/drawingml/2006/main" xmlns:r="http://schemas.openxmlformats.org/officeDocument/2006/relationships" xmlns:p="http://schemas.openxmlformats.org/presentationml/2006/main">
+<file path=ppt/tags/tag58.xml><?xml version="1.0" encoding="utf-8"?>
+<p:tagLst xmlns:p="http://schemas.openxmlformats.org/presentationml/2006/main">
   <p:tag name="KSO_WM_UNIT_HIGHLIGHT" val="0"/>
   <p:tag name="KSO_WM_UNIT_COMPATIBLE" val="0"/>
   <p:tag name="KSO_WM_UNIT_DIAGRAM_ISNUMVISUAL" val="0"/>
@@ -12439,138 +14232,8 @@
 </p:tagLst>
 </file>
 
-<file path=ppt/tags/tag30.xml><?xml version="1.0" encoding="utf-8"?>
-<p:tagLst xmlns:a="http://schemas.openxmlformats.org/drawingml/2006/main" xmlns:r="http://schemas.openxmlformats.org/officeDocument/2006/relationships" xmlns:p="http://schemas.openxmlformats.org/presentationml/2006/main">
-  <p:tag name="KSO_WM_UNIT_HIGHLIGHT" val="0"/>
-  <p:tag name="KSO_WM_UNIT_COMPATIBLE" val="0"/>
-  <p:tag name="KSO_WM_UNIT_DIAGRAM_ISNUMVISUAL" val="0"/>
-  <p:tag name="KSO_WM_UNIT_DIAGRAM_ISREFERUNIT" val="0"/>
-  <p:tag name="KSO_WM_UNIT_ID" val="_5**"/>
-  <p:tag name="KSO_WM_UNIT_LAYERLEVEL" val="1"/>
-  <p:tag name="KSO_WM_TAG_VERSION" val="1.0"/>
-  <p:tag name="KSO_WM_BEAUTIFY_FLAG" val="#wm#"/>
-</p:tagLst>
-</file>
-
-<file path=ppt/tags/tag31.xml><?xml version="1.0" encoding="utf-8"?>
-<p:tagLst xmlns:a="http://schemas.openxmlformats.org/drawingml/2006/main" xmlns:r="http://schemas.openxmlformats.org/officeDocument/2006/relationships" xmlns:p="http://schemas.openxmlformats.org/presentationml/2006/main">
-  <p:tag name="KSO_WM_UNIT_HIGHLIGHT" val="0"/>
-  <p:tag name="KSO_WM_UNIT_COMPATIBLE" val="0"/>
-  <p:tag name="KSO_WM_UNIT_DIAGRAM_ISNUMVISUAL" val="0"/>
-  <p:tag name="KSO_WM_UNIT_DIAGRAM_ISREFERUNIT" val="0"/>
-  <p:tag name="KSO_WM_UNIT_ID" val="_5**"/>
-  <p:tag name="KSO_WM_UNIT_LAYERLEVEL" val="1"/>
-  <p:tag name="KSO_WM_TAG_VERSION" val="1.0"/>
-  <p:tag name="KSO_WM_BEAUTIFY_FLAG" val="#wm#"/>
-</p:tagLst>
-</file>
-
-<file path=ppt/tags/tag32.xml><?xml version="1.0" encoding="utf-8"?>
-<p:tagLst xmlns:a="http://schemas.openxmlformats.org/drawingml/2006/main" xmlns:r="http://schemas.openxmlformats.org/officeDocument/2006/relationships" xmlns:p="http://schemas.openxmlformats.org/presentationml/2006/main">
-  <p:tag name="KSO_WM_UNIT_HIGHLIGHT" val="0"/>
-  <p:tag name="KSO_WM_UNIT_COMPATIBLE" val="0"/>
-  <p:tag name="KSO_WM_UNIT_DIAGRAM_ISNUMVISUAL" val="0"/>
-  <p:tag name="KSO_WM_UNIT_DIAGRAM_ISREFERUNIT" val="0"/>
-  <p:tag name="KSO_WM_UNIT_ID" val="_5**"/>
-  <p:tag name="KSO_WM_UNIT_LAYERLEVEL" val="1"/>
-  <p:tag name="KSO_WM_TAG_VERSION" val="1.0"/>
-  <p:tag name="KSO_WM_BEAUTIFY_FLAG" val="#wm#"/>
-</p:tagLst>
-</file>
-
-<file path=ppt/tags/tag33.xml><?xml version="1.0" encoding="utf-8"?>
-<p:tagLst xmlns:a="http://schemas.openxmlformats.org/drawingml/2006/main" xmlns:r="http://schemas.openxmlformats.org/officeDocument/2006/relationships" xmlns:p="http://schemas.openxmlformats.org/presentationml/2006/main">
-  <p:tag name="KSO_WM_UNIT_HIGHLIGHT" val="0"/>
-  <p:tag name="KSO_WM_UNIT_COMPATIBLE" val="0"/>
-  <p:tag name="KSO_WM_UNIT_DIAGRAM_ISNUMVISUAL" val="0"/>
-  <p:tag name="KSO_WM_UNIT_DIAGRAM_ISREFERUNIT" val="0"/>
-  <p:tag name="KSO_WM_UNIT_ID" val="_5**"/>
-  <p:tag name="KSO_WM_UNIT_LAYERLEVEL" val="1"/>
-  <p:tag name="KSO_WM_TAG_VERSION" val="1.0"/>
-  <p:tag name="KSO_WM_BEAUTIFY_FLAG" val="#wm#"/>
-</p:tagLst>
-</file>
-
-<file path=ppt/tags/tag34.xml><?xml version="1.0" encoding="utf-8"?>
-<p:tagLst xmlns:a="http://schemas.openxmlformats.org/drawingml/2006/main" xmlns:r="http://schemas.openxmlformats.org/officeDocument/2006/relationships" xmlns:p="http://schemas.openxmlformats.org/presentationml/2006/main">
-  <p:tag name="KSO_WM_UNIT_HIGHLIGHT" val="0"/>
-  <p:tag name="KSO_WM_UNIT_COMPATIBLE" val="0"/>
-  <p:tag name="KSO_WM_UNIT_DIAGRAM_ISNUMVISUAL" val="0"/>
-  <p:tag name="KSO_WM_UNIT_DIAGRAM_ISREFERUNIT" val="0"/>
-  <p:tag name="KSO_WM_UNIT_ID" val="_5**"/>
-  <p:tag name="KSO_WM_UNIT_LAYERLEVEL" val="1"/>
-  <p:tag name="KSO_WM_TAG_VERSION" val="1.0"/>
-  <p:tag name="KSO_WM_BEAUTIFY_FLAG" val="#wm#"/>
-</p:tagLst>
-</file>
-
-<file path=ppt/tags/tag35.xml><?xml version="1.0" encoding="utf-8"?>
-<p:tagLst xmlns:a="http://schemas.openxmlformats.org/drawingml/2006/main" xmlns:r="http://schemas.openxmlformats.org/officeDocument/2006/relationships" xmlns:p="http://schemas.openxmlformats.org/presentationml/2006/main">
-  <p:tag name="KSO_WM_UNIT_HIGHLIGHT" val="0"/>
-  <p:tag name="KSO_WM_UNIT_COMPATIBLE" val="0"/>
-  <p:tag name="KSO_WM_UNIT_DIAGRAM_ISNUMVISUAL" val="0"/>
-  <p:tag name="KSO_WM_UNIT_DIAGRAM_ISREFERUNIT" val="0"/>
-  <p:tag name="KSO_WM_UNIT_ID" val="_5**"/>
-  <p:tag name="KSO_WM_UNIT_LAYERLEVEL" val="1"/>
-  <p:tag name="KSO_WM_TAG_VERSION" val="1.0"/>
-  <p:tag name="KSO_WM_BEAUTIFY_FLAG" val="#wm#"/>
-</p:tagLst>
-</file>
-
-<file path=ppt/tags/tag36.xml><?xml version="1.0" encoding="utf-8"?>
-<p:tagLst xmlns:a="http://schemas.openxmlformats.org/drawingml/2006/main" xmlns:r="http://schemas.openxmlformats.org/officeDocument/2006/relationships" xmlns:p="http://schemas.openxmlformats.org/presentationml/2006/main">
-  <p:tag name="KSO_WM_UNIT_HIGHLIGHT" val="0"/>
-  <p:tag name="KSO_WM_UNIT_COMPATIBLE" val="0"/>
-  <p:tag name="KSO_WM_UNIT_DIAGRAM_ISNUMVISUAL" val="0"/>
-  <p:tag name="KSO_WM_UNIT_DIAGRAM_ISREFERUNIT" val="0"/>
-  <p:tag name="KSO_WM_UNIT_ID" val="_6**"/>
-  <p:tag name="KSO_WM_UNIT_LAYERLEVEL" val="1"/>
-  <p:tag name="KSO_WM_TAG_VERSION" val="1.0"/>
-  <p:tag name="KSO_WM_BEAUTIFY_FLAG" val="#wm#"/>
-</p:tagLst>
-</file>
-
-<file path=ppt/tags/tag37.xml><?xml version="1.0" encoding="utf-8"?>
-<p:tagLst xmlns:a="http://schemas.openxmlformats.org/drawingml/2006/main" xmlns:r="http://schemas.openxmlformats.org/officeDocument/2006/relationships" xmlns:p="http://schemas.openxmlformats.org/presentationml/2006/main">
-  <p:tag name="KSO_WM_UNIT_HIGHLIGHT" val="0"/>
-  <p:tag name="KSO_WM_UNIT_COMPATIBLE" val="0"/>
-  <p:tag name="KSO_WM_UNIT_DIAGRAM_ISNUMVISUAL" val="0"/>
-  <p:tag name="KSO_WM_UNIT_DIAGRAM_ISREFERUNIT" val="0"/>
-  <p:tag name="KSO_WM_UNIT_ID" val="_6**"/>
-  <p:tag name="KSO_WM_UNIT_LAYERLEVEL" val="1"/>
-  <p:tag name="KSO_WM_TAG_VERSION" val="1.0"/>
-  <p:tag name="KSO_WM_BEAUTIFY_FLAG" val="#wm#"/>
-</p:tagLst>
-</file>
-
-<file path=ppt/tags/tag38.xml><?xml version="1.0" encoding="utf-8"?>
-<p:tagLst xmlns:a="http://schemas.openxmlformats.org/drawingml/2006/main" xmlns:r="http://schemas.openxmlformats.org/officeDocument/2006/relationships" xmlns:p="http://schemas.openxmlformats.org/presentationml/2006/main">
-  <p:tag name="KSO_WM_UNIT_HIGHLIGHT" val="0"/>
-  <p:tag name="KSO_WM_UNIT_COMPATIBLE" val="0"/>
-  <p:tag name="KSO_WM_UNIT_DIAGRAM_ISNUMVISUAL" val="0"/>
-  <p:tag name="KSO_WM_UNIT_DIAGRAM_ISREFERUNIT" val="0"/>
-  <p:tag name="KSO_WM_UNIT_ID" val="_6**"/>
-  <p:tag name="KSO_WM_UNIT_LAYERLEVEL" val="1"/>
-  <p:tag name="KSO_WM_TAG_VERSION" val="1.0"/>
-  <p:tag name="KSO_WM_BEAUTIFY_FLAG" val="#wm#"/>
-</p:tagLst>
-</file>
-
-<file path=ppt/tags/tag39.xml><?xml version="1.0" encoding="utf-8"?>
-<p:tagLst xmlns:a="http://schemas.openxmlformats.org/drawingml/2006/main" xmlns:r="http://schemas.openxmlformats.org/officeDocument/2006/relationships" xmlns:p="http://schemas.openxmlformats.org/presentationml/2006/main">
-  <p:tag name="KSO_WM_UNIT_HIGHLIGHT" val="0"/>
-  <p:tag name="KSO_WM_UNIT_COMPATIBLE" val="0"/>
-  <p:tag name="KSO_WM_UNIT_DIAGRAM_ISNUMVISUAL" val="0"/>
-  <p:tag name="KSO_WM_UNIT_DIAGRAM_ISREFERUNIT" val="0"/>
-  <p:tag name="KSO_WM_UNIT_ID" val="_6**"/>
-  <p:tag name="KSO_WM_UNIT_LAYERLEVEL" val="1"/>
-  <p:tag name="KSO_WM_TAG_VERSION" val="1.0"/>
-  <p:tag name="KSO_WM_BEAUTIFY_FLAG" val="#wm#"/>
-</p:tagLst>
-</file>
-
-<file path=ppt/tags/tag4.xml><?xml version="1.0" encoding="utf-8"?>
-<p:tagLst xmlns:a="http://schemas.openxmlformats.org/drawingml/2006/main" xmlns:r="http://schemas.openxmlformats.org/officeDocument/2006/relationships" xmlns:p="http://schemas.openxmlformats.org/presentationml/2006/main">
+<file path=ppt/tags/tag59.xml><?xml version="1.0" encoding="utf-8"?>
+<p:tagLst xmlns:p="http://schemas.openxmlformats.org/presentationml/2006/main">
   <p:tag name="KSO_WM_UNIT_HIGHLIGHT" val="0"/>
   <p:tag name="KSO_WM_UNIT_COMPATIBLE" val="0"/>
   <p:tag name="KSO_WM_UNIT_DIAGRAM_ISNUMVISUAL" val="0"/>
@@ -12582,138 +14245,21 @@
 </p:tagLst>
 </file>
 
-<file path=ppt/tags/tag40.xml><?xml version="1.0" encoding="utf-8"?>
-<p:tagLst xmlns:a="http://schemas.openxmlformats.org/drawingml/2006/main" xmlns:r="http://schemas.openxmlformats.org/officeDocument/2006/relationships" xmlns:p="http://schemas.openxmlformats.org/presentationml/2006/main">
+<file path=ppt/tags/tag6.xml><?xml version="1.0" encoding="utf-8"?>
+<p:tagLst xmlns:p="http://schemas.openxmlformats.org/presentationml/2006/main">
   <p:tag name="KSO_WM_UNIT_HIGHLIGHT" val="0"/>
   <p:tag name="KSO_WM_UNIT_COMPATIBLE" val="0"/>
   <p:tag name="KSO_WM_UNIT_DIAGRAM_ISNUMVISUAL" val="0"/>
   <p:tag name="KSO_WM_UNIT_DIAGRAM_ISREFERUNIT" val="0"/>
-  <p:tag name="KSO_WM_UNIT_ID" val="_7**"/>
+  <p:tag name="KSO_WM_UNIT_ID" val="_2**"/>
   <p:tag name="KSO_WM_UNIT_LAYERLEVEL" val="1"/>
   <p:tag name="KSO_WM_TAG_VERSION" val="1.0"/>
   <p:tag name="KSO_WM_BEAUTIFY_FLAG" val="#wm#"/>
 </p:tagLst>
 </file>
 
-<file path=ppt/tags/tag41.xml><?xml version="1.0" encoding="utf-8"?>
-<p:tagLst xmlns:a="http://schemas.openxmlformats.org/drawingml/2006/main" xmlns:r="http://schemas.openxmlformats.org/officeDocument/2006/relationships" xmlns:p="http://schemas.openxmlformats.org/presentationml/2006/main">
-  <p:tag name="KSO_WM_UNIT_HIGHLIGHT" val="0"/>
-  <p:tag name="KSO_WM_UNIT_COMPATIBLE" val="0"/>
-  <p:tag name="KSO_WM_UNIT_DIAGRAM_ISNUMVISUAL" val="0"/>
-  <p:tag name="KSO_WM_UNIT_DIAGRAM_ISREFERUNIT" val="0"/>
-  <p:tag name="KSO_WM_UNIT_ID" val="_7**"/>
-  <p:tag name="KSO_WM_UNIT_LAYERLEVEL" val="1"/>
-  <p:tag name="KSO_WM_TAG_VERSION" val="1.0"/>
-  <p:tag name="KSO_WM_BEAUTIFY_FLAG" val="#wm#"/>
-</p:tagLst>
-</file>
-
-<file path=ppt/tags/tag42.xml><?xml version="1.0" encoding="utf-8"?>
-<p:tagLst xmlns:a="http://schemas.openxmlformats.org/drawingml/2006/main" xmlns:r="http://schemas.openxmlformats.org/officeDocument/2006/relationships" xmlns:p="http://schemas.openxmlformats.org/presentationml/2006/main">
-  <p:tag name="KSO_WM_UNIT_HIGHLIGHT" val="0"/>
-  <p:tag name="KSO_WM_UNIT_COMPATIBLE" val="0"/>
-  <p:tag name="KSO_WM_UNIT_DIAGRAM_ISNUMVISUAL" val="0"/>
-  <p:tag name="KSO_WM_UNIT_DIAGRAM_ISREFERUNIT" val="0"/>
-  <p:tag name="KSO_WM_UNIT_ID" val="_7**"/>
-  <p:tag name="KSO_WM_UNIT_LAYERLEVEL" val="1"/>
-  <p:tag name="KSO_WM_TAG_VERSION" val="1.0"/>
-  <p:tag name="KSO_WM_BEAUTIFY_FLAG" val="#wm#"/>
-</p:tagLst>
-</file>
-
-<file path=ppt/tags/tag43.xml><?xml version="1.0" encoding="utf-8"?>
-<p:tagLst xmlns:a="http://schemas.openxmlformats.org/drawingml/2006/main" xmlns:r="http://schemas.openxmlformats.org/officeDocument/2006/relationships" xmlns:p="http://schemas.openxmlformats.org/presentationml/2006/main">
-  <p:tag name="KSO_WM_UNIT_HIGHLIGHT" val="0"/>
-  <p:tag name="KSO_WM_UNIT_COMPATIBLE" val="0"/>
-  <p:tag name="KSO_WM_UNIT_DIAGRAM_ISNUMVISUAL" val="0"/>
-  <p:tag name="KSO_WM_UNIT_DIAGRAM_ISREFERUNIT" val="0"/>
-  <p:tag name="KSO_WM_UNIT_ID" val="_8**"/>
-  <p:tag name="KSO_WM_UNIT_LAYERLEVEL" val="1"/>
-  <p:tag name="KSO_WM_TAG_VERSION" val="1.0"/>
-  <p:tag name="KSO_WM_BEAUTIFY_FLAG" val="#wm#"/>
-</p:tagLst>
-</file>
-
-<file path=ppt/tags/tag44.xml><?xml version="1.0" encoding="utf-8"?>
-<p:tagLst xmlns:a="http://schemas.openxmlformats.org/drawingml/2006/main" xmlns:r="http://schemas.openxmlformats.org/officeDocument/2006/relationships" xmlns:p="http://schemas.openxmlformats.org/presentationml/2006/main">
-  <p:tag name="KSO_WM_UNIT_HIGHLIGHT" val="0"/>
-  <p:tag name="KSO_WM_UNIT_COMPATIBLE" val="0"/>
-  <p:tag name="KSO_WM_UNIT_DIAGRAM_ISNUMVISUAL" val="0"/>
-  <p:tag name="KSO_WM_UNIT_DIAGRAM_ISREFERUNIT" val="0"/>
-  <p:tag name="KSO_WM_UNIT_ID" val="_8**"/>
-  <p:tag name="KSO_WM_UNIT_LAYERLEVEL" val="1"/>
-  <p:tag name="KSO_WM_TAG_VERSION" val="1.0"/>
-  <p:tag name="KSO_WM_BEAUTIFY_FLAG" val="#wm#"/>
-</p:tagLst>
-</file>
-
-<file path=ppt/tags/tag45.xml><?xml version="1.0" encoding="utf-8"?>
-<p:tagLst xmlns:a="http://schemas.openxmlformats.org/drawingml/2006/main" xmlns:r="http://schemas.openxmlformats.org/officeDocument/2006/relationships" xmlns:p="http://schemas.openxmlformats.org/presentationml/2006/main">
-  <p:tag name="KSO_WM_UNIT_HIGHLIGHT" val="0"/>
-  <p:tag name="KSO_WM_UNIT_COMPATIBLE" val="0"/>
-  <p:tag name="KSO_WM_UNIT_DIAGRAM_ISNUMVISUAL" val="0"/>
-  <p:tag name="KSO_WM_UNIT_DIAGRAM_ISREFERUNIT" val="0"/>
-  <p:tag name="KSO_WM_UNIT_ID" val="_8**"/>
-  <p:tag name="KSO_WM_UNIT_LAYERLEVEL" val="1"/>
-  <p:tag name="KSO_WM_TAG_VERSION" val="1.0"/>
-  <p:tag name="KSO_WM_BEAUTIFY_FLAG" val="#wm#"/>
-</p:tagLst>
-</file>
-
-<file path=ppt/tags/tag46.xml><?xml version="1.0" encoding="utf-8"?>
-<p:tagLst xmlns:a="http://schemas.openxmlformats.org/drawingml/2006/main" xmlns:r="http://schemas.openxmlformats.org/officeDocument/2006/relationships" xmlns:p="http://schemas.openxmlformats.org/presentationml/2006/main">
-  <p:tag name="KSO_WM_UNIT_HIGHLIGHT" val="0"/>
-  <p:tag name="KSO_WM_UNIT_COMPATIBLE" val="0"/>
-  <p:tag name="KSO_WM_UNIT_DIAGRAM_ISNUMVISUAL" val="0"/>
-  <p:tag name="KSO_WM_UNIT_DIAGRAM_ISREFERUNIT" val="0"/>
-  <p:tag name="KSO_WM_UNIT_ID" val="_8**"/>
-  <p:tag name="KSO_WM_UNIT_LAYERLEVEL" val="1"/>
-  <p:tag name="KSO_WM_TAG_VERSION" val="1.0"/>
-  <p:tag name="KSO_WM_BEAUTIFY_FLAG" val="#wm#"/>
-</p:tagLst>
-</file>
-
-<file path=ppt/tags/tag47.xml><?xml version="1.0" encoding="utf-8"?>
-<p:tagLst xmlns:a="http://schemas.openxmlformats.org/drawingml/2006/main" xmlns:r="http://schemas.openxmlformats.org/officeDocument/2006/relationships" xmlns:p="http://schemas.openxmlformats.org/presentationml/2006/main">
-  <p:tag name="KSO_WM_UNIT_HIGHLIGHT" val="0"/>
-  <p:tag name="KSO_WM_UNIT_COMPATIBLE" val="0"/>
-  <p:tag name="KSO_WM_UNIT_DIAGRAM_ISNUMVISUAL" val="0"/>
-  <p:tag name="KSO_WM_UNIT_DIAGRAM_ISREFERUNIT" val="0"/>
-  <p:tag name="KSO_WM_UNIT_ID" val="_8**"/>
-  <p:tag name="KSO_WM_UNIT_LAYERLEVEL" val="1"/>
-  <p:tag name="KSO_WM_TAG_VERSION" val="1.0"/>
-  <p:tag name="KSO_WM_BEAUTIFY_FLAG" val="#wm#"/>
-</p:tagLst>
-</file>
-
-<file path=ppt/tags/tag48.xml><?xml version="1.0" encoding="utf-8"?>
-<p:tagLst xmlns:a="http://schemas.openxmlformats.org/drawingml/2006/main" xmlns:r="http://schemas.openxmlformats.org/officeDocument/2006/relationships" xmlns:p="http://schemas.openxmlformats.org/presentationml/2006/main">
-  <p:tag name="KSO_WM_UNIT_HIGHLIGHT" val="0"/>
-  <p:tag name="KSO_WM_UNIT_COMPATIBLE" val="0"/>
-  <p:tag name="KSO_WM_UNIT_DIAGRAM_ISNUMVISUAL" val="0"/>
-  <p:tag name="KSO_WM_UNIT_DIAGRAM_ISREFERUNIT" val="0"/>
-  <p:tag name="KSO_WM_UNIT_ID" val="_8**"/>
-  <p:tag name="KSO_WM_UNIT_LAYERLEVEL" val="1"/>
-  <p:tag name="KSO_WM_TAG_VERSION" val="1.0"/>
-  <p:tag name="KSO_WM_BEAUTIFY_FLAG" val="#wm#"/>
-</p:tagLst>
-</file>
-
-<file path=ppt/tags/tag49.xml><?xml version="1.0" encoding="utf-8"?>
-<p:tagLst xmlns:a="http://schemas.openxmlformats.org/drawingml/2006/main" xmlns:r="http://schemas.openxmlformats.org/officeDocument/2006/relationships" xmlns:p="http://schemas.openxmlformats.org/presentationml/2006/main">
-  <p:tag name="KSO_WM_UNIT_HIGHLIGHT" val="0"/>
-  <p:tag name="KSO_WM_UNIT_COMPATIBLE" val="0"/>
-  <p:tag name="KSO_WM_UNIT_DIAGRAM_ISNUMVISUAL" val="0"/>
-  <p:tag name="KSO_WM_UNIT_DIAGRAM_ISREFERUNIT" val="0"/>
-  <p:tag name="KSO_WM_UNIT_ID" val="_9**"/>
-  <p:tag name="KSO_WM_UNIT_LAYERLEVEL" val="1"/>
-  <p:tag name="KSO_WM_TAG_VERSION" val="1.0"/>
-  <p:tag name="KSO_WM_BEAUTIFY_FLAG" val="#wm#"/>
-</p:tagLst>
-</file>
-
-<file path=ppt/tags/tag5.xml><?xml version="1.0" encoding="utf-8"?>
-<p:tagLst xmlns:a="http://schemas.openxmlformats.org/drawingml/2006/main" xmlns:r="http://schemas.openxmlformats.org/officeDocument/2006/relationships" xmlns:p="http://schemas.openxmlformats.org/presentationml/2006/main">
+<file path=ppt/tags/tag60.xml><?xml version="1.0" encoding="utf-8"?>
+<p:tagLst xmlns:p="http://schemas.openxmlformats.org/presentationml/2006/main">
   <p:tag name="KSO_WM_UNIT_HIGHLIGHT" val="0"/>
   <p:tag name="KSO_WM_UNIT_COMPATIBLE" val="0"/>
   <p:tag name="KSO_WM_UNIT_DIAGRAM_ISNUMVISUAL" val="0"/>
@@ -12725,138 +14271,8 @@
 </p:tagLst>
 </file>
 
-<file path=ppt/tags/tag50.xml><?xml version="1.0" encoding="utf-8"?>
-<p:tagLst xmlns:a="http://schemas.openxmlformats.org/drawingml/2006/main" xmlns:r="http://schemas.openxmlformats.org/officeDocument/2006/relationships" xmlns:p="http://schemas.openxmlformats.org/presentationml/2006/main">
-  <p:tag name="KSO_WM_UNIT_HIGHLIGHT" val="0"/>
-  <p:tag name="KSO_WM_UNIT_COMPATIBLE" val="0"/>
-  <p:tag name="KSO_WM_UNIT_DIAGRAM_ISNUMVISUAL" val="0"/>
-  <p:tag name="KSO_WM_UNIT_DIAGRAM_ISREFERUNIT" val="0"/>
-  <p:tag name="KSO_WM_UNIT_ID" val="_9**"/>
-  <p:tag name="KSO_WM_UNIT_LAYERLEVEL" val="1"/>
-  <p:tag name="KSO_WM_TAG_VERSION" val="1.0"/>
-  <p:tag name="KSO_WM_BEAUTIFY_FLAG" val="#wm#"/>
-</p:tagLst>
-</file>
-
-<file path=ppt/tags/tag51.xml><?xml version="1.0" encoding="utf-8"?>
-<p:tagLst xmlns:a="http://schemas.openxmlformats.org/drawingml/2006/main" xmlns:r="http://schemas.openxmlformats.org/officeDocument/2006/relationships" xmlns:p="http://schemas.openxmlformats.org/presentationml/2006/main">
-  <p:tag name="KSO_WM_UNIT_HIGHLIGHT" val="0"/>
-  <p:tag name="KSO_WM_UNIT_COMPATIBLE" val="0"/>
-  <p:tag name="KSO_WM_UNIT_DIAGRAM_ISNUMVISUAL" val="0"/>
-  <p:tag name="KSO_WM_UNIT_DIAGRAM_ISREFERUNIT" val="0"/>
-  <p:tag name="KSO_WM_UNIT_ID" val="_9**"/>
-  <p:tag name="KSO_WM_UNIT_LAYERLEVEL" val="1"/>
-  <p:tag name="KSO_WM_TAG_VERSION" val="1.0"/>
-  <p:tag name="KSO_WM_BEAUTIFY_FLAG" val="#wm#"/>
-</p:tagLst>
-</file>
-
-<file path=ppt/tags/tag52.xml><?xml version="1.0" encoding="utf-8"?>
-<p:tagLst xmlns:a="http://schemas.openxmlformats.org/drawingml/2006/main" xmlns:r="http://schemas.openxmlformats.org/officeDocument/2006/relationships" xmlns:p="http://schemas.openxmlformats.org/presentationml/2006/main">
-  <p:tag name="KSO_WM_UNIT_HIGHLIGHT" val="0"/>
-  <p:tag name="KSO_WM_UNIT_COMPATIBLE" val="0"/>
-  <p:tag name="KSO_WM_UNIT_DIAGRAM_ISNUMVISUAL" val="0"/>
-  <p:tag name="KSO_WM_UNIT_DIAGRAM_ISREFERUNIT" val="0"/>
-  <p:tag name="KSO_WM_UNIT_ID" val="_9**"/>
-  <p:tag name="KSO_WM_UNIT_LAYERLEVEL" val="1"/>
-  <p:tag name="KSO_WM_TAG_VERSION" val="1.0"/>
-  <p:tag name="KSO_WM_BEAUTIFY_FLAG" val="#wm#"/>
-</p:tagLst>
-</file>
-
-<file path=ppt/tags/tag53.xml><?xml version="1.0" encoding="utf-8"?>
-<p:tagLst xmlns:a="http://schemas.openxmlformats.org/drawingml/2006/main" xmlns:r="http://schemas.openxmlformats.org/officeDocument/2006/relationships" xmlns:p="http://schemas.openxmlformats.org/presentationml/2006/main">
-  <p:tag name="KSO_WM_UNIT_HIGHLIGHT" val="0"/>
-  <p:tag name="KSO_WM_UNIT_COMPATIBLE" val="0"/>
-  <p:tag name="KSO_WM_UNIT_DIAGRAM_ISNUMVISUAL" val="0"/>
-  <p:tag name="KSO_WM_UNIT_DIAGRAM_ISREFERUNIT" val="0"/>
-  <p:tag name="KSO_WM_UNIT_ID" val="_9**"/>
-  <p:tag name="KSO_WM_UNIT_LAYERLEVEL" val="1"/>
-  <p:tag name="KSO_WM_TAG_VERSION" val="1.0"/>
-  <p:tag name="KSO_WM_BEAUTIFY_FLAG" val="#wm#"/>
-</p:tagLst>
-</file>
-
-<file path=ppt/tags/tag54.xml><?xml version="1.0" encoding="utf-8"?>
-<p:tagLst xmlns:a="http://schemas.openxmlformats.org/drawingml/2006/main" xmlns:r="http://schemas.openxmlformats.org/officeDocument/2006/relationships" xmlns:p="http://schemas.openxmlformats.org/presentationml/2006/main">
-  <p:tag name="KSO_WM_UNIT_HIGHLIGHT" val="0"/>
-  <p:tag name="KSO_WM_UNIT_COMPATIBLE" val="0"/>
-  <p:tag name="KSO_WM_UNIT_DIAGRAM_ISNUMVISUAL" val="0"/>
-  <p:tag name="KSO_WM_UNIT_DIAGRAM_ISREFERUNIT" val="0"/>
-  <p:tag name="KSO_WM_UNIT_ID" val="_10**"/>
-  <p:tag name="KSO_WM_UNIT_LAYERLEVEL" val="1"/>
-  <p:tag name="KSO_WM_TAG_VERSION" val="1.0"/>
-  <p:tag name="KSO_WM_BEAUTIFY_FLAG" val="#wm#"/>
-</p:tagLst>
-</file>
-
-<file path=ppt/tags/tag55.xml><?xml version="1.0" encoding="utf-8"?>
-<p:tagLst xmlns:a="http://schemas.openxmlformats.org/drawingml/2006/main" xmlns:r="http://schemas.openxmlformats.org/officeDocument/2006/relationships" xmlns:p="http://schemas.openxmlformats.org/presentationml/2006/main">
-  <p:tag name="KSO_WM_UNIT_HIGHLIGHT" val="0"/>
-  <p:tag name="KSO_WM_UNIT_COMPATIBLE" val="0"/>
-  <p:tag name="KSO_WM_UNIT_DIAGRAM_ISNUMVISUAL" val="0"/>
-  <p:tag name="KSO_WM_UNIT_DIAGRAM_ISREFERUNIT" val="0"/>
-  <p:tag name="KSO_WM_UNIT_ID" val="_10**"/>
-  <p:tag name="KSO_WM_UNIT_LAYERLEVEL" val="1"/>
-  <p:tag name="KSO_WM_TAG_VERSION" val="1.0"/>
-  <p:tag name="KSO_WM_BEAUTIFY_FLAG" val="#wm#"/>
-</p:tagLst>
-</file>
-
-<file path=ppt/tags/tag56.xml><?xml version="1.0" encoding="utf-8"?>
-<p:tagLst xmlns:a="http://schemas.openxmlformats.org/drawingml/2006/main" xmlns:r="http://schemas.openxmlformats.org/officeDocument/2006/relationships" xmlns:p="http://schemas.openxmlformats.org/presentationml/2006/main">
-  <p:tag name="KSO_WM_UNIT_HIGHLIGHT" val="0"/>
-  <p:tag name="KSO_WM_UNIT_COMPATIBLE" val="0"/>
-  <p:tag name="KSO_WM_UNIT_DIAGRAM_ISNUMVISUAL" val="0"/>
-  <p:tag name="KSO_WM_UNIT_DIAGRAM_ISREFERUNIT" val="0"/>
-  <p:tag name="KSO_WM_UNIT_ID" val="_10**"/>
-  <p:tag name="KSO_WM_UNIT_LAYERLEVEL" val="1"/>
-  <p:tag name="KSO_WM_TAG_VERSION" val="1.0"/>
-  <p:tag name="KSO_WM_BEAUTIFY_FLAG" val="#wm#"/>
-</p:tagLst>
-</file>
-
-<file path=ppt/tags/tag57.xml><?xml version="1.0" encoding="utf-8"?>
-<p:tagLst xmlns:a="http://schemas.openxmlformats.org/drawingml/2006/main" xmlns:r="http://schemas.openxmlformats.org/officeDocument/2006/relationships" xmlns:p="http://schemas.openxmlformats.org/presentationml/2006/main">
-  <p:tag name="KSO_WM_UNIT_HIGHLIGHT" val="0"/>
-  <p:tag name="KSO_WM_UNIT_COMPATIBLE" val="0"/>
-  <p:tag name="KSO_WM_UNIT_DIAGRAM_ISNUMVISUAL" val="0"/>
-  <p:tag name="KSO_WM_UNIT_DIAGRAM_ISREFERUNIT" val="0"/>
-  <p:tag name="KSO_WM_UNIT_ID" val="_10**"/>
-  <p:tag name="KSO_WM_UNIT_LAYERLEVEL" val="1"/>
-  <p:tag name="KSO_WM_TAG_VERSION" val="1.0"/>
-  <p:tag name="KSO_WM_BEAUTIFY_FLAG" val="#wm#"/>
-</p:tagLst>
-</file>
-
-<file path=ppt/tags/tag58.xml><?xml version="1.0" encoding="utf-8"?>
-<p:tagLst xmlns:a="http://schemas.openxmlformats.org/drawingml/2006/main" xmlns:r="http://schemas.openxmlformats.org/officeDocument/2006/relationships" xmlns:p="http://schemas.openxmlformats.org/presentationml/2006/main">
-  <p:tag name="KSO_WM_UNIT_HIGHLIGHT" val="0"/>
-  <p:tag name="KSO_WM_UNIT_COMPATIBLE" val="0"/>
-  <p:tag name="KSO_WM_UNIT_DIAGRAM_ISNUMVISUAL" val="0"/>
-  <p:tag name="KSO_WM_UNIT_DIAGRAM_ISREFERUNIT" val="0"/>
-  <p:tag name="KSO_WM_UNIT_ID" val="_11**"/>
-  <p:tag name="KSO_WM_UNIT_LAYERLEVEL" val="1"/>
-  <p:tag name="KSO_WM_TAG_VERSION" val="1.0"/>
-  <p:tag name="KSO_WM_BEAUTIFY_FLAG" val="#wm#"/>
-</p:tagLst>
-</file>
-
-<file path=ppt/tags/tag59.xml><?xml version="1.0" encoding="utf-8"?>
-<p:tagLst xmlns:a="http://schemas.openxmlformats.org/drawingml/2006/main" xmlns:r="http://schemas.openxmlformats.org/officeDocument/2006/relationships" xmlns:p="http://schemas.openxmlformats.org/presentationml/2006/main">
-  <p:tag name="KSO_WM_UNIT_HIGHLIGHT" val="0"/>
-  <p:tag name="KSO_WM_UNIT_COMPATIBLE" val="0"/>
-  <p:tag name="KSO_WM_UNIT_DIAGRAM_ISNUMVISUAL" val="0"/>
-  <p:tag name="KSO_WM_UNIT_DIAGRAM_ISREFERUNIT" val="0"/>
-  <p:tag name="KSO_WM_UNIT_ID" val="_11**"/>
-  <p:tag name="KSO_WM_UNIT_LAYERLEVEL" val="1"/>
-  <p:tag name="KSO_WM_TAG_VERSION" val="1.0"/>
-  <p:tag name="KSO_WM_BEAUTIFY_FLAG" val="#wm#"/>
-</p:tagLst>
-</file>
-
-<file path=ppt/tags/tag6.xml><?xml version="1.0" encoding="utf-8"?>
-<p:tagLst xmlns:a="http://schemas.openxmlformats.org/drawingml/2006/main" xmlns:r="http://schemas.openxmlformats.org/officeDocument/2006/relationships" xmlns:p="http://schemas.openxmlformats.org/presentationml/2006/main">
+<file path=ppt/tags/tag61.xml><?xml version="1.0" encoding="utf-8"?>
+<p:tagLst xmlns:p="http://schemas.openxmlformats.org/presentationml/2006/main">
   <p:tag name="KSO_WM_UNIT_HIGHLIGHT" val="0"/>
   <p:tag name="KSO_WM_UNIT_COMPATIBLE" val="0"/>
   <p:tag name="KSO_WM_UNIT_DIAGRAM_ISNUMVISUAL" val="0"/>
@@ -12868,52 +14284,27 @@
 </p:tagLst>
 </file>
 
-<file path=ppt/tags/tag60.xml><?xml version="1.0" encoding="utf-8"?>
-<p:tagLst xmlns:a="http://schemas.openxmlformats.org/drawingml/2006/main" xmlns:r="http://schemas.openxmlformats.org/officeDocument/2006/relationships" xmlns:p="http://schemas.openxmlformats.org/presentationml/2006/main">
+<file path=ppt/tags/tag62.xml><?xml version="1.0" encoding="utf-8"?>
+<p:tagLst xmlns:p="http://schemas.openxmlformats.org/presentationml/2006/main">
+  <p:tag name="KSO_WM_TEMPLATE_THUMBS_INDEX" val="1、4、7、12、13、14、15、16、17、18、20、24、25、28、33、36、40、43、44"/>
+  <p:tag name="KSO_WM_TEMPLATE_SUBCATEGORY" val="19"/>
+  <p:tag name="KSO_WM_TAG_VERSION" val="1.0"/>
+  <p:tag name="KSO_WM_BEAUTIFY_FLAG" val="#wm#"/>
+  <p:tag name="KSO_WM_TEMPLATE_CATEGORY" val="custom"/>
+  <p:tag name="KSO_WM_TEMPLATE_INDEX" val="20205081"/>
+  <p:tag name="KSO_WM_TEMPLATE_MASTER_TYPE" val="0"/>
+  <p:tag name="KSO_WM_TEMPLATE_COLOR_TYPE" val="1"/>
+  <p:tag name="KSO_WM_UNIT_SHOW_EDIT_AREA_INDICATION" val="1"/>
+</p:tagLst>
+</file>
+
+<file path=ppt/tags/tag7.xml><?xml version="1.0" encoding="utf-8"?>
+<p:tagLst xmlns:p="http://schemas.openxmlformats.org/presentationml/2006/main">
   <p:tag name="KSO_WM_UNIT_HIGHLIGHT" val="0"/>
   <p:tag name="KSO_WM_UNIT_COMPATIBLE" val="0"/>
   <p:tag name="KSO_WM_UNIT_DIAGRAM_ISNUMVISUAL" val="0"/>
   <p:tag name="KSO_WM_UNIT_DIAGRAM_ISREFERUNIT" val="0"/>
-  <p:tag name="KSO_WM_UNIT_ID" val="_11**"/>
-  <p:tag name="KSO_WM_UNIT_LAYERLEVEL" val="1"/>
-  <p:tag name="KSO_WM_TAG_VERSION" val="1.0"/>
-  <p:tag name="KSO_WM_BEAUTIFY_FLAG" val="#wm#"/>
-</p:tagLst>
-</file>
-
-<file path=ppt/tags/tag61.xml><?xml version="1.0" encoding="utf-8"?>
-<p:tagLst xmlns:a="http://schemas.openxmlformats.org/drawingml/2006/main" xmlns:r="http://schemas.openxmlformats.org/officeDocument/2006/relationships" xmlns:p="http://schemas.openxmlformats.org/presentationml/2006/main">
-  <p:tag name="KSO_WM_UNIT_HIGHLIGHT" val="0"/>
-  <p:tag name="KSO_WM_UNIT_COMPATIBLE" val="0"/>
-  <p:tag name="KSO_WM_UNIT_DIAGRAM_ISNUMVISUAL" val="0"/>
-  <p:tag name="KSO_WM_UNIT_DIAGRAM_ISREFERUNIT" val="0"/>
-  <p:tag name="KSO_WM_UNIT_ID" val="_11**"/>
-  <p:tag name="KSO_WM_UNIT_LAYERLEVEL" val="1"/>
-  <p:tag name="KSO_WM_TAG_VERSION" val="1.0"/>
-  <p:tag name="KSO_WM_BEAUTIFY_FLAG" val="#wm#"/>
-</p:tagLst>
-</file>
-
-<file path=ppt/tags/tag62.xml><?xml version="1.0" encoding="utf-8"?>
-<p:tagLst xmlns:a="http://schemas.openxmlformats.org/drawingml/2006/main" xmlns:r="http://schemas.openxmlformats.org/officeDocument/2006/relationships" xmlns:p="http://schemas.openxmlformats.org/presentationml/2006/main">
-  <p:tag name="KSO_WM_UNIT_HIGHLIGHT" val="0"/>
-  <p:tag name="KSO_WM_UNIT_COMPATIBLE" val="0"/>
-  <p:tag name="KSO_WM_UNIT_DIAGRAM_ISNUMVISUAL" val="0"/>
-  <p:tag name="KSO_WM_UNIT_DIAGRAM_ISREFERUNIT" val="0"/>
-  <p:tag name="KSO_WM_UNIT_ID" val="_11**"/>
-  <p:tag name="KSO_WM_UNIT_LAYERLEVEL" val="1"/>
-  <p:tag name="KSO_WM_TAG_VERSION" val="1.0"/>
-  <p:tag name="KSO_WM_BEAUTIFY_FLAG" val="#wm#"/>
-</p:tagLst>
-</file>
-
-<file path=ppt/tags/tag7.xml><?xml version="1.0" encoding="utf-8"?>
-<p:tagLst xmlns:a="http://schemas.openxmlformats.org/drawingml/2006/main" xmlns:r="http://schemas.openxmlformats.org/officeDocument/2006/relationships" xmlns:p="http://schemas.openxmlformats.org/presentationml/2006/main">
-  <p:tag name="KSO_WM_UNIT_HIGHLIGHT" val="0"/>
-  <p:tag name="KSO_WM_UNIT_COMPATIBLE" val="0"/>
-  <p:tag name="KSO_WM_UNIT_DIAGRAM_ISNUMVISUAL" val="0"/>
-  <p:tag name="KSO_WM_UNIT_DIAGRAM_ISREFERUNIT" val="0"/>
-  <p:tag name="KSO_WM_UNIT_ID" val="_1**"/>
+  <p:tag name="KSO_WM_UNIT_ID" val="_2**"/>
   <p:tag name="KSO_WM_UNIT_LAYERLEVEL" val="1"/>
   <p:tag name="KSO_WM_TAG_VERSION" val="1.0"/>
   <p:tag name="KSO_WM_BEAUTIFY_FLAG" val="#wm#"/>
@@ -12921,12 +14312,12 @@
 </file>
 
 <file path=ppt/tags/tag8.xml><?xml version="1.0" encoding="utf-8"?>
-<p:tagLst xmlns:a="http://schemas.openxmlformats.org/drawingml/2006/main" xmlns:r="http://schemas.openxmlformats.org/officeDocument/2006/relationships" xmlns:p="http://schemas.openxmlformats.org/presentationml/2006/main">
+<p:tagLst xmlns:p="http://schemas.openxmlformats.org/presentationml/2006/main">
   <p:tag name="KSO_WM_UNIT_HIGHLIGHT" val="0"/>
   <p:tag name="KSO_WM_UNIT_COMPATIBLE" val="0"/>
   <p:tag name="KSO_WM_UNIT_DIAGRAM_ISNUMVISUAL" val="0"/>
   <p:tag name="KSO_WM_UNIT_DIAGRAM_ISREFERUNIT" val="0"/>
-  <p:tag name="KSO_WM_UNIT_ID" val="_1**"/>
+  <p:tag name="KSO_WM_UNIT_ID" val="_2**"/>
   <p:tag name="KSO_WM_UNIT_LAYERLEVEL" val="1"/>
   <p:tag name="KSO_WM_TAG_VERSION" val="1.0"/>
   <p:tag name="KSO_WM_BEAUTIFY_FLAG" val="#wm#"/>
@@ -12934,12 +14325,12 @@
 </file>
 
 <file path=ppt/tags/tag9.xml><?xml version="1.0" encoding="utf-8"?>
-<p:tagLst xmlns:a="http://schemas.openxmlformats.org/drawingml/2006/main" xmlns:r="http://schemas.openxmlformats.org/officeDocument/2006/relationships" xmlns:p="http://schemas.openxmlformats.org/presentationml/2006/main">
+<p:tagLst xmlns:p="http://schemas.openxmlformats.org/presentationml/2006/main">
   <p:tag name="KSO_WM_UNIT_HIGHLIGHT" val="0"/>
   <p:tag name="KSO_WM_UNIT_COMPATIBLE" val="0"/>
   <p:tag name="KSO_WM_UNIT_DIAGRAM_ISNUMVISUAL" val="0"/>
   <p:tag name="KSO_WM_UNIT_DIAGRAM_ISREFERUNIT" val="0"/>
-  <p:tag name="KSO_WM_UNIT_ID" val="_1**"/>
+  <p:tag name="KSO_WM_UNIT_ID" val="_2**"/>
   <p:tag name="KSO_WM_UNIT_LAYERLEVEL" val="1"/>
   <p:tag name="KSO_WM_TAG_VERSION" val="1.0"/>
   <p:tag name="KSO_WM_BEAUTIFY_FLAG" val="#wm#"/>
@@ -13137,8 +14528,6 @@
       </a:bgFillStyleLst>
     </a:fmtScheme>
   </a:themeElements>
-  <a:objectDefaults/>
-  <a:extraClrSchemeLst/>
   <a:extLst>
     <a:ext uri="{05A4C25C-085E-4340-85A3-A5531E510DB2}">
       <thm15:themeFamily xmlns:thm15="http://schemas.microsoft.com/office/thememl/2012/main" name="Office Theme" id="{62F939B6-93AF-4DB8-9C6B-D6C7DFDC589F}" vid="{4A3C46E8-61CC-4603-A589-7422A47A8E4A}"/>

--- a/images/intro.pptx
+++ b/images/intro.pptx
@@ -12683,6 +12683,7 @@
           <a:bodyPr wrap="square" rtlCol="0">
             <a:spAutoFit/>
           </a:bodyPr>
+          <a:lstStyle/>
           <a:p>
             <a:pPr algn="ctr"/>
             <a:r>
@@ -12752,6 +12753,7 @@
           <a:bodyPr wrap="square" rtlCol="0">
             <a:spAutoFit/>
           </a:bodyPr>
+          <a:lstStyle/>
           <a:p>
             <a:pPr algn="ctr"/>
             <a:r>
@@ -12801,8 +12803,8 @@
         </p:nvSpPr>
         <p:spPr>
           <a:xfrm>
-            <a:off x="2435860" y="2348865"/>
-            <a:ext cx="5321300" cy="1117600"/>
+            <a:off x="2945765" y="2348865"/>
+            <a:ext cx="4865370" cy="1117600"/>
           </a:xfrm>
           <a:prstGeom prst="rect">
             <a:avLst/>
@@ -12844,6 +12846,7 @@
         </p:style>
         <p:txBody>
           <a:bodyPr rtlCol="0" anchor="ctr"/>
+          <a:lstStyle/>
           <a:p>
             <a:pPr algn="ctr"/>
             <a:endParaRPr lang="zh-CN" altLang="en-US"/>
@@ -12858,7 +12861,7 @@
         </p:nvSpPr>
         <p:spPr>
           <a:xfrm>
-            <a:off x="4779297" y="2353464"/>
+            <a:off x="5100990" y="2384814"/>
             <a:ext cx="1795145" cy="306705"/>
           </a:xfrm>
           <a:prstGeom prst="rect">
@@ -12903,7 +12906,7 @@
         </p:blipFill>
         <p:spPr>
           <a:xfrm>
-            <a:off x="6879125" y="2806463"/>
+            <a:off x="6957585" y="2810799"/>
             <a:ext cx="501015" cy="501650"/>
           </a:xfrm>
           <a:prstGeom prst="rect">
@@ -12919,7 +12922,7 @@
         </p:nvSpPr>
         <p:spPr>
           <a:xfrm>
-            <a:off x="3656375" y="2383684"/>
+            <a:off x="4058676" y="2384814"/>
             <a:ext cx="1162008" cy="307777"/>
           </a:xfrm>
           <a:prstGeom prst="rect">
@@ -12964,7 +12967,7 @@
         </p:blipFill>
         <p:spPr>
           <a:xfrm>
-            <a:off x="2489825" y="2735140"/>
+            <a:off x="3008448" y="2744692"/>
             <a:ext cx="710002" cy="633864"/>
           </a:xfrm>
           <a:prstGeom prst="rect">
@@ -12980,7 +12983,7 @@
         </p:nvSpPr>
         <p:spPr>
           <a:xfrm>
-            <a:off x="1947094" y="2383722"/>
+            <a:off x="2466352" y="2384814"/>
             <a:ext cx="1795145" cy="306705"/>
           </a:xfrm>
           <a:prstGeom prst="rect">
@@ -13017,7 +13020,7 @@
         </p:nvSpPr>
         <p:spPr>
           <a:xfrm>
-            <a:off x="6483406" y="2348963"/>
+            <a:off x="6555796" y="2384814"/>
             <a:ext cx="1304796" cy="307777"/>
           </a:xfrm>
           <a:prstGeom prst="rect">
@@ -13076,8 +13079,8 @@
         </p:blipFill>
         <p:spPr>
           <a:xfrm>
-            <a:off x="8130017" y="2794059"/>
-            <a:ext cx="531100" cy="535129"/>
+            <a:off x="8130430" y="2794059"/>
+            <a:ext cx="530860" cy="535129"/>
           </a:xfrm>
           <a:prstGeom prst="rect">
             <a:avLst/>
@@ -13100,8 +13103,8 @@
         </p:blipFill>
         <p:spPr>
           <a:xfrm>
-            <a:off x="5275180" y="2691676"/>
-            <a:ext cx="803380" cy="736232"/>
+            <a:off x="5596780" y="2693508"/>
+            <a:ext cx="803275" cy="736232"/>
           </a:xfrm>
           <a:prstGeom prst="rect">
             <a:avLst/>
@@ -13130,8 +13133,8 @@
         </p:blipFill>
         <p:spPr>
           <a:xfrm>
-            <a:off x="3930433" y="2754928"/>
-            <a:ext cx="613893" cy="613893"/>
+            <a:off x="4333130" y="2754677"/>
+            <a:ext cx="613410" cy="613893"/>
           </a:xfrm>
           <a:prstGeom prst="rect">
             <a:avLst/>
@@ -13149,8 +13152,8 @@
         </p:nvCxnSpPr>
         <p:spPr>
           <a:xfrm>
-            <a:off x="7380140" y="3045026"/>
-            <a:ext cx="749877" cy="4336"/>
+            <a:off x="7458710" y="3061335"/>
+            <a:ext cx="671830" cy="635"/>
           </a:xfrm>
           <a:prstGeom prst="straightConnector1">
             <a:avLst/>
@@ -13182,8 +13185,8 @@
         </p:nvSpPr>
         <p:spPr>
           <a:xfrm>
-            <a:off x="7105629" y="2729637"/>
-            <a:ext cx="1304796" cy="307777"/>
+            <a:off x="7172304" y="2729637"/>
+            <a:ext cx="1304796" cy="306705"/>
           </a:xfrm>
           <a:prstGeom prst="rect">
             <a:avLst/>
@@ -13199,14 +13202,21 @@
             <a:pPr algn="ctr"/>
             <a:r>
               <a:rPr lang="zh-CN" altLang="en-US" sz="1400" dirty="0">
-                <a:latin typeface="宋体" panose="02010600030101010101" pitchFamily="2" charset="-122"/>
-                <a:ea typeface="宋体" panose="02010600030101010101" pitchFamily="2" charset="-122"/>
+                <a:latin typeface="楷体" panose="02010609060101010101" pitchFamily="49" charset="-122"/>
+                <a:ea typeface="楷体" panose="02010609060101010101" pitchFamily="49" charset="-122"/>
               </a:rPr>
-              <a:t>结果使用</a:t>
+              <a:t>结果</a:t>
+            </a:r>
+            <a:r>
+              <a:rPr lang="zh-CN" altLang="en-US" sz="1400" dirty="0">
+                <a:latin typeface="楷体" panose="02010609060101010101" pitchFamily="49" charset="-122"/>
+                <a:ea typeface="楷体" panose="02010609060101010101" pitchFamily="49" charset="-122"/>
+              </a:rPr>
+              <a:t>使用</a:t>
             </a:r>
             <a:endParaRPr lang="zh-CN" altLang="en-US" sz="1400" dirty="0">
-              <a:latin typeface="宋体" panose="02010600030101010101" pitchFamily="2" charset="-122"/>
-              <a:ea typeface="宋体" panose="02010600030101010101" pitchFamily="2" charset="-122"/>
+              <a:latin typeface="楷体" panose="02010609060101010101" pitchFamily="49" charset="-122"/>
+              <a:ea typeface="楷体" panose="02010609060101010101" pitchFamily="49" charset="-122"/>
             </a:endParaRPr>
           </a:p>
         </p:txBody>
@@ -13219,8 +13229,8 @@
         </p:nvCxnSpPr>
         <p:spPr>
           <a:xfrm>
-            <a:off x="6147227" y="3047762"/>
-            <a:ext cx="713833" cy="1600"/>
+            <a:off x="6343650" y="3056890"/>
+            <a:ext cx="607060" cy="3810"/>
           </a:xfrm>
           <a:prstGeom prst="straightConnector1">
             <a:avLst/>
@@ -13252,7 +13262,7 @@
         </p:nvSpPr>
         <p:spPr>
           <a:xfrm>
-            <a:off x="5839425" y="2729253"/>
+            <a:off x="6002567" y="2730173"/>
             <a:ext cx="1304796" cy="306705"/>
           </a:xfrm>
           <a:prstGeom prst="rect">
@@ -13269,159 +13279,21 @@
             <a:pPr algn="ctr"/>
             <a:r>
               <a:rPr lang="zh-CN" altLang="en-US" sz="1400" dirty="0">
-                <a:latin typeface="宋体" panose="02010600030101010101" pitchFamily="2" charset="-122"/>
-                <a:ea typeface="宋体" panose="02010600030101010101" pitchFamily="2" charset="-122"/>
+                <a:latin typeface="楷体" panose="02010609060101010101" pitchFamily="49" charset="-122"/>
+                <a:ea typeface="楷体" panose="02010609060101010101" pitchFamily="49" charset="-122"/>
               </a:rPr>
-              <a:t>预测</a:t>
+              <a:t>输出</a:t>
             </a:r>
             <a:endParaRPr lang="zh-CN" altLang="en-US" sz="1400" dirty="0">
-              <a:latin typeface="宋体" panose="02010600030101010101" pitchFamily="2" charset="-122"/>
-              <a:ea typeface="宋体" panose="02010600030101010101" pitchFamily="2" charset="-122"/>
-            </a:endParaRPr>
-          </a:p>
-        </p:txBody>
-      </p:sp>
-      <p:cxnSp>
-        <p:nvCxnSpPr>
-          <p:cNvPr id="2" name="直接箭头连接符 1"/>
-          <p:cNvCxnSpPr/>
-          <p:nvPr/>
-        </p:nvCxnSpPr>
-        <p:spPr>
-          <a:xfrm>
-            <a:off x="4560997" y="3047762"/>
-            <a:ext cx="713833" cy="1600"/>
-          </a:xfrm>
-          <a:prstGeom prst="straightConnector1">
-            <a:avLst/>
-          </a:prstGeom>
-          <a:ln>
-            <a:tailEnd type="triangle"/>
-          </a:ln>
-        </p:spPr>
-        <p:style>
-          <a:lnRef idx="1">
-            <a:schemeClr val="dk1"/>
-          </a:lnRef>
-          <a:fillRef idx="0">
-            <a:schemeClr val="dk1"/>
-          </a:fillRef>
-          <a:effectRef idx="0">
-            <a:schemeClr val="dk1"/>
-          </a:effectRef>
-          <a:fontRef idx="minor">
-            <a:schemeClr val="tx1"/>
-          </a:fontRef>
-        </p:style>
-      </p:cxnSp>
-      <p:sp>
-        <p:nvSpPr>
-          <p:cNvPr id="3" name="文本框 2"/>
-          <p:cNvSpPr txBox="1"/>
-          <p:nvPr/>
-        </p:nvSpPr>
-        <p:spPr>
-          <a:xfrm>
-            <a:off x="4236050" y="2727348"/>
-            <a:ext cx="1304796" cy="306705"/>
-          </a:xfrm>
-          <a:prstGeom prst="rect">
-            <a:avLst/>
-          </a:prstGeom>
-          <a:noFill/>
-        </p:spPr>
-        <p:txBody>
-          <a:bodyPr wrap="square" rtlCol="0">
-            <a:spAutoFit/>
-          </a:bodyPr>
-          <a:p>
-            <a:pPr algn="ctr"/>
-            <a:r>
-              <a:rPr lang="zh-CN" altLang="en-US" sz="1400" dirty="0">
-                <a:latin typeface="宋体" panose="02010600030101010101" pitchFamily="2" charset="-122"/>
-                <a:ea typeface="宋体" panose="02010600030101010101" pitchFamily="2" charset="-122"/>
-              </a:rPr>
-              <a:t>输入</a:t>
-            </a:r>
-            <a:endParaRPr lang="zh-CN" altLang="en-US" sz="1400" dirty="0">
-              <a:latin typeface="宋体" panose="02010600030101010101" pitchFamily="2" charset="-122"/>
-              <a:ea typeface="宋体" panose="02010600030101010101" pitchFamily="2" charset="-122"/>
-            </a:endParaRPr>
-          </a:p>
-        </p:txBody>
-      </p:sp>
-      <p:cxnSp>
-        <p:nvCxnSpPr>
-          <p:cNvPr id="6" name="直接箭头连接符 5"/>
-          <p:cNvCxnSpPr/>
-          <p:nvPr/>
-        </p:nvCxnSpPr>
-        <p:spPr>
-          <a:xfrm>
-            <a:off x="3205272" y="3047762"/>
-            <a:ext cx="713833" cy="1600"/>
-          </a:xfrm>
-          <a:prstGeom prst="straightConnector1">
-            <a:avLst/>
-          </a:prstGeom>
-          <a:ln>
-            <a:tailEnd type="triangle"/>
-          </a:ln>
-        </p:spPr>
-        <p:style>
-          <a:lnRef idx="1">
-            <a:schemeClr val="dk1"/>
-          </a:lnRef>
-          <a:fillRef idx="0">
-            <a:schemeClr val="dk1"/>
-          </a:fillRef>
-          <a:effectRef idx="0">
-            <a:schemeClr val="dk1"/>
-          </a:effectRef>
-          <a:fontRef idx="minor">
-            <a:schemeClr val="tx1"/>
-          </a:fontRef>
-        </p:style>
-      </p:cxnSp>
-      <p:sp>
-        <p:nvSpPr>
-          <p:cNvPr id="7" name="文本框 6"/>
-          <p:cNvSpPr txBox="1"/>
-          <p:nvPr/>
-        </p:nvSpPr>
-        <p:spPr>
-          <a:xfrm>
-            <a:off x="2918425" y="2730523"/>
-            <a:ext cx="1304796" cy="306705"/>
-          </a:xfrm>
-          <a:prstGeom prst="rect">
-            <a:avLst/>
-          </a:prstGeom>
-          <a:noFill/>
-        </p:spPr>
-        <p:txBody>
-          <a:bodyPr wrap="square" rtlCol="0">
-            <a:spAutoFit/>
-          </a:bodyPr>
-          <a:p>
-            <a:pPr algn="ctr"/>
-            <a:r>
-              <a:rPr lang="zh-CN" altLang="en-US" sz="1400" dirty="0">
-                <a:latin typeface="宋体" panose="02010600030101010101" pitchFamily="2" charset="-122"/>
-                <a:ea typeface="宋体" panose="02010600030101010101" pitchFamily="2" charset="-122"/>
-              </a:rPr>
-              <a:t>生成</a:t>
-            </a:r>
-            <a:endParaRPr lang="zh-CN" altLang="en-US" sz="1400" dirty="0">
-              <a:latin typeface="宋体" panose="02010600030101010101" pitchFamily="2" charset="-122"/>
-              <a:ea typeface="宋体" panose="02010600030101010101" pitchFamily="2" charset="-122"/>
+              <a:latin typeface="楷体" panose="02010609060101010101" pitchFamily="49" charset="-122"/>
+              <a:ea typeface="楷体" panose="02010609060101010101" pitchFamily="49" charset="-122"/>
             </a:endParaRPr>
           </a:p>
         </p:txBody>
       </p:sp>
       <p:sp>
         <p:nvSpPr>
-          <p:cNvPr id="5" name="矩形 4"/>
+          <p:cNvPr id="5" name="矩形 4" descr="7b0a202020202262756c6c6574223a20227b5c2263617465676f727949645c223a31303030362c5c2274656d706c61746549645c223a32303233313131397d220a7d0a"/>
           <p:cNvSpPr/>
           <p:nvPr/>
         </p:nvSpPr>
@@ -13460,22 +13332,27 @@
         </p:style>
         <p:txBody>
           <a:bodyPr rtlCol="0" anchor="ctr"/>
+          <a:lstStyle/>
           <a:p>
-            <a:pPr algn="just" fontAlgn="auto">
+            <a:pPr marL="87630" indent="-87630" algn="just" fontAlgn="auto">
               <a:spcBef>
                 <a:spcPts val="600"/>
               </a:spcBef>
               <a:spcAft>
                 <a:spcPts val="0"/>
               </a:spcAft>
+              <a:buFont typeface="Arial" panose="020B0604020202020204" pitchFamily="34" charset="0"/>
+              <a:buBlip>
+                <a:blip r:embed="rId7"/>
+              </a:buBlip>
             </a:pPr>
             <a:r>
               <a:rPr lang="zh-CN" altLang="en-US" sz="1400" dirty="0">
                 <a:solidFill>
                   <a:schemeClr val="tx1"/>
                 </a:solidFill>
-                <a:latin typeface="宋体" panose="02010600030101010101" pitchFamily="2" charset="-122"/>
-                <a:ea typeface="宋体" panose="02010600030101010101" pitchFamily="2" charset="-122"/>
+                <a:latin typeface="楷体" panose="02010609060101010101" pitchFamily="49" charset="-122"/>
+                <a:ea typeface="楷体" panose="02010609060101010101" pitchFamily="49" charset="-122"/>
                 <a:sym typeface="+mn-ea"/>
               </a:rPr>
               <a:t>为什么这个输入数据导致模型预测错误？</a:t>
@@ -13484,26 +13361,30 @@
               <a:solidFill>
                 <a:schemeClr val="tx1"/>
               </a:solidFill>
-              <a:latin typeface="宋体" panose="02010600030101010101" pitchFamily="2" charset="-122"/>
-              <a:ea typeface="宋体" panose="02010600030101010101" pitchFamily="2" charset="-122"/>
+              <a:latin typeface="楷体" panose="02010609060101010101" pitchFamily="49" charset="-122"/>
+              <a:ea typeface="楷体" panose="02010609060101010101" pitchFamily="49" charset="-122"/>
             </a:endParaRPr>
           </a:p>
           <a:p>
-            <a:pPr algn="just" fontAlgn="auto">
+            <a:pPr marL="87630" indent="-87630" algn="just" fontAlgn="auto">
               <a:spcBef>
                 <a:spcPts val="600"/>
               </a:spcBef>
               <a:spcAft>
                 <a:spcPts val="0"/>
               </a:spcAft>
+              <a:buFont typeface="Arial" panose="020B0604020202020204" pitchFamily="34" charset="0"/>
+              <a:buBlip>
+                <a:blip r:embed="rId7"/>
+              </a:buBlip>
             </a:pPr>
             <a:r>
               <a:rPr lang="zh-CN" altLang="en-US" sz="1400" dirty="0">
                 <a:solidFill>
                   <a:schemeClr val="tx1"/>
                 </a:solidFill>
-                <a:latin typeface="宋体" panose="02010600030101010101" pitchFamily="2" charset="-122"/>
-                <a:ea typeface="宋体" panose="02010600030101010101" pitchFamily="2" charset="-122"/>
+                <a:latin typeface="楷体" panose="02010609060101010101" pitchFamily="49" charset="-122"/>
+                <a:ea typeface="楷体" panose="02010609060101010101" pitchFamily="49" charset="-122"/>
                 <a:sym typeface="+mn-ea"/>
               </a:rPr>
               <a:t>为什么这个测试集能够准确度量模型的质量？</a:t>
@@ -13512,8 +13393,152 @@
               <a:solidFill>
                 <a:schemeClr val="tx1"/>
               </a:solidFill>
-              <a:latin typeface="宋体" panose="02010600030101010101" pitchFamily="2" charset="-122"/>
-              <a:ea typeface="宋体" panose="02010600030101010101" pitchFamily="2" charset="-122"/>
+              <a:latin typeface="楷体" panose="02010609060101010101" pitchFamily="49" charset="-122"/>
+              <a:ea typeface="楷体" panose="02010609060101010101" pitchFamily="49" charset="-122"/>
+            </a:endParaRPr>
+          </a:p>
+        </p:txBody>
+      </p:sp>
+      <p:cxnSp>
+        <p:nvCxnSpPr>
+          <p:cNvPr id="34" name="直接箭头连接符 33"/>
+          <p:cNvCxnSpPr>
+            <a:endCxn id="140" idx="1"/>
+          </p:cNvCxnSpPr>
+          <p:nvPr/>
+        </p:nvCxnSpPr>
+        <p:spPr>
+          <a:xfrm flipV="1">
+            <a:off x="5011420" y="3061335"/>
+            <a:ext cx="585470" cy="4445"/>
+          </a:xfrm>
+          <a:prstGeom prst="straightConnector1">
+            <a:avLst/>
+          </a:prstGeom>
+          <a:ln>
+            <a:tailEnd type="triangle"/>
+          </a:ln>
+        </p:spPr>
+        <p:style>
+          <a:lnRef idx="1">
+            <a:schemeClr val="dk1"/>
+          </a:lnRef>
+          <a:fillRef idx="0">
+            <a:schemeClr val="dk1"/>
+          </a:fillRef>
+          <a:effectRef idx="0">
+            <a:schemeClr val="dk1"/>
+          </a:effectRef>
+          <a:fontRef idx="minor">
+            <a:schemeClr val="tx1"/>
+          </a:fontRef>
+        </p:style>
+      </p:cxnSp>
+      <p:sp>
+        <p:nvSpPr>
+          <p:cNvPr id="35" name="文本框 34"/>
+          <p:cNvSpPr txBox="1"/>
+          <p:nvPr/>
+        </p:nvSpPr>
+        <p:spPr>
+          <a:xfrm>
+            <a:off x="4625147" y="2730173"/>
+            <a:ext cx="1304796" cy="306705"/>
+          </a:xfrm>
+          <a:prstGeom prst="rect">
+            <a:avLst/>
+          </a:prstGeom>
+          <a:noFill/>
+        </p:spPr>
+        <p:txBody>
+          <a:bodyPr wrap="square" rtlCol="0">
+            <a:spAutoFit/>
+          </a:bodyPr>
+          <a:lstStyle/>
+          <a:p>
+            <a:pPr algn="ctr"/>
+            <a:r>
+              <a:rPr lang="zh-CN" altLang="en-US" sz="1400" dirty="0">
+                <a:latin typeface="楷体" panose="02010609060101010101" pitchFamily="49" charset="-122"/>
+                <a:ea typeface="楷体" panose="02010609060101010101" pitchFamily="49" charset="-122"/>
+              </a:rPr>
+              <a:t>测试</a:t>
+            </a:r>
+            <a:endParaRPr lang="zh-CN" altLang="en-US" sz="1400" dirty="0">
+              <a:latin typeface="楷体" panose="02010609060101010101" pitchFamily="49" charset="-122"/>
+              <a:ea typeface="楷体" panose="02010609060101010101" pitchFamily="49" charset="-122"/>
+            </a:endParaRPr>
+          </a:p>
+        </p:txBody>
+      </p:sp>
+      <p:cxnSp>
+        <p:nvCxnSpPr>
+          <p:cNvPr id="36" name="直接箭头连接符 35"/>
+          <p:cNvCxnSpPr>
+            <a:stCxn id="247" idx="3"/>
+          </p:cNvCxnSpPr>
+          <p:nvPr/>
+        </p:nvCxnSpPr>
+        <p:spPr>
+          <a:xfrm flipV="1">
+            <a:off x="3718560" y="3060700"/>
+            <a:ext cx="535305" cy="635"/>
+          </a:xfrm>
+          <a:prstGeom prst="straightConnector1">
+            <a:avLst/>
+          </a:prstGeom>
+          <a:ln>
+            <a:tailEnd type="triangle"/>
+          </a:ln>
+        </p:spPr>
+        <p:style>
+          <a:lnRef idx="1">
+            <a:schemeClr val="dk1"/>
+          </a:lnRef>
+          <a:fillRef idx="0">
+            <a:schemeClr val="dk1"/>
+          </a:fillRef>
+          <a:effectRef idx="0">
+            <a:schemeClr val="dk1"/>
+          </a:effectRef>
+          <a:fontRef idx="minor">
+            <a:schemeClr val="tx1"/>
+          </a:fontRef>
+        </p:style>
+      </p:cxnSp>
+      <p:sp>
+        <p:nvSpPr>
+          <p:cNvPr id="37" name="文本框 36"/>
+          <p:cNvSpPr txBox="1"/>
+          <p:nvPr/>
+        </p:nvSpPr>
+        <p:spPr>
+          <a:xfrm>
+            <a:off x="3304819" y="2730173"/>
+            <a:ext cx="1304796" cy="306705"/>
+          </a:xfrm>
+          <a:prstGeom prst="rect">
+            <a:avLst/>
+          </a:prstGeom>
+          <a:noFill/>
+        </p:spPr>
+        <p:txBody>
+          <a:bodyPr wrap="square" rtlCol="0">
+            <a:spAutoFit/>
+          </a:bodyPr>
+          <a:lstStyle/>
+          <a:p>
+            <a:pPr algn="ctr"/>
+            <a:r>
+              <a:rPr lang="zh-CN" altLang="en-US" sz="1400" dirty="0">
+                <a:latin typeface="楷体" panose="02010609060101010101" pitchFamily="49" charset="-122"/>
+                <a:ea typeface="楷体" panose="02010609060101010101" pitchFamily="49" charset="-122"/>
+              </a:rPr>
+              <a:t>指导</a:t>
+            </a:r>
+            <a:endParaRPr lang="zh-CN" altLang="en-US" sz="1400" dirty="0">
+              <a:latin typeface="楷体" panose="02010609060101010101" pitchFamily="49" charset="-122"/>
+              <a:ea typeface="楷体" panose="02010609060101010101" pitchFamily="49" charset="-122"/>
             </a:endParaRPr>
           </a:p>
         </p:txBody>
